--- a/mss_ai_ppt_sample_assets/backend/data/templates/mss_executive_v2.pptx
+++ b/mss_ai_ppt_sample_assets/backend/data/templates/mss_executive_v2.pptx
@@ -3156,7 +3156,7 @@
               <a:defRPr sz="1800" b="0"/>
             </a:pPr>
             <a:r>
-              <a:t>客户：{{CUSTOMER_NAME}}</a:t>
+              <a:t>{{CUSTOMER_LABEL}}</a:t>
             </a:r>
           </a:p>
         </p:txBody>
@@ -3187,7 +3187,7 @@
               <a:defRPr sz="1400" b="0"/>
             </a:pPr>
             <a:r>
-              <a:t>周期：{{PERIOD}}</a:t>
+              <a:t>{{PERIOD_LABEL}}</a:t>
             </a:r>
           </a:p>
         </p:txBody>
@@ -3218,7 +3218,7 @@
               <a:defRPr sz="1200" b="0"/>
             </a:pPr>
             <a:r>
-              <a:t>保密等级：{{CONFIDENTIALITY}}</a:t>
+              <a:t>{{CONFIDENTIALITY_LABEL}}</a:t>
             </a:r>
           </a:p>
         </p:txBody>
@@ -3249,7 +3249,7 @@
               <a:defRPr sz="1000" b="0"/>
             </a:pPr>
             <a:r>
-              <a:t>生成时间：{{GENERATED_AT}}</a:t>
+              <a:t>{{GENERATED_AT_LABEL}}</a:t>
             </a:r>
           </a:p>
         </p:txBody>
@@ -3346,25 +3346,25 @@
         </p:nvSpPr>
         <p:spPr>
           <a:xfrm>
-            <a:off x="457200" y="1828800"/>
-            <a:ext cx="2286000" cy="274320"/>
-          </a:xfrm>
-          <a:prstGeom prst="rect">
-            <a:avLst/>
-          </a:prstGeom>
-          <a:noFill/>
-        </p:spPr>
-        <p:txBody>
-          <a:bodyPr wrap="square">
-            <a:spAutoFit/>
-          </a:bodyPr>
-          <a:lstStyle/>
-          <a:p>
-            <a:pPr>
-              <a:defRPr sz="1000" b="0"/>
-            </a:pPr>
-            <a:r>
-              <a:t>告警总数</a:t>
+            <a:off x="457200" y="1737360"/>
+            <a:ext cx="11430000" cy="1097280"/>
+          </a:xfrm>
+          <a:prstGeom prst="rect">
+            <a:avLst/>
+          </a:prstGeom>
+          <a:noFill/>
+        </p:spPr>
+        <p:txBody>
+          <a:bodyPr wrap="square">
+            <a:spAutoFit/>
+          </a:bodyPr>
+          <a:lstStyle/>
+          <a:p>
+            <a:pPr>
+              <a:defRPr sz="1100" b="0"/>
+            </a:pPr>
+            <a:r>
+              <a:t>{{KPI_SECTION}}</a:t>
             </a:r>
           </a:p>
         </p:txBody>
@@ -3377,25 +3377,25 @@
         </p:nvSpPr>
         <p:spPr>
           <a:xfrm>
-            <a:off x="457200" y="2103120"/>
-            <a:ext cx="2286000" cy="457200"/>
-          </a:xfrm>
-          <a:prstGeom prst="rect">
-            <a:avLst/>
-          </a:prstGeom>
-          <a:noFill/>
-        </p:spPr>
-        <p:txBody>
-          <a:bodyPr wrap="square">
-            <a:spAutoFit/>
-          </a:bodyPr>
-          <a:lstStyle/>
-          <a:p>
-            <a:pPr>
-              <a:defRPr sz="2400"/>
-            </a:pPr>
-            <a:r>
-              <a:t>{{KPI_ALERTS_TOTAL}}</a:t>
+            <a:off x="457200" y="3017520"/>
+            <a:ext cx="10972800" cy="1371600"/>
+          </a:xfrm>
+          <a:prstGeom prst="rect">
+            <a:avLst/>
+          </a:prstGeom>
+          <a:noFill/>
+        </p:spPr>
+        <p:txBody>
+          <a:bodyPr wrap="square">
+            <a:spAutoFit/>
+          </a:bodyPr>
+          <a:lstStyle/>
+          <a:p>
+            <a:pPr>
+              <a:defRPr sz="1200" b="0"/>
+            </a:pPr>
+            <a:r>
+              <a:t>{{SUMMARY_PARAGRAPH}}</a:t>
             </a:r>
           </a:p>
         </p:txBody>
@@ -3403,223 +3403,6 @@
       <p:sp>
         <p:nvSpPr>
           <p:cNvPr id="6" name="TextBox 5"/>
-          <p:cNvSpPr txBox="1"/>
-          <p:nvPr/>
-        </p:nvSpPr>
-        <p:spPr>
-          <a:xfrm>
-            <a:off x="2926080" y="1828800"/>
-            <a:ext cx="2286000" cy="274320"/>
-          </a:xfrm>
-          <a:prstGeom prst="rect">
-            <a:avLst/>
-          </a:prstGeom>
-          <a:noFill/>
-        </p:spPr>
-        <p:txBody>
-          <a:bodyPr wrap="square">
-            <a:spAutoFit/>
-          </a:bodyPr>
-          <a:lstStyle/>
-          <a:p>
-            <a:pPr>
-              <a:defRPr sz="1000" b="0"/>
-            </a:pPr>
-            <a:r>
-              <a:t>高危告警</a:t>
-            </a:r>
-          </a:p>
-        </p:txBody>
-      </p:sp>
-      <p:sp>
-        <p:nvSpPr>
-          <p:cNvPr id="7" name="TextBox 6"/>
-          <p:cNvSpPr txBox="1"/>
-          <p:nvPr/>
-        </p:nvSpPr>
-        <p:spPr>
-          <a:xfrm>
-            <a:off x="2926080" y="2103120"/>
-            <a:ext cx="2286000" cy="457200"/>
-          </a:xfrm>
-          <a:prstGeom prst="rect">
-            <a:avLst/>
-          </a:prstGeom>
-          <a:noFill/>
-        </p:spPr>
-        <p:txBody>
-          <a:bodyPr wrap="square">
-            <a:spAutoFit/>
-          </a:bodyPr>
-          <a:lstStyle/>
-          <a:p>
-            <a:pPr>
-              <a:defRPr sz="2400"/>
-            </a:pPr>
-            <a:r>
-              <a:t>{{KPI_ALERTS_HIGH}}</a:t>
-            </a:r>
-          </a:p>
-        </p:txBody>
-      </p:sp>
-      <p:sp>
-        <p:nvSpPr>
-          <p:cNvPr id="8" name="TextBox 7"/>
-          <p:cNvSpPr txBox="1"/>
-          <p:nvPr/>
-        </p:nvSpPr>
-        <p:spPr>
-          <a:xfrm>
-            <a:off x="5394960" y="1828800"/>
-            <a:ext cx="2286000" cy="274320"/>
-          </a:xfrm>
-          <a:prstGeom prst="rect">
-            <a:avLst/>
-          </a:prstGeom>
-          <a:noFill/>
-        </p:spPr>
-        <p:txBody>
-          <a:bodyPr wrap="square">
-            <a:spAutoFit/>
-          </a:bodyPr>
-          <a:lstStyle/>
-          <a:p>
-            <a:pPr>
-              <a:defRPr sz="1000" b="0"/>
-            </a:pPr>
-            <a:r>
-              <a:t>高危事件</a:t>
-            </a:r>
-          </a:p>
-        </p:txBody>
-      </p:sp>
-      <p:sp>
-        <p:nvSpPr>
-          <p:cNvPr id="9" name="TextBox 8"/>
-          <p:cNvSpPr txBox="1"/>
-          <p:nvPr/>
-        </p:nvSpPr>
-        <p:spPr>
-          <a:xfrm>
-            <a:off x="5394960" y="2103120"/>
-            <a:ext cx="2286000" cy="457200"/>
-          </a:xfrm>
-          <a:prstGeom prst="rect">
-            <a:avLst/>
-          </a:prstGeom>
-          <a:noFill/>
-        </p:spPr>
-        <p:txBody>
-          <a:bodyPr wrap="square">
-            <a:spAutoFit/>
-          </a:bodyPr>
-          <a:lstStyle/>
-          <a:p>
-            <a:pPr>
-              <a:defRPr sz="2400"/>
-            </a:pPr>
-            <a:r>
-              <a:t>{{KPI_INCIDENTS_HIGH}}</a:t>
-            </a:r>
-          </a:p>
-        </p:txBody>
-      </p:sp>
-      <p:sp>
-        <p:nvSpPr>
-          <p:cNvPr id="10" name="TextBox 9"/>
-          <p:cNvSpPr txBox="1"/>
-          <p:nvPr/>
-        </p:nvSpPr>
-        <p:spPr>
-          <a:xfrm>
-            <a:off x="7863840" y="1828800"/>
-            <a:ext cx="2286000" cy="274320"/>
-          </a:xfrm>
-          <a:prstGeom prst="rect">
-            <a:avLst/>
-          </a:prstGeom>
-          <a:noFill/>
-        </p:spPr>
-        <p:txBody>
-          <a:bodyPr wrap="square">
-            <a:spAutoFit/>
-          </a:bodyPr>
-          <a:lstStyle/>
-          <a:p>
-            <a:pPr>
-              <a:defRPr sz="1000" b="0"/>
-            </a:pPr>
-            <a:r>
-              <a:t>平均MTTR</a:t>
-            </a:r>
-          </a:p>
-        </p:txBody>
-      </p:sp>
-      <p:sp>
-        <p:nvSpPr>
-          <p:cNvPr id="11" name="TextBox 10"/>
-          <p:cNvSpPr txBox="1"/>
-          <p:nvPr/>
-        </p:nvSpPr>
-        <p:spPr>
-          <a:xfrm>
-            <a:off x="7863840" y="2103120"/>
-            <a:ext cx="2286000" cy="457200"/>
-          </a:xfrm>
-          <a:prstGeom prst="rect">
-            <a:avLst/>
-          </a:prstGeom>
-          <a:noFill/>
-        </p:spPr>
-        <p:txBody>
-          <a:bodyPr wrap="square">
-            <a:spAutoFit/>
-          </a:bodyPr>
-          <a:lstStyle/>
-          <a:p>
-            <a:pPr>
-              <a:defRPr sz="2400"/>
-            </a:pPr>
-            <a:r>
-              <a:t>{{KPI_MTTR_HOURS}}</a:t>
-            </a:r>
-          </a:p>
-        </p:txBody>
-      </p:sp>
-      <p:sp>
-        <p:nvSpPr>
-          <p:cNvPr id="12" name="TextBox 11"/>
-          <p:cNvSpPr txBox="1"/>
-          <p:nvPr/>
-        </p:nvSpPr>
-        <p:spPr>
-          <a:xfrm>
-            <a:off x="457200" y="2926080"/>
-            <a:ext cx="10972800" cy="1371600"/>
-          </a:xfrm>
-          <a:prstGeom prst="rect">
-            <a:avLst/>
-          </a:prstGeom>
-          <a:noFill/>
-        </p:spPr>
-        <p:txBody>
-          <a:bodyPr wrap="square">
-            <a:spAutoFit/>
-          </a:bodyPr>
-          <a:lstStyle/>
-          <a:p>
-            <a:pPr>
-              <a:defRPr sz="1200"/>
-            </a:pPr>
-            <a:r>
-              <a:t>{{SUMMARY_PARAGRAPH}}</a:t>
-            </a:r>
-          </a:p>
-        </p:txBody>
-      </p:sp>
-      <p:sp>
-        <p:nvSpPr>
-          <p:cNvPr id="13" name="TextBox 12"/>
           <p:cNvSpPr txBox="1"/>
           <p:nvPr/>
         </p:nvSpPr>
@@ -3643,14 +3426,14 @@
               <a:defRPr sz="1400" b="1"/>
             </a:pPr>
             <a:r>
-              <a:t>关键洞察</a:t>
-            </a:r>
-          </a:p>
-        </p:txBody>
-      </p:sp>
-      <p:sp>
-        <p:nvSpPr>
-          <p:cNvPr id="14" name="TextBox 13"/>
+              <a:t>{{KEY_INSIGHTS_TITLE}}</a:t>
+            </a:r>
+          </a:p>
+        </p:txBody>
+      </p:sp>
+      <p:sp>
+        <p:nvSpPr>
+          <p:cNvPr id="7" name="TextBox 6"/>
           <p:cNvSpPr txBox="1"/>
           <p:nvPr/>
         </p:nvSpPr>
@@ -3671,7 +3454,7 @@
           <a:lstStyle/>
           <a:p>
             <a:pPr>
-              <a:defRPr sz="1100"/>
+              <a:defRPr sz="1100" b="0"/>
             </a:pPr>
             <a:r>
               <a:t>{{KEY_INSIGHTS}}</a:t>
@@ -3758,7 +3541,7 @@
               <a:defRPr sz="1400" b="1"/>
             </a:pPr>
             <a:r>
-              <a:t>趋势分析</a:t>
+              <a:t>{{TREND_SECTION_TITLE}}</a:t>
             </a:r>
           </a:p>
         </p:txBody>
@@ -3786,7 +3569,7 @@
           <a:lstStyle/>
           <a:p>
             <a:pPr>
-              <a:defRPr sz="1100"/>
+              <a:defRPr sz="1100" b="0"/>
             </a:pPr>
             <a:r>
               <a:t>{{TREND_ANALYSIS}}</a:t>
@@ -3820,7 +3603,7 @@
               <a:defRPr sz="1400" b="1"/>
             </a:pPr>
             <a:r>
-              <a:t>Top告警类别</a:t>
+              <a:t>{{TOP_CATEGORIES_TITLE}}</a:t>
             </a:r>
           </a:p>
         </p:txBody>
@@ -3848,7 +3631,7 @@
           <a:lstStyle/>
           <a:p>
             <a:pPr>
-              <a:defRPr sz="1100"/>
+              <a:defRPr sz="1100" b="0"/>
             </a:pPr>
             <a:r>
               <a:t>{{TOP_CATEGORIES_LIST}}</a:t>
@@ -3882,7 +3665,7 @@
               <a:defRPr sz="1400" b="1"/>
             </a:pPr>
             <a:r>
-              <a:t>类别分析</a:t>
+              <a:t>{{CATEGORIES_INSIGHT_TITLE}}</a:t>
             </a:r>
           </a:p>
         </p:txBody>
@@ -3910,7 +3693,7 @@
           <a:lstStyle/>
           <a:p>
             <a:pPr>
-              <a:defRPr sz="1100"/>
+              <a:defRPr sz="1100" b="0"/>
             </a:pPr>
             <a:r>
               <a:t>{{TOP_CATEGORIES_INSIGHT}}</a:t>
@@ -3944,7 +3727,7 @@
               <a:defRPr sz="1400" b="1"/>
             </a:pPr>
             <a:r>
-              <a:t>环比对比</a:t>
+              <a:t>{{MOM_TITLE}}</a:t>
             </a:r>
           </a:p>
         </p:txBody>
@@ -3972,7 +3755,7 @@
           <a:lstStyle/>
           <a:p>
             <a:pPr>
-              <a:defRPr sz="1100"/>
+              <a:defRPr sz="1100" b="0"/>
             </a:pPr>
             <a:r>
               <a:t>{{MOM_COMPARISON}}</a:t>
@@ -4059,7 +3842,7 @@
               <a:defRPr sz="1400" b="1"/>
             </a:pPr>
             <a:r>
-              <a:t>事件概述</a:t>
+              <a:t>{{INCIDENT_OVERVIEW_TITLE}}</a:t>
             </a:r>
           </a:p>
         </p:txBody>
@@ -4087,7 +3870,7 @@
           <a:lstStyle/>
           <a:p>
             <a:pPr>
-              <a:defRPr sz="1100"/>
+              <a:defRPr sz="1100" b="0"/>
             </a:pPr>
             <a:r>
               <a:t>{{INCIDENT_SUMMARY}}</a:t>
@@ -4121,7 +3904,7 @@
               <a:defRPr sz="1400" b="1"/>
             </a:pPr>
             <a:r>
-              <a:t>重点事件详情</a:t>
+              <a:t>{{INCIDENT_DETAILS_TITLE}}</a:t>
             </a:r>
           </a:p>
         </p:txBody>
@@ -4149,7 +3932,7 @@
           <a:lstStyle/>
           <a:p>
             <a:pPr>
-              <a:defRPr sz="1000"/>
+              <a:defRPr sz="1000" b="0"/>
             </a:pPr>
             <a:r>
               <a:t>{{INCIDENT_DETAILS}}</a:t>
@@ -4183,7 +3966,7 @@
               <a:defRPr sz="1400" b="1"/>
             </a:pPr>
             <a:r>
-              <a:t>安全洞察</a:t>
+              <a:t>{{INCIDENT_INSIGHT_TITLE}}</a:t>
             </a:r>
           </a:p>
         </p:txBody>
@@ -4211,7 +3994,7 @@
           <a:lstStyle/>
           <a:p>
             <a:pPr>
-              <a:defRPr sz="1100"/>
+              <a:defRPr sz="1100" b="0"/>
             </a:pPr>
             <a:r>
               <a:t>{{INCIDENT_INSIGHT}}</a:t>
@@ -4280,7 +4063,69 @@
         </p:nvSpPr>
         <p:spPr>
           <a:xfrm>
-            <a:off x="457200" y="1097280"/>
+            <a:off x="457200" y="914400"/>
+            <a:ext cx="10972800" cy="365760"/>
+          </a:xfrm>
+          <a:prstGeom prst="rect">
+            <a:avLst/>
+          </a:prstGeom>
+          <a:noFill/>
+        </p:spPr>
+        <p:txBody>
+          <a:bodyPr wrap="square">
+            <a:spAutoFit/>
+          </a:bodyPr>
+          <a:lstStyle/>
+          <a:p>
+            <a:pPr>
+              <a:defRPr sz="1400" b="1"/>
+            </a:pPr>
+            <a:r>
+              <a:t>{{VULN_STATS_TITLE}}</a:t>
+            </a:r>
+          </a:p>
+        </p:txBody>
+      </p:sp>
+      <p:sp>
+        <p:nvSpPr>
+          <p:cNvPr id="4" name="TextBox 3"/>
+          <p:cNvSpPr txBox="1"/>
+          <p:nvPr/>
+        </p:nvSpPr>
+        <p:spPr>
+          <a:xfrm>
+            <a:off x="457200" y="1280160"/>
+            <a:ext cx="10972800" cy="457200"/>
+          </a:xfrm>
+          <a:prstGeom prst="rect">
+            <a:avLst/>
+          </a:prstGeom>
+          <a:noFill/>
+        </p:spPr>
+        <p:txBody>
+          <a:bodyPr wrap="square">
+            <a:spAutoFit/>
+          </a:bodyPr>
+          <a:lstStyle/>
+          <a:p>
+            <a:pPr>
+              <a:defRPr sz="1100" b="0"/>
+            </a:pPr>
+            <a:r>
+              <a:t>{{VULN_STATS}}</a:t>
+            </a:r>
+          </a:p>
+        </p:txBody>
+      </p:sp>
+      <p:sp>
+        <p:nvSpPr>
+          <p:cNvPr id="5" name="TextBox 4"/>
+          <p:cNvSpPr txBox="1"/>
+          <p:nvPr/>
+        </p:nvSpPr>
+        <p:spPr>
+          <a:xfrm>
+            <a:off x="457200" y="1828800"/>
             <a:ext cx="5486400" cy="365760"/>
           </a:xfrm>
           <a:prstGeom prst="rect">
@@ -4298,35 +4143,35 @@
               <a:defRPr sz="1400" b="1"/>
             </a:pPr>
             <a:r>
-              <a:t>漏洞态势</a:t>
-            </a:r>
-          </a:p>
-        </p:txBody>
-      </p:sp>
-      <p:sp>
-        <p:nvSpPr>
-          <p:cNvPr id="4" name="TextBox 3"/>
-          <p:cNvSpPr txBox="1"/>
-          <p:nvPr/>
-        </p:nvSpPr>
-        <p:spPr>
-          <a:xfrm>
-            <a:off x="457200" y="1463040"/>
-            <a:ext cx="5486400" cy="1097280"/>
-          </a:xfrm>
-          <a:prstGeom prst="rect">
-            <a:avLst/>
-          </a:prstGeom>
-          <a:noFill/>
-        </p:spPr>
-        <p:txBody>
-          <a:bodyPr wrap="square">
-            <a:spAutoFit/>
-          </a:bodyPr>
-          <a:lstStyle/>
-          <a:p>
-            <a:pPr>
-              <a:defRPr sz="1100"/>
+              <a:t>{{VULN_OVERVIEW_TITLE}}</a:t>
+            </a:r>
+          </a:p>
+        </p:txBody>
+      </p:sp>
+      <p:sp>
+        <p:nvSpPr>
+          <p:cNvPr id="6" name="TextBox 5"/>
+          <p:cNvSpPr txBox="1"/>
+          <p:nvPr/>
+        </p:nvSpPr>
+        <p:spPr>
+          <a:xfrm>
+            <a:off x="457200" y="2194560"/>
+            <a:ext cx="5486400" cy="914400"/>
+          </a:xfrm>
+          <a:prstGeom prst="rect">
+            <a:avLst/>
+          </a:prstGeom>
+          <a:noFill/>
+        </p:spPr>
+        <p:txBody>
+          <a:bodyPr wrap="square">
+            <a:spAutoFit/>
+          </a:bodyPr>
+          <a:lstStyle/>
+          <a:p>
+            <a:pPr>
+              <a:defRPr sz="1100" b="0"/>
             </a:pPr>
             <a:r>
               <a:t>{{VULN_OVERVIEW}}</a:t>
@@ -4336,13 +4181,13 @@
       </p:sp>
       <p:sp>
         <p:nvSpPr>
-          <p:cNvPr id="5" name="TextBox 4"/>
-          <p:cNvSpPr txBox="1"/>
-          <p:nvPr/>
-        </p:nvSpPr>
-        <p:spPr>
-          <a:xfrm>
-            <a:off x="6400800" y="1097280"/>
+          <p:cNvPr id="7" name="TextBox 6"/>
+          <p:cNvSpPr txBox="1"/>
+          <p:nvPr/>
+        </p:nvSpPr>
+        <p:spPr>
+          <a:xfrm>
+            <a:off x="6400800" y="1828800"/>
             <a:ext cx="5029200" cy="365760"/>
           </a:xfrm>
           <a:prstGeom prst="rect">
@@ -4360,35 +4205,35 @@
               <a:defRPr sz="1400" b="1"/>
             </a:pPr>
             <a:r>
-              <a:t>暴露面统计</a:t>
-            </a:r>
-          </a:p>
-        </p:txBody>
-      </p:sp>
-      <p:sp>
-        <p:nvSpPr>
-          <p:cNvPr id="6" name="TextBox 5"/>
-          <p:cNvSpPr txBox="1"/>
-          <p:nvPr/>
-        </p:nvSpPr>
-        <p:spPr>
-          <a:xfrm>
-            <a:off x="6400800" y="1463040"/>
-            <a:ext cx="5029200" cy="457200"/>
-          </a:xfrm>
-          <a:prstGeom prst="rect">
-            <a:avLst/>
-          </a:prstGeom>
-          <a:noFill/>
-        </p:spPr>
-        <p:txBody>
-          <a:bodyPr wrap="square">
-            <a:spAutoFit/>
-          </a:bodyPr>
-          <a:lstStyle/>
-          <a:p>
-            <a:pPr>
-              <a:defRPr sz="1100"/>
+              <a:t>{{EXPOSURE_STATS_TITLE}}</a:t>
+            </a:r>
+          </a:p>
+        </p:txBody>
+      </p:sp>
+      <p:sp>
+        <p:nvSpPr>
+          <p:cNvPr id="8" name="TextBox 7"/>
+          <p:cNvSpPr txBox="1"/>
+          <p:nvPr/>
+        </p:nvSpPr>
+        <p:spPr>
+          <a:xfrm>
+            <a:off x="6400800" y="2194560"/>
+            <a:ext cx="5029200" cy="914400"/>
+          </a:xfrm>
+          <a:prstGeom prst="rect">
+            <a:avLst/>
+          </a:prstGeom>
+          <a:noFill/>
+        </p:spPr>
+        <p:txBody>
+          <a:bodyPr wrap="square">
+            <a:spAutoFit/>
+          </a:bodyPr>
+          <a:lstStyle/>
+          <a:p>
+            <a:pPr>
+              <a:defRPr sz="1100" b="0"/>
             </a:pPr>
             <a:r>
               <a:t>{{EXPOSURE_STATS}}</a:t>
@@ -4398,13 +4243,13 @@
       </p:sp>
       <p:sp>
         <p:nvSpPr>
-          <p:cNvPr id="7" name="TextBox 6"/>
-          <p:cNvSpPr txBox="1"/>
-          <p:nvPr/>
-        </p:nvSpPr>
-        <p:spPr>
-          <a:xfrm>
-            <a:off x="457200" y="2743200"/>
+          <p:cNvPr id="9" name="TextBox 8"/>
+          <p:cNvSpPr txBox="1"/>
+          <p:nvPr/>
+        </p:nvSpPr>
+        <p:spPr>
+          <a:xfrm>
+            <a:off x="457200" y="3291840"/>
             <a:ext cx="10972800" cy="365760"/>
           </a:xfrm>
           <a:prstGeom prst="rect">
@@ -4422,45 +4267,45 @@
               <a:defRPr sz="1400" b="1"/>
             </a:pPr>
             <a:r>
-              <a:t>Top CVE分析</a:t>
-            </a:r>
-          </a:p>
-        </p:txBody>
-      </p:sp>
-      <p:sp>
-        <p:nvSpPr>
-          <p:cNvPr id="8" name="TextBox 7"/>
-          <p:cNvSpPr txBox="1"/>
-          <p:nvPr/>
-        </p:nvSpPr>
-        <p:spPr>
-          <a:xfrm>
-            <a:off x="457200" y="3108960"/>
-            <a:ext cx="10972800" cy="1645920"/>
-          </a:xfrm>
-          <a:prstGeom prst="rect">
-            <a:avLst/>
-          </a:prstGeom>
-          <a:noFill/>
-        </p:spPr>
-        <p:txBody>
-          <a:bodyPr wrap="square">
-            <a:spAutoFit/>
-          </a:bodyPr>
-          <a:lstStyle/>
-          <a:p>
-            <a:pPr>
-              <a:defRPr sz="1000"/>
-            </a:pPr>
-            <a:r>
-              <a:t>{{TOP_CVE_ANALYSIS}}</a:t>
-            </a:r>
-          </a:p>
-        </p:txBody>
-      </p:sp>
-      <p:sp>
-        <p:nvSpPr>
-          <p:cNvPr id="9" name="TextBox 8"/>
+              <a:t>{{TOP_CVE_TITLE}}</a:t>
+            </a:r>
+          </a:p>
+        </p:txBody>
+      </p:sp>
+      <p:sp>
+        <p:nvSpPr>
+          <p:cNvPr id="10" name="TextBox 9"/>
+          <p:cNvSpPr txBox="1"/>
+          <p:nvPr/>
+        </p:nvSpPr>
+        <p:spPr>
+          <a:xfrm>
+            <a:off x="457200" y="3657600"/>
+            <a:ext cx="10972800" cy="1097280"/>
+          </a:xfrm>
+          <a:prstGeom prst="rect">
+            <a:avLst/>
+          </a:prstGeom>
+          <a:noFill/>
+        </p:spPr>
+        <p:txBody>
+          <a:bodyPr wrap="square">
+            <a:spAutoFit/>
+          </a:bodyPr>
+          <a:lstStyle/>
+          <a:p>
+            <a:pPr>
+              <a:defRPr sz="1000" b="0"/>
+            </a:pPr>
+            <a:r>
+              <a:t>{{TOP_CVE_LIST}}</a:t>
+            </a:r>
+          </a:p>
+        </p:txBody>
+      </p:sp>
+      <p:sp>
+        <p:nvSpPr>
+          <p:cNvPr id="11" name="TextBox 10"/>
           <p:cNvSpPr txBox="1"/>
           <p:nvPr/>
         </p:nvSpPr>
@@ -4484,35 +4329,66 @@
               <a:defRPr sz="1400" b="1"/>
             </a:pPr>
             <a:r>
-              <a:t>暴露面分析</a:t>
-            </a:r>
-          </a:p>
-        </p:txBody>
-      </p:sp>
-      <p:sp>
-        <p:nvSpPr>
-          <p:cNvPr id="10" name="TextBox 9"/>
+              <a:t>{{CVE_ANALYSIS_TITLE}}</a:t>
+            </a:r>
+          </a:p>
+        </p:txBody>
+      </p:sp>
+      <p:sp>
+        <p:nvSpPr>
+          <p:cNvPr id="12" name="TextBox 11"/>
           <p:cNvSpPr txBox="1"/>
           <p:nvPr/>
         </p:nvSpPr>
         <p:spPr>
           <a:xfrm>
             <a:off x="457200" y="5303520"/>
-            <a:ext cx="10972800" cy="1371600"/>
-          </a:xfrm>
-          <a:prstGeom prst="rect">
-            <a:avLst/>
-          </a:prstGeom>
-          <a:noFill/>
-        </p:spPr>
-        <p:txBody>
-          <a:bodyPr wrap="square">
-            <a:spAutoFit/>
-          </a:bodyPr>
-          <a:lstStyle/>
-          <a:p>
-            <a:pPr>
-              <a:defRPr sz="1100"/>
+            <a:ext cx="10972800" cy="914400"/>
+          </a:xfrm>
+          <a:prstGeom prst="rect">
+            <a:avLst/>
+          </a:prstGeom>
+          <a:noFill/>
+        </p:spPr>
+        <p:txBody>
+          <a:bodyPr wrap="square">
+            <a:spAutoFit/>
+          </a:bodyPr>
+          <a:lstStyle/>
+          <a:p>
+            <a:pPr>
+              <a:defRPr sz="1000" b="0"/>
+            </a:pPr>
+            <a:r>
+              <a:t>{{TOP_CVE_ANALYSIS}}</a:t>
+            </a:r>
+          </a:p>
+        </p:txBody>
+      </p:sp>
+      <p:sp>
+        <p:nvSpPr>
+          <p:cNvPr id="13" name="TextBox 12"/>
+          <p:cNvSpPr txBox="1"/>
+          <p:nvPr/>
+        </p:nvSpPr>
+        <p:spPr>
+          <a:xfrm>
+            <a:off x="457200" y="6309360"/>
+            <a:ext cx="10972800" cy="457200"/>
+          </a:xfrm>
+          <a:prstGeom prst="rect">
+            <a:avLst/>
+          </a:prstGeom>
+          <a:noFill/>
+        </p:spPr>
+        <p:txBody>
+          <a:bodyPr wrap="square">
+            <a:spAutoFit/>
+          </a:bodyPr>
+          <a:lstStyle/>
+          <a:p>
+            <a:pPr>
+              <a:defRPr sz="900" b="0"/>
             </a:pPr>
             <a:r>
               <a:t>{{EXPOSURE_SUMMARY}}</a:t>
@@ -4599,7 +4475,7 @@
               <a:defRPr sz="1200" b="0"/>
             </a:pPr>
             <a:r>
-              <a:t>云账号数</a:t>
+              <a:t>{{CLOUD_ACCOUNTS_TITLE}}</a:t>
             </a:r>
           </a:p>
         </p:txBody>
@@ -4627,7 +4503,7 @@
           <a:lstStyle/>
           <a:p>
             <a:pPr>
-              <a:defRPr sz="2000"/>
+              <a:defRPr sz="2000" b="0"/>
             </a:pPr>
             <a:r>
               <a:t>{{CLOUD_ACCOUNTS_COUNT}}</a:t>
@@ -4661,7 +4537,7 @@
               <a:defRPr sz="1400" b="1"/>
             </a:pPr>
             <a:r>
-              <a:t>云风险清单</a:t>
+              <a:t>{{CLOUD_RISK_TITLE}}</a:t>
             </a:r>
           </a:p>
         </p:txBody>
@@ -4689,7 +4565,7 @@
           <a:lstStyle/>
           <a:p>
             <a:pPr>
-              <a:defRPr sz="1100"/>
+              <a:defRPr sz="1100" b="0"/>
             </a:pPr>
             <a:r>
               <a:t>{{CLOUD_RISK_LIST}}</a:t>
@@ -4723,7 +4599,7 @@
               <a:defRPr sz="1400" b="1"/>
             </a:pPr>
             <a:r>
-              <a:t>风险分析</a:t>
+              <a:t>{{CLOUD_ANALYSIS_TITLE}}</a:t>
             </a:r>
           </a:p>
         </p:txBody>
@@ -4751,7 +4627,7 @@
           <a:lstStyle/>
           <a:p>
             <a:pPr>
-              <a:defRPr sz="1100"/>
+              <a:defRPr sz="1100" b="0"/>
             </a:pPr>
             <a:r>
               <a:t>{{CLOUD_RISK_SUMMARY}}</a:t>
@@ -4785,7 +4661,7 @@
               <a:defRPr sz="1400" b="1"/>
             </a:pPr>
             <a:r>
-              <a:t>云安全建议</a:t>
+              <a:t>{{CLOUD_REC_TITLE}}</a:t>
             </a:r>
           </a:p>
         </p:txBody>
@@ -4813,7 +4689,7 @@
           <a:lstStyle/>
           <a:p>
             <a:pPr>
-              <a:defRPr sz="1100"/>
+              <a:defRPr sz="1100" b="0"/>
             </a:pPr>
             <a:r>
               <a:t>{{CLOUD_RECOMMENDATIONS}}</a:t>
@@ -4900,7 +4776,7 @@
               <a:defRPr sz="1400" b="1"/>
             </a:pPr>
             <a:r>
-              <a:t>P0 紧急整改（7天内）</a:t>
+              <a:t>{{P0_TITLE}}</a:t>
             </a:r>
           </a:p>
         </p:txBody>
@@ -4928,7 +4804,7 @@
           <a:lstStyle/>
           <a:p>
             <a:pPr>
-              <a:defRPr sz="1100"/>
+              <a:defRPr sz="1100" b="0"/>
             </a:pPr>
             <a:r>
               <a:t>{{P0_ACTIONS}}</a:t>
@@ -4962,7 +4838,7 @@
               <a:defRPr sz="1400" b="1"/>
             </a:pPr>
             <a:r>
-              <a:t>P1 重要整改（30天内）</a:t>
+              <a:t>{{P1_TITLE}}</a:t>
             </a:r>
           </a:p>
         </p:txBody>
@@ -4990,7 +4866,7 @@
           <a:lstStyle/>
           <a:p>
             <a:pPr>
-              <a:defRPr sz="1100"/>
+              <a:defRPr sz="1100" b="0"/>
             </a:pPr>
             <a:r>
               <a:t>{{P1_ACTIONS}}</a:t>
@@ -5024,7 +4900,7 @@
               <a:defRPr sz="1400" b="1"/>
             </a:pPr>
             <a:r>
-              <a:t>中长期安全建设建议</a:t>
+              <a:t>{{STRATEGIC_TITLE}}</a:t>
             </a:r>
           </a:p>
         </p:txBody>
@@ -5052,7 +4928,7 @@
           <a:lstStyle/>
           <a:p>
             <a:pPr>
-              <a:defRPr sz="1100"/>
+              <a:defRPr sz="1100" b="0"/>
             </a:pPr>
             <a:r>
               <a:t>{{STRATEGIC_RECOMMENDATIONS}}</a:t>
@@ -5139,7 +5015,7 @@
               <a:defRPr sz="1400" b="1"/>
             </a:pPr>
             <a:r>
-              <a:t>数据口径说明</a:t>
+              <a:t>{{DATA_SCOPE_TITLE}}</a:t>
             </a:r>
           </a:p>
         </p:txBody>
@@ -5167,7 +5043,7 @@
           <a:lstStyle/>
           <a:p>
             <a:pPr>
-              <a:defRPr sz="1000"/>
+              <a:defRPr sz="1000" b="0"/>
             </a:pPr>
             <a:r>
               <a:t>{{DATA_SCOPE}}</a:t>
@@ -5201,7 +5077,7 @@
               <a:defRPr sz="1400" b="1"/>
             </a:pPr>
             <a:r>
-              <a:t>资产覆盖</a:t>
+              <a:t>{{ASSET_COVERAGE_TITLE}}</a:t>
             </a:r>
           </a:p>
         </p:txBody>
@@ -5229,7 +5105,7 @@
           <a:lstStyle/>
           <a:p>
             <a:pPr>
-              <a:defRPr sz="1000"/>
+              <a:defRPr sz="1000" b="0"/>
             </a:pPr>
             <a:r>
               <a:t>{{ASSET_COVERAGE}}</a:t>
@@ -5263,7 +5139,7 @@
               <a:defRPr sz="1400" b="1"/>
             </a:pPr>
             <a:r>
-              <a:t>SLA说明</a:t>
+              <a:t>{{SLA_TITLE}}</a:t>
             </a:r>
           </a:p>
         </p:txBody>
@@ -5291,7 +5167,7 @@
           <a:lstStyle/>
           <a:p>
             <a:pPr>
-              <a:defRPr sz="1000"/>
+              <a:defRPr sz="1000" b="0"/>
             </a:pPr>
             <a:r>
               <a:t>{{SLA_NOTES}}</a:t>
@@ -5325,7 +5201,7 @@
               <a:defRPr sz="1400" b="1"/>
             </a:pPr>
             <a:r>
-              <a:t>术语解释</a:t>
+              <a:t>{{TERMINOLOGY_TITLE}}</a:t>
             </a:r>
           </a:p>
         </p:txBody>
@@ -5353,7 +5229,7 @@
           <a:lstStyle/>
           <a:p>
             <a:pPr>
-              <a:defRPr sz="1000"/>
+              <a:defRPr sz="1000" b="0"/>
             </a:pPr>
             <a:r>
               <a:t>{{TERMINOLOGY}}</a:t>
@@ -5384,7 +5260,7 @@
           <a:lstStyle/>
           <a:p>
             <a:pPr>
-              <a:defRPr sz="1000"/>
+              <a:defRPr sz="1000" b="0"/>
             </a:pPr>
             <a:r>
               <a:t>{{CONTACT_INFO}}</a:t>

--- a/mss_ai_ppt_sample_assets/backend/data/templates/mss_executive_v2.pptx
+++ b/mss_ai_ppt_sample_assets/backend/data/templates/mss_executive_v2.pptx
@@ -3088,6 +3088,14 @@
 <file path=ppt/slides/slide1.xml><?xml version="1.0" encoding="utf-8"?>
 <p:sld xmlns:a="http://schemas.openxmlformats.org/drawingml/2006/main" xmlns:p="http://schemas.openxmlformats.org/presentationml/2006/main" xmlns:r="http://schemas.openxmlformats.org/officeDocument/2006/relationships">
   <p:cSld>
+    <p:bg>
+      <p:bgPr>
+        <a:solidFill>
+          <a:srgbClr val="F8FAFC"/>
+        </a:solidFill>
+        <a:effectLst/>
+      </p:bgPr>
+    </p:bg>
     <p:spTree>
       <p:nvGrpSpPr>
         <p:cNvPr id="1" name=""/>
@@ -3097,14 +3105,317 @@
       <p:grpSpPr/>
       <p:sp>
         <p:nvSpPr>
-          <p:cNvPr id="2" name="TextBox 1"/>
+          <p:cNvPr id="2" name="Rectangle 1"/>
+          <p:cNvSpPr/>
+          <p:nvPr/>
+        </p:nvSpPr>
+        <p:spPr>
+          <a:xfrm>
+            <a:off x="0" y="0"/>
+            <a:ext cx="12191695" cy="960120"/>
+          </a:xfrm>
+          <a:prstGeom prst="rect">
+            <a:avLst/>
+          </a:prstGeom>
+          <a:solidFill>
+            <a:srgbClr val="EFF6FF"/>
+          </a:solidFill>
+          <a:ln>
+            <a:noFill/>
+          </a:ln>
+        </p:spPr>
+        <p:style>
+          <a:lnRef idx="1">
+            <a:schemeClr val="accent1"/>
+          </a:lnRef>
+          <a:fillRef idx="3">
+            <a:schemeClr val="accent1"/>
+          </a:fillRef>
+          <a:effectRef idx="2">
+            <a:schemeClr val="accent1"/>
+          </a:effectRef>
+          <a:fontRef idx="minor">
+            <a:schemeClr val="lt1"/>
+          </a:fontRef>
+        </p:style>
+        <p:txBody>
+          <a:bodyPr rtlCol="0" anchor="ctr"/>
+          <a:lstStyle/>
+          <a:p>
+            <a:pPr algn="ctr"/>
+          </a:p>
+        </p:txBody>
+      </p:sp>
+      <p:sp>
+        <p:nvSpPr>
+          <p:cNvPr id="3" name="Rectangle 2"/>
+          <p:cNvSpPr/>
+          <p:nvPr/>
+        </p:nvSpPr>
+        <p:spPr>
+          <a:xfrm>
+            <a:off x="0" y="896112"/>
+            <a:ext cx="12191695" cy="54864"/>
+          </a:xfrm>
+          <a:prstGeom prst="rect">
+            <a:avLst/>
+          </a:prstGeom>
+          <a:solidFill>
+            <a:srgbClr val="3B82F6"/>
+          </a:solidFill>
+          <a:ln>
+            <a:noFill/>
+          </a:ln>
+        </p:spPr>
+        <p:style>
+          <a:lnRef idx="1">
+            <a:schemeClr val="accent1"/>
+          </a:lnRef>
+          <a:fillRef idx="3">
+            <a:schemeClr val="accent1"/>
+          </a:fillRef>
+          <a:effectRef idx="2">
+            <a:schemeClr val="accent1"/>
+          </a:effectRef>
+          <a:fontRef idx="minor">
+            <a:schemeClr val="lt1"/>
+          </a:fontRef>
+        </p:style>
+        <p:txBody>
+          <a:bodyPr rtlCol="0" anchor="ctr"/>
+          <a:lstStyle/>
+          <a:p>
+            <a:pPr algn="ctr"/>
+          </a:p>
+        </p:txBody>
+      </p:sp>
+      <p:sp>
+        <p:nvSpPr>
+          <p:cNvPr id="4" name="Oval 3"/>
+          <p:cNvSpPr/>
+          <p:nvPr/>
+        </p:nvSpPr>
+        <p:spPr>
+          <a:xfrm>
+            <a:off x="10424160" y="-822960"/>
+            <a:ext cx="2926080" cy="2926080"/>
+          </a:xfrm>
+          <a:prstGeom prst="ellipse">
+            <a:avLst/>
+          </a:prstGeom>
+          <a:solidFill>
+            <a:srgbClr val="3B82F6"/>
+          </a:solidFill>
+          <a:ln>
+            <a:noFill/>
+          </a:ln>
+        </p:spPr>
+        <p:style>
+          <a:lnRef idx="1">
+            <a:schemeClr val="accent1"/>
+          </a:lnRef>
+          <a:fillRef idx="3">
+            <a:schemeClr val="accent1"/>
+          </a:fillRef>
+          <a:effectRef idx="2">
+            <a:schemeClr val="accent1"/>
+          </a:effectRef>
+          <a:fontRef idx="minor">
+            <a:schemeClr val="lt1"/>
+          </a:fontRef>
+        </p:style>
+        <p:txBody>
+          <a:bodyPr rtlCol="0" anchor="ctr"/>
+          <a:lstStyle/>
+          <a:p>
+            <a:pPr algn="ctr"/>
+          </a:p>
+        </p:txBody>
+      </p:sp>
+      <p:sp>
+        <p:nvSpPr>
+          <p:cNvPr id="5" name="Oval 4"/>
+          <p:cNvSpPr/>
+          <p:nvPr/>
+        </p:nvSpPr>
+        <p:spPr>
+          <a:xfrm>
+            <a:off x="-1097280" y="5669280"/>
+            <a:ext cx="2377440" cy="2377440"/>
+          </a:xfrm>
+          <a:prstGeom prst="ellipse">
+            <a:avLst/>
+          </a:prstGeom>
+          <a:solidFill>
+            <a:srgbClr val="1E40AF"/>
+          </a:solidFill>
+          <a:ln>
+            <a:noFill/>
+          </a:ln>
+        </p:spPr>
+        <p:style>
+          <a:lnRef idx="1">
+            <a:schemeClr val="accent1"/>
+          </a:lnRef>
+          <a:fillRef idx="3">
+            <a:schemeClr val="accent1"/>
+          </a:fillRef>
+          <a:effectRef idx="2">
+            <a:schemeClr val="accent1"/>
+          </a:effectRef>
+          <a:fontRef idx="minor">
+            <a:schemeClr val="lt1"/>
+          </a:fontRef>
+        </p:style>
+        <p:txBody>
+          <a:bodyPr rtlCol="0" anchor="ctr"/>
+          <a:lstStyle/>
+          <a:p>
+            <a:pPr algn="ctr"/>
+          </a:p>
+        </p:txBody>
+      </p:sp>
+      <p:sp>
+        <p:nvSpPr>
+          <p:cNvPr id="6" name="Rectangle 5"/>
+          <p:cNvSpPr/>
+          <p:nvPr/>
+        </p:nvSpPr>
+        <p:spPr>
+          <a:xfrm>
+            <a:off x="0" y="0"/>
+            <a:ext cx="164592" cy="6858000"/>
+          </a:xfrm>
+          <a:prstGeom prst="rect">
+            <a:avLst/>
+          </a:prstGeom>
+          <a:solidFill>
+            <a:srgbClr val="1E40AF"/>
+          </a:solidFill>
+          <a:ln>
+            <a:noFill/>
+          </a:ln>
+        </p:spPr>
+        <p:style>
+          <a:lnRef idx="1">
+            <a:schemeClr val="accent1"/>
+          </a:lnRef>
+          <a:fillRef idx="3">
+            <a:schemeClr val="accent1"/>
+          </a:fillRef>
+          <a:effectRef idx="2">
+            <a:schemeClr val="accent1"/>
+          </a:effectRef>
+          <a:fontRef idx="minor">
+            <a:schemeClr val="lt1"/>
+          </a:fontRef>
+        </p:style>
+        <p:txBody>
+          <a:bodyPr rtlCol="0" anchor="ctr"/>
+          <a:lstStyle/>
+          <a:p>
+            <a:pPr algn="ctr"/>
+          </a:p>
+        </p:txBody>
+      </p:sp>
+      <p:sp>
+        <p:nvSpPr>
+          <p:cNvPr id="7" name="Rounded Rectangle 6"/>
+          <p:cNvSpPr/>
+          <p:nvPr/>
+        </p:nvSpPr>
+        <p:spPr>
+          <a:xfrm>
+            <a:off x="649224" y="2020824"/>
+            <a:ext cx="11018520" cy="1965960"/>
+          </a:xfrm>
+          <a:prstGeom prst="roundRect">
+            <a:avLst/>
+          </a:prstGeom>
+          <a:solidFill>
+            <a:srgbClr val="000000"/>
+          </a:solidFill>
+          <a:ln>
+            <a:noFill/>
+          </a:ln>
+        </p:spPr>
+        <p:style>
+          <a:lnRef idx="1">
+            <a:schemeClr val="accent1"/>
+          </a:lnRef>
+          <a:fillRef idx="3">
+            <a:schemeClr val="accent1"/>
+          </a:fillRef>
+          <a:effectRef idx="2">
+            <a:schemeClr val="accent1"/>
+          </a:effectRef>
+          <a:fontRef idx="minor">
+            <a:schemeClr val="lt1"/>
+          </a:fontRef>
+        </p:style>
+        <p:txBody>
+          <a:bodyPr rtlCol="0" anchor="ctr"/>
+          <a:lstStyle/>
+          <a:p>
+            <a:pPr algn="ctr"/>
+          </a:p>
+        </p:txBody>
+      </p:sp>
+      <p:sp>
+        <p:nvSpPr>
+          <p:cNvPr id="8" name="Rounded Rectangle 7"/>
+          <p:cNvSpPr/>
+          <p:nvPr/>
+        </p:nvSpPr>
+        <p:spPr>
+          <a:xfrm>
+            <a:off x="594360" y="1965960"/>
+            <a:ext cx="11018520" cy="1965960"/>
+          </a:xfrm>
+          <a:prstGeom prst="roundRect">
+            <a:avLst/>
+          </a:prstGeom>
+          <a:solidFill>
+            <a:srgbClr val="FFFFFF"/>
+          </a:solidFill>
+          <a:ln w="12700">
+            <a:solidFill>
+              <a:srgbClr val="E2E8F0"/>
+            </a:solidFill>
+          </a:ln>
+        </p:spPr>
+        <p:style>
+          <a:lnRef idx="1">
+            <a:schemeClr val="accent1"/>
+          </a:lnRef>
+          <a:fillRef idx="3">
+            <a:schemeClr val="accent1"/>
+          </a:fillRef>
+          <a:effectRef idx="2">
+            <a:schemeClr val="accent1"/>
+          </a:effectRef>
+          <a:fontRef idx="minor">
+            <a:schemeClr val="lt1"/>
+          </a:fontRef>
+        </p:style>
+        <p:txBody>
+          <a:bodyPr rtlCol="0" anchor="ctr"/>
+          <a:lstStyle/>
+          <a:p>
+            <a:pPr algn="ctr"/>
+          </a:p>
+        </p:txBody>
+      </p:sp>
+      <p:sp>
+        <p:nvSpPr>
+          <p:cNvPr id="9" name="TextBox 8"/>
           <p:cNvSpPr txBox="1"/>
           <p:nvPr/>
         </p:nvSpPr>
         <p:spPr>
           <a:xfrm>
-            <a:off x="457200" y="2286000"/>
-            <a:ext cx="10972800" cy="914400"/>
+            <a:off x="777240" y="2148840"/>
+            <a:ext cx="10652760" cy="822960"/>
           </a:xfrm>
           <a:prstGeom prst="rect">
             <a:avLst/>
@@ -3112,16 +3423,17 @@
           <a:noFill/>
         </p:spPr>
         <p:txBody>
-          <a:bodyPr wrap="square">
+          <a:bodyPr wrap="square" lIns="127000" rIns="127000" tIns="76200" bIns="76200">
             <a:spAutoFit/>
           </a:bodyPr>
           <a:lstStyle/>
           <a:p>
-            <a:pPr>
+            <a:pPr algn="l">
               <a:defRPr sz="3600" b="1">
                 <a:solidFill>
                   <a:srgbClr val="1E40AF"/>
                 </a:solidFill>
+                <a:latin typeface="Microsoft YaHei"/>
               </a:defRPr>
             </a:pPr>
             <a:r>
@@ -3132,14 +3444,59 @@
       </p:sp>
       <p:sp>
         <p:nvSpPr>
-          <p:cNvPr id="3" name="TextBox 2"/>
+          <p:cNvPr id="10" name="Rounded Rectangle 9"/>
+          <p:cNvSpPr/>
+          <p:nvPr/>
+        </p:nvSpPr>
+        <p:spPr>
+          <a:xfrm>
+            <a:off x="594360" y="4160520"/>
+            <a:ext cx="6583680" cy="2057400"/>
+          </a:xfrm>
+          <a:prstGeom prst="roundRect">
+            <a:avLst/>
+          </a:prstGeom>
+          <a:solidFill>
+            <a:srgbClr val="FFFFFF"/>
+          </a:solidFill>
+          <a:ln w="12700">
+            <a:solidFill>
+              <a:srgbClr val="E2E8F0"/>
+            </a:solidFill>
+          </a:ln>
+        </p:spPr>
+        <p:style>
+          <a:lnRef idx="1">
+            <a:schemeClr val="accent1"/>
+          </a:lnRef>
+          <a:fillRef idx="3">
+            <a:schemeClr val="accent1"/>
+          </a:fillRef>
+          <a:effectRef idx="2">
+            <a:schemeClr val="accent1"/>
+          </a:effectRef>
+          <a:fontRef idx="minor">
+            <a:schemeClr val="lt1"/>
+          </a:fontRef>
+        </p:style>
+        <p:txBody>
+          <a:bodyPr rtlCol="0" anchor="ctr"/>
+          <a:lstStyle/>
+          <a:p>
+            <a:pPr algn="ctr"/>
+          </a:p>
+        </p:txBody>
+      </p:sp>
+      <p:sp>
+        <p:nvSpPr>
+          <p:cNvPr id="11" name="TextBox 10"/>
           <p:cNvSpPr txBox="1"/>
           <p:nvPr/>
         </p:nvSpPr>
         <p:spPr>
           <a:xfrm>
-            <a:off x="457200" y="3474720"/>
-            <a:ext cx="5486400" cy="457200"/>
+            <a:off x="777240" y="4315968"/>
+            <a:ext cx="6217920" cy="502920"/>
           </a:xfrm>
           <a:prstGeom prst="rect">
             <a:avLst/>
@@ -3147,13 +3504,18 @@
           <a:noFill/>
         </p:spPr>
         <p:txBody>
-          <a:bodyPr wrap="square">
+          <a:bodyPr wrap="square" lIns="127000" rIns="127000" tIns="76200" bIns="76200">
             <a:spAutoFit/>
           </a:bodyPr>
           <a:lstStyle/>
           <a:p>
             <a:pPr>
-              <a:defRPr sz="1800" b="0"/>
+              <a:defRPr sz="1800" b="1">
+                <a:solidFill>
+                  <a:srgbClr val="0F172A"/>
+                </a:solidFill>
+                <a:latin typeface="Microsoft YaHei"/>
+              </a:defRPr>
             </a:pPr>
             <a:r>
               <a:t>{{CUSTOMER_LABEL}}</a:t>
@@ -3163,14 +3525,14 @@
       </p:sp>
       <p:sp>
         <p:nvSpPr>
-          <p:cNvPr id="4" name="TextBox 3"/>
+          <p:cNvPr id="12" name="TextBox 11"/>
           <p:cNvSpPr txBox="1"/>
           <p:nvPr/>
         </p:nvSpPr>
         <p:spPr>
           <a:xfrm>
-            <a:off x="457200" y="4023360"/>
-            <a:ext cx="5486400" cy="457200"/>
+            <a:off x="777240" y="4873752"/>
+            <a:ext cx="6217920" cy="411480"/>
           </a:xfrm>
           <a:prstGeom prst="rect">
             <a:avLst/>
@@ -3178,13 +3540,18 @@
           <a:noFill/>
         </p:spPr>
         <p:txBody>
-          <a:bodyPr wrap="square">
+          <a:bodyPr wrap="square" lIns="127000" rIns="127000" tIns="76200" bIns="76200">
             <a:spAutoFit/>
           </a:bodyPr>
           <a:lstStyle/>
           <a:p>
             <a:pPr>
-              <a:defRPr sz="1400" b="0"/>
+              <a:defRPr sz="1400" b="0">
+                <a:solidFill>
+                  <a:srgbClr val="64748B"/>
+                </a:solidFill>
+                <a:latin typeface="Microsoft YaHei"/>
+              </a:defRPr>
             </a:pPr>
             <a:r>
               <a:t>{{PERIOD_LABEL}}</a:t>
@@ -3194,14 +3561,14 @@
       </p:sp>
       <p:sp>
         <p:nvSpPr>
-          <p:cNvPr id="5" name="TextBox 4"/>
+          <p:cNvPr id="13" name="TextBox 12"/>
           <p:cNvSpPr txBox="1"/>
           <p:nvPr/>
         </p:nvSpPr>
         <p:spPr>
           <a:xfrm>
-            <a:off x="457200" y="4572000"/>
-            <a:ext cx="5486400" cy="457200"/>
+            <a:off x="777240" y="5349240"/>
+            <a:ext cx="6217920" cy="411480"/>
           </a:xfrm>
           <a:prstGeom prst="rect">
             <a:avLst/>
@@ -3209,13 +3576,18 @@
           <a:noFill/>
         </p:spPr>
         <p:txBody>
-          <a:bodyPr wrap="square">
+          <a:bodyPr wrap="square" lIns="127000" rIns="127000" tIns="76200" bIns="76200">
             <a:spAutoFit/>
           </a:bodyPr>
           <a:lstStyle/>
           <a:p>
             <a:pPr>
-              <a:defRPr sz="1200" b="0"/>
+              <a:defRPr sz="1200" b="0">
+                <a:solidFill>
+                  <a:srgbClr val="64748B"/>
+                </a:solidFill>
+                <a:latin typeface="Microsoft YaHei"/>
+              </a:defRPr>
             </a:pPr>
             <a:r>
               <a:t>{{CONFIDENTIALITY_LABEL}}</a:t>
@@ -3225,14 +3597,14 @@
       </p:sp>
       <p:sp>
         <p:nvSpPr>
-          <p:cNvPr id="6" name="TextBox 5"/>
+          <p:cNvPr id="14" name="TextBox 13"/>
           <p:cNvSpPr txBox="1"/>
           <p:nvPr/>
         </p:nvSpPr>
         <p:spPr>
           <a:xfrm>
-            <a:off x="457200" y="5943600"/>
-            <a:ext cx="5486400" cy="457200"/>
+            <a:off x="777240" y="5806440"/>
+            <a:ext cx="6217920" cy="411480"/>
           </a:xfrm>
           <a:prstGeom prst="rect">
             <a:avLst/>
@@ -3240,13 +3612,18 @@
           <a:noFill/>
         </p:spPr>
         <p:txBody>
-          <a:bodyPr wrap="square">
+          <a:bodyPr wrap="square" lIns="127000" rIns="127000" tIns="76200" bIns="76200">
             <a:spAutoFit/>
           </a:bodyPr>
           <a:lstStyle/>
           <a:p>
             <a:pPr>
-              <a:defRPr sz="1000" b="0"/>
+              <a:defRPr sz="1000" b="0">
+                <a:solidFill>
+                  <a:srgbClr val="64748B"/>
+                </a:solidFill>
+                <a:latin typeface="Microsoft YaHei"/>
+              </a:defRPr>
             </a:pPr>
             <a:r>
               <a:t>{{GENERATED_AT_LABEL}}</a:t>
@@ -3265,6 +3642,14 @@
 <file path=ppt/slides/slide2.xml><?xml version="1.0" encoding="utf-8"?>
 <p:sld xmlns:a="http://schemas.openxmlformats.org/drawingml/2006/main" xmlns:p="http://schemas.openxmlformats.org/presentationml/2006/main" xmlns:r="http://schemas.openxmlformats.org/officeDocument/2006/relationships">
   <p:cSld>
+    <p:bg>
+      <p:bgPr>
+        <a:solidFill>
+          <a:srgbClr val="F8FAFC"/>
+        </a:solidFill>
+        <a:effectLst/>
+      </p:bgPr>
+    </p:bg>
     <p:spTree>
       <p:nvGrpSpPr>
         <p:cNvPr id="1" name=""/>
@@ -3274,14 +3659,229 @@
       <p:grpSpPr/>
       <p:sp>
         <p:nvSpPr>
-          <p:cNvPr id="2" name="TextBox 1"/>
+          <p:cNvPr id="2" name="Rectangle 1"/>
+          <p:cNvSpPr/>
+          <p:nvPr/>
+        </p:nvSpPr>
+        <p:spPr>
+          <a:xfrm>
+            <a:off x="0" y="0"/>
+            <a:ext cx="12191695" cy="960120"/>
+          </a:xfrm>
+          <a:prstGeom prst="rect">
+            <a:avLst/>
+          </a:prstGeom>
+          <a:solidFill>
+            <a:srgbClr val="EFF6FF"/>
+          </a:solidFill>
+          <a:ln>
+            <a:noFill/>
+          </a:ln>
+        </p:spPr>
+        <p:style>
+          <a:lnRef idx="1">
+            <a:schemeClr val="accent1"/>
+          </a:lnRef>
+          <a:fillRef idx="3">
+            <a:schemeClr val="accent1"/>
+          </a:fillRef>
+          <a:effectRef idx="2">
+            <a:schemeClr val="accent1"/>
+          </a:effectRef>
+          <a:fontRef idx="minor">
+            <a:schemeClr val="lt1"/>
+          </a:fontRef>
+        </p:style>
+        <p:txBody>
+          <a:bodyPr rtlCol="0" anchor="ctr"/>
+          <a:lstStyle/>
+          <a:p>
+            <a:pPr algn="ctr"/>
+          </a:p>
+        </p:txBody>
+      </p:sp>
+      <p:sp>
+        <p:nvSpPr>
+          <p:cNvPr id="3" name="Rectangle 2"/>
+          <p:cNvSpPr/>
+          <p:nvPr/>
+        </p:nvSpPr>
+        <p:spPr>
+          <a:xfrm>
+            <a:off x="0" y="896112"/>
+            <a:ext cx="12191695" cy="54864"/>
+          </a:xfrm>
+          <a:prstGeom prst="rect">
+            <a:avLst/>
+          </a:prstGeom>
+          <a:solidFill>
+            <a:srgbClr val="3B82F6"/>
+          </a:solidFill>
+          <a:ln>
+            <a:noFill/>
+          </a:ln>
+        </p:spPr>
+        <p:style>
+          <a:lnRef idx="1">
+            <a:schemeClr val="accent1"/>
+          </a:lnRef>
+          <a:fillRef idx="3">
+            <a:schemeClr val="accent1"/>
+          </a:fillRef>
+          <a:effectRef idx="2">
+            <a:schemeClr val="accent1"/>
+          </a:effectRef>
+          <a:fontRef idx="minor">
+            <a:schemeClr val="lt1"/>
+          </a:fontRef>
+        </p:style>
+        <p:txBody>
+          <a:bodyPr rtlCol="0" anchor="ctr"/>
+          <a:lstStyle/>
+          <a:p>
+            <a:pPr algn="ctr"/>
+          </a:p>
+        </p:txBody>
+      </p:sp>
+      <p:sp>
+        <p:nvSpPr>
+          <p:cNvPr id="4" name="Oval 3"/>
+          <p:cNvSpPr/>
+          <p:nvPr/>
+        </p:nvSpPr>
+        <p:spPr>
+          <a:xfrm>
+            <a:off x="10424160" y="-822960"/>
+            <a:ext cx="2926080" cy="2926080"/>
+          </a:xfrm>
+          <a:prstGeom prst="ellipse">
+            <a:avLst/>
+          </a:prstGeom>
+          <a:solidFill>
+            <a:srgbClr val="3B82F6"/>
+          </a:solidFill>
+          <a:ln>
+            <a:noFill/>
+          </a:ln>
+        </p:spPr>
+        <p:style>
+          <a:lnRef idx="1">
+            <a:schemeClr val="accent1"/>
+          </a:lnRef>
+          <a:fillRef idx="3">
+            <a:schemeClr val="accent1"/>
+          </a:fillRef>
+          <a:effectRef idx="2">
+            <a:schemeClr val="accent1"/>
+          </a:effectRef>
+          <a:fontRef idx="minor">
+            <a:schemeClr val="lt1"/>
+          </a:fontRef>
+        </p:style>
+        <p:txBody>
+          <a:bodyPr rtlCol="0" anchor="ctr"/>
+          <a:lstStyle/>
+          <a:p>
+            <a:pPr algn="ctr"/>
+          </a:p>
+        </p:txBody>
+      </p:sp>
+      <p:sp>
+        <p:nvSpPr>
+          <p:cNvPr id="5" name="Oval 4"/>
+          <p:cNvSpPr/>
+          <p:nvPr/>
+        </p:nvSpPr>
+        <p:spPr>
+          <a:xfrm>
+            <a:off x="-1097280" y="5669280"/>
+            <a:ext cx="2377440" cy="2377440"/>
+          </a:xfrm>
+          <a:prstGeom prst="ellipse">
+            <a:avLst/>
+          </a:prstGeom>
+          <a:solidFill>
+            <a:srgbClr val="1E40AF"/>
+          </a:solidFill>
+          <a:ln>
+            <a:noFill/>
+          </a:ln>
+        </p:spPr>
+        <p:style>
+          <a:lnRef idx="1">
+            <a:schemeClr val="accent1"/>
+          </a:lnRef>
+          <a:fillRef idx="3">
+            <a:schemeClr val="accent1"/>
+          </a:fillRef>
+          <a:effectRef idx="2">
+            <a:schemeClr val="accent1"/>
+          </a:effectRef>
+          <a:fontRef idx="minor">
+            <a:schemeClr val="lt1"/>
+          </a:fontRef>
+        </p:style>
+        <p:txBody>
+          <a:bodyPr rtlCol="0" anchor="ctr"/>
+          <a:lstStyle/>
+          <a:p>
+            <a:pPr algn="ctr"/>
+          </a:p>
+        </p:txBody>
+      </p:sp>
+      <p:sp>
+        <p:nvSpPr>
+          <p:cNvPr id="6" name="Rectangle 5"/>
+          <p:cNvSpPr/>
+          <p:nvPr/>
+        </p:nvSpPr>
+        <p:spPr>
+          <a:xfrm>
+            <a:off x="0" y="960120"/>
+            <a:ext cx="164592" cy="5897880"/>
+          </a:xfrm>
+          <a:prstGeom prst="rect">
+            <a:avLst/>
+          </a:prstGeom>
+          <a:solidFill>
+            <a:srgbClr val="3B82F6"/>
+          </a:solidFill>
+          <a:ln>
+            <a:noFill/>
+          </a:ln>
+        </p:spPr>
+        <p:style>
+          <a:lnRef idx="1">
+            <a:schemeClr val="accent1"/>
+          </a:lnRef>
+          <a:fillRef idx="3">
+            <a:schemeClr val="accent1"/>
+          </a:fillRef>
+          <a:effectRef idx="2">
+            <a:schemeClr val="accent1"/>
+          </a:effectRef>
+          <a:fontRef idx="minor">
+            <a:schemeClr val="lt1"/>
+          </a:fontRef>
+        </p:style>
+        <p:txBody>
+          <a:bodyPr rtlCol="0" anchor="ctr"/>
+          <a:lstStyle/>
+          <a:p>
+            <a:pPr algn="ctr"/>
+          </a:p>
+        </p:txBody>
+      </p:sp>
+      <p:sp>
+        <p:nvSpPr>
+          <p:cNvPr id="7" name="TextBox 6"/>
           <p:cNvSpPr txBox="1"/>
           <p:nvPr/>
         </p:nvSpPr>
         <p:spPr>
           <a:xfrm>
-            <a:off x="457200" y="274320"/>
-            <a:ext cx="10972800" cy="548640"/>
+            <a:off x="594360" y="201168"/>
+            <a:ext cx="11247120" cy="621792"/>
           </a:xfrm>
           <a:prstGeom prst="rect">
             <a:avLst/>
@@ -3289,7 +3889,7 @@
           <a:noFill/>
         </p:spPr>
         <p:txBody>
-          <a:bodyPr wrap="square">
+          <a:bodyPr wrap="square" lIns="127000" rIns="127000" tIns="76200" bIns="76200">
             <a:spAutoFit/>
           </a:bodyPr>
           <a:lstStyle/>
@@ -3299,6 +3899,7 @@
                 <a:solidFill>
                   <a:srgbClr val="1E40AF"/>
                 </a:solidFill>
+                <a:latin typeface="Microsoft YaHei"/>
               </a:defRPr>
             </a:pPr>
             <a:r>
@@ -3309,14 +3910,102 @@
       </p:sp>
       <p:sp>
         <p:nvSpPr>
-          <p:cNvPr id="3" name="TextBox 2"/>
+          <p:cNvPr id="8" name="Rounded Rectangle 7"/>
+          <p:cNvSpPr/>
+          <p:nvPr/>
+        </p:nvSpPr>
+        <p:spPr>
+          <a:xfrm>
+            <a:off x="649224" y="1014984"/>
+            <a:ext cx="11247120" cy="868680"/>
+          </a:xfrm>
+          <a:prstGeom prst="roundRect">
+            <a:avLst/>
+          </a:prstGeom>
+          <a:solidFill>
+            <a:srgbClr val="000000"/>
+          </a:solidFill>
+          <a:ln>
+            <a:noFill/>
+          </a:ln>
+        </p:spPr>
+        <p:style>
+          <a:lnRef idx="1">
+            <a:schemeClr val="accent1"/>
+          </a:lnRef>
+          <a:fillRef idx="3">
+            <a:schemeClr val="accent1"/>
+          </a:fillRef>
+          <a:effectRef idx="2">
+            <a:schemeClr val="accent1"/>
+          </a:effectRef>
+          <a:fontRef idx="minor">
+            <a:schemeClr val="lt1"/>
+          </a:fontRef>
+        </p:style>
+        <p:txBody>
+          <a:bodyPr rtlCol="0" anchor="ctr"/>
+          <a:lstStyle/>
+          <a:p>
+            <a:pPr algn="ctr"/>
+          </a:p>
+        </p:txBody>
+      </p:sp>
+      <p:sp>
+        <p:nvSpPr>
+          <p:cNvPr id="9" name="Rounded Rectangle 8"/>
+          <p:cNvSpPr/>
+          <p:nvPr/>
+        </p:nvSpPr>
+        <p:spPr>
+          <a:xfrm>
+            <a:off x="594360" y="960120"/>
+            <a:ext cx="11247120" cy="868680"/>
+          </a:xfrm>
+          <a:prstGeom prst="roundRect">
+            <a:avLst/>
+          </a:prstGeom>
+          <a:solidFill>
+            <a:srgbClr val="FFFFFF"/>
+          </a:solidFill>
+          <a:ln w="12700">
+            <a:solidFill>
+              <a:srgbClr val="E2E8F0"/>
+            </a:solidFill>
+          </a:ln>
+        </p:spPr>
+        <p:style>
+          <a:lnRef idx="1">
+            <a:schemeClr val="accent1"/>
+          </a:lnRef>
+          <a:fillRef idx="3">
+            <a:schemeClr val="accent1"/>
+          </a:fillRef>
+          <a:effectRef idx="2">
+            <a:schemeClr val="accent1"/>
+          </a:effectRef>
+          <a:fontRef idx="minor">
+            <a:schemeClr val="lt1"/>
+          </a:fontRef>
+        </p:style>
+        <p:txBody>
+          <a:bodyPr rtlCol="0" anchor="ctr"/>
+          <a:lstStyle/>
+          <a:p>
+            <a:pPr algn="ctr"/>
+          </a:p>
+        </p:txBody>
+      </p:sp>
+      <p:sp>
+        <p:nvSpPr>
+          <p:cNvPr id="10" name="TextBox 9"/>
           <p:cNvSpPr txBox="1"/>
           <p:nvPr/>
         </p:nvSpPr>
         <p:spPr>
           <a:xfrm>
-            <a:off x="457200" y="914400"/>
-            <a:ext cx="10972800" cy="731520"/>
+            <a:off x="777240" y="1078992"/>
+            <a:ext cx="10881360" cy="640080"/>
           </a:xfrm>
           <a:prstGeom prst="rect">
             <a:avLst/>
@@ -3324,13 +4013,18 @@
           <a:noFill/>
         </p:spPr>
         <p:txBody>
-          <a:bodyPr wrap="square">
+          <a:bodyPr wrap="square" lIns="127000" rIns="127000" tIns="76200" bIns="76200">
             <a:spAutoFit/>
           </a:bodyPr>
           <a:lstStyle/>
           <a:p>
             <a:pPr>
-              <a:defRPr sz="1800" b="1"/>
+              <a:defRPr sz="1800" b="1">
+                <a:solidFill>
+                  <a:srgbClr val="0F172A"/>
+                </a:solidFill>
+                <a:latin typeface="Microsoft YaHei"/>
+              </a:defRPr>
             </a:pPr>
             <a:r>
               <a:t>{{HEADLINE}}</a:t>
@@ -3340,14 +4034,102 @@
       </p:sp>
       <p:sp>
         <p:nvSpPr>
-          <p:cNvPr id="4" name="TextBox 3"/>
+          <p:cNvPr id="11" name="Rounded Rectangle 10"/>
+          <p:cNvSpPr/>
+          <p:nvPr/>
+        </p:nvSpPr>
+        <p:spPr>
+          <a:xfrm>
+            <a:off x="649224" y="2020824"/>
+            <a:ext cx="11247120" cy="1005840"/>
+          </a:xfrm>
+          <a:prstGeom prst="roundRect">
+            <a:avLst/>
+          </a:prstGeom>
+          <a:solidFill>
+            <a:srgbClr val="000000"/>
+          </a:solidFill>
+          <a:ln>
+            <a:noFill/>
+          </a:ln>
+        </p:spPr>
+        <p:style>
+          <a:lnRef idx="1">
+            <a:schemeClr val="accent1"/>
+          </a:lnRef>
+          <a:fillRef idx="3">
+            <a:schemeClr val="accent1"/>
+          </a:fillRef>
+          <a:effectRef idx="2">
+            <a:schemeClr val="accent1"/>
+          </a:effectRef>
+          <a:fontRef idx="minor">
+            <a:schemeClr val="lt1"/>
+          </a:fontRef>
+        </p:style>
+        <p:txBody>
+          <a:bodyPr rtlCol="0" anchor="ctr"/>
+          <a:lstStyle/>
+          <a:p>
+            <a:pPr algn="ctr"/>
+          </a:p>
+        </p:txBody>
+      </p:sp>
+      <p:sp>
+        <p:nvSpPr>
+          <p:cNvPr id="12" name="Rounded Rectangle 11"/>
+          <p:cNvSpPr/>
+          <p:nvPr/>
+        </p:nvSpPr>
+        <p:spPr>
+          <a:xfrm>
+            <a:off x="594360" y="1965960"/>
+            <a:ext cx="11247120" cy="1005840"/>
+          </a:xfrm>
+          <a:prstGeom prst="roundRect">
+            <a:avLst/>
+          </a:prstGeom>
+          <a:solidFill>
+            <a:srgbClr val="FFFFFF"/>
+          </a:solidFill>
+          <a:ln w="12700">
+            <a:solidFill>
+              <a:srgbClr val="E2E8F0"/>
+            </a:solidFill>
+          </a:ln>
+        </p:spPr>
+        <p:style>
+          <a:lnRef idx="1">
+            <a:schemeClr val="accent1"/>
+          </a:lnRef>
+          <a:fillRef idx="3">
+            <a:schemeClr val="accent1"/>
+          </a:fillRef>
+          <a:effectRef idx="2">
+            <a:schemeClr val="accent1"/>
+          </a:effectRef>
+          <a:fontRef idx="minor">
+            <a:schemeClr val="lt1"/>
+          </a:fontRef>
+        </p:style>
+        <p:txBody>
+          <a:bodyPr rtlCol="0" anchor="ctr"/>
+          <a:lstStyle/>
+          <a:p>
+            <a:pPr algn="ctr"/>
+          </a:p>
+        </p:txBody>
+      </p:sp>
+      <p:sp>
+        <p:nvSpPr>
+          <p:cNvPr id="13" name="TextBox 12"/>
           <p:cNvSpPr txBox="1"/>
           <p:nvPr/>
         </p:nvSpPr>
         <p:spPr>
           <a:xfrm>
-            <a:off x="457200" y="1737360"/>
-            <a:ext cx="11430000" cy="1097280"/>
+            <a:off x="777240" y="2084831"/>
+            <a:ext cx="10881360" cy="777240"/>
           </a:xfrm>
           <a:prstGeom prst="rect">
             <a:avLst/>
@@ -3355,13 +4137,18 @@
           <a:noFill/>
         </p:spPr>
         <p:txBody>
-          <a:bodyPr wrap="square">
+          <a:bodyPr wrap="square" lIns="127000" rIns="127000" tIns="76200" bIns="76200">
             <a:spAutoFit/>
           </a:bodyPr>
           <a:lstStyle/>
           <a:p>
             <a:pPr>
-              <a:defRPr sz="1100" b="0"/>
+              <a:defRPr sz="1100" b="0">
+                <a:solidFill>
+                  <a:srgbClr val="0F172A"/>
+                </a:solidFill>
+                <a:latin typeface="Microsoft YaHei"/>
+              </a:defRPr>
             </a:pPr>
             <a:r>
               <a:t>{{KPI_SECTION}}</a:t>
@@ -3371,14 +4158,102 @@
       </p:sp>
       <p:sp>
         <p:nvSpPr>
-          <p:cNvPr id="5" name="TextBox 4"/>
+          <p:cNvPr id="14" name="Rounded Rectangle 13"/>
+          <p:cNvSpPr/>
+          <p:nvPr/>
+        </p:nvSpPr>
+        <p:spPr>
+          <a:xfrm>
+            <a:off x="649224" y="3145536"/>
+            <a:ext cx="11247120" cy="1417320"/>
+          </a:xfrm>
+          <a:prstGeom prst="roundRect">
+            <a:avLst/>
+          </a:prstGeom>
+          <a:solidFill>
+            <a:srgbClr val="000000"/>
+          </a:solidFill>
+          <a:ln>
+            <a:noFill/>
+          </a:ln>
+        </p:spPr>
+        <p:style>
+          <a:lnRef idx="1">
+            <a:schemeClr val="accent1"/>
+          </a:lnRef>
+          <a:fillRef idx="3">
+            <a:schemeClr val="accent1"/>
+          </a:fillRef>
+          <a:effectRef idx="2">
+            <a:schemeClr val="accent1"/>
+          </a:effectRef>
+          <a:fontRef idx="minor">
+            <a:schemeClr val="lt1"/>
+          </a:fontRef>
+        </p:style>
+        <p:txBody>
+          <a:bodyPr rtlCol="0" anchor="ctr"/>
+          <a:lstStyle/>
+          <a:p>
+            <a:pPr algn="ctr"/>
+          </a:p>
+        </p:txBody>
+      </p:sp>
+      <p:sp>
+        <p:nvSpPr>
+          <p:cNvPr id="15" name="Rounded Rectangle 14"/>
+          <p:cNvSpPr/>
+          <p:nvPr/>
+        </p:nvSpPr>
+        <p:spPr>
+          <a:xfrm>
+            <a:off x="594360" y="3090672"/>
+            <a:ext cx="11247120" cy="1417320"/>
+          </a:xfrm>
+          <a:prstGeom prst="roundRect">
+            <a:avLst/>
+          </a:prstGeom>
+          <a:solidFill>
+            <a:srgbClr val="FFFFFF"/>
+          </a:solidFill>
+          <a:ln w="12700">
+            <a:solidFill>
+              <a:srgbClr val="E2E8F0"/>
+            </a:solidFill>
+          </a:ln>
+        </p:spPr>
+        <p:style>
+          <a:lnRef idx="1">
+            <a:schemeClr val="accent1"/>
+          </a:lnRef>
+          <a:fillRef idx="3">
+            <a:schemeClr val="accent1"/>
+          </a:fillRef>
+          <a:effectRef idx="2">
+            <a:schemeClr val="accent1"/>
+          </a:effectRef>
+          <a:fontRef idx="minor">
+            <a:schemeClr val="lt1"/>
+          </a:fontRef>
+        </p:style>
+        <p:txBody>
+          <a:bodyPr rtlCol="0" anchor="ctr"/>
+          <a:lstStyle/>
+          <a:p>
+            <a:pPr algn="ctr"/>
+          </a:p>
+        </p:txBody>
+      </p:sp>
+      <p:sp>
+        <p:nvSpPr>
+          <p:cNvPr id="16" name="TextBox 15"/>
           <p:cNvSpPr txBox="1"/>
           <p:nvPr/>
         </p:nvSpPr>
         <p:spPr>
           <a:xfrm>
-            <a:off x="457200" y="3017520"/>
-            <a:ext cx="10972800" cy="1371600"/>
+            <a:off x="777240" y="3218688"/>
+            <a:ext cx="10881360" cy="1143000"/>
           </a:xfrm>
           <a:prstGeom prst="rect">
             <a:avLst/>
@@ -3386,13 +4261,18 @@
           <a:noFill/>
         </p:spPr>
         <p:txBody>
-          <a:bodyPr wrap="square">
+          <a:bodyPr wrap="square" lIns="127000" rIns="127000" tIns="76200" bIns="76200">
             <a:spAutoFit/>
           </a:bodyPr>
           <a:lstStyle/>
           <a:p>
             <a:pPr>
-              <a:defRPr sz="1200" b="0"/>
+              <a:defRPr sz="1200" b="0">
+                <a:solidFill>
+                  <a:srgbClr val="0F172A"/>
+                </a:solidFill>
+                <a:latin typeface="Microsoft YaHei"/>
+              </a:defRPr>
             </a:pPr>
             <a:r>
               <a:t>{{SUMMARY_PARAGRAPH}}</a:t>
@@ -3402,14 +4282,102 @@
       </p:sp>
       <p:sp>
         <p:nvSpPr>
-          <p:cNvPr id="6" name="TextBox 5"/>
+          <p:cNvPr id="17" name="Rounded Rectangle 16"/>
+          <p:cNvSpPr/>
+          <p:nvPr/>
+        </p:nvSpPr>
+        <p:spPr>
+          <a:xfrm>
+            <a:off x="649224" y="4672583"/>
+            <a:ext cx="11247120" cy="2057400"/>
+          </a:xfrm>
+          <a:prstGeom prst="roundRect">
+            <a:avLst/>
+          </a:prstGeom>
+          <a:solidFill>
+            <a:srgbClr val="000000"/>
+          </a:solidFill>
+          <a:ln>
+            <a:noFill/>
+          </a:ln>
+        </p:spPr>
+        <p:style>
+          <a:lnRef idx="1">
+            <a:schemeClr val="accent1"/>
+          </a:lnRef>
+          <a:fillRef idx="3">
+            <a:schemeClr val="accent1"/>
+          </a:fillRef>
+          <a:effectRef idx="2">
+            <a:schemeClr val="accent1"/>
+          </a:effectRef>
+          <a:fontRef idx="minor">
+            <a:schemeClr val="lt1"/>
+          </a:fontRef>
+        </p:style>
+        <p:txBody>
+          <a:bodyPr rtlCol="0" anchor="ctr"/>
+          <a:lstStyle/>
+          <a:p>
+            <a:pPr algn="ctr"/>
+          </a:p>
+        </p:txBody>
+      </p:sp>
+      <p:sp>
+        <p:nvSpPr>
+          <p:cNvPr id="18" name="Rounded Rectangle 17"/>
+          <p:cNvSpPr/>
+          <p:nvPr/>
+        </p:nvSpPr>
+        <p:spPr>
+          <a:xfrm>
+            <a:off x="594360" y="4617720"/>
+            <a:ext cx="11247120" cy="2057400"/>
+          </a:xfrm>
+          <a:prstGeom prst="roundRect">
+            <a:avLst/>
+          </a:prstGeom>
+          <a:solidFill>
+            <a:srgbClr val="FFFFFF"/>
+          </a:solidFill>
+          <a:ln w="12700">
+            <a:solidFill>
+              <a:srgbClr val="E2E8F0"/>
+            </a:solidFill>
+          </a:ln>
+        </p:spPr>
+        <p:style>
+          <a:lnRef idx="1">
+            <a:schemeClr val="accent1"/>
+          </a:lnRef>
+          <a:fillRef idx="3">
+            <a:schemeClr val="accent1"/>
+          </a:fillRef>
+          <a:effectRef idx="2">
+            <a:schemeClr val="accent1"/>
+          </a:effectRef>
+          <a:fontRef idx="minor">
+            <a:schemeClr val="lt1"/>
+          </a:fontRef>
+        </p:style>
+        <p:txBody>
+          <a:bodyPr rtlCol="0" anchor="ctr"/>
+          <a:lstStyle/>
+          <a:p>
+            <a:pPr algn="ctr"/>
+          </a:p>
+        </p:txBody>
+      </p:sp>
+      <p:sp>
+        <p:nvSpPr>
+          <p:cNvPr id="19" name="TextBox 18"/>
           <p:cNvSpPr txBox="1"/>
           <p:nvPr/>
         </p:nvSpPr>
         <p:spPr>
           <a:xfrm>
-            <a:off x="457200" y="4572000"/>
-            <a:ext cx="10972800" cy="365760"/>
+            <a:off x="777240" y="4709160"/>
+            <a:ext cx="10881360" cy="365760"/>
           </a:xfrm>
           <a:prstGeom prst="rect">
             <a:avLst/>
@@ -3417,13 +4385,18 @@
           <a:noFill/>
         </p:spPr>
         <p:txBody>
-          <a:bodyPr wrap="square">
+          <a:bodyPr wrap="square" lIns="127000" rIns="127000" tIns="76200" bIns="76200">
             <a:spAutoFit/>
           </a:bodyPr>
           <a:lstStyle/>
           <a:p>
             <a:pPr>
-              <a:defRPr sz="1400" b="1"/>
+              <a:defRPr sz="1400" b="1">
+                <a:solidFill>
+                  <a:srgbClr val="1E40AF"/>
+                </a:solidFill>
+                <a:latin typeface="Microsoft YaHei"/>
+              </a:defRPr>
             </a:pPr>
             <a:r>
               <a:t>{{KEY_INSIGHTS_TITLE}}</a:t>
@@ -3433,14 +4406,14 @@
       </p:sp>
       <p:sp>
         <p:nvSpPr>
-          <p:cNvPr id="7" name="TextBox 6"/>
+          <p:cNvPr id="20" name="TextBox 19"/>
           <p:cNvSpPr txBox="1"/>
           <p:nvPr/>
         </p:nvSpPr>
         <p:spPr>
           <a:xfrm>
-            <a:off x="457200" y="4937760"/>
-            <a:ext cx="10972800" cy="1645920"/>
+            <a:off x="777240" y="5074920"/>
+            <a:ext cx="10881360" cy="1508760"/>
           </a:xfrm>
           <a:prstGeom prst="rect">
             <a:avLst/>
@@ -3448,13 +4421,18 @@
           <a:noFill/>
         </p:spPr>
         <p:txBody>
-          <a:bodyPr wrap="square">
+          <a:bodyPr wrap="square" lIns="127000" rIns="127000" tIns="76200" bIns="76200">
             <a:spAutoFit/>
           </a:bodyPr>
           <a:lstStyle/>
           <a:p>
             <a:pPr>
-              <a:defRPr sz="1100" b="0"/>
+              <a:defRPr sz="1100" b="0">
+                <a:solidFill>
+                  <a:srgbClr val="0F172A"/>
+                </a:solidFill>
+                <a:latin typeface="Microsoft YaHei"/>
+              </a:defRPr>
             </a:pPr>
             <a:r>
               <a:t>{{KEY_INSIGHTS}}</a:t>
@@ -3473,6 +4451,14 @@
 <file path=ppt/slides/slide3.xml><?xml version="1.0" encoding="utf-8"?>
 <p:sld xmlns:a="http://schemas.openxmlformats.org/drawingml/2006/main" xmlns:p="http://schemas.openxmlformats.org/presentationml/2006/main" xmlns:r="http://schemas.openxmlformats.org/officeDocument/2006/relationships">
   <p:cSld>
+    <p:bg>
+      <p:bgPr>
+        <a:solidFill>
+          <a:srgbClr val="F8FAFC"/>
+        </a:solidFill>
+        <a:effectLst/>
+      </p:bgPr>
+    </p:bg>
     <p:spTree>
       <p:nvGrpSpPr>
         <p:cNvPr id="1" name=""/>
@@ -3482,14 +4468,186 @@
       <p:grpSpPr/>
       <p:sp>
         <p:nvSpPr>
-          <p:cNvPr id="2" name="TextBox 1"/>
+          <p:cNvPr id="2" name="Rectangle 1"/>
+          <p:cNvSpPr/>
+          <p:nvPr/>
+        </p:nvSpPr>
+        <p:spPr>
+          <a:xfrm>
+            <a:off x="0" y="0"/>
+            <a:ext cx="12191695" cy="960120"/>
+          </a:xfrm>
+          <a:prstGeom prst="rect">
+            <a:avLst/>
+          </a:prstGeom>
+          <a:solidFill>
+            <a:srgbClr val="EFF6FF"/>
+          </a:solidFill>
+          <a:ln>
+            <a:noFill/>
+          </a:ln>
+        </p:spPr>
+        <p:style>
+          <a:lnRef idx="1">
+            <a:schemeClr val="accent1"/>
+          </a:lnRef>
+          <a:fillRef idx="3">
+            <a:schemeClr val="accent1"/>
+          </a:fillRef>
+          <a:effectRef idx="2">
+            <a:schemeClr val="accent1"/>
+          </a:effectRef>
+          <a:fontRef idx="minor">
+            <a:schemeClr val="lt1"/>
+          </a:fontRef>
+        </p:style>
+        <p:txBody>
+          <a:bodyPr rtlCol="0" anchor="ctr"/>
+          <a:lstStyle/>
+          <a:p>
+            <a:pPr algn="ctr"/>
+          </a:p>
+        </p:txBody>
+      </p:sp>
+      <p:sp>
+        <p:nvSpPr>
+          <p:cNvPr id="3" name="Rectangle 2"/>
+          <p:cNvSpPr/>
+          <p:nvPr/>
+        </p:nvSpPr>
+        <p:spPr>
+          <a:xfrm>
+            <a:off x="0" y="896112"/>
+            <a:ext cx="12191695" cy="54864"/>
+          </a:xfrm>
+          <a:prstGeom prst="rect">
+            <a:avLst/>
+          </a:prstGeom>
+          <a:solidFill>
+            <a:srgbClr val="3B82F6"/>
+          </a:solidFill>
+          <a:ln>
+            <a:noFill/>
+          </a:ln>
+        </p:spPr>
+        <p:style>
+          <a:lnRef idx="1">
+            <a:schemeClr val="accent1"/>
+          </a:lnRef>
+          <a:fillRef idx="3">
+            <a:schemeClr val="accent1"/>
+          </a:fillRef>
+          <a:effectRef idx="2">
+            <a:schemeClr val="accent1"/>
+          </a:effectRef>
+          <a:fontRef idx="minor">
+            <a:schemeClr val="lt1"/>
+          </a:fontRef>
+        </p:style>
+        <p:txBody>
+          <a:bodyPr rtlCol="0" anchor="ctr"/>
+          <a:lstStyle/>
+          <a:p>
+            <a:pPr algn="ctr"/>
+          </a:p>
+        </p:txBody>
+      </p:sp>
+      <p:sp>
+        <p:nvSpPr>
+          <p:cNvPr id="4" name="Oval 3"/>
+          <p:cNvSpPr/>
+          <p:nvPr/>
+        </p:nvSpPr>
+        <p:spPr>
+          <a:xfrm>
+            <a:off x="10424160" y="-822960"/>
+            <a:ext cx="2926080" cy="2926080"/>
+          </a:xfrm>
+          <a:prstGeom prst="ellipse">
+            <a:avLst/>
+          </a:prstGeom>
+          <a:solidFill>
+            <a:srgbClr val="3B82F6"/>
+          </a:solidFill>
+          <a:ln>
+            <a:noFill/>
+          </a:ln>
+        </p:spPr>
+        <p:style>
+          <a:lnRef idx="1">
+            <a:schemeClr val="accent1"/>
+          </a:lnRef>
+          <a:fillRef idx="3">
+            <a:schemeClr val="accent1"/>
+          </a:fillRef>
+          <a:effectRef idx="2">
+            <a:schemeClr val="accent1"/>
+          </a:effectRef>
+          <a:fontRef idx="minor">
+            <a:schemeClr val="lt1"/>
+          </a:fontRef>
+        </p:style>
+        <p:txBody>
+          <a:bodyPr rtlCol="0" anchor="ctr"/>
+          <a:lstStyle/>
+          <a:p>
+            <a:pPr algn="ctr"/>
+          </a:p>
+        </p:txBody>
+      </p:sp>
+      <p:sp>
+        <p:nvSpPr>
+          <p:cNvPr id="5" name="Oval 4"/>
+          <p:cNvSpPr/>
+          <p:nvPr/>
+        </p:nvSpPr>
+        <p:spPr>
+          <a:xfrm>
+            <a:off x="-1097280" y="5669280"/>
+            <a:ext cx="2377440" cy="2377440"/>
+          </a:xfrm>
+          <a:prstGeom prst="ellipse">
+            <a:avLst/>
+          </a:prstGeom>
+          <a:solidFill>
+            <a:srgbClr val="1E40AF"/>
+          </a:solidFill>
+          <a:ln>
+            <a:noFill/>
+          </a:ln>
+        </p:spPr>
+        <p:style>
+          <a:lnRef idx="1">
+            <a:schemeClr val="accent1"/>
+          </a:lnRef>
+          <a:fillRef idx="3">
+            <a:schemeClr val="accent1"/>
+          </a:fillRef>
+          <a:effectRef idx="2">
+            <a:schemeClr val="accent1"/>
+          </a:effectRef>
+          <a:fontRef idx="minor">
+            <a:schemeClr val="lt1"/>
+          </a:fontRef>
+        </p:style>
+        <p:txBody>
+          <a:bodyPr rtlCol="0" anchor="ctr"/>
+          <a:lstStyle/>
+          <a:p>
+            <a:pPr algn="ctr"/>
+          </a:p>
+        </p:txBody>
+      </p:sp>
+      <p:sp>
+        <p:nvSpPr>
+          <p:cNvPr id="6" name="TextBox 5"/>
           <p:cNvSpPr txBox="1"/>
           <p:nvPr/>
         </p:nvSpPr>
         <p:spPr>
           <a:xfrm>
-            <a:off x="457200" y="274320"/>
-            <a:ext cx="10972800" cy="548640"/>
+            <a:off x="594360" y="201168"/>
+            <a:ext cx="11247120" cy="621792"/>
           </a:xfrm>
           <a:prstGeom prst="rect">
             <a:avLst/>
@@ -3497,7 +4655,7 @@
           <a:noFill/>
         </p:spPr>
         <p:txBody>
-          <a:bodyPr wrap="square">
+          <a:bodyPr wrap="square" lIns="127000" rIns="127000" tIns="76200" bIns="76200">
             <a:spAutoFit/>
           </a:bodyPr>
           <a:lstStyle/>
@@ -3507,6 +4665,7 @@
                 <a:solidFill>
                   <a:srgbClr val="1E40AF"/>
                 </a:solidFill>
+                <a:latin typeface="Microsoft YaHei"/>
               </a:defRPr>
             </a:pPr>
             <a:r>
@@ -3517,14 +4676,102 @@
       </p:sp>
       <p:sp>
         <p:nvSpPr>
-          <p:cNvPr id="3" name="TextBox 2"/>
+          <p:cNvPr id="7" name="Rounded Rectangle 6"/>
+          <p:cNvSpPr/>
+          <p:nvPr/>
+        </p:nvSpPr>
+        <p:spPr>
+          <a:xfrm>
+            <a:off x="649224" y="1014984"/>
+            <a:ext cx="5532120" cy="2057400"/>
+          </a:xfrm>
+          <a:prstGeom prst="roundRect">
+            <a:avLst/>
+          </a:prstGeom>
+          <a:solidFill>
+            <a:srgbClr val="000000"/>
+          </a:solidFill>
+          <a:ln>
+            <a:noFill/>
+          </a:ln>
+        </p:spPr>
+        <p:style>
+          <a:lnRef idx="1">
+            <a:schemeClr val="accent1"/>
+          </a:lnRef>
+          <a:fillRef idx="3">
+            <a:schemeClr val="accent1"/>
+          </a:fillRef>
+          <a:effectRef idx="2">
+            <a:schemeClr val="accent1"/>
+          </a:effectRef>
+          <a:fontRef idx="minor">
+            <a:schemeClr val="lt1"/>
+          </a:fontRef>
+        </p:style>
+        <p:txBody>
+          <a:bodyPr rtlCol="0" anchor="ctr"/>
+          <a:lstStyle/>
+          <a:p>
+            <a:pPr algn="ctr"/>
+          </a:p>
+        </p:txBody>
+      </p:sp>
+      <p:sp>
+        <p:nvSpPr>
+          <p:cNvPr id="8" name="Rounded Rectangle 7"/>
+          <p:cNvSpPr/>
+          <p:nvPr/>
+        </p:nvSpPr>
+        <p:spPr>
+          <a:xfrm>
+            <a:off x="594360" y="960120"/>
+            <a:ext cx="5532120" cy="2057400"/>
+          </a:xfrm>
+          <a:prstGeom prst="roundRect">
+            <a:avLst/>
+          </a:prstGeom>
+          <a:solidFill>
+            <a:srgbClr val="FFFFFF"/>
+          </a:solidFill>
+          <a:ln w="12700">
+            <a:solidFill>
+              <a:srgbClr val="E2E8F0"/>
+            </a:solidFill>
+          </a:ln>
+        </p:spPr>
+        <p:style>
+          <a:lnRef idx="1">
+            <a:schemeClr val="accent1"/>
+          </a:lnRef>
+          <a:fillRef idx="3">
+            <a:schemeClr val="accent1"/>
+          </a:fillRef>
+          <a:effectRef idx="2">
+            <a:schemeClr val="accent1"/>
+          </a:effectRef>
+          <a:fontRef idx="minor">
+            <a:schemeClr val="lt1"/>
+          </a:fontRef>
+        </p:style>
+        <p:txBody>
+          <a:bodyPr rtlCol="0" anchor="ctr"/>
+          <a:lstStyle/>
+          <a:p>
+            <a:pPr algn="ctr"/>
+          </a:p>
+        </p:txBody>
+      </p:sp>
+      <p:sp>
+        <p:nvSpPr>
+          <p:cNvPr id="9" name="TextBox 8"/>
           <p:cNvSpPr txBox="1"/>
           <p:nvPr/>
         </p:nvSpPr>
         <p:spPr>
           <a:xfrm>
-            <a:off x="457200" y="1097280"/>
-            <a:ext cx="5486400" cy="365760"/>
+            <a:off x="777240" y="1051560"/>
+            <a:ext cx="5166360" cy="365760"/>
           </a:xfrm>
           <a:prstGeom prst="rect">
             <a:avLst/>
@@ -3532,13 +4779,18 @@
           <a:noFill/>
         </p:spPr>
         <p:txBody>
-          <a:bodyPr wrap="square">
+          <a:bodyPr wrap="square" lIns="127000" rIns="127000" tIns="76200" bIns="76200">
             <a:spAutoFit/>
           </a:bodyPr>
           <a:lstStyle/>
           <a:p>
             <a:pPr>
-              <a:defRPr sz="1400" b="1"/>
+              <a:defRPr sz="1400" b="1">
+                <a:solidFill>
+                  <a:srgbClr val="1E40AF"/>
+                </a:solidFill>
+                <a:latin typeface="Microsoft YaHei"/>
+              </a:defRPr>
             </a:pPr>
             <a:r>
               <a:t>{{TREND_SECTION_TITLE}}</a:t>
@@ -3548,14 +4800,14 @@
       </p:sp>
       <p:sp>
         <p:nvSpPr>
-          <p:cNvPr id="4" name="TextBox 3"/>
+          <p:cNvPr id="10" name="TextBox 9"/>
           <p:cNvSpPr txBox="1"/>
           <p:nvPr/>
         </p:nvSpPr>
         <p:spPr>
           <a:xfrm>
-            <a:off x="457200" y="1463040"/>
-            <a:ext cx="5486400" cy="1371600"/>
+            <a:off x="777240" y="1417320"/>
+            <a:ext cx="5166360" cy="1508760"/>
           </a:xfrm>
           <a:prstGeom prst="rect">
             <a:avLst/>
@@ -3563,13 +4815,18 @@
           <a:noFill/>
         </p:spPr>
         <p:txBody>
-          <a:bodyPr wrap="square">
+          <a:bodyPr wrap="square" lIns="127000" rIns="127000" tIns="76200" bIns="76200">
             <a:spAutoFit/>
           </a:bodyPr>
           <a:lstStyle/>
           <a:p>
             <a:pPr>
-              <a:defRPr sz="1100" b="0"/>
+              <a:defRPr sz="1100" b="0">
+                <a:solidFill>
+                  <a:srgbClr val="0F172A"/>
+                </a:solidFill>
+                <a:latin typeface="Microsoft YaHei"/>
+              </a:defRPr>
             </a:pPr>
             <a:r>
               <a:t>{{TREND_ANALYSIS}}</a:t>
@@ -3579,14 +4836,102 @@
       </p:sp>
       <p:sp>
         <p:nvSpPr>
-          <p:cNvPr id="5" name="TextBox 4"/>
+          <p:cNvPr id="11" name="Rounded Rectangle 10"/>
+          <p:cNvSpPr/>
+          <p:nvPr/>
+        </p:nvSpPr>
+        <p:spPr>
+          <a:xfrm>
+            <a:off x="6364224" y="1014984"/>
+            <a:ext cx="5532120" cy="2057400"/>
+          </a:xfrm>
+          <a:prstGeom prst="roundRect">
+            <a:avLst/>
+          </a:prstGeom>
+          <a:solidFill>
+            <a:srgbClr val="000000"/>
+          </a:solidFill>
+          <a:ln>
+            <a:noFill/>
+          </a:ln>
+        </p:spPr>
+        <p:style>
+          <a:lnRef idx="1">
+            <a:schemeClr val="accent1"/>
+          </a:lnRef>
+          <a:fillRef idx="3">
+            <a:schemeClr val="accent1"/>
+          </a:fillRef>
+          <a:effectRef idx="2">
+            <a:schemeClr val="accent1"/>
+          </a:effectRef>
+          <a:fontRef idx="minor">
+            <a:schemeClr val="lt1"/>
+          </a:fontRef>
+        </p:style>
+        <p:txBody>
+          <a:bodyPr rtlCol="0" anchor="ctr"/>
+          <a:lstStyle/>
+          <a:p>
+            <a:pPr algn="ctr"/>
+          </a:p>
+        </p:txBody>
+      </p:sp>
+      <p:sp>
+        <p:nvSpPr>
+          <p:cNvPr id="12" name="Rounded Rectangle 11"/>
+          <p:cNvSpPr/>
+          <p:nvPr/>
+        </p:nvSpPr>
+        <p:spPr>
+          <a:xfrm>
+            <a:off x="6309360" y="960120"/>
+            <a:ext cx="5532120" cy="2057400"/>
+          </a:xfrm>
+          <a:prstGeom prst="roundRect">
+            <a:avLst/>
+          </a:prstGeom>
+          <a:solidFill>
+            <a:srgbClr val="FFFFFF"/>
+          </a:solidFill>
+          <a:ln w="12700">
+            <a:solidFill>
+              <a:srgbClr val="E2E8F0"/>
+            </a:solidFill>
+          </a:ln>
+        </p:spPr>
+        <p:style>
+          <a:lnRef idx="1">
+            <a:schemeClr val="accent1"/>
+          </a:lnRef>
+          <a:fillRef idx="3">
+            <a:schemeClr val="accent1"/>
+          </a:fillRef>
+          <a:effectRef idx="2">
+            <a:schemeClr val="accent1"/>
+          </a:effectRef>
+          <a:fontRef idx="minor">
+            <a:schemeClr val="lt1"/>
+          </a:fontRef>
+        </p:style>
+        <p:txBody>
+          <a:bodyPr rtlCol="0" anchor="ctr"/>
+          <a:lstStyle/>
+          <a:p>
+            <a:pPr algn="ctr"/>
+          </a:p>
+        </p:txBody>
+      </p:sp>
+      <p:sp>
+        <p:nvSpPr>
+          <p:cNvPr id="13" name="TextBox 12"/>
           <p:cNvSpPr txBox="1"/>
           <p:nvPr/>
         </p:nvSpPr>
         <p:spPr>
           <a:xfrm>
-            <a:off x="6400800" y="1097280"/>
-            <a:ext cx="5029200" cy="365760"/>
+            <a:off x="6492240" y="1051560"/>
+            <a:ext cx="5166360" cy="365760"/>
           </a:xfrm>
           <a:prstGeom prst="rect">
             <a:avLst/>
@@ -3594,13 +4939,18 @@
           <a:noFill/>
         </p:spPr>
         <p:txBody>
-          <a:bodyPr wrap="square">
+          <a:bodyPr wrap="square" lIns="127000" rIns="127000" tIns="76200" bIns="76200">
             <a:spAutoFit/>
           </a:bodyPr>
           <a:lstStyle/>
           <a:p>
             <a:pPr>
-              <a:defRPr sz="1400" b="1"/>
+              <a:defRPr sz="1400" b="1">
+                <a:solidFill>
+                  <a:srgbClr val="1E40AF"/>
+                </a:solidFill>
+                <a:latin typeface="Microsoft YaHei"/>
+              </a:defRPr>
             </a:pPr>
             <a:r>
               <a:t>{{TOP_CATEGORIES_TITLE}}</a:t>
@@ -3610,14 +4960,14 @@
       </p:sp>
       <p:sp>
         <p:nvSpPr>
-          <p:cNvPr id="6" name="TextBox 5"/>
+          <p:cNvPr id="14" name="TextBox 13"/>
           <p:cNvSpPr txBox="1"/>
           <p:nvPr/>
         </p:nvSpPr>
         <p:spPr>
           <a:xfrm>
-            <a:off x="6400800" y="1463040"/>
-            <a:ext cx="5029200" cy="1371600"/>
+            <a:off x="6492240" y="1417320"/>
+            <a:ext cx="5166360" cy="1508760"/>
           </a:xfrm>
           <a:prstGeom prst="rect">
             <a:avLst/>
@@ -3625,13 +4975,18 @@
           <a:noFill/>
         </p:spPr>
         <p:txBody>
-          <a:bodyPr wrap="square">
+          <a:bodyPr wrap="square" lIns="127000" rIns="127000" tIns="76200" bIns="76200">
             <a:spAutoFit/>
           </a:bodyPr>
           <a:lstStyle/>
           <a:p>
             <a:pPr>
-              <a:defRPr sz="1100" b="0"/>
+              <a:defRPr sz="1100" b="0">
+                <a:solidFill>
+                  <a:srgbClr val="0F172A"/>
+                </a:solidFill>
+                <a:latin typeface="Microsoft YaHei"/>
+              </a:defRPr>
             </a:pPr>
             <a:r>
               <a:t>{{TOP_CATEGORIES_LIST}}</a:t>
@@ -3641,14 +4996,102 @@
       </p:sp>
       <p:sp>
         <p:nvSpPr>
-          <p:cNvPr id="7" name="TextBox 6"/>
+          <p:cNvPr id="15" name="Rounded Rectangle 14"/>
+          <p:cNvSpPr/>
+          <p:nvPr/>
+        </p:nvSpPr>
+        <p:spPr>
+          <a:xfrm>
+            <a:off x="649224" y="3209544"/>
+            <a:ext cx="11247120" cy="1783080"/>
+          </a:xfrm>
+          <a:prstGeom prst="roundRect">
+            <a:avLst/>
+          </a:prstGeom>
+          <a:solidFill>
+            <a:srgbClr val="000000"/>
+          </a:solidFill>
+          <a:ln>
+            <a:noFill/>
+          </a:ln>
+        </p:spPr>
+        <p:style>
+          <a:lnRef idx="1">
+            <a:schemeClr val="accent1"/>
+          </a:lnRef>
+          <a:fillRef idx="3">
+            <a:schemeClr val="accent1"/>
+          </a:fillRef>
+          <a:effectRef idx="2">
+            <a:schemeClr val="accent1"/>
+          </a:effectRef>
+          <a:fontRef idx="minor">
+            <a:schemeClr val="lt1"/>
+          </a:fontRef>
+        </p:style>
+        <p:txBody>
+          <a:bodyPr rtlCol="0" anchor="ctr"/>
+          <a:lstStyle/>
+          <a:p>
+            <a:pPr algn="ctr"/>
+          </a:p>
+        </p:txBody>
+      </p:sp>
+      <p:sp>
+        <p:nvSpPr>
+          <p:cNvPr id="16" name="Rounded Rectangle 15"/>
+          <p:cNvSpPr/>
+          <p:nvPr/>
+        </p:nvSpPr>
+        <p:spPr>
+          <a:xfrm>
+            <a:off x="594360" y="3154680"/>
+            <a:ext cx="11247120" cy="1783080"/>
+          </a:xfrm>
+          <a:prstGeom prst="roundRect">
+            <a:avLst/>
+          </a:prstGeom>
+          <a:solidFill>
+            <a:srgbClr val="FFFFFF"/>
+          </a:solidFill>
+          <a:ln w="12700">
+            <a:solidFill>
+              <a:srgbClr val="E2E8F0"/>
+            </a:solidFill>
+          </a:ln>
+        </p:spPr>
+        <p:style>
+          <a:lnRef idx="1">
+            <a:schemeClr val="accent1"/>
+          </a:lnRef>
+          <a:fillRef idx="3">
+            <a:schemeClr val="accent1"/>
+          </a:fillRef>
+          <a:effectRef idx="2">
+            <a:schemeClr val="accent1"/>
+          </a:effectRef>
+          <a:fontRef idx="minor">
+            <a:schemeClr val="lt1"/>
+          </a:fontRef>
+        </p:style>
+        <p:txBody>
+          <a:bodyPr rtlCol="0" anchor="ctr"/>
+          <a:lstStyle/>
+          <a:p>
+            <a:pPr algn="ctr"/>
+          </a:p>
+        </p:txBody>
+      </p:sp>
+      <p:sp>
+        <p:nvSpPr>
+          <p:cNvPr id="17" name="TextBox 16"/>
           <p:cNvSpPr txBox="1"/>
           <p:nvPr/>
         </p:nvSpPr>
         <p:spPr>
           <a:xfrm>
-            <a:off x="457200" y="3200400"/>
-            <a:ext cx="10972800" cy="365760"/>
+            <a:off x="777240" y="3246120"/>
+            <a:ext cx="10881360" cy="365760"/>
           </a:xfrm>
           <a:prstGeom prst="rect">
             <a:avLst/>
@@ -3656,13 +5099,18 @@
           <a:noFill/>
         </p:spPr>
         <p:txBody>
-          <a:bodyPr wrap="square">
+          <a:bodyPr wrap="square" lIns="127000" rIns="127000" tIns="76200" bIns="76200">
             <a:spAutoFit/>
           </a:bodyPr>
           <a:lstStyle/>
           <a:p>
             <a:pPr>
-              <a:defRPr sz="1400" b="1"/>
+              <a:defRPr sz="1400" b="1">
+                <a:solidFill>
+                  <a:srgbClr val="1E40AF"/>
+                </a:solidFill>
+                <a:latin typeface="Microsoft YaHei"/>
+              </a:defRPr>
             </a:pPr>
             <a:r>
               <a:t>{{CATEGORIES_INSIGHT_TITLE}}</a:t>
@@ -3672,14 +5120,14 @@
       </p:sp>
       <p:sp>
         <p:nvSpPr>
-          <p:cNvPr id="8" name="TextBox 7"/>
+          <p:cNvPr id="18" name="TextBox 17"/>
           <p:cNvSpPr txBox="1"/>
           <p:nvPr/>
         </p:nvSpPr>
         <p:spPr>
           <a:xfrm>
-            <a:off x="457200" y="3566160"/>
-            <a:ext cx="10972800" cy="1371600"/>
+            <a:off x="777240" y="3611880"/>
+            <a:ext cx="10881360" cy="1234440"/>
           </a:xfrm>
           <a:prstGeom prst="rect">
             <a:avLst/>
@@ -3687,13 +5135,18 @@
           <a:noFill/>
         </p:spPr>
         <p:txBody>
-          <a:bodyPr wrap="square">
+          <a:bodyPr wrap="square" lIns="127000" rIns="127000" tIns="76200" bIns="76200">
             <a:spAutoFit/>
           </a:bodyPr>
           <a:lstStyle/>
           <a:p>
             <a:pPr>
-              <a:defRPr sz="1100" b="0"/>
+              <a:defRPr sz="1100" b="0">
+                <a:solidFill>
+                  <a:srgbClr val="0F172A"/>
+                </a:solidFill>
+                <a:latin typeface="Microsoft YaHei"/>
+              </a:defRPr>
             </a:pPr>
             <a:r>
               <a:t>{{TOP_CATEGORIES_INSIGHT}}</a:t>
@@ -3703,14 +5156,102 @@
       </p:sp>
       <p:sp>
         <p:nvSpPr>
-          <p:cNvPr id="9" name="TextBox 8"/>
+          <p:cNvPr id="19" name="Rounded Rectangle 18"/>
+          <p:cNvSpPr/>
+          <p:nvPr/>
+        </p:nvSpPr>
+        <p:spPr>
+          <a:xfrm>
+            <a:off x="649224" y="5129783"/>
+            <a:ext cx="11247120" cy="1554480"/>
+          </a:xfrm>
+          <a:prstGeom prst="roundRect">
+            <a:avLst/>
+          </a:prstGeom>
+          <a:solidFill>
+            <a:srgbClr val="000000"/>
+          </a:solidFill>
+          <a:ln>
+            <a:noFill/>
+          </a:ln>
+        </p:spPr>
+        <p:style>
+          <a:lnRef idx="1">
+            <a:schemeClr val="accent1"/>
+          </a:lnRef>
+          <a:fillRef idx="3">
+            <a:schemeClr val="accent1"/>
+          </a:fillRef>
+          <a:effectRef idx="2">
+            <a:schemeClr val="accent1"/>
+          </a:effectRef>
+          <a:fontRef idx="minor">
+            <a:schemeClr val="lt1"/>
+          </a:fontRef>
+        </p:style>
+        <p:txBody>
+          <a:bodyPr rtlCol="0" anchor="ctr"/>
+          <a:lstStyle/>
+          <a:p>
+            <a:pPr algn="ctr"/>
+          </a:p>
+        </p:txBody>
+      </p:sp>
+      <p:sp>
+        <p:nvSpPr>
+          <p:cNvPr id="20" name="Rounded Rectangle 19"/>
+          <p:cNvSpPr/>
+          <p:nvPr/>
+        </p:nvSpPr>
+        <p:spPr>
+          <a:xfrm>
+            <a:off x="594360" y="5074920"/>
+            <a:ext cx="11247120" cy="1554480"/>
+          </a:xfrm>
+          <a:prstGeom prst="roundRect">
+            <a:avLst/>
+          </a:prstGeom>
+          <a:solidFill>
+            <a:srgbClr val="FFFFFF"/>
+          </a:solidFill>
+          <a:ln w="12700">
+            <a:solidFill>
+              <a:srgbClr val="E2E8F0"/>
+            </a:solidFill>
+          </a:ln>
+        </p:spPr>
+        <p:style>
+          <a:lnRef idx="1">
+            <a:schemeClr val="accent1"/>
+          </a:lnRef>
+          <a:fillRef idx="3">
+            <a:schemeClr val="accent1"/>
+          </a:fillRef>
+          <a:effectRef idx="2">
+            <a:schemeClr val="accent1"/>
+          </a:effectRef>
+          <a:fontRef idx="minor">
+            <a:schemeClr val="lt1"/>
+          </a:fontRef>
+        </p:style>
+        <p:txBody>
+          <a:bodyPr rtlCol="0" anchor="ctr"/>
+          <a:lstStyle/>
+          <a:p>
+            <a:pPr algn="ctr"/>
+          </a:p>
+        </p:txBody>
+      </p:sp>
+      <p:sp>
+        <p:nvSpPr>
+          <p:cNvPr id="21" name="TextBox 20"/>
           <p:cNvSpPr txBox="1"/>
           <p:nvPr/>
         </p:nvSpPr>
         <p:spPr>
           <a:xfrm>
-            <a:off x="457200" y="5120640"/>
-            <a:ext cx="10972800" cy="365760"/>
+            <a:off x="777240" y="5166360"/>
+            <a:ext cx="10881360" cy="365760"/>
           </a:xfrm>
           <a:prstGeom prst="rect">
             <a:avLst/>
@@ -3718,13 +5259,18 @@
           <a:noFill/>
         </p:spPr>
         <p:txBody>
-          <a:bodyPr wrap="square">
+          <a:bodyPr wrap="square" lIns="127000" rIns="127000" tIns="76200" bIns="76200">
             <a:spAutoFit/>
           </a:bodyPr>
           <a:lstStyle/>
           <a:p>
             <a:pPr>
-              <a:defRPr sz="1400" b="1"/>
+              <a:defRPr sz="1400" b="1">
+                <a:solidFill>
+                  <a:srgbClr val="1E40AF"/>
+                </a:solidFill>
+                <a:latin typeface="Microsoft YaHei"/>
+              </a:defRPr>
             </a:pPr>
             <a:r>
               <a:t>{{MOM_TITLE}}</a:t>
@@ -3734,14 +5280,14 @@
       </p:sp>
       <p:sp>
         <p:nvSpPr>
-          <p:cNvPr id="10" name="TextBox 9"/>
+          <p:cNvPr id="22" name="TextBox 21"/>
           <p:cNvSpPr txBox="1"/>
           <p:nvPr/>
         </p:nvSpPr>
         <p:spPr>
           <a:xfrm>
-            <a:off x="457200" y="5486400"/>
-            <a:ext cx="10972800" cy="1097280"/>
+            <a:off x="777240" y="5532120"/>
+            <a:ext cx="10881360" cy="1005840"/>
           </a:xfrm>
           <a:prstGeom prst="rect">
             <a:avLst/>
@@ -3749,13 +5295,18 @@
           <a:noFill/>
         </p:spPr>
         <p:txBody>
-          <a:bodyPr wrap="square">
+          <a:bodyPr wrap="square" lIns="127000" rIns="127000" tIns="76200" bIns="76200">
             <a:spAutoFit/>
           </a:bodyPr>
           <a:lstStyle/>
           <a:p>
             <a:pPr>
-              <a:defRPr sz="1100" b="0"/>
+              <a:defRPr sz="1100" b="0">
+                <a:solidFill>
+                  <a:srgbClr val="0F172A"/>
+                </a:solidFill>
+                <a:latin typeface="Microsoft YaHei"/>
+              </a:defRPr>
             </a:pPr>
             <a:r>
               <a:t>{{MOM_COMPARISON}}</a:t>
@@ -3774,6 +5325,14 @@
 <file path=ppt/slides/slide4.xml><?xml version="1.0" encoding="utf-8"?>
 <p:sld xmlns:a="http://schemas.openxmlformats.org/drawingml/2006/main" xmlns:p="http://schemas.openxmlformats.org/presentationml/2006/main" xmlns:r="http://schemas.openxmlformats.org/officeDocument/2006/relationships">
   <p:cSld>
+    <p:bg>
+      <p:bgPr>
+        <a:solidFill>
+          <a:srgbClr val="F8FAFC"/>
+        </a:solidFill>
+        <a:effectLst/>
+      </p:bgPr>
+    </p:bg>
     <p:spTree>
       <p:nvGrpSpPr>
         <p:cNvPr id="1" name=""/>
@@ -3783,14 +5342,186 @@
       <p:grpSpPr/>
       <p:sp>
         <p:nvSpPr>
-          <p:cNvPr id="2" name="TextBox 1"/>
+          <p:cNvPr id="2" name="Rectangle 1"/>
+          <p:cNvSpPr/>
+          <p:nvPr/>
+        </p:nvSpPr>
+        <p:spPr>
+          <a:xfrm>
+            <a:off x="0" y="0"/>
+            <a:ext cx="12191695" cy="960120"/>
+          </a:xfrm>
+          <a:prstGeom prst="rect">
+            <a:avLst/>
+          </a:prstGeom>
+          <a:solidFill>
+            <a:srgbClr val="EFF6FF"/>
+          </a:solidFill>
+          <a:ln>
+            <a:noFill/>
+          </a:ln>
+        </p:spPr>
+        <p:style>
+          <a:lnRef idx="1">
+            <a:schemeClr val="accent1"/>
+          </a:lnRef>
+          <a:fillRef idx="3">
+            <a:schemeClr val="accent1"/>
+          </a:fillRef>
+          <a:effectRef idx="2">
+            <a:schemeClr val="accent1"/>
+          </a:effectRef>
+          <a:fontRef idx="minor">
+            <a:schemeClr val="lt1"/>
+          </a:fontRef>
+        </p:style>
+        <p:txBody>
+          <a:bodyPr rtlCol="0" anchor="ctr"/>
+          <a:lstStyle/>
+          <a:p>
+            <a:pPr algn="ctr"/>
+          </a:p>
+        </p:txBody>
+      </p:sp>
+      <p:sp>
+        <p:nvSpPr>
+          <p:cNvPr id="3" name="Rectangle 2"/>
+          <p:cNvSpPr/>
+          <p:nvPr/>
+        </p:nvSpPr>
+        <p:spPr>
+          <a:xfrm>
+            <a:off x="0" y="896112"/>
+            <a:ext cx="12191695" cy="54864"/>
+          </a:xfrm>
+          <a:prstGeom prst="rect">
+            <a:avLst/>
+          </a:prstGeom>
+          <a:solidFill>
+            <a:srgbClr val="3B82F6"/>
+          </a:solidFill>
+          <a:ln>
+            <a:noFill/>
+          </a:ln>
+        </p:spPr>
+        <p:style>
+          <a:lnRef idx="1">
+            <a:schemeClr val="accent1"/>
+          </a:lnRef>
+          <a:fillRef idx="3">
+            <a:schemeClr val="accent1"/>
+          </a:fillRef>
+          <a:effectRef idx="2">
+            <a:schemeClr val="accent1"/>
+          </a:effectRef>
+          <a:fontRef idx="minor">
+            <a:schemeClr val="lt1"/>
+          </a:fontRef>
+        </p:style>
+        <p:txBody>
+          <a:bodyPr rtlCol="0" anchor="ctr"/>
+          <a:lstStyle/>
+          <a:p>
+            <a:pPr algn="ctr"/>
+          </a:p>
+        </p:txBody>
+      </p:sp>
+      <p:sp>
+        <p:nvSpPr>
+          <p:cNvPr id="4" name="Oval 3"/>
+          <p:cNvSpPr/>
+          <p:nvPr/>
+        </p:nvSpPr>
+        <p:spPr>
+          <a:xfrm>
+            <a:off x="10424160" y="-822960"/>
+            <a:ext cx="2926080" cy="2926080"/>
+          </a:xfrm>
+          <a:prstGeom prst="ellipse">
+            <a:avLst/>
+          </a:prstGeom>
+          <a:solidFill>
+            <a:srgbClr val="3B82F6"/>
+          </a:solidFill>
+          <a:ln>
+            <a:noFill/>
+          </a:ln>
+        </p:spPr>
+        <p:style>
+          <a:lnRef idx="1">
+            <a:schemeClr val="accent1"/>
+          </a:lnRef>
+          <a:fillRef idx="3">
+            <a:schemeClr val="accent1"/>
+          </a:fillRef>
+          <a:effectRef idx="2">
+            <a:schemeClr val="accent1"/>
+          </a:effectRef>
+          <a:fontRef idx="minor">
+            <a:schemeClr val="lt1"/>
+          </a:fontRef>
+        </p:style>
+        <p:txBody>
+          <a:bodyPr rtlCol="0" anchor="ctr"/>
+          <a:lstStyle/>
+          <a:p>
+            <a:pPr algn="ctr"/>
+          </a:p>
+        </p:txBody>
+      </p:sp>
+      <p:sp>
+        <p:nvSpPr>
+          <p:cNvPr id="5" name="Oval 4"/>
+          <p:cNvSpPr/>
+          <p:nvPr/>
+        </p:nvSpPr>
+        <p:spPr>
+          <a:xfrm>
+            <a:off x="-1097280" y="5669280"/>
+            <a:ext cx="2377440" cy="2377440"/>
+          </a:xfrm>
+          <a:prstGeom prst="ellipse">
+            <a:avLst/>
+          </a:prstGeom>
+          <a:solidFill>
+            <a:srgbClr val="1E40AF"/>
+          </a:solidFill>
+          <a:ln>
+            <a:noFill/>
+          </a:ln>
+        </p:spPr>
+        <p:style>
+          <a:lnRef idx="1">
+            <a:schemeClr val="accent1"/>
+          </a:lnRef>
+          <a:fillRef idx="3">
+            <a:schemeClr val="accent1"/>
+          </a:fillRef>
+          <a:effectRef idx="2">
+            <a:schemeClr val="accent1"/>
+          </a:effectRef>
+          <a:fontRef idx="minor">
+            <a:schemeClr val="lt1"/>
+          </a:fontRef>
+        </p:style>
+        <p:txBody>
+          <a:bodyPr rtlCol="0" anchor="ctr"/>
+          <a:lstStyle/>
+          <a:p>
+            <a:pPr algn="ctr"/>
+          </a:p>
+        </p:txBody>
+      </p:sp>
+      <p:sp>
+        <p:nvSpPr>
+          <p:cNvPr id="6" name="TextBox 5"/>
           <p:cNvSpPr txBox="1"/>
           <p:nvPr/>
         </p:nvSpPr>
         <p:spPr>
           <a:xfrm>
-            <a:off x="457200" y="274320"/>
-            <a:ext cx="10972800" cy="548640"/>
+            <a:off x="594360" y="201168"/>
+            <a:ext cx="11247120" cy="621792"/>
           </a:xfrm>
           <a:prstGeom prst="rect">
             <a:avLst/>
@@ -3798,7 +5529,7 @@
           <a:noFill/>
         </p:spPr>
         <p:txBody>
-          <a:bodyPr wrap="square">
+          <a:bodyPr wrap="square" lIns="127000" rIns="127000" tIns="76200" bIns="76200">
             <a:spAutoFit/>
           </a:bodyPr>
           <a:lstStyle/>
@@ -3808,6 +5539,7 @@
                 <a:solidFill>
                   <a:srgbClr val="1E40AF"/>
                 </a:solidFill>
+                <a:latin typeface="Microsoft YaHei"/>
               </a:defRPr>
             </a:pPr>
             <a:r>
@@ -3818,14 +5550,102 @@
       </p:sp>
       <p:sp>
         <p:nvSpPr>
-          <p:cNvPr id="3" name="TextBox 2"/>
+          <p:cNvPr id="7" name="Rounded Rectangle 6"/>
+          <p:cNvSpPr/>
+          <p:nvPr/>
+        </p:nvSpPr>
+        <p:spPr>
+          <a:xfrm>
+            <a:off x="649224" y="1014984"/>
+            <a:ext cx="11247120" cy="1143000"/>
+          </a:xfrm>
+          <a:prstGeom prst="roundRect">
+            <a:avLst/>
+          </a:prstGeom>
+          <a:solidFill>
+            <a:srgbClr val="000000"/>
+          </a:solidFill>
+          <a:ln>
+            <a:noFill/>
+          </a:ln>
+        </p:spPr>
+        <p:style>
+          <a:lnRef idx="1">
+            <a:schemeClr val="accent1"/>
+          </a:lnRef>
+          <a:fillRef idx="3">
+            <a:schemeClr val="accent1"/>
+          </a:fillRef>
+          <a:effectRef idx="2">
+            <a:schemeClr val="accent1"/>
+          </a:effectRef>
+          <a:fontRef idx="minor">
+            <a:schemeClr val="lt1"/>
+          </a:fontRef>
+        </p:style>
+        <p:txBody>
+          <a:bodyPr rtlCol="0" anchor="ctr"/>
+          <a:lstStyle/>
+          <a:p>
+            <a:pPr algn="ctr"/>
+          </a:p>
+        </p:txBody>
+      </p:sp>
+      <p:sp>
+        <p:nvSpPr>
+          <p:cNvPr id="8" name="Rounded Rectangle 7"/>
+          <p:cNvSpPr/>
+          <p:nvPr/>
+        </p:nvSpPr>
+        <p:spPr>
+          <a:xfrm>
+            <a:off x="594360" y="960120"/>
+            <a:ext cx="11247120" cy="1143000"/>
+          </a:xfrm>
+          <a:prstGeom prst="roundRect">
+            <a:avLst/>
+          </a:prstGeom>
+          <a:solidFill>
+            <a:srgbClr val="FFFFFF"/>
+          </a:solidFill>
+          <a:ln w="12700">
+            <a:solidFill>
+              <a:srgbClr val="E2E8F0"/>
+            </a:solidFill>
+          </a:ln>
+        </p:spPr>
+        <p:style>
+          <a:lnRef idx="1">
+            <a:schemeClr val="accent1"/>
+          </a:lnRef>
+          <a:fillRef idx="3">
+            <a:schemeClr val="accent1"/>
+          </a:fillRef>
+          <a:effectRef idx="2">
+            <a:schemeClr val="accent1"/>
+          </a:effectRef>
+          <a:fontRef idx="minor">
+            <a:schemeClr val="lt1"/>
+          </a:fontRef>
+        </p:style>
+        <p:txBody>
+          <a:bodyPr rtlCol="0" anchor="ctr"/>
+          <a:lstStyle/>
+          <a:p>
+            <a:pPr algn="ctr"/>
+          </a:p>
+        </p:txBody>
+      </p:sp>
+      <p:sp>
+        <p:nvSpPr>
+          <p:cNvPr id="9" name="TextBox 8"/>
           <p:cNvSpPr txBox="1"/>
           <p:nvPr/>
         </p:nvSpPr>
         <p:spPr>
           <a:xfrm>
-            <a:off x="457200" y="1097280"/>
-            <a:ext cx="10972800" cy="365760"/>
+            <a:off x="777240" y="1051560"/>
+            <a:ext cx="10881360" cy="365760"/>
           </a:xfrm>
           <a:prstGeom prst="rect">
             <a:avLst/>
@@ -3833,13 +5653,18 @@
           <a:noFill/>
         </p:spPr>
         <p:txBody>
-          <a:bodyPr wrap="square">
+          <a:bodyPr wrap="square" lIns="127000" rIns="127000" tIns="76200" bIns="76200">
             <a:spAutoFit/>
           </a:bodyPr>
           <a:lstStyle/>
           <a:p>
             <a:pPr>
-              <a:defRPr sz="1400" b="1"/>
+              <a:defRPr sz="1400" b="1">
+                <a:solidFill>
+                  <a:srgbClr val="1E40AF"/>
+                </a:solidFill>
+                <a:latin typeface="Microsoft YaHei"/>
+              </a:defRPr>
             </a:pPr>
             <a:r>
               <a:t>{{INCIDENT_OVERVIEW_TITLE}}</a:t>
@@ -3849,14 +5674,14 @@
       </p:sp>
       <p:sp>
         <p:nvSpPr>
-          <p:cNvPr id="4" name="TextBox 3"/>
+          <p:cNvPr id="10" name="TextBox 9"/>
           <p:cNvSpPr txBox="1"/>
           <p:nvPr/>
         </p:nvSpPr>
         <p:spPr>
           <a:xfrm>
-            <a:off x="457200" y="1463040"/>
-            <a:ext cx="10972800" cy="914400"/>
+            <a:off x="777240" y="1417320"/>
+            <a:ext cx="10881360" cy="621792"/>
           </a:xfrm>
           <a:prstGeom prst="rect">
             <a:avLst/>
@@ -3864,13 +5689,18 @@
           <a:noFill/>
         </p:spPr>
         <p:txBody>
-          <a:bodyPr wrap="square">
+          <a:bodyPr wrap="square" lIns="127000" rIns="127000" tIns="76200" bIns="76200">
             <a:spAutoFit/>
           </a:bodyPr>
           <a:lstStyle/>
           <a:p>
             <a:pPr>
-              <a:defRPr sz="1100" b="0"/>
+              <a:defRPr sz="1100" b="0">
+                <a:solidFill>
+                  <a:srgbClr val="0F172A"/>
+                </a:solidFill>
+                <a:latin typeface="Microsoft YaHei"/>
+              </a:defRPr>
             </a:pPr>
             <a:r>
               <a:t>{{INCIDENT_SUMMARY}}</a:t>
@@ -3880,14 +5710,102 @@
       </p:sp>
       <p:sp>
         <p:nvSpPr>
-          <p:cNvPr id="5" name="TextBox 4"/>
+          <p:cNvPr id="11" name="Rounded Rectangle 10"/>
+          <p:cNvSpPr/>
+          <p:nvPr/>
+        </p:nvSpPr>
+        <p:spPr>
+          <a:xfrm>
+            <a:off x="649224" y="2295144"/>
+            <a:ext cx="11247120" cy="2971800"/>
+          </a:xfrm>
+          <a:prstGeom prst="roundRect">
+            <a:avLst/>
+          </a:prstGeom>
+          <a:solidFill>
+            <a:srgbClr val="000000"/>
+          </a:solidFill>
+          <a:ln>
+            <a:noFill/>
+          </a:ln>
+        </p:spPr>
+        <p:style>
+          <a:lnRef idx="1">
+            <a:schemeClr val="accent1"/>
+          </a:lnRef>
+          <a:fillRef idx="3">
+            <a:schemeClr val="accent1"/>
+          </a:fillRef>
+          <a:effectRef idx="2">
+            <a:schemeClr val="accent1"/>
+          </a:effectRef>
+          <a:fontRef idx="minor">
+            <a:schemeClr val="lt1"/>
+          </a:fontRef>
+        </p:style>
+        <p:txBody>
+          <a:bodyPr rtlCol="0" anchor="ctr"/>
+          <a:lstStyle/>
+          <a:p>
+            <a:pPr algn="ctr"/>
+          </a:p>
+        </p:txBody>
+      </p:sp>
+      <p:sp>
+        <p:nvSpPr>
+          <p:cNvPr id="12" name="Rounded Rectangle 11"/>
+          <p:cNvSpPr/>
+          <p:nvPr/>
+        </p:nvSpPr>
+        <p:spPr>
+          <a:xfrm>
+            <a:off x="594360" y="2240280"/>
+            <a:ext cx="11247120" cy="2971800"/>
+          </a:xfrm>
+          <a:prstGeom prst="roundRect">
+            <a:avLst/>
+          </a:prstGeom>
+          <a:solidFill>
+            <a:srgbClr val="FFFFFF"/>
+          </a:solidFill>
+          <a:ln w="12700">
+            <a:solidFill>
+              <a:srgbClr val="E2E8F0"/>
+            </a:solidFill>
+          </a:ln>
+        </p:spPr>
+        <p:style>
+          <a:lnRef idx="1">
+            <a:schemeClr val="accent1"/>
+          </a:lnRef>
+          <a:fillRef idx="3">
+            <a:schemeClr val="accent1"/>
+          </a:fillRef>
+          <a:effectRef idx="2">
+            <a:schemeClr val="accent1"/>
+          </a:effectRef>
+          <a:fontRef idx="minor">
+            <a:schemeClr val="lt1"/>
+          </a:fontRef>
+        </p:style>
+        <p:txBody>
+          <a:bodyPr rtlCol="0" anchor="ctr"/>
+          <a:lstStyle/>
+          <a:p>
+            <a:pPr algn="ctr"/>
+          </a:p>
+        </p:txBody>
+      </p:sp>
+      <p:sp>
+        <p:nvSpPr>
+          <p:cNvPr id="13" name="TextBox 12"/>
           <p:cNvSpPr txBox="1"/>
           <p:nvPr/>
         </p:nvSpPr>
         <p:spPr>
           <a:xfrm>
-            <a:off x="457200" y="2560320"/>
-            <a:ext cx="10972800" cy="365760"/>
+            <a:off x="777240" y="2331720"/>
+            <a:ext cx="10881360" cy="365760"/>
           </a:xfrm>
           <a:prstGeom prst="rect">
             <a:avLst/>
@@ -3895,13 +5813,18 @@
           <a:noFill/>
         </p:spPr>
         <p:txBody>
-          <a:bodyPr wrap="square">
+          <a:bodyPr wrap="square" lIns="127000" rIns="127000" tIns="76200" bIns="76200">
             <a:spAutoFit/>
           </a:bodyPr>
           <a:lstStyle/>
           <a:p>
             <a:pPr>
-              <a:defRPr sz="1400" b="1"/>
+              <a:defRPr sz="1400" b="1">
+                <a:solidFill>
+                  <a:srgbClr val="1E40AF"/>
+                </a:solidFill>
+                <a:latin typeface="Microsoft YaHei"/>
+              </a:defRPr>
             </a:pPr>
             <a:r>
               <a:t>{{INCIDENT_DETAILS_TITLE}}</a:t>
@@ -3911,14 +5834,14 @@
       </p:sp>
       <p:sp>
         <p:nvSpPr>
-          <p:cNvPr id="6" name="TextBox 5"/>
+          <p:cNvPr id="14" name="TextBox 13"/>
           <p:cNvSpPr txBox="1"/>
           <p:nvPr/>
         </p:nvSpPr>
         <p:spPr>
           <a:xfrm>
-            <a:off x="457200" y="2926080"/>
-            <a:ext cx="10972800" cy="2286000"/>
+            <a:off x="777240" y="2697480"/>
+            <a:ext cx="10881360" cy="2423160"/>
           </a:xfrm>
           <a:prstGeom prst="rect">
             <a:avLst/>
@@ -3926,13 +5849,18 @@
           <a:noFill/>
         </p:spPr>
         <p:txBody>
-          <a:bodyPr wrap="square">
+          <a:bodyPr wrap="square" lIns="127000" rIns="127000" tIns="76200" bIns="76200">
             <a:spAutoFit/>
           </a:bodyPr>
           <a:lstStyle/>
           <a:p>
             <a:pPr>
-              <a:defRPr sz="1000" b="0"/>
+              <a:defRPr sz="1000" b="0">
+                <a:solidFill>
+                  <a:srgbClr val="0F172A"/>
+                </a:solidFill>
+                <a:latin typeface="Microsoft YaHei"/>
+              </a:defRPr>
             </a:pPr>
             <a:r>
               <a:t>{{INCIDENT_DETAILS}}</a:t>
@@ -3942,14 +5870,102 @@
       </p:sp>
       <p:sp>
         <p:nvSpPr>
-          <p:cNvPr id="7" name="TextBox 6"/>
+          <p:cNvPr id="15" name="Rounded Rectangle 14"/>
+          <p:cNvSpPr/>
+          <p:nvPr/>
+        </p:nvSpPr>
+        <p:spPr>
+          <a:xfrm>
+            <a:off x="649224" y="5404103"/>
+            <a:ext cx="11247120" cy="1280160"/>
+          </a:xfrm>
+          <a:prstGeom prst="roundRect">
+            <a:avLst/>
+          </a:prstGeom>
+          <a:solidFill>
+            <a:srgbClr val="000000"/>
+          </a:solidFill>
+          <a:ln>
+            <a:noFill/>
+          </a:ln>
+        </p:spPr>
+        <p:style>
+          <a:lnRef idx="1">
+            <a:schemeClr val="accent1"/>
+          </a:lnRef>
+          <a:fillRef idx="3">
+            <a:schemeClr val="accent1"/>
+          </a:fillRef>
+          <a:effectRef idx="2">
+            <a:schemeClr val="accent1"/>
+          </a:effectRef>
+          <a:fontRef idx="minor">
+            <a:schemeClr val="lt1"/>
+          </a:fontRef>
+        </p:style>
+        <p:txBody>
+          <a:bodyPr rtlCol="0" anchor="ctr"/>
+          <a:lstStyle/>
+          <a:p>
+            <a:pPr algn="ctr"/>
+          </a:p>
+        </p:txBody>
+      </p:sp>
+      <p:sp>
+        <p:nvSpPr>
+          <p:cNvPr id="16" name="Rounded Rectangle 15"/>
+          <p:cNvSpPr/>
+          <p:nvPr/>
+        </p:nvSpPr>
+        <p:spPr>
+          <a:xfrm>
+            <a:off x="594360" y="5349240"/>
+            <a:ext cx="11247120" cy="1280160"/>
+          </a:xfrm>
+          <a:prstGeom prst="roundRect">
+            <a:avLst/>
+          </a:prstGeom>
+          <a:solidFill>
+            <a:srgbClr val="FFFFFF"/>
+          </a:solidFill>
+          <a:ln w="12700">
+            <a:solidFill>
+              <a:srgbClr val="E2E8F0"/>
+            </a:solidFill>
+          </a:ln>
+        </p:spPr>
+        <p:style>
+          <a:lnRef idx="1">
+            <a:schemeClr val="accent1"/>
+          </a:lnRef>
+          <a:fillRef idx="3">
+            <a:schemeClr val="accent1"/>
+          </a:fillRef>
+          <a:effectRef idx="2">
+            <a:schemeClr val="accent1"/>
+          </a:effectRef>
+          <a:fontRef idx="minor">
+            <a:schemeClr val="lt1"/>
+          </a:fontRef>
+        </p:style>
+        <p:txBody>
+          <a:bodyPr rtlCol="0" anchor="ctr"/>
+          <a:lstStyle/>
+          <a:p>
+            <a:pPr algn="ctr"/>
+          </a:p>
+        </p:txBody>
+      </p:sp>
+      <p:sp>
+        <p:nvSpPr>
+          <p:cNvPr id="17" name="TextBox 16"/>
           <p:cNvSpPr txBox="1"/>
           <p:nvPr/>
         </p:nvSpPr>
         <p:spPr>
           <a:xfrm>
-            <a:off x="457200" y="5394960"/>
-            <a:ext cx="10972800" cy="365760"/>
+            <a:off x="777240" y="5440680"/>
+            <a:ext cx="10881360" cy="365760"/>
           </a:xfrm>
           <a:prstGeom prst="rect">
             <a:avLst/>
@@ -3957,13 +5973,18 @@
           <a:noFill/>
         </p:spPr>
         <p:txBody>
-          <a:bodyPr wrap="square">
+          <a:bodyPr wrap="square" lIns="127000" rIns="127000" tIns="76200" bIns="76200">
             <a:spAutoFit/>
           </a:bodyPr>
           <a:lstStyle/>
           <a:p>
             <a:pPr>
-              <a:defRPr sz="1400" b="1"/>
+              <a:defRPr sz="1400" b="1">
+                <a:solidFill>
+                  <a:srgbClr val="1E40AF"/>
+                </a:solidFill>
+                <a:latin typeface="Microsoft YaHei"/>
+              </a:defRPr>
             </a:pPr>
             <a:r>
               <a:t>{{INCIDENT_INSIGHT_TITLE}}</a:t>
@@ -3973,14 +5994,14 @@
       </p:sp>
       <p:sp>
         <p:nvSpPr>
-          <p:cNvPr id="8" name="TextBox 7"/>
+          <p:cNvPr id="18" name="TextBox 17"/>
           <p:cNvSpPr txBox="1"/>
           <p:nvPr/>
         </p:nvSpPr>
         <p:spPr>
           <a:xfrm>
-            <a:off x="457200" y="5760720"/>
-            <a:ext cx="10972800" cy="914400"/>
+            <a:off x="777240" y="5806440"/>
+            <a:ext cx="10881360" cy="749808"/>
           </a:xfrm>
           <a:prstGeom prst="rect">
             <a:avLst/>
@@ -3988,13 +6009,18 @@
           <a:noFill/>
         </p:spPr>
         <p:txBody>
-          <a:bodyPr wrap="square">
+          <a:bodyPr wrap="square" lIns="127000" rIns="127000" tIns="76200" bIns="76200">
             <a:spAutoFit/>
           </a:bodyPr>
           <a:lstStyle/>
           <a:p>
             <a:pPr>
-              <a:defRPr sz="1100" b="0"/>
+              <a:defRPr sz="1100" b="0">
+                <a:solidFill>
+                  <a:srgbClr val="0F172A"/>
+                </a:solidFill>
+                <a:latin typeface="Microsoft YaHei"/>
+              </a:defRPr>
             </a:pPr>
             <a:r>
               <a:t>{{INCIDENT_INSIGHT}}</a:t>
@@ -4013,6 +6039,14 @@
 <file path=ppt/slides/slide5.xml><?xml version="1.0" encoding="utf-8"?>
 <p:sld xmlns:a="http://schemas.openxmlformats.org/drawingml/2006/main" xmlns:p="http://schemas.openxmlformats.org/presentationml/2006/main" xmlns:r="http://schemas.openxmlformats.org/officeDocument/2006/relationships">
   <p:cSld>
+    <p:bg>
+      <p:bgPr>
+        <a:solidFill>
+          <a:srgbClr val="F8FAFC"/>
+        </a:solidFill>
+        <a:effectLst/>
+      </p:bgPr>
+    </p:bg>
     <p:spTree>
       <p:nvGrpSpPr>
         <p:cNvPr id="1" name=""/>
@@ -4022,14 +6056,186 @@
       <p:grpSpPr/>
       <p:sp>
         <p:nvSpPr>
-          <p:cNvPr id="2" name="TextBox 1"/>
+          <p:cNvPr id="2" name="Rectangle 1"/>
+          <p:cNvSpPr/>
+          <p:nvPr/>
+        </p:nvSpPr>
+        <p:spPr>
+          <a:xfrm>
+            <a:off x="0" y="0"/>
+            <a:ext cx="12191695" cy="960120"/>
+          </a:xfrm>
+          <a:prstGeom prst="rect">
+            <a:avLst/>
+          </a:prstGeom>
+          <a:solidFill>
+            <a:srgbClr val="EFF6FF"/>
+          </a:solidFill>
+          <a:ln>
+            <a:noFill/>
+          </a:ln>
+        </p:spPr>
+        <p:style>
+          <a:lnRef idx="1">
+            <a:schemeClr val="accent1"/>
+          </a:lnRef>
+          <a:fillRef idx="3">
+            <a:schemeClr val="accent1"/>
+          </a:fillRef>
+          <a:effectRef idx="2">
+            <a:schemeClr val="accent1"/>
+          </a:effectRef>
+          <a:fontRef idx="minor">
+            <a:schemeClr val="lt1"/>
+          </a:fontRef>
+        </p:style>
+        <p:txBody>
+          <a:bodyPr rtlCol="0" anchor="ctr"/>
+          <a:lstStyle/>
+          <a:p>
+            <a:pPr algn="ctr"/>
+          </a:p>
+        </p:txBody>
+      </p:sp>
+      <p:sp>
+        <p:nvSpPr>
+          <p:cNvPr id="3" name="Rectangle 2"/>
+          <p:cNvSpPr/>
+          <p:nvPr/>
+        </p:nvSpPr>
+        <p:spPr>
+          <a:xfrm>
+            <a:off x="0" y="896112"/>
+            <a:ext cx="12191695" cy="54864"/>
+          </a:xfrm>
+          <a:prstGeom prst="rect">
+            <a:avLst/>
+          </a:prstGeom>
+          <a:solidFill>
+            <a:srgbClr val="3B82F6"/>
+          </a:solidFill>
+          <a:ln>
+            <a:noFill/>
+          </a:ln>
+        </p:spPr>
+        <p:style>
+          <a:lnRef idx="1">
+            <a:schemeClr val="accent1"/>
+          </a:lnRef>
+          <a:fillRef idx="3">
+            <a:schemeClr val="accent1"/>
+          </a:fillRef>
+          <a:effectRef idx="2">
+            <a:schemeClr val="accent1"/>
+          </a:effectRef>
+          <a:fontRef idx="minor">
+            <a:schemeClr val="lt1"/>
+          </a:fontRef>
+        </p:style>
+        <p:txBody>
+          <a:bodyPr rtlCol="0" anchor="ctr"/>
+          <a:lstStyle/>
+          <a:p>
+            <a:pPr algn="ctr"/>
+          </a:p>
+        </p:txBody>
+      </p:sp>
+      <p:sp>
+        <p:nvSpPr>
+          <p:cNvPr id="4" name="Oval 3"/>
+          <p:cNvSpPr/>
+          <p:nvPr/>
+        </p:nvSpPr>
+        <p:spPr>
+          <a:xfrm>
+            <a:off x="10424160" y="-822960"/>
+            <a:ext cx="2926080" cy="2926080"/>
+          </a:xfrm>
+          <a:prstGeom prst="ellipse">
+            <a:avLst/>
+          </a:prstGeom>
+          <a:solidFill>
+            <a:srgbClr val="3B82F6"/>
+          </a:solidFill>
+          <a:ln>
+            <a:noFill/>
+          </a:ln>
+        </p:spPr>
+        <p:style>
+          <a:lnRef idx="1">
+            <a:schemeClr val="accent1"/>
+          </a:lnRef>
+          <a:fillRef idx="3">
+            <a:schemeClr val="accent1"/>
+          </a:fillRef>
+          <a:effectRef idx="2">
+            <a:schemeClr val="accent1"/>
+          </a:effectRef>
+          <a:fontRef idx="minor">
+            <a:schemeClr val="lt1"/>
+          </a:fontRef>
+        </p:style>
+        <p:txBody>
+          <a:bodyPr rtlCol="0" anchor="ctr"/>
+          <a:lstStyle/>
+          <a:p>
+            <a:pPr algn="ctr"/>
+          </a:p>
+        </p:txBody>
+      </p:sp>
+      <p:sp>
+        <p:nvSpPr>
+          <p:cNvPr id="5" name="Oval 4"/>
+          <p:cNvSpPr/>
+          <p:nvPr/>
+        </p:nvSpPr>
+        <p:spPr>
+          <a:xfrm>
+            <a:off x="-1097280" y="5669280"/>
+            <a:ext cx="2377440" cy="2377440"/>
+          </a:xfrm>
+          <a:prstGeom prst="ellipse">
+            <a:avLst/>
+          </a:prstGeom>
+          <a:solidFill>
+            <a:srgbClr val="1E40AF"/>
+          </a:solidFill>
+          <a:ln>
+            <a:noFill/>
+          </a:ln>
+        </p:spPr>
+        <p:style>
+          <a:lnRef idx="1">
+            <a:schemeClr val="accent1"/>
+          </a:lnRef>
+          <a:fillRef idx="3">
+            <a:schemeClr val="accent1"/>
+          </a:fillRef>
+          <a:effectRef idx="2">
+            <a:schemeClr val="accent1"/>
+          </a:effectRef>
+          <a:fontRef idx="minor">
+            <a:schemeClr val="lt1"/>
+          </a:fontRef>
+        </p:style>
+        <p:txBody>
+          <a:bodyPr rtlCol="0" anchor="ctr"/>
+          <a:lstStyle/>
+          <a:p>
+            <a:pPr algn="ctr"/>
+          </a:p>
+        </p:txBody>
+      </p:sp>
+      <p:sp>
+        <p:nvSpPr>
+          <p:cNvPr id="6" name="TextBox 5"/>
           <p:cNvSpPr txBox="1"/>
           <p:nvPr/>
         </p:nvSpPr>
         <p:spPr>
           <a:xfrm>
-            <a:off x="457200" y="274320"/>
-            <a:ext cx="10972800" cy="548640"/>
+            <a:off x="594360" y="201168"/>
+            <a:ext cx="11247120" cy="621792"/>
           </a:xfrm>
           <a:prstGeom prst="rect">
             <a:avLst/>
@@ -4037,7 +6243,7 @@
           <a:noFill/>
         </p:spPr>
         <p:txBody>
-          <a:bodyPr wrap="square">
+          <a:bodyPr wrap="square" lIns="127000" rIns="127000" tIns="76200" bIns="76200">
             <a:spAutoFit/>
           </a:bodyPr>
           <a:lstStyle/>
@@ -4047,6 +6253,7 @@
                 <a:solidFill>
                   <a:srgbClr val="1E40AF"/>
                 </a:solidFill>
+                <a:latin typeface="Microsoft YaHei"/>
               </a:defRPr>
             </a:pPr>
             <a:r>
@@ -4057,14 +6264,102 @@
       </p:sp>
       <p:sp>
         <p:nvSpPr>
-          <p:cNvPr id="3" name="TextBox 2"/>
+          <p:cNvPr id="7" name="Rounded Rectangle 6"/>
+          <p:cNvSpPr/>
+          <p:nvPr/>
+        </p:nvSpPr>
+        <p:spPr>
+          <a:xfrm>
+            <a:off x="649224" y="1014984"/>
+            <a:ext cx="11247120" cy="868680"/>
+          </a:xfrm>
+          <a:prstGeom prst="roundRect">
+            <a:avLst/>
+          </a:prstGeom>
+          <a:solidFill>
+            <a:srgbClr val="000000"/>
+          </a:solidFill>
+          <a:ln>
+            <a:noFill/>
+          </a:ln>
+        </p:spPr>
+        <p:style>
+          <a:lnRef idx="1">
+            <a:schemeClr val="accent1"/>
+          </a:lnRef>
+          <a:fillRef idx="3">
+            <a:schemeClr val="accent1"/>
+          </a:fillRef>
+          <a:effectRef idx="2">
+            <a:schemeClr val="accent1"/>
+          </a:effectRef>
+          <a:fontRef idx="minor">
+            <a:schemeClr val="lt1"/>
+          </a:fontRef>
+        </p:style>
+        <p:txBody>
+          <a:bodyPr rtlCol="0" anchor="ctr"/>
+          <a:lstStyle/>
+          <a:p>
+            <a:pPr algn="ctr"/>
+          </a:p>
+        </p:txBody>
+      </p:sp>
+      <p:sp>
+        <p:nvSpPr>
+          <p:cNvPr id="8" name="Rounded Rectangle 7"/>
+          <p:cNvSpPr/>
+          <p:nvPr/>
+        </p:nvSpPr>
+        <p:spPr>
+          <a:xfrm>
+            <a:off x="594360" y="960120"/>
+            <a:ext cx="11247120" cy="868680"/>
+          </a:xfrm>
+          <a:prstGeom prst="roundRect">
+            <a:avLst/>
+          </a:prstGeom>
+          <a:solidFill>
+            <a:srgbClr val="FFFFFF"/>
+          </a:solidFill>
+          <a:ln w="12700">
+            <a:solidFill>
+              <a:srgbClr val="E2E8F0"/>
+            </a:solidFill>
+          </a:ln>
+        </p:spPr>
+        <p:style>
+          <a:lnRef idx="1">
+            <a:schemeClr val="accent1"/>
+          </a:lnRef>
+          <a:fillRef idx="3">
+            <a:schemeClr val="accent1"/>
+          </a:fillRef>
+          <a:effectRef idx="2">
+            <a:schemeClr val="accent1"/>
+          </a:effectRef>
+          <a:fontRef idx="minor">
+            <a:schemeClr val="lt1"/>
+          </a:fontRef>
+        </p:style>
+        <p:txBody>
+          <a:bodyPr rtlCol="0" anchor="ctr"/>
+          <a:lstStyle/>
+          <a:p>
+            <a:pPr algn="ctr"/>
+          </a:p>
+        </p:txBody>
+      </p:sp>
+      <p:sp>
+        <p:nvSpPr>
+          <p:cNvPr id="9" name="TextBox 8"/>
           <p:cNvSpPr txBox="1"/>
           <p:nvPr/>
         </p:nvSpPr>
         <p:spPr>
           <a:xfrm>
-            <a:off x="457200" y="914400"/>
-            <a:ext cx="10972800" cy="365760"/>
+            <a:off x="777240" y="1051560"/>
+            <a:ext cx="10881360" cy="365760"/>
           </a:xfrm>
           <a:prstGeom prst="rect">
             <a:avLst/>
@@ -4072,13 +6367,18 @@
           <a:noFill/>
         </p:spPr>
         <p:txBody>
-          <a:bodyPr wrap="square">
+          <a:bodyPr wrap="square" lIns="127000" rIns="127000" tIns="76200" bIns="76200">
             <a:spAutoFit/>
           </a:bodyPr>
           <a:lstStyle/>
           <a:p>
             <a:pPr>
-              <a:defRPr sz="1400" b="1"/>
+              <a:defRPr sz="1400" b="1">
+                <a:solidFill>
+                  <a:srgbClr val="1E40AF"/>
+                </a:solidFill>
+                <a:latin typeface="Microsoft YaHei"/>
+              </a:defRPr>
             </a:pPr>
             <a:r>
               <a:t>{{VULN_STATS_TITLE}}</a:t>
@@ -4088,14 +6388,14 @@
       </p:sp>
       <p:sp>
         <p:nvSpPr>
-          <p:cNvPr id="4" name="TextBox 3"/>
+          <p:cNvPr id="10" name="TextBox 9"/>
           <p:cNvSpPr txBox="1"/>
           <p:nvPr/>
         </p:nvSpPr>
         <p:spPr>
           <a:xfrm>
-            <a:off x="457200" y="1280160"/>
-            <a:ext cx="10972800" cy="457200"/>
+            <a:off x="777240" y="1389888"/>
+            <a:ext cx="10881360" cy="393192"/>
           </a:xfrm>
           <a:prstGeom prst="rect">
             <a:avLst/>
@@ -4103,13 +6403,18 @@
           <a:noFill/>
         </p:spPr>
         <p:txBody>
-          <a:bodyPr wrap="square">
+          <a:bodyPr wrap="square" lIns="127000" rIns="127000" tIns="76200" bIns="76200">
             <a:spAutoFit/>
           </a:bodyPr>
           <a:lstStyle/>
           <a:p>
             <a:pPr>
-              <a:defRPr sz="1100" b="0"/>
+              <a:defRPr sz="1100" b="0">
+                <a:solidFill>
+                  <a:srgbClr val="0F172A"/>
+                </a:solidFill>
+                <a:latin typeface="Microsoft YaHei"/>
+              </a:defRPr>
             </a:pPr>
             <a:r>
               <a:t>{{VULN_STATS}}</a:t>
@@ -4119,14 +6424,102 @@
       </p:sp>
       <p:sp>
         <p:nvSpPr>
-          <p:cNvPr id="5" name="TextBox 4"/>
+          <p:cNvPr id="11" name="Rounded Rectangle 10"/>
+          <p:cNvSpPr/>
+          <p:nvPr/>
+        </p:nvSpPr>
+        <p:spPr>
+          <a:xfrm>
+            <a:off x="649224" y="2020824"/>
+            <a:ext cx="5532120" cy="1325880"/>
+          </a:xfrm>
+          <a:prstGeom prst="roundRect">
+            <a:avLst/>
+          </a:prstGeom>
+          <a:solidFill>
+            <a:srgbClr val="000000"/>
+          </a:solidFill>
+          <a:ln>
+            <a:noFill/>
+          </a:ln>
+        </p:spPr>
+        <p:style>
+          <a:lnRef idx="1">
+            <a:schemeClr val="accent1"/>
+          </a:lnRef>
+          <a:fillRef idx="3">
+            <a:schemeClr val="accent1"/>
+          </a:fillRef>
+          <a:effectRef idx="2">
+            <a:schemeClr val="accent1"/>
+          </a:effectRef>
+          <a:fontRef idx="minor">
+            <a:schemeClr val="lt1"/>
+          </a:fontRef>
+        </p:style>
+        <p:txBody>
+          <a:bodyPr rtlCol="0" anchor="ctr"/>
+          <a:lstStyle/>
+          <a:p>
+            <a:pPr algn="ctr"/>
+          </a:p>
+        </p:txBody>
+      </p:sp>
+      <p:sp>
+        <p:nvSpPr>
+          <p:cNvPr id="12" name="Rounded Rectangle 11"/>
+          <p:cNvSpPr/>
+          <p:nvPr/>
+        </p:nvSpPr>
+        <p:spPr>
+          <a:xfrm>
+            <a:off x="594360" y="1965960"/>
+            <a:ext cx="5532120" cy="1325880"/>
+          </a:xfrm>
+          <a:prstGeom prst="roundRect">
+            <a:avLst/>
+          </a:prstGeom>
+          <a:solidFill>
+            <a:srgbClr val="FFFFFF"/>
+          </a:solidFill>
+          <a:ln w="12700">
+            <a:solidFill>
+              <a:srgbClr val="E2E8F0"/>
+            </a:solidFill>
+          </a:ln>
+        </p:spPr>
+        <p:style>
+          <a:lnRef idx="1">
+            <a:schemeClr val="accent1"/>
+          </a:lnRef>
+          <a:fillRef idx="3">
+            <a:schemeClr val="accent1"/>
+          </a:fillRef>
+          <a:effectRef idx="2">
+            <a:schemeClr val="accent1"/>
+          </a:effectRef>
+          <a:fontRef idx="minor">
+            <a:schemeClr val="lt1"/>
+          </a:fontRef>
+        </p:style>
+        <p:txBody>
+          <a:bodyPr rtlCol="0" anchor="ctr"/>
+          <a:lstStyle/>
+          <a:p>
+            <a:pPr algn="ctr"/>
+          </a:p>
+        </p:txBody>
+      </p:sp>
+      <p:sp>
+        <p:nvSpPr>
+          <p:cNvPr id="13" name="TextBox 12"/>
           <p:cNvSpPr txBox="1"/>
           <p:nvPr/>
         </p:nvSpPr>
         <p:spPr>
           <a:xfrm>
-            <a:off x="457200" y="1828800"/>
-            <a:ext cx="5486400" cy="365760"/>
+            <a:off x="777240" y="2057400"/>
+            <a:ext cx="5166360" cy="365760"/>
           </a:xfrm>
           <a:prstGeom prst="rect">
             <a:avLst/>
@@ -4134,13 +6527,18 @@
           <a:noFill/>
         </p:spPr>
         <p:txBody>
-          <a:bodyPr wrap="square">
+          <a:bodyPr wrap="square" lIns="127000" rIns="127000" tIns="76200" bIns="76200">
             <a:spAutoFit/>
           </a:bodyPr>
           <a:lstStyle/>
           <a:p>
             <a:pPr>
-              <a:defRPr sz="1400" b="1"/>
+              <a:defRPr sz="1400" b="1">
+                <a:solidFill>
+                  <a:srgbClr val="1E40AF"/>
+                </a:solidFill>
+                <a:latin typeface="Microsoft YaHei"/>
+              </a:defRPr>
             </a:pPr>
             <a:r>
               <a:t>{{VULN_OVERVIEW_TITLE}}</a:t>
@@ -4150,14 +6548,14 @@
       </p:sp>
       <p:sp>
         <p:nvSpPr>
-          <p:cNvPr id="6" name="TextBox 5"/>
+          <p:cNvPr id="14" name="TextBox 13"/>
           <p:cNvSpPr txBox="1"/>
           <p:nvPr/>
         </p:nvSpPr>
         <p:spPr>
           <a:xfrm>
-            <a:off x="457200" y="2194560"/>
-            <a:ext cx="5486400" cy="914400"/>
+            <a:off x="777240" y="2423160"/>
+            <a:ext cx="5166360" cy="777240"/>
           </a:xfrm>
           <a:prstGeom prst="rect">
             <a:avLst/>
@@ -4165,13 +6563,18 @@
           <a:noFill/>
         </p:spPr>
         <p:txBody>
-          <a:bodyPr wrap="square">
+          <a:bodyPr wrap="square" lIns="127000" rIns="127000" tIns="76200" bIns="76200">
             <a:spAutoFit/>
           </a:bodyPr>
           <a:lstStyle/>
           <a:p>
             <a:pPr>
-              <a:defRPr sz="1100" b="0"/>
+              <a:defRPr sz="1100" b="0">
+                <a:solidFill>
+                  <a:srgbClr val="0F172A"/>
+                </a:solidFill>
+                <a:latin typeface="Microsoft YaHei"/>
+              </a:defRPr>
             </a:pPr>
             <a:r>
               <a:t>{{VULN_OVERVIEW}}</a:t>
@@ -4181,14 +6584,102 @@
       </p:sp>
       <p:sp>
         <p:nvSpPr>
-          <p:cNvPr id="7" name="TextBox 6"/>
+          <p:cNvPr id="15" name="Rounded Rectangle 14"/>
+          <p:cNvSpPr/>
+          <p:nvPr/>
+        </p:nvSpPr>
+        <p:spPr>
+          <a:xfrm>
+            <a:off x="6364224" y="2020824"/>
+            <a:ext cx="5532120" cy="1325880"/>
+          </a:xfrm>
+          <a:prstGeom prst="roundRect">
+            <a:avLst/>
+          </a:prstGeom>
+          <a:solidFill>
+            <a:srgbClr val="000000"/>
+          </a:solidFill>
+          <a:ln>
+            <a:noFill/>
+          </a:ln>
+        </p:spPr>
+        <p:style>
+          <a:lnRef idx="1">
+            <a:schemeClr val="accent1"/>
+          </a:lnRef>
+          <a:fillRef idx="3">
+            <a:schemeClr val="accent1"/>
+          </a:fillRef>
+          <a:effectRef idx="2">
+            <a:schemeClr val="accent1"/>
+          </a:effectRef>
+          <a:fontRef idx="minor">
+            <a:schemeClr val="lt1"/>
+          </a:fontRef>
+        </p:style>
+        <p:txBody>
+          <a:bodyPr rtlCol="0" anchor="ctr"/>
+          <a:lstStyle/>
+          <a:p>
+            <a:pPr algn="ctr"/>
+          </a:p>
+        </p:txBody>
+      </p:sp>
+      <p:sp>
+        <p:nvSpPr>
+          <p:cNvPr id="16" name="Rounded Rectangle 15"/>
+          <p:cNvSpPr/>
+          <p:nvPr/>
+        </p:nvSpPr>
+        <p:spPr>
+          <a:xfrm>
+            <a:off x="6309360" y="1965960"/>
+            <a:ext cx="5532120" cy="1325880"/>
+          </a:xfrm>
+          <a:prstGeom prst="roundRect">
+            <a:avLst/>
+          </a:prstGeom>
+          <a:solidFill>
+            <a:srgbClr val="FFFFFF"/>
+          </a:solidFill>
+          <a:ln w="12700">
+            <a:solidFill>
+              <a:srgbClr val="E2E8F0"/>
+            </a:solidFill>
+          </a:ln>
+        </p:spPr>
+        <p:style>
+          <a:lnRef idx="1">
+            <a:schemeClr val="accent1"/>
+          </a:lnRef>
+          <a:fillRef idx="3">
+            <a:schemeClr val="accent1"/>
+          </a:fillRef>
+          <a:effectRef idx="2">
+            <a:schemeClr val="accent1"/>
+          </a:effectRef>
+          <a:fontRef idx="minor">
+            <a:schemeClr val="lt1"/>
+          </a:fontRef>
+        </p:style>
+        <p:txBody>
+          <a:bodyPr rtlCol="0" anchor="ctr"/>
+          <a:lstStyle/>
+          <a:p>
+            <a:pPr algn="ctr"/>
+          </a:p>
+        </p:txBody>
+      </p:sp>
+      <p:sp>
+        <p:nvSpPr>
+          <p:cNvPr id="17" name="TextBox 16"/>
           <p:cNvSpPr txBox="1"/>
           <p:nvPr/>
         </p:nvSpPr>
         <p:spPr>
           <a:xfrm>
-            <a:off x="6400800" y="1828800"/>
-            <a:ext cx="5029200" cy="365760"/>
+            <a:off x="6492240" y="2057400"/>
+            <a:ext cx="5166360" cy="365760"/>
           </a:xfrm>
           <a:prstGeom prst="rect">
             <a:avLst/>
@@ -4196,13 +6687,18 @@
           <a:noFill/>
         </p:spPr>
         <p:txBody>
-          <a:bodyPr wrap="square">
+          <a:bodyPr wrap="square" lIns="127000" rIns="127000" tIns="76200" bIns="76200">
             <a:spAutoFit/>
           </a:bodyPr>
           <a:lstStyle/>
           <a:p>
             <a:pPr>
-              <a:defRPr sz="1400" b="1"/>
+              <a:defRPr sz="1400" b="1">
+                <a:solidFill>
+                  <a:srgbClr val="1E40AF"/>
+                </a:solidFill>
+                <a:latin typeface="Microsoft YaHei"/>
+              </a:defRPr>
             </a:pPr>
             <a:r>
               <a:t>{{EXPOSURE_STATS_TITLE}}</a:t>
@@ -4212,14 +6708,14 @@
       </p:sp>
       <p:sp>
         <p:nvSpPr>
-          <p:cNvPr id="8" name="TextBox 7"/>
+          <p:cNvPr id="18" name="TextBox 17"/>
           <p:cNvSpPr txBox="1"/>
           <p:nvPr/>
         </p:nvSpPr>
         <p:spPr>
           <a:xfrm>
-            <a:off x="6400800" y="2194560"/>
-            <a:ext cx="5029200" cy="914400"/>
+            <a:off x="6492240" y="2423160"/>
+            <a:ext cx="5166360" cy="777240"/>
           </a:xfrm>
           <a:prstGeom prst="rect">
             <a:avLst/>
@@ -4227,13 +6723,18 @@
           <a:noFill/>
         </p:spPr>
         <p:txBody>
-          <a:bodyPr wrap="square">
+          <a:bodyPr wrap="square" lIns="127000" rIns="127000" tIns="76200" bIns="76200">
             <a:spAutoFit/>
           </a:bodyPr>
           <a:lstStyle/>
           <a:p>
             <a:pPr>
-              <a:defRPr sz="1100" b="0"/>
+              <a:defRPr sz="1100" b="0">
+                <a:solidFill>
+                  <a:srgbClr val="0F172A"/>
+                </a:solidFill>
+                <a:latin typeface="Microsoft YaHei"/>
+              </a:defRPr>
             </a:pPr>
             <a:r>
               <a:t>{{EXPOSURE_STATS}}</a:t>
@@ -4243,14 +6744,102 @@
       </p:sp>
       <p:sp>
         <p:nvSpPr>
-          <p:cNvPr id="9" name="TextBox 8"/>
+          <p:cNvPr id="19" name="Rounded Rectangle 18"/>
+          <p:cNvSpPr/>
+          <p:nvPr/>
+        </p:nvSpPr>
+        <p:spPr>
+          <a:xfrm>
+            <a:off x="649224" y="3483864"/>
+            <a:ext cx="11247120" cy="1508760"/>
+          </a:xfrm>
+          <a:prstGeom prst="roundRect">
+            <a:avLst/>
+          </a:prstGeom>
+          <a:solidFill>
+            <a:srgbClr val="000000"/>
+          </a:solidFill>
+          <a:ln>
+            <a:noFill/>
+          </a:ln>
+        </p:spPr>
+        <p:style>
+          <a:lnRef idx="1">
+            <a:schemeClr val="accent1"/>
+          </a:lnRef>
+          <a:fillRef idx="3">
+            <a:schemeClr val="accent1"/>
+          </a:fillRef>
+          <a:effectRef idx="2">
+            <a:schemeClr val="accent1"/>
+          </a:effectRef>
+          <a:fontRef idx="minor">
+            <a:schemeClr val="lt1"/>
+          </a:fontRef>
+        </p:style>
+        <p:txBody>
+          <a:bodyPr rtlCol="0" anchor="ctr"/>
+          <a:lstStyle/>
+          <a:p>
+            <a:pPr algn="ctr"/>
+          </a:p>
+        </p:txBody>
+      </p:sp>
+      <p:sp>
+        <p:nvSpPr>
+          <p:cNvPr id="20" name="Rounded Rectangle 19"/>
+          <p:cNvSpPr/>
+          <p:nvPr/>
+        </p:nvSpPr>
+        <p:spPr>
+          <a:xfrm>
+            <a:off x="594360" y="3429000"/>
+            <a:ext cx="11247120" cy="1508760"/>
+          </a:xfrm>
+          <a:prstGeom prst="roundRect">
+            <a:avLst/>
+          </a:prstGeom>
+          <a:solidFill>
+            <a:srgbClr val="FFFFFF"/>
+          </a:solidFill>
+          <a:ln w="12700">
+            <a:solidFill>
+              <a:srgbClr val="E2E8F0"/>
+            </a:solidFill>
+          </a:ln>
+        </p:spPr>
+        <p:style>
+          <a:lnRef idx="1">
+            <a:schemeClr val="accent1"/>
+          </a:lnRef>
+          <a:fillRef idx="3">
+            <a:schemeClr val="accent1"/>
+          </a:fillRef>
+          <a:effectRef idx="2">
+            <a:schemeClr val="accent1"/>
+          </a:effectRef>
+          <a:fontRef idx="minor">
+            <a:schemeClr val="lt1"/>
+          </a:fontRef>
+        </p:style>
+        <p:txBody>
+          <a:bodyPr rtlCol="0" anchor="ctr"/>
+          <a:lstStyle/>
+          <a:p>
+            <a:pPr algn="ctr"/>
+          </a:p>
+        </p:txBody>
+      </p:sp>
+      <p:sp>
+        <p:nvSpPr>
+          <p:cNvPr id="21" name="TextBox 20"/>
           <p:cNvSpPr txBox="1"/>
           <p:nvPr/>
         </p:nvSpPr>
         <p:spPr>
           <a:xfrm>
-            <a:off x="457200" y="3291840"/>
-            <a:ext cx="10972800" cy="365760"/>
+            <a:off x="777240" y="3520440"/>
+            <a:ext cx="10881360" cy="365760"/>
           </a:xfrm>
           <a:prstGeom prst="rect">
             <a:avLst/>
@@ -4258,13 +6847,18 @@
           <a:noFill/>
         </p:spPr>
         <p:txBody>
-          <a:bodyPr wrap="square">
+          <a:bodyPr wrap="square" lIns="127000" rIns="127000" tIns="76200" bIns="76200">
             <a:spAutoFit/>
           </a:bodyPr>
           <a:lstStyle/>
           <a:p>
             <a:pPr>
-              <a:defRPr sz="1400" b="1"/>
+              <a:defRPr sz="1400" b="1">
+                <a:solidFill>
+                  <a:srgbClr val="1E40AF"/>
+                </a:solidFill>
+                <a:latin typeface="Microsoft YaHei"/>
+              </a:defRPr>
             </a:pPr>
             <a:r>
               <a:t>{{TOP_CVE_TITLE}}</a:t>
@@ -4274,14 +6868,14 @@
       </p:sp>
       <p:sp>
         <p:nvSpPr>
-          <p:cNvPr id="10" name="TextBox 9"/>
+          <p:cNvPr id="22" name="TextBox 21"/>
           <p:cNvSpPr txBox="1"/>
           <p:nvPr/>
         </p:nvSpPr>
         <p:spPr>
           <a:xfrm>
-            <a:off x="457200" y="3657600"/>
-            <a:ext cx="10972800" cy="1097280"/>
+            <a:off x="777240" y="3886200"/>
+            <a:ext cx="10881360" cy="960120"/>
           </a:xfrm>
           <a:prstGeom prst="rect">
             <a:avLst/>
@@ -4289,13 +6883,18 @@
           <a:noFill/>
         </p:spPr>
         <p:txBody>
-          <a:bodyPr wrap="square">
+          <a:bodyPr wrap="square" lIns="127000" rIns="127000" tIns="76200" bIns="76200">
             <a:spAutoFit/>
           </a:bodyPr>
           <a:lstStyle/>
           <a:p>
             <a:pPr>
-              <a:defRPr sz="1000" b="0"/>
+              <a:defRPr sz="1000" b="0">
+                <a:solidFill>
+                  <a:srgbClr val="0F172A"/>
+                </a:solidFill>
+                <a:latin typeface="Microsoft YaHei"/>
+              </a:defRPr>
             </a:pPr>
             <a:r>
               <a:t>{{TOP_CVE_LIST}}</a:t>
@@ -4305,14 +6904,102 @@
       </p:sp>
       <p:sp>
         <p:nvSpPr>
-          <p:cNvPr id="11" name="TextBox 10"/>
+          <p:cNvPr id="23" name="Rounded Rectangle 22"/>
+          <p:cNvSpPr/>
+          <p:nvPr/>
+        </p:nvSpPr>
+        <p:spPr>
+          <a:xfrm>
+            <a:off x="649224" y="5129783"/>
+            <a:ext cx="11247120" cy="1234440"/>
+          </a:xfrm>
+          <a:prstGeom prst="roundRect">
+            <a:avLst/>
+          </a:prstGeom>
+          <a:solidFill>
+            <a:srgbClr val="000000"/>
+          </a:solidFill>
+          <a:ln>
+            <a:noFill/>
+          </a:ln>
+        </p:spPr>
+        <p:style>
+          <a:lnRef idx="1">
+            <a:schemeClr val="accent1"/>
+          </a:lnRef>
+          <a:fillRef idx="3">
+            <a:schemeClr val="accent1"/>
+          </a:fillRef>
+          <a:effectRef idx="2">
+            <a:schemeClr val="accent1"/>
+          </a:effectRef>
+          <a:fontRef idx="minor">
+            <a:schemeClr val="lt1"/>
+          </a:fontRef>
+        </p:style>
+        <p:txBody>
+          <a:bodyPr rtlCol="0" anchor="ctr"/>
+          <a:lstStyle/>
+          <a:p>
+            <a:pPr algn="ctr"/>
+          </a:p>
+        </p:txBody>
+      </p:sp>
+      <p:sp>
+        <p:nvSpPr>
+          <p:cNvPr id="24" name="Rounded Rectangle 23"/>
+          <p:cNvSpPr/>
+          <p:nvPr/>
+        </p:nvSpPr>
+        <p:spPr>
+          <a:xfrm>
+            <a:off x="594360" y="5074920"/>
+            <a:ext cx="11247120" cy="1234440"/>
+          </a:xfrm>
+          <a:prstGeom prst="roundRect">
+            <a:avLst/>
+          </a:prstGeom>
+          <a:solidFill>
+            <a:srgbClr val="FFFFFF"/>
+          </a:solidFill>
+          <a:ln w="12700">
+            <a:solidFill>
+              <a:srgbClr val="E2E8F0"/>
+            </a:solidFill>
+          </a:ln>
+        </p:spPr>
+        <p:style>
+          <a:lnRef idx="1">
+            <a:schemeClr val="accent1"/>
+          </a:lnRef>
+          <a:fillRef idx="3">
+            <a:schemeClr val="accent1"/>
+          </a:fillRef>
+          <a:effectRef idx="2">
+            <a:schemeClr val="accent1"/>
+          </a:effectRef>
+          <a:fontRef idx="minor">
+            <a:schemeClr val="lt1"/>
+          </a:fontRef>
+        </p:style>
+        <p:txBody>
+          <a:bodyPr rtlCol="0" anchor="ctr"/>
+          <a:lstStyle/>
+          <a:p>
+            <a:pPr algn="ctr"/>
+          </a:p>
+        </p:txBody>
+      </p:sp>
+      <p:sp>
+        <p:nvSpPr>
+          <p:cNvPr id="25" name="TextBox 24"/>
           <p:cNvSpPr txBox="1"/>
           <p:nvPr/>
         </p:nvSpPr>
         <p:spPr>
           <a:xfrm>
-            <a:off x="457200" y="4937760"/>
-            <a:ext cx="10972800" cy="365760"/>
+            <a:off x="777240" y="5166360"/>
+            <a:ext cx="10881360" cy="365760"/>
           </a:xfrm>
           <a:prstGeom prst="rect">
             <a:avLst/>
@@ -4320,13 +7007,18 @@
           <a:noFill/>
         </p:spPr>
         <p:txBody>
-          <a:bodyPr wrap="square">
+          <a:bodyPr wrap="square" lIns="127000" rIns="127000" tIns="76200" bIns="76200">
             <a:spAutoFit/>
           </a:bodyPr>
           <a:lstStyle/>
           <a:p>
             <a:pPr>
-              <a:defRPr sz="1400" b="1"/>
+              <a:defRPr sz="1400" b="1">
+                <a:solidFill>
+                  <a:srgbClr val="1E40AF"/>
+                </a:solidFill>
+                <a:latin typeface="Microsoft YaHei"/>
+              </a:defRPr>
             </a:pPr>
             <a:r>
               <a:t>{{CVE_ANALYSIS_TITLE}}</a:t>
@@ -4336,14 +7028,14 @@
       </p:sp>
       <p:sp>
         <p:nvSpPr>
-          <p:cNvPr id="12" name="TextBox 11"/>
+          <p:cNvPr id="26" name="TextBox 25"/>
           <p:cNvSpPr txBox="1"/>
           <p:nvPr/>
         </p:nvSpPr>
         <p:spPr>
           <a:xfrm>
-            <a:off x="457200" y="5303520"/>
-            <a:ext cx="10972800" cy="914400"/>
+            <a:off x="777240" y="5532120"/>
+            <a:ext cx="10881360" cy="685800"/>
           </a:xfrm>
           <a:prstGeom prst="rect">
             <a:avLst/>
@@ -4351,13 +7043,18 @@
           <a:noFill/>
         </p:spPr>
         <p:txBody>
-          <a:bodyPr wrap="square">
+          <a:bodyPr wrap="square" lIns="127000" rIns="127000" tIns="76200" bIns="76200">
             <a:spAutoFit/>
           </a:bodyPr>
           <a:lstStyle/>
           <a:p>
             <a:pPr>
-              <a:defRPr sz="1000" b="0"/>
+              <a:defRPr sz="1000" b="0">
+                <a:solidFill>
+                  <a:srgbClr val="0F172A"/>
+                </a:solidFill>
+                <a:latin typeface="Microsoft YaHei"/>
+              </a:defRPr>
             </a:pPr>
             <a:r>
               <a:t>{{TOP_CVE_ANALYSIS}}</a:t>
@@ -4367,14 +7064,14 @@
       </p:sp>
       <p:sp>
         <p:nvSpPr>
-          <p:cNvPr id="13" name="TextBox 12"/>
+          <p:cNvPr id="27" name="TextBox 26"/>
           <p:cNvSpPr txBox="1"/>
           <p:nvPr/>
         </p:nvSpPr>
         <p:spPr>
           <a:xfrm>
-            <a:off x="457200" y="6309360"/>
-            <a:ext cx="10972800" cy="457200"/>
+            <a:off x="594360" y="6355080"/>
+            <a:ext cx="11247120" cy="411480"/>
           </a:xfrm>
           <a:prstGeom prst="rect">
             <a:avLst/>
@@ -4382,13 +7079,18 @@
           <a:noFill/>
         </p:spPr>
         <p:txBody>
-          <a:bodyPr wrap="square">
+          <a:bodyPr wrap="square" lIns="127000" rIns="127000" tIns="76200" bIns="76200">
             <a:spAutoFit/>
           </a:bodyPr>
           <a:lstStyle/>
           <a:p>
             <a:pPr>
-              <a:defRPr sz="900" b="0"/>
+              <a:defRPr sz="900" b="0">
+                <a:solidFill>
+                  <a:srgbClr val="64748B"/>
+                </a:solidFill>
+                <a:latin typeface="Microsoft YaHei"/>
+              </a:defRPr>
             </a:pPr>
             <a:r>
               <a:t>{{EXPOSURE_SUMMARY}}</a:t>
@@ -4407,6 +7109,14 @@
 <file path=ppt/slides/slide6.xml><?xml version="1.0" encoding="utf-8"?>
 <p:sld xmlns:a="http://schemas.openxmlformats.org/drawingml/2006/main" xmlns:p="http://schemas.openxmlformats.org/presentationml/2006/main" xmlns:r="http://schemas.openxmlformats.org/officeDocument/2006/relationships">
   <p:cSld>
+    <p:bg>
+      <p:bgPr>
+        <a:solidFill>
+          <a:srgbClr val="F8FAFC"/>
+        </a:solidFill>
+        <a:effectLst/>
+      </p:bgPr>
+    </p:bg>
     <p:spTree>
       <p:nvGrpSpPr>
         <p:cNvPr id="1" name=""/>
@@ -4416,14 +7126,186 @@
       <p:grpSpPr/>
       <p:sp>
         <p:nvSpPr>
-          <p:cNvPr id="2" name="TextBox 1"/>
+          <p:cNvPr id="2" name="Rectangle 1"/>
+          <p:cNvSpPr/>
+          <p:nvPr/>
+        </p:nvSpPr>
+        <p:spPr>
+          <a:xfrm>
+            <a:off x="0" y="0"/>
+            <a:ext cx="12191695" cy="960120"/>
+          </a:xfrm>
+          <a:prstGeom prst="rect">
+            <a:avLst/>
+          </a:prstGeom>
+          <a:solidFill>
+            <a:srgbClr val="EFF6FF"/>
+          </a:solidFill>
+          <a:ln>
+            <a:noFill/>
+          </a:ln>
+        </p:spPr>
+        <p:style>
+          <a:lnRef idx="1">
+            <a:schemeClr val="accent1"/>
+          </a:lnRef>
+          <a:fillRef idx="3">
+            <a:schemeClr val="accent1"/>
+          </a:fillRef>
+          <a:effectRef idx="2">
+            <a:schemeClr val="accent1"/>
+          </a:effectRef>
+          <a:fontRef idx="minor">
+            <a:schemeClr val="lt1"/>
+          </a:fontRef>
+        </p:style>
+        <p:txBody>
+          <a:bodyPr rtlCol="0" anchor="ctr"/>
+          <a:lstStyle/>
+          <a:p>
+            <a:pPr algn="ctr"/>
+          </a:p>
+        </p:txBody>
+      </p:sp>
+      <p:sp>
+        <p:nvSpPr>
+          <p:cNvPr id="3" name="Rectangle 2"/>
+          <p:cNvSpPr/>
+          <p:nvPr/>
+        </p:nvSpPr>
+        <p:spPr>
+          <a:xfrm>
+            <a:off x="0" y="896112"/>
+            <a:ext cx="12191695" cy="54864"/>
+          </a:xfrm>
+          <a:prstGeom prst="rect">
+            <a:avLst/>
+          </a:prstGeom>
+          <a:solidFill>
+            <a:srgbClr val="3B82F6"/>
+          </a:solidFill>
+          <a:ln>
+            <a:noFill/>
+          </a:ln>
+        </p:spPr>
+        <p:style>
+          <a:lnRef idx="1">
+            <a:schemeClr val="accent1"/>
+          </a:lnRef>
+          <a:fillRef idx="3">
+            <a:schemeClr val="accent1"/>
+          </a:fillRef>
+          <a:effectRef idx="2">
+            <a:schemeClr val="accent1"/>
+          </a:effectRef>
+          <a:fontRef idx="minor">
+            <a:schemeClr val="lt1"/>
+          </a:fontRef>
+        </p:style>
+        <p:txBody>
+          <a:bodyPr rtlCol="0" anchor="ctr"/>
+          <a:lstStyle/>
+          <a:p>
+            <a:pPr algn="ctr"/>
+          </a:p>
+        </p:txBody>
+      </p:sp>
+      <p:sp>
+        <p:nvSpPr>
+          <p:cNvPr id="4" name="Oval 3"/>
+          <p:cNvSpPr/>
+          <p:nvPr/>
+        </p:nvSpPr>
+        <p:spPr>
+          <a:xfrm>
+            <a:off x="10424160" y="-822960"/>
+            <a:ext cx="2926080" cy="2926080"/>
+          </a:xfrm>
+          <a:prstGeom prst="ellipse">
+            <a:avLst/>
+          </a:prstGeom>
+          <a:solidFill>
+            <a:srgbClr val="3B82F6"/>
+          </a:solidFill>
+          <a:ln>
+            <a:noFill/>
+          </a:ln>
+        </p:spPr>
+        <p:style>
+          <a:lnRef idx="1">
+            <a:schemeClr val="accent1"/>
+          </a:lnRef>
+          <a:fillRef idx="3">
+            <a:schemeClr val="accent1"/>
+          </a:fillRef>
+          <a:effectRef idx="2">
+            <a:schemeClr val="accent1"/>
+          </a:effectRef>
+          <a:fontRef idx="minor">
+            <a:schemeClr val="lt1"/>
+          </a:fontRef>
+        </p:style>
+        <p:txBody>
+          <a:bodyPr rtlCol="0" anchor="ctr"/>
+          <a:lstStyle/>
+          <a:p>
+            <a:pPr algn="ctr"/>
+          </a:p>
+        </p:txBody>
+      </p:sp>
+      <p:sp>
+        <p:nvSpPr>
+          <p:cNvPr id="5" name="Oval 4"/>
+          <p:cNvSpPr/>
+          <p:nvPr/>
+        </p:nvSpPr>
+        <p:spPr>
+          <a:xfrm>
+            <a:off x="-1097280" y="5669280"/>
+            <a:ext cx="2377440" cy="2377440"/>
+          </a:xfrm>
+          <a:prstGeom prst="ellipse">
+            <a:avLst/>
+          </a:prstGeom>
+          <a:solidFill>
+            <a:srgbClr val="1E40AF"/>
+          </a:solidFill>
+          <a:ln>
+            <a:noFill/>
+          </a:ln>
+        </p:spPr>
+        <p:style>
+          <a:lnRef idx="1">
+            <a:schemeClr val="accent1"/>
+          </a:lnRef>
+          <a:fillRef idx="3">
+            <a:schemeClr val="accent1"/>
+          </a:fillRef>
+          <a:effectRef idx="2">
+            <a:schemeClr val="accent1"/>
+          </a:effectRef>
+          <a:fontRef idx="minor">
+            <a:schemeClr val="lt1"/>
+          </a:fontRef>
+        </p:style>
+        <p:txBody>
+          <a:bodyPr rtlCol="0" anchor="ctr"/>
+          <a:lstStyle/>
+          <a:p>
+            <a:pPr algn="ctr"/>
+          </a:p>
+        </p:txBody>
+      </p:sp>
+      <p:sp>
+        <p:nvSpPr>
+          <p:cNvPr id="6" name="TextBox 5"/>
           <p:cNvSpPr txBox="1"/>
           <p:nvPr/>
         </p:nvSpPr>
         <p:spPr>
           <a:xfrm>
-            <a:off x="457200" y="274320"/>
-            <a:ext cx="10972800" cy="548640"/>
+            <a:off x="594360" y="201168"/>
+            <a:ext cx="11247120" cy="621792"/>
           </a:xfrm>
           <a:prstGeom prst="rect">
             <a:avLst/>
@@ -4431,7 +7313,7 @@
           <a:noFill/>
         </p:spPr>
         <p:txBody>
-          <a:bodyPr wrap="square">
+          <a:bodyPr wrap="square" lIns="127000" rIns="127000" tIns="76200" bIns="76200">
             <a:spAutoFit/>
           </a:bodyPr>
           <a:lstStyle/>
@@ -4441,6 +7323,7 @@
                 <a:solidFill>
                   <a:srgbClr val="1E40AF"/>
                 </a:solidFill>
+                <a:latin typeface="Microsoft YaHei"/>
               </a:defRPr>
             </a:pPr>
             <a:r>
@@ -4451,14 +7334,102 @@
       </p:sp>
       <p:sp>
         <p:nvSpPr>
-          <p:cNvPr id="3" name="TextBox 2"/>
+          <p:cNvPr id="7" name="Rounded Rectangle 6"/>
+          <p:cNvSpPr/>
+          <p:nvPr/>
+        </p:nvSpPr>
+        <p:spPr>
+          <a:xfrm>
+            <a:off x="649224" y="1014984"/>
+            <a:ext cx="3337560" cy="1234440"/>
+          </a:xfrm>
+          <a:prstGeom prst="roundRect">
+            <a:avLst/>
+          </a:prstGeom>
+          <a:solidFill>
+            <a:srgbClr val="000000"/>
+          </a:solidFill>
+          <a:ln>
+            <a:noFill/>
+          </a:ln>
+        </p:spPr>
+        <p:style>
+          <a:lnRef idx="1">
+            <a:schemeClr val="accent1"/>
+          </a:lnRef>
+          <a:fillRef idx="3">
+            <a:schemeClr val="accent1"/>
+          </a:fillRef>
+          <a:effectRef idx="2">
+            <a:schemeClr val="accent1"/>
+          </a:effectRef>
+          <a:fontRef idx="minor">
+            <a:schemeClr val="lt1"/>
+          </a:fontRef>
+        </p:style>
+        <p:txBody>
+          <a:bodyPr rtlCol="0" anchor="ctr"/>
+          <a:lstStyle/>
+          <a:p>
+            <a:pPr algn="ctr"/>
+          </a:p>
+        </p:txBody>
+      </p:sp>
+      <p:sp>
+        <p:nvSpPr>
+          <p:cNvPr id="8" name="Rounded Rectangle 7"/>
+          <p:cNvSpPr/>
+          <p:nvPr/>
+        </p:nvSpPr>
+        <p:spPr>
+          <a:xfrm>
+            <a:off x="594360" y="960120"/>
+            <a:ext cx="3337560" cy="1234440"/>
+          </a:xfrm>
+          <a:prstGeom prst="roundRect">
+            <a:avLst/>
+          </a:prstGeom>
+          <a:solidFill>
+            <a:srgbClr val="FFFFFF"/>
+          </a:solidFill>
+          <a:ln w="12700">
+            <a:solidFill>
+              <a:srgbClr val="E2E8F0"/>
+            </a:solidFill>
+          </a:ln>
+        </p:spPr>
+        <p:style>
+          <a:lnRef idx="1">
+            <a:schemeClr val="accent1"/>
+          </a:lnRef>
+          <a:fillRef idx="3">
+            <a:schemeClr val="accent1"/>
+          </a:fillRef>
+          <a:effectRef idx="2">
+            <a:schemeClr val="accent1"/>
+          </a:effectRef>
+          <a:fontRef idx="minor">
+            <a:schemeClr val="lt1"/>
+          </a:fontRef>
+        </p:style>
+        <p:txBody>
+          <a:bodyPr rtlCol="0" anchor="ctr"/>
+          <a:lstStyle/>
+          <a:p>
+            <a:pPr algn="ctr"/>
+          </a:p>
+        </p:txBody>
+      </p:sp>
+      <p:sp>
+        <p:nvSpPr>
+          <p:cNvPr id="9" name="TextBox 8"/>
           <p:cNvSpPr txBox="1"/>
           <p:nvPr/>
         </p:nvSpPr>
         <p:spPr>
           <a:xfrm>
-            <a:off x="457200" y="1097280"/>
-            <a:ext cx="2743200" cy="365760"/>
+            <a:off x="777240" y="1051560"/>
+            <a:ext cx="2971800" cy="320040"/>
           </a:xfrm>
           <a:prstGeom prst="rect">
             <a:avLst/>
@@ -4466,13 +7437,18 @@
           <a:noFill/>
         </p:spPr>
         <p:txBody>
-          <a:bodyPr wrap="square">
+          <a:bodyPr wrap="square" lIns="127000" rIns="127000" tIns="76200" bIns="76200">
             <a:spAutoFit/>
           </a:bodyPr>
           <a:lstStyle/>
           <a:p>
             <a:pPr>
-              <a:defRPr sz="1200" b="0"/>
+              <a:defRPr sz="1200" b="0">
+                <a:solidFill>
+                  <a:srgbClr val="64748B"/>
+                </a:solidFill>
+                <a:latin typeface="Microsoft YaHei"/>
+              </a:defRPr>
             </a:pPr>
             <a:r>
               <a:t>{{CLOUD_ACCOUNTS_TITLE}}</a:t>
@@ -4482,14 +7458,14 @@
       </p:sp>
       <p:sp>
         <p:nvSpPr>
-          <p:cNvPr id="4" name="TextBox 3"/>
+          <p:cNvPr id="10" name="TextBox 9"/>
           <p:cNvSpPr txBox="1"/>
           <p:nvPr/>
         </p:nvSpPr>
         <p:spPr>
           <a:xfrm>
-            <a:off x="457200" y="1463040"/>
-            <a:ext cx="2743200" cy="457200"/>
+            <a:off x="777240" y="1325880"/>
+            <a:ext cx="2971800" cy="777240"/>
           </a:xfrm>
           <a:prstGeom prst="rect">
             <a:avLst/>
@@ -4497,13 +7473,18 @@
           <a:noFill/>
         </p:spPr>
         <p:txBody>
-          <a:bodyPr wrap="square">
+          <a:bodyPr wrap="square" lIns="127000" rIns="127000" tIns="76200" bIns="76200">
             <a:spAutoFit/>
           </a:bodyPr>
           <a:lstStyle/>
           <a:p>
             <a:pPr>
-              <a:defRPr sz="2000" b="0"/>
+              <a:defRPr sz="2600" b="1">
+                <a:solidFill>
+                  <a:srgbClr val="1E40AF"/>
+                </a:solidFill>
+                <a:latin typeface="Microsoft YaHei"/>
+              </a:defRPr>
             </a:pPr>
             <a:r>
               <a:t>{{CLOUD_ACCOUNTS_COUNT}}</a:t>
@@ -4513,14 +7494,102 @@
       </p:sp>
       <p:sp>
         <p:nvSpPr>
-          <p:cNvPr id="5" name="TextBox 4"/>
+          <p:cNvPr id="11" name="Rounded Rectangle 10"/>
+          <p:cNvSpPr/>
+          <p:nvPr/>
+        </p:nvSpPr>
+        <p:spPr>
+          <a:xfrm>
+            <a:off x="4123944" y="1014984"/>
+            <a:ext cx="7772400" cy="3246120"/>
+          </a:xfrm>
+          <a:prstGeom prst="roundRect">
+            <a:avLst/>
+          </a:prstGeom>
+          <a:solidFill>
+            <a:srgbClr val="000000"/>
+          </a:solidFill>
+          <a:ln>
+            <a:noFill/>
+          </a:ln>
+        </p:spPr>
+        <p:style>
+          <a:lnRef idx="1">
+            <a:schemeClr val="accent1"/>
+          </a:lnRef>
+          <a:fillRef idx="3">
+            <a:schemeClr val="accent1"/>
+          </a:fillRef>
+          <a:effectRef idx="2">
+            <a:schemeClr val="accent1"/>
+          </a:effectRef>
+          <a:fontRef idx="minor">
+            <a:schemeClr val="lt1"/>
+          </a:fontRef>
+        </p:style>
+        <p:txBody>
+          <a:bodyPr rtlCol="0" anchor="ctr"/>
+          <a:lstStyle/>
+          <a:p>
+            <a:pPr algn="ctr"/>
+          </a:p>
+        </p:txBody>
+      </p:sp>
+      <p:sp>
+        <p:nvSpPr>
+          <p:cNvPr id="12" name="Rounded Rectangle 11"/>
+          <p:cNvSpPr/>
+          <p:nvPr/>
+        </p:nvSpPr>
+        <p:spPr>
+          <a:xfrm>
+            <a:off x="4069080" y="960120"/>
+            <a:ext cx="7772400" cy="3246120"/>
+          </a:xfrm>
+          <a:prstGeom prst="roundRect">
+            <a:avLst/>
+          </a:prstGeom>
+          <a:solidFill>
+            <a:srgbClr val="FFFFFF"/>
+          </a:solidFill>
+          <a:ln w="12700">
+            <a:solidFill>
+              <a:srgbClr val="E2E8F0"/>
+            </a:solidFill>
+          </a:ln>
+        </p:spPr>
+        <p:style>
+          <a:lnRef idx="1">
+            <a:schemeClr val="accent1"/>
+          </a:lnRef>
+          <a:fillRef idx="3">
+            <a:schemeClr val="accent1"/>
+          </a:fillRef>
+          <a:effectRef idx="2">
+            <a:schemeClr val="accent1"/>
+          </a:effectRef>
+          <a:fontRef idx="minor">
+            <a:schemeClr val="lt1"/>
+          </a:fontRef>
+        </p:style>
+        <p:txBody>
+          <a:bodyPr rtlCol="0" anchor="ctr"/>
+          <a:lstStyle/>
+          <a:p>
+            <a:pPr algn="ctr"/>
+          </a:p>
+        </p:txBody>
+      </p:sp>
+      <p:sp>
+        <p:nvSpPr>
+          <p:cNvPr id="13" name="TextBox 12"/>
           <p:cNvSpPr txBox="1"/>
           <p:nvPr/>
         </p:nvSpPr>
         <p:spPr>
           <a:xfrm>
-            <a:off x="457200" y="2103120"/>
-            <a:ext cx="5486400" cy="365760"/>
+            <a:off x="4251960" y="1051560"/>
+            <a:ext cx="7406640" cy="365760"/>
           </a:xfrm>
           <a:prstGeom prst="rect">
             <a:avLst/>
@@ -4528,13 +7597,18 @@
           <a:noFill/>
         </p:spPr>
         <p:txBody>
-          <a:bodyPr wrap="square">
+          <a:bodyPr wrap="square" lIns="127000" rIns="127000" tIns="76200" bIns="76200">
             <a:spAutoFit/>
           </a:bodyPr>
           <a:lstStyle/>
           <a:p>
             <a:pPr>
-              <a:defRPr sz="1400" b="1"/>
+              <a:defRPr sz="1400" b="1">
+                <a:solidFill>
+                  <a:srgbClr val="1E40AF"/>
+                </a:solidFill>
+                <a:latin typeface="Microsoft YaHei"/>
+              </a:defRPr>
             </a:pPr>
             <a:r>
               <a:t>{{CLOUD_RISK_TITLE}}</a:t>
@@ -4544,14 +7618,14 @@
       </p:sp>
       <p:sp>
         <p:nvSpPr>
-          <p:cNvPr id="6" name="TextBox 5"/>
+          <p:cNvPr id="14" name="TextBox 13"/>
           <p:cNvSpPr txBox="1"/>
           <p:nvPr/>
         </p:nvSpPr>
         <p:spPr>
           <a:xfrm>
-            <a:off x="457200" y="2468880"/>
-            <a:ext cx="5486400" cy="1371600"/>
+            <a:off x="4251960" y="1417320"/>
+            <a:ext cx="3566160" cy="2697480"/>
           </a:xfrm>
           <a:prstGeom prst="rect">
             <a:avLst/>
@@ -4559,13 +7633,18 @@
           <a:noFill/>
         </p:spPr>
         <p:txBody>
-          <a:bodyPr wrap="square">
+          <a:bodyPr wrap="square" lIns="127000" rIns="127000" tIns="76200" bIns="76200">
             <a:spAutoFit/>
           </a:bodyPr>
           <a:lstStyle/>
           <a:p>
             <a:pPr>
-              <a:defRPr sz="1100" b="0"/>
+              <a:defRPr sz="1100" b="0">
+                <a:solidFill>
+                  <a:srgbClr val="0F172A"/>
+                </a:solidFill>
+                <a:latin typeface="Microsoft YaHei"/>
+              </a:defRPr>
             </a:pPr>
             <a:r>
               <a:t>{{CLOUD_RISK_LIST}}</a:t>
@@ -4575,14 +7654,14 @@
       </p:sp>
       <p:sp>
         <p:nvSpPr>
-          <p:cNvPr id="7" name="TextBox 6"/>
+          <p:cNvPr id="15" name="TextBox 14"/>
           <p:cNvSpPr txBox="1"/>
           <p:nvPr/>
         </p:nvSpPr>
         <p:spPr>
           <a:xfrm>
-            <a:off x="6400800" y="2103120"/>
-            <a:ext cx="5029200" cy="365760"/>
+            <a:off x="7909560" y="1051560"/>
+            <a:ext cx="3749039" cy="365760"/>
           </a:xfrm>
           <a:prstGeom prst="rect">
             <a:avLst/>
@@ -4590,13 +7669,18 @@
           <a:noFill/>
         </p:spPr>
         <p:txBody>
-          <a:bodyPr wrap="square">
+          <a:bodyPr wrap="square" lIns="127000" rIns="127000" tIns="76200" bIns="76200">
             <a:spAutoFit/>
           </a:bodyPr>
           <a:lstStyle/>
           <a:p>
             <a:pPr>
-              <a:defRPr sz="1400" b="1"/>
+              <a:defRPr sz="1400" b="1">
+                <a:solidFill>
+                  <a:srgbClr val="1E40AF"/>
+                </a:solidFill>
+                <a:latin typeface="Microsoft YaHei"/>
+              </a:defRPr>
             </a:pPr>
             <a:r>
               <a:t>{{CLOUD_ANALYSIS_TITLE}}</a:t>
@@ -4606,14 +7690,14 @@
       </p:sp>
       <p:sp>
         <p:nvSpPr>
-          <p:cNvPr id="8" name="TextBox 7"/>
+          <p:cNvPr id="16" name="TextBox 15"/>
           <p:cNvSpPr txBox="1"/>
           <p:nvPr/>
         </p:nvSpPr>
         <p:spPr>
           <a:xfrm>
-            <a:off x="6400800" y="2468880"/>
-            <a:ext cx="5029200" cy="1371600"/>
+            <a:off x="7909560" y="1417320"/>
+            <a:ext cx="3749039" cy="2697480"/>
           </a:xfrm>
           <a:prstGeom prst="rect">
             <a:avLst/>
@@ -4621,13 +7705,18 @@
           <a:noFill/>
         </p:spPr>
         <p:txBody>
-          <a:bodyPr wrap="square">
+          <a:bodyPr wrap="square" lIns="127000" rIns="127000" tIns="76200" bIns="76200">
             <a:spAutoFit/>
           </a:bodyPr>
           <a:lstStyle/>
           <a:p>
             <a:pPr>
-              <a:defRPr sz="1100" b="0"/>
+              <a:defRPr sz="1100" b="0">
+                <a:solidFill>
+                  <a:srgbClr val="0F172A"/>
+                </a:solidFill>
+                <a:latin typeface="Microsoft YaHei"/>
+              </a:defRPr>
             </a:pPr>
             <a:r>
               <a:t>{{CLOUD_RISK_SUMMARY}}</a:t>
@@ -4637,14 +7726,102 @@
       </p:sp>
       <p:sp>
         <p:nvSpPr>
-          <p:cNvPr id="9" name="TextBox 8"/>
+          <p:cNvPr id="17" name="Rounded Rectangle 16"/>
+          <p:cNvSpPr/>
+          <p:nvPr/>
+        </p:nvSpPr>
+        <p:spPr>
+          <a:xfrm>
+            <a:off x="649224" y="4398264"/>
+            <a:ext cx="11247120" cy="2286000"/>
+          </a:xfrm>
+          <a:prstGeom prst="roundRect">
+            <a:avLst/>
+          </a:prstGeom>
+          <a:solidFill>
+            <a:srgbClr val="000000"/>
+          </a:solidFill>
+          <a:ln>
+            <a:noFill/>
+          </a:ln>
+        </p:spPr>
+        <p:style>
+          <a:lnRef idx="1">
+            <a:schemeClr val="accent1"/>
+          </a:lnRef>
+          <a:fillRef idx="3">
+            <a:schemeClr val="accent1"/>
+          </a:fillRef>
+          <a:effectRef idx="2">
+            <a:schemeClr val="accent1"/>
+          </a:effectRef>
+          <a:fontRef idx="minor">
+            <a:schemeClr val="lt1"/>
+          </a:fontRef>
+        </p:style>
+        <p:txBody>
+          <a:bodyPr rtlCol="0" anchor="ctr"/>
+          <a:lstStyle/>
+          <a:p>
+            <a:pPr algn="ctr"/>
+          </a:p>
+        </p:txBody>
+      </p:sp>
+      <p:sp>
+        <p:nvSpPr>
+          <p:cNvPr id="18" name="Rounded Rectangle 17"/>
+          <p:cNvSpPr/>
+          <p:nvPr/>
+        </p:nvSpPr>
+        <p:spPr>
+          <a:xfrm>
+            <a:off x="594360" y="4343400"/>
+            <a:ext cx="11247120" cy="2286000"/>
+          </a:xfrm>
+          <a:prstGeom prst="roundRect">
+            <a:avLst/>
+          </a:prstGeom>
+          <a:solidFill>
+            <a:srgbClr val="FFFFFF"/>
+          </a:solidFill>
+          <a:ln w="12700">
+            <a:solidFill>
+              <a:srgbClr val="E2E8F0"/>
+            </a:solidFill>
+          </a:ln>
+        </p:spPr>
+        <p:style>
+          <a:lnRef idx="1">
+            <a:schemeClr val="accent1"/>
+          </a:lnRef>
+          <a:fillRef idx="3">
+            <a:schemeClr val="accent1"/>
+          </a:fillRef>
+          <a:effectRef idx="2">
+            <a:schemeClr val="accent1"/>
+          </a:effectRef>
+          <a:fontRef idx="minor">
+            <a:schemeClr val="lt1"/>
+          </a:fontRef>
+        </p:style>
+        <p:txBody>
+          <a:bodyPr rtlCol="0" anchor="ctr"/>
+          <a:lstStyle/>
+          <a:p>
+            <a:pPr algn="ctr"/>
+          </a:p>
+        </p:txBody>
+      </p:sp>
+      <p:sp>
+        <p:nvSpPr>
+          <p:cNvPr id="19" name="TextBox 18"/>
           <p:cNvSpPr txBox="1"/>
           <p:nvPr/>
         </p:nvSpPr>
         <p:spPr>
           <a:xfrm>
-            <a:off x="457200" y="4114800"/>
-            <a:ext cx="10972800" cy="365760"/>
+            <a:off x="777240" y="4434840"/>
+            <a:ext cx="10881360" cy="365760"/>
           </a:xfrm>
           <a:prstGeom prst="rect">
             <a:avLst/>
@@ -4652,13 +7829,18 @@
           <a:noFill/>
         </p:spPr>
         <p:txBody>
-          <a:bodyPr wrap="square">
+          <a:bodyPr wrap="square" lIns="127000" rIns="127000" tIns="76200" bIns="76200">
             <a:spAutoFit/>
           </a:bodyPr>
           <a:lstStyle/>
           <a:p>
             <a:pPr>
-              <a:defRPr sz="1400" b="1"/>
+              <a:defRPr sz="1400" b="1">
+                <a:solidFill>
+                  <a:srgbClr val="1E40AF"/>
+                </a:solidFill>
+                <a:latin typeface="Microsoft YaHei"/>
+              </a:defRPr>
             </a:pPr>
             <a:r>
               <a:t>{{CLOUD_REC_TITLE}}</a:t>
@@ -4668,14 +7850,14 @@
       </p:sp>
       <p:sp>
         <p:nvSpPr>
-          <p:cNvPr id="10" name="TextBox 9"/>
+          <p:cNvPr id="20" name="TextBox 19"/>
           <p:cNvSpPr txBox="1"/>
           <p:nvPr/>
         </p:nvSpPr>
         <p:spPr>
           <a:xfrm>
-            <a:off x="457200" y="4480560"/>
-            <a:ext cx="10972800" cy="2103120"/>
+            <a:off x="777240" y="4800600"/>
+            <a:ext cx="10881360" cy="1783080"/>
           </a:xfrm>
           <a:prstGeom prst="rect">
             <a:avLst/>
@@ -4683,13 +7865,18 @@
           <a:noFill/>
         </p:spPr>
         <p:txBody>
-          <a:bodyPr wrap="square">
+          <a:bodyPr wrap="square" lIns="127000" rIns="127000" tIns="76200" bIns="76200">
             <a:spAutoFit/>
           </a:bodyPr>
           <a:lstStyle/>
           <a:p>
             <a:pPr>
-              <a:defRPr sz="1100" b="0"/>
+              <a:defRPr sz="1100" b="0">
+                <a:solidFill>
+                  <a:srgbClr val="0F172A"/>
+                </a:solidFill>
+                <a:latin typeface="Microsoft YaHei"/>
+              </a:defRPr>
             </a:pPr>
             <a:r>
               <a:t>{{CLOUD_RECOMMENDATIONS}}</a:t>
@@ -4708,6 +7895,14 @@
 <file path=ppt/slides/slide7.xml><?xml version="1.0" encoding="utf-8"?>
 <p:sld xmlns:a="http://schemas.openxmlformats.org/drawingml/2006/main" xmlns:p="http://schemas.openxmlformats.org/presentationml/2006/main" xmlns:r="http://schemas.openxmlformats.org/officeDocument/2006/relationships">
   <p:cSld>
+    <p:bg>
+      <p:bgPr>
+        <a:solidFill>
+          <a:srgbClr val="F8FAFC"/>
+        </a:solidFill>
+        <a:effectLst/>
+      </p:bgPr>
+    </p:bg>
     <p:spTree>
       <p:nvGrpSpPr>
         <p:cNvPr id="1" name=""/>
@@ -4717,14 +7912,186 @@
       <p:grpSpPr/>
       <p:sp>
         <p:nvSpPr>
-          <p:cNvPr id="2" name="TextBox 1"/>
+          <p:cNvPr id="2" name="Rectangle 1"/>
+          <p:cNvSpPr/>
+          <p:nvPr/>
+        </p:nvSpPr>
+        <p:spPr>
+          <a:xfrm>
+            <a:off x="0" y="0"/>
+            <a:ext cx="12191695" cy="960120"/>
+          </a:xfrm>
+          <a:prstGeom prst="rect">
+            <a:avLst/>
+          </a:prstGeom>
+          <a:solidFill>
+            <a:srgbClr val="EFF6FF"/>
+          </a:solidFill>
+          <a:ln>
+            <a:noFill/>
+          </a:ln>
+        </p:spPr>
+        <p:style>
+          <a:lnRef idx="1">
+            <a:schemeClr val="accent1"/>
+          </a:lnRef>
+          <a:fillRef idx="3">
+            <a:schemeClr val="accent1"/>
+          </a:fillRef>
+          <a:effectRef idx="2">
+            <a:schemeClr val="accent1"/>
+          </a:effectRef>
+          <a:fontRef idx="minor">
+            <a:schemeClr val="lt1"/>
+          </a:fontRef>
+        </p:style>
+        <p:txBody>
+          <a:bodyPr rtlCol="0" anchor="ctr"/>
+          <a:lstStyle/>
+          <a:p>
+            <a:pPr algn="ctr"/>
+          </a:p>
+        </p:txBody>
+      </p:sp>
+      <p:sp>
+        <p:nvSpPr>
+          <p:cNvPr id="3" name="Rectangle 2"/>
+          <p:cNvSpPr/>
+          <p:nvPr/>
+        </p:nvSpPr>
+        <p:spPr>
+          <a:xfrm>
+            <a:off x="0" y="896112"/>
+            <a:ext cx="12191695" cy="54864"/>
+          </a:xfrm>
+          <a:prstGeom prst="rect">
+            <a:avLst/>
+          </a:prstGeom>
+          <a:solidFill>
+            <a:srgbClr val="3B82F6"/>
+          </a:solidFill>
+          <a:ln>
+            <a:noFill/>
+          </a:ln>
+        </p:spPr>
+        <p:style>
+          <a:lnRef idx="1">
+            <a:schemeClr val="accent1"/>
+          </a:lnRef>
+          <a:fillRef idx="3">
+            <a:schemeClr val="accent1"/>
+          </a:fillRef>
+          <a:effectRef idx="2">
+            <a:schemeClr val="accent1"/>
+          </a:effectRef>
+          <a:fontRef idx="minor">
+            <a:schemeClr val="lt1"/>
+          </a:fontRef>
+        </p:style>
+        <p:txBody>
+          <a:bodyPr rtlCol="0" anchor="ctr"/>
+          <a:lstStyle/>
+          <a:p>
+            <a:pPr algn="ctr"/>
+          </a:p>
+        </p:txBody>
+      </p:sp>
+      <p:sp>
+        <p:nvSpPr>
+          <p:cNvPr id="4" name="Oval 3"/>
+          <p:cNvSpPr/>
+          <p:nvPr/>
+        </p:nvSpPr>
+        <p:spPr>
+          <a:xfrm>
+            <a:off x="10424160" y="-822960"/>
+            <a:ext cx="2926080" cy="2926080"/>
+          </a:xfrm>
+          <a:prstGeom prst="ellipse">
+            <a:avLst/>
+          </a:prstGeom>
+          <a:solidFill>
+            <a:srgbClr val="3B82F6"/>
+          </a:solidFill>
+          <a:ln>
+            <a:noFill/>
+          </a:ln>
+        </p:spPr>
+        <p:style>
+          <a:lnRef idx="1">
+            <a:schemeClr val="accent1"/>
+          </a:lnRef>
+          <a:fillRef idx="3">
+            <a:schemeClr val="accent1"/>
+          </a:fillRef>
+          <a:effectRef idx="2">
+            <a:schemeClr val="accent1"/>
+          </a:effectRef>
+          <a:fontRef idx="minor">
+            <a:schemeClr val="lt1"/>
+          </a:fontRef>
+        </p:style>
+        <p:txBody>
+          <a:bodyPr rtlCol="0" anchor="ctr"/>
+          <a:lstStyle/>
+          <a:p>
+            <a:pPr algn="ctr"/>
+          </a:p>
+        </p:txBody>
+      </p:sp>
+      <p:sp>
+        <p:nvSpPr>
+          <p:cNvPr id="5" name="Oval 4"/>
+          <p:cNvSpPr/>
+          <p:nvPr/>
+        </p:nvSpPr>
+        <p:spPr>
+          <a:xfrm>
+            <a:off x="-1097280" y="5669280"/>
+            <a:ext cx="2377440" cy="2377440"/>
+          </a:xfrm>
+          <a:prstGeom prst="ellipse">
+            <a:avLst/>
+          </a:prstGeom>
+          <a:solidFill>
+            <a:srgbClr val="1E40AF"/>
+          </a:solidFill>
+          <a:ln>
+            <a:noFill/>
+          </a:ln>
+        </p:spPr>
+        <p:style>
+          <a:lnRef idx="1">
+            <a:schemeClr val="accent1"/>
+          </a:lnRef>
+          <a:fillRef idx="3">
+            <a:schemeClr val="accent1"/>
+          </a:fillRef>
+          <a:effectRef idx="2">
+            <a:schemeClr val="accent1"/>
+          </a:effectRef>
+          <a:fontRef idx="minor">
+            <a:schemeClr val="lt1"/>
+          </a:fontRef>
+        </p:style>
+        <p:txBody>
+          <a:bodyPr rtlCol="0" anchor="ctr"/>
+          <a:lstStyle/>
+          <a:p>
+            <a:pPr algn="ctr"/>
+          </a:p>
+        </p:txBody>
+      </p:sp>
+      <p:sp>
+        <p:nvSpPr>
+          <p:cNvPr id="6" name="TextBox 5"/>
           <p:cNvSpPr txBox="1"/>
           <p:nvPr/>
         </p:nvSpPr>
         <p:spPr>
           <a:xfrm>
-            <a:off x="457200" y="274320"/>
-            <a:ext cx="10972800" cy="548640"/>
+            <a:off x="594360" y="201168"/>
+            <a:ext cx="11247120" cy="621792"/>
           </a:xfrm>
           <a:prstGeom prst="rect">
             <a:avLst/>
@@ -4732,7 +8099,7 @@
           <a:noFill/>
         </p:spPr>
         <p:txBody>
-          <a:bodyPr wrap="square">
+          <a:bodyPr wrap="square" lIns="127000" rIns="127000" tIns="76200" bIns="76200">
             <a:spAutoFit/>
           </a:bodyPr>
           <a:lstStyle/>
@@ -4742,6 +8109,7 @@
                 <a:solidFill>
                   <a:srgbClr val="1E40AF"/>
                 </a:solidFill>
+                <a:latin typeface="Microsoft YaHei"/>
               </a:defRPr>
             </a:pPr>
             <a:r>
@@ -4752,14 +8120,102 @@
       </p:sp>
       <p:sp>
         <p:nvSpPr>
-          <p:cNvPr id="3" name="TextBox 2"/>
+          <p:cNvPr id="7" name="Rounded Rectangle 6"/>
+          <p:cNvSpPr/>
+          <p:nvPr/>
+        </p:nvSpPr>
+        <p:spPr>
+          <a:xfrm>
+            <a:off x="649224" y="1014984"/>
+            <a:ext cx="5532120" cy="2971800"/>
+          </a:xfrm>
+          <a:prstGeom prst="roundRect">
+            <a:avLst/>
+          </a:prstGeom>
+          <a:solidFill>
+            <a:srgbClr val="000000"/>
+          </a:solidFill>
+          <a:ln>
+            <a:noFill/>
+          </a:ln>
+        </p:spPr>
+        <p:style>
+          <a:lnRef idx="1">
+            <a:schemeClr val="accent1"/>
+          </a:lnRef>
+          <a:fillRef idx="3">
+            <a:schemeClr val="accent1"/>
+          </a:fillRef>
+          <a:effectRef idx="2">
+            <a:schemeClr val="accent1"/>
+          </a:effectRef>
+          <a:fontRef idx="minor">
+            <a:schemeClr val="lt1"/>
+          </a:fontRef>
+        </p:style>
+        <p:txBody>
+          <a:bodyPr rtlCol="0" anchor="ctr"/>
+          <a:lstStyle/>
+          <a:p>
+            <a:pPr algn="ctr"/>
+          </a:p>
+        </p:txBody>
+      </p:sp>
+      <p:sp>
+        <p:nvSpPr>
+          <p:cNvPr id="8" name="Rounded Rectangle 7"/>
+          <p:cNvSpPr/>
+          <p:nvPr/>
+        </p:nvSpPr>
+        <p:spPr>
+          <a:xfrm>
+            <a:off x="594360" y="960120"/>
+            <a:ext cx="5532120" cy="2971800"/>
+          </a:xfrm>
+          <a:prstGeom prst="roundRect">
+            <a:avLst/>
+          </a:prstGeom>
+          <a:solidFill>
+            <a:srgbClr val="FFFFFF"/>
+          </a:solidFill>
+          <a:ln w="12700">
+            <a:solidFill>
+              <a:srgbClr val="E2E8F0"/>
+            </a:solidFill>
+          </a:ln>
+        </p:spPr>
+        <p:style>
+          <a:lnRef idx="1">
+            <a:schemeClr val="accent1"/>
+          </a:lnRef>
+          <a:fillRef idx="3">
+            <a:schemeClr val="accent1"/>
+          </a:fillRef>
+          <a:effectRef idx="2">
+            <a:schemeClr val="accent1"/>
+          </a:effectRef>
+          <a:fontRef idx="minor">
+            <a:schemeClr val="lt1"/>
+          </a:fontRef>
+        </p:style>
+        <p:txBody>
+          <a:bodyPr rtlCol="0" anchor="ctr"/>
+          <a:lstStyle/>
+          <a:p>
+            <a:pPr algn="ctr"/>
+          </a:p>
+        </p:txBody>
+      </p:sp>
+      <p:sp>
+        <p:nvSpPr>
+          <p:cNvPr id="9" name="TextBox 8"/>
           <p:cNvSpPr txBox="1"/>
           <p:nvPr/>
         </p:nvSpPr>
         <p:spPr>
           <a:xfrm>
-            <a:off x="457200" y="1097280"/>
-            <a:ext cx="5486400" cy="365760"/>
+            <a:off x="777240" y="1051560"/>
+            <a:ext cx="5166360" cy="365760"/>
           </a:xfrm>
           <a:prstGeom prst="rect">
             <a:avLst/>
@@ -4767,13 +8223,18 @@
           <a:noFill/>
         </p:spPr>
         <p:txBody>
-          <a:bodyPr wrap="square">
+          <a:bodyPr wrap="square" lIns="127000" rIns="127000" tIns="76200" bIns="76200">
             <a:spAutoFit/>
           </a:bodyPr>
           <a:lstStyle/>
           <a:p>
             <a:pPr>
-              <a:defRPr sz="1400" b="1"/>
+              <a:defRPr sz="1400" b="1">
+                <a:solidFill>
+                  <a:srgbClr val="1E40AF"/>
+                </a:solidFill>
+                <a:latin typeface="Microsoft YaHei"/>
+              </a:defRPr>
             </a:pPr>
             <a:r>
               <a:t>{{P0_TITLE}}</a:t>
@@ -4783,14 +8244,14 @@
       </p:sp>
       <p:sp>
         <p:nvSpPr>
-          <p:cNvPr id="4" name="TextBox 3"/>
+          <p:cNvPr id="10" name="TextBox 9"/>
           <p:cNvSpPr txBox="1"/>
           <p:nvPr/>
         </p:nvSpPr>
         <p:spPr>
           <a:xfrm>
-            <a:off x="457200" y="1463040"/>
-            <a:ext cx="5486400" cy="2286000"/>
+            <a:off x="777240" y="1417320"/>
+            <a:ext cx="5166360" cy="2423160"/>
           </a:xfrm>
           <a:prstGeom prst="rect">
             <a:avLst/>
@@ -4798,13 +8259,18 @@
           <a:noFill/>
         </p:spPr>
         <p:txBody>
-          <a:bodyPr wrap="square">
+          <a:bodyPr wrap="square" lIns="127000" rIns="127000" tIns="76200" bIns="76200">
             <a:spAutoFit/>
           </a:bodyPr>
           <a:lstStyle/>
           <a:p>
             <a:pPr>
-              <a:defRPr sz="1100" b="0"/>
+              <a:defRPr sz="1100" b="0">
+                <a:solidFill>
+                  <a:srgbClr val="0F172A"/>
+                </a:solidFill>
+                <a:latin typeface="Microsoft YaHei"/>
+              </a:defRPr>
             </a:pPr>
             <a:r>
               <a:t>{{P0_ACTIONS}}</a:t>
@@ -4814,14 +8280,102 @@
       </p:sp>
       <p:sp>
         <p:nvSpPr>
-          <p:cNvPr id="5" name="TextBox 4"/>
+          <p:cNvPr id="11" name="Rounded Rectangle 10"/>
+          <p:cNvSpPr/>
+          <p:nvPr/>
+        </p:nvSpPr>
+        <p:spPr>
+          <a:xfrm>
+            <a:off x="6364224" y="1014984"/>
+            <a:ext cx="5532120" cy="2971800"/>
+          </a:xfrm>
+          <a:prstGeom prst="roundRect">
+            <a:avLst/>
+          </a:prstGeom>
+          <a:solidFill>
+            <a:srgbClr val="000000"/>
+          </a:solidFill>
+          <a:ln>
+            <a:noFill/>
+          </a:ln>
+        </p:spPr>
+        <p:style>
+          <a:lnRef idx="1">
+            <a:schemeClr val="accent1"/>
+          </a:lnRef>
+          <a:fillRef idx="3">
+            <a:schemeClr val="accent1"/>
+          </a:fillRef>
+          <a:effectRef idx="2">
+            <a:schemeClr val="accent1"/>
+          </a:effectRef>
+          <a:fontRef idx="minor">
+            <a:schemeClr val="lt1"/>
+          </a:fontRef>
+        </p:style>
+        <p:txBody>
+          <a:bodyPr rtlCol="0" anchor="ctr"/>
+          <a:lstStyle/>
+          <a:p>
+            <a:pPr algn="ctr"/>
+          </a:p>
+        </p:txBody>
+      </p:sp>
+      <p:sp>
+        <p:nvSpPr>
+          <p:cNvPr id="12" name="Rounded Rectangle 11"/>
+          <p:cNvSpPr/>
+          <p:nvPr/>
+        </p:nvSpPr>
+        <p:spPr>
+          <a:xfrm>
+            <a:off x="6309360" y="960120"/>
+            <a:ext cx="5532120" cy="2971800"/>
+          </a:xfrm>
+          <a:prstGeom prst="roundRect">
+            <a:avLst/>
+          </a:prstGeom>
+          <a:solidFill>
+            <a:srgbClr val="FFFFFF"/>
+          </a:solidFill>
+          <a:ln w="12700">
+            <a:solidFill>
+              <a:srgbClr val="E2E8F0"/>
+            </a:solidFill>
+          </a:ln>
+        </p:spPr>
+        <p:style>
+          <a:lnRef idx="1">
+            <a:schemeClr val="accent1"/>
+          </a:lnRef>
+          <a:fillRef idx="3">
+            <a:schemeClr val="accent1"/>
+          </a:fillRef>
+          <a:effectRef idx="2">
+            <a:schemeClr val="accent1"/>
+          </a:effectRef>
+          <a:fontRef idx="minor">
+            <a:schemeClr val="lt1"/>
+          </a:fontRef>
+        </p:style>
+        <p:txBody>
+          <a:bodyPr rtlCol="0" anchor="ctr"/>
+          <a:lstStyle/>
+          <a:p>
+            <a:pPr algn="ctr"/>
+          </a:p>
+        </p:txBody>
+      </p:sp>
+      <p:sp>
+        <p:nvSpPr>
+          <p:cNvPr id="13" name="TextBox 12"/>
           <p:cNvSpPr txBox="1"/>
           <p:nvPr/>
         </p:nvSpPr>
         <p:spPr>
           <a:xfrm>
-            <a:off x="6400800" y="1097280"/>
-            <a:ext cx="5029200" cy="365760"/>
+            <a:off x="6492240" y="1051560"/>
+            <a:ext cx="5166360" cy="365760"/>
           </a:xfrm>
           <a:prstGeom prst="rect">
             <a:avLst/>
@@ -4829,13 +8383,18 @@
           <a:noFill/>
         </p:spPr>
         <p:txBody>
-          <a:bodyPr wrap="square">
+          <a:bodyPr wrap="square" lIns="127000" rIns="127000" tIns="76200" bIns="76200">
             <a:spAutoFit/>
           </a:bodyPr>
           <a:lstStyle/>
           <a:p>
             <a:pPr>
-              <a:defRPr sz="1400" b="1"/>
+              <a:defRPr sz="1400" b="1">
+                <a:solidFill>
+                  <a:srgbClr val="1E40AF"/>
+                </a:solidFill>
+                <a:latin typeface="Microsoft YaHei"/>
+              </a:defRPr>
             </a:pPr>
             <a:r>
               <a:t>{{P1_TITLE}}</a:t>
@@ -4845,14 +8404,14 @@
       </p:sp>
       <p:sp>
         <p:nvSpPr>
-          <p:cNvPr id="6" name="TextBox 5"/>
+          <p:cNvPr id="14" name="TextBox 13"/>
           <p:cNvSpPr txBox="1"/>
           <p:nvPr/>
         </p:nvSpPr>
         <p:spPr>
           <a:xfrm>
-            <a:off x="6400800" y="1463040"/>
-            <a:ext cx="5029200" cy="2286000"/>
+            <a:off x="6492240" y="1417320"/>
+            <a:ext cx="5166360" cy="2423160"/>
           </a:xfrm>
           <a:prstGeom prst="rect">
             <a:avLst/>
@@ -4860,13 +8419,18 @@
           <a:noFill/>
         </p:spPr>
         <p:txBody>
-          <a:bodyPr wrap="square">
+          <a:bodyPr wrap="square" lIns="127000" rIns="127000" tIns="76200" bIns="76200">
             <a:spAutoFit/>
           </a:bodyPr>
           <a:lstStyle/>
           <a:p>
             <a:pPr>
-              <a:defRPr sz="1100" b="0"/>
+              <a:defRPr sz="1100" b="0">
+                <a:solidFill>
+                  <a:srgbClr val="0F172A"/>
+                </a:solidFill>
+                <a:latin typeface="Microsoft YaHei"/>
+              </a:defRPr>
             </a:pPr>
             <a:r>
               <a:t>{{P1_ACTIONS}}</a:t>
@@ -4876,14 +8440,102 @@
       </p:sp>
       <p:sp>
         <p:nvSpPr>
-          <p:cNvPr id="7" name="TextBox 6"/>
+          <p:cNvPr id="15" name="Rounded Rectangle 14"/>
+          <p:cNvSpPr/>
+          <p:nvPr/>
+        </p:nvSpPr>
+        <p:spPr>
+          <a:xfrm>
+            <a:off x="649224" y="4123944"/>
+            <a:ext cx="11247120" cy="2560320"/>
+          </a:xfrm>
+          <a:prstGeom prst="roundRect">
+            <a:avLst/>
+          </a:prstGeom>
+          <a:solidFill>
+            <a:srgbClr val="000000"/>
+          </a:solidFill>
+          <a:ln>
+            <a:noFill/>
+          </a:ln>
+        </p:spPr>
+        <p:style>
+          <a:lnRef idx="1">
+            <a:schemeClr val="accent1"/>
+          </a:lnRef>
+          <a:fillRef idx="3">
+            <a:schemeClr val="accent1"/>
+          </a:fillRef>
+          <a:effectRef idx="2">
+            <a:schemeClr val="accent1"/>
+          </a:effectRef>
+          <a:fontRef idx="minor">
+            <a:schemeClr val="lt1"/>
+          </a:fontRef>
+        </p:style>
+        <p:txBody>
+          <a:bodyPr rtlCol="0" anchor="ctr"/>
+          <a:lstStyle/>
+          <a:p>
+            <a:pPr algn="ctr"/>
+          </a:p>
+        </p:txBody>
+      </p:sp>
+      <p:sp>
+        <p:nvSpPr>
+          <p:cNvPr id="16" name="Rounded Rectangle 15"/>
+          <p:cNvSpPr/>
+          <p:nvPr/>
+        </p:nvSpPr>
+        <p:spPr>
+          <a:xfrm>
+            <a:off x="594360" y="4069080"/>
+            <a:ext cx="11247120" cy="2560320"/>
+          </a:xfrm>
+          <a:prstGeom prst="roundRect">
+            <a:avLst/>
+          </a:prstGeom>
+          <a:solidFill>
+            <a:srgbClr val="FFFFFF"/>
+          </a:solidFill>
+          <a:ln w="12700">
+            <a:solidFill>
+              <a:srgbClr val="E2E8F0"/>
+            </a:solidFill>
+          </a:ln>
+        </p:spPr>
+        <p:style>
+          <a:lnRef idx="1">
+            <a:schemeClr val="accent1"/>
+          </a:lnRef>
+          <a:fillRef idx="3">
+            <a:schemeClr val="accent1"/>
+          </a:fillRef>
+          <a:effectRef idx="2">
+            <a:schemeClr val="accent1"/>
+          </a:effectRef>
+          <a:fontRef idx="minor">
+            <a:schemeClr val="lt1"/>
+          </a:fontRef>
+        </p:style>
+        <p:txBody>
+          <a:bodyPr rtlCol="0" anchor="ctr"/>
+          <a:lstStyle/>
+          <a:p>
+            <a:pPr algn="ctr"/>
+          </a:p>
+        </p:txBody>
+      </p:sp>
+      <p:sp>
+        <p:nvSpPr>
+          <p:cNvPr id="17" name="TextBox 16"/>
           <p:cNvSpPr txBox="1"/>
           <p:nvPr/>
         </p:nvSpPr>
         <p:spPr>
           <a:xfrm>
-            <a:off x="457200" y="4114800"/>
-            <a:ext cx="10972800" cy="365760"/>
+            <a:off x="777240" y="4160520"/>
+            <a:ext cx="10881360" cy="365760"/>
           </a:xfrm>
           <a:prstGeom prst="rect">
             <a:avLst/>
@@ -4891,13 +8543,18 @@
           <a:noFill/>
         </p:spPr>
         <p:txBody>
-          <a:bodyPr wrap="square">
+          <a:bodyPr wrap="square" lIns="127000" rIns="127000" tIns="76200" bIns="76200">
             <a:spAutoFit/>
           </a:bodyPr>
           <a:lstStyle/>
           <a:p>
             <a:pPr>
-              <a:defRPr sz="1400" b="1"/>
+              <a:defRPr sz="1400" b="1">
+                <a:solidFill>
+                  <a:srgbClr val="1E40AF"/>
+                </a:solidFill>
+                <a:latin typeface="Microsoft YaHei"/>
+              </a:defRPr>
             </a:pPr>
             <a:r>
               <a:t>{{STRATEGIC_TITLE}}</a:t>
@@ -4907,14 +8564,14 @@
       </p:sp>
       <p:sp>
         <p:nvSpPr>
-          <p:cNvPr id="8" name="TextBox 7"/>
+          <p:cNvPr id="18" name="TextBox 17"/>
           <p:cNvSpPr txBox="1"/>
           <p:nvPr/>
         </p:nvSpPr>
         <p:spPr>
           <a:xfrm>
-            <a:off x="457200" y="4480560"/>
-            <a:ext cx="10972800" cy="2103120"/>
+            <a:off x="777240" y="4526280"/>
+            <a:ext cx="10881360" cy="2011680"/>
           </a:xfrm>
           <a:prstGeom prst="rect">
             <a:avLst/>
@@ -4922,13 +8579,18 @@
           <a:noFill/>
         </p:spPr>
         <p:txBody>
-          <a:bodyPr wrap="square">
+          <a:bodyPr wrap="square" lIns="127000" rIns="127000" tIns="76200" bIns="76200">
             <a:spAutoFit/>
           </a:bodyPr>
           <a:lstStyle/>
           <a:p>
             <a:pPr>
-              <a:defRPr sz="1100" b="0"/>
+              <a:defRPr sz="1100" b="0">
+                <a:solidFill>
+                  <a:srgbClr val="0F172A"/>
+                </a:solidFill>
+                <a:latin typeface="Microsoft YaHei"/>
+              </a:defRPr>
             </a:pPr>
             <a:r>
               <a:t>{{STRATEGIC_RECOMMENDATIONS}}</a:t>
@@ -4947,6 +8609,14 @@
 <file path=ppt/slides/slide8.xml><?xml version="1.0" encoding="utf-8"?>
 <p:sld xmlns:a="http://schemas.openxmlformats.org/drawingml/2006/main" xmlns:p="http://schemas.openxmlformats.org/presentationml/2006/main" xmlns:r="http://schemas.openxmlformats.org/officeDocument/2006/relationships">
   <p:cSld>
+    <p:bg>
+      <p:bgPr>
+        <a:solidFill>
+          <a:srgbClr val="F8FAFC"/>
+        </a:solidFill>
+        <a:effectLst/>
+      </p:bgPr>
+    </p:bg>
     <p:spTree>
       <p:nvGrpSpPr>
         <p:cNvPr id="1" name=""/>
@@ -4956,14 +8626,186 @@
       <p:grpSpPr/>
       <p:sp>
         <p:nvSpPr>
-          <p:cNvPr id="2" name="TextBox 1"/>
+          <p:cNvPr id="2" name="Rectangle 1"/>
+          <p:cNvSpPr/>
+          <p:nvPr/>
+        </p:nvSpPr>
+        <p:spPr>
+          <a:xfrm>
+            <a:off x="0" y="0"/>
+            <a:ext cx="12191695" cy="960120"/>
+          </a:xfrm>
+          <a:prstGeom prst="rect">
+            <a:avLst/>
+          </a:prstGeom>
+          <a:solidFill>
+            <a:srgbClr val="EFF6FF"/>
+          </a:solidFill>
+          <a:ln>
+            <a:noFill/>
+          </a:ln>
+        </p:spPr>
+        <p:style>
+          <a:lnRef idx="1">
+            <a:schemeClr val="accent1"/>
+          </a:lnRef>
+          <a:fillRef idx="3">
+            <a:schemeClr val="accent1"/>
+          </a:fillRef>
+          <a:effectRef idx="2">
+            <a:schemeClr val="accent1"/>
+          </a:effectRef>
+          <a:fontRef idx="minor">
+            <a:schemeClr val="lt1"/>
+          </a:fontRef>
+        </p:style>
+        <p:txBody>
+          <a:bodyPr rtlCol="0" anchor="ctr"/>
+          <a:lstStyle/>
+          <a:p>
+            <a:pPr algn="ctr"/>
+          </a:p>
+        </p:txBody>
+      </p:sp>
+      <p:sp>
+        <p:nvSpPr>
+          <p:cNvPr id="3" name="Rectangle 2"/>
+          <p:cNvSpPr/>
+          <p:nvPr/>
+        </p:nvSpPr>
+        <p:spPr>
+          <a:xfrm>
+            <a:off x="0" y="896112"/>
+            <a:ext cx="12191695" cy="54864"/>
+          </a:xfrm>
+          <a:prstGeom prst="rect">
+            <a:avLst/>
+          </a:prstGeom>
+          <a:solidFill>
+            <a:srgbClr val="3B82F6"/>
+          </a:solidFill>
+          <a:ln>
+            <a:noFill/>
+          </a:ln>
+        </p:spPr>
+        <p:style>
+          <a:lnRef idx="1">
+            <a:schemeClr val="accent1"/>
+          </a:lnRef>
+          <a:fillRef idx="3">
+            <a:schemeClr val="accent1"/>
+          </a:fillRef>
+          <a:effectRef idx="2">
+            <a:schemeClr val="accent1"/>
+          </a:effectRef>
+          <a:fontRef idx="minor">
+            <a:schemeClr val="lt1"/>
+          </a:fontRef>
+        </p:style>
+        <p:txBody>
+          <a:bodyPr rtlCol="0" anchor="ctr"/>
+          <a:lstStyle/>
+          <a:p>
+            <a:pPr algn="ctr"/>
+          </a:p>
+        </p:txBody>
+      </p:sp>
+      <p:sp>
+        <p:nvSpPr>
+          <p:cNvPr id="4" name="Oval 3"/>
+          <p:cNvSpPr/>
+          <p:nvPr/>
+        </p:nvSpPr>
+        <p:spPr>
+          <a:xfrm>
+            <a:off x="10424160" y="-822960"/>
+            <a:ext cx="2926080" cy="2926080"/>
+          </a:xfrm>
+          <a:prstGeom prst="ellipse">
+            <a:avLst/>
+          </a:prstGeom>
+          <a:solidFill>
+            <a:srgbClr val="3B82F6"/>
+          </a:solidFill>
+          <a:ln>
+            <a:noFill/>
+          </a:ln>
+        </p:spPr>
+        <p:style>
+          <a:lnRef idx="1">
+            <a:schemeClr val="accent1"/>
+          </a:lnRef>
+          <a:fillRef idx="3">
+            <a:schemeClr val="accent1"/>
+          </a:fillRef>
+          <a:effectRef idx="2">
+            <a:schemeClr val="accent1"/>
+          </a:effectRef>
+          <a:fontRef idx="minor">
+            <a:schemeClr val="lt1"/>
+          </a:fontRef>
+        </p:style>
+        <p:txBody>
+          <a:bodyPr rtlCol="0" anchor="ctr"/>
+          <a:lstStyle/>
+          <a:p>
+            <a:pPr algn="ctr"/>
+          </a:p>
+        </p:txBody>
+      </p:sp>
+      <p:sp>
+        <p:nvSpPr>
+          <p:cNvPr id="5" name="Oval 4"/>
+          <p:cNvSpPr/>
+          <p:nvPr/>
+        </p:nvSpPr>
+        <p:spPr>
+          <a:xfrm>
+            <a:off x="-1097280" y="5669280"/>
+            <a:ext cx="2377440" cy="2377440"/>
+          </a:xfrm>
+          <a:prstGeom prst="ellipse">
+            <a:avLst/>
+          </a:prstGeom>
+          <a:solidFill>
+            <a:srgbClr val="1E40AF"/>
+          </a:solidFill>
+          <a:ln>
+            <a:noFill/>
+          </a:ln>
+        </p:spPr>
+        <p:style>
+          <a:lnRef idx="1">
+            <a:schemeClr val="accent1"/>
+          </a:lnRef>
+          <a:fillRef idx="3">
+            <a:schemeClr val="accent1"/>
+          </a:fillRef>
+          <a:effectRef idx="2">
+            <a:schemeClr val="accent1"/>
+          </a:effectRef>
+          <a:fontRef idx="minor">
+            <a:schemeClr val="lt1"/>
+          </a:fontRef>
+        </p:style>
+        <p:txBody>
+          <a:bodyPr rtlCol="0" anchor="ctr"/>
+          <a:lstStyle/>
+          <a:p>
+            <a:pPr algn="ctr"/>
+          </a:p>
+        </p:txBody>
+      </p:sp>
+      <p:sp>
+        <p:nvSpPr>
+          <p:cNvPr id="6" name="TextBox 5"/>
           <p:cNvSpPr txBox="1"/>
           <p:nvPr/>
         </p:nvSpPr>
         <p:spPr>
           <a:xfrm>
-            <a:off x="457200" y="274320"/>
-            <a:ext cx="10972800" cy="548640"/>
+            <a:off x="594360" y="201168"/>
+            <a:ext cx="11247120" cy="621792"/>
           </a:xfrm>
           <a:prstGeom prst="rect">
             <a:avLst/>
@@ -4971,7 +8813,7 @@
           <a:noFill/>
         </p:spPr>
         <p:txBody>
-          <a:bodyPr wrap="square">
+          <a:bodyPr wrap="square" lIns="127000" rIns="127000" tIns="76200" bIns="76200">
             <a:spAutoFit/>
           </a:bodyPr>
           <a:lstStyle/>
@@ -4981,6 +8823,7 @@
                 <a:solidFill>
                   <a:srgbClr val="1E40AF"/>
                 </a:solidFill>
+                <a:latin typeface="Microsoft YaHei"/>
               </a:defRPr>
             </a:pPr>
             <a:r>
@@ -4991,14 +8834,102 @@
       </p:sp>
       <p:sp>
         <p:nvSpPr>
-          <p:cNvPr id="3" name="TextBox 2"/>
+          <p:cNvPr id="7" name="Rounded Rectangle 6"/>
+          <p:cNvSpPr/>
+          <p:nvPr/>
+        </p:nvSpPr>
+        <p:spPr>
+          <a:xfrm>
+            <a:off x="649224" y="1014984"/>
+            <a:ext cx="5532120" cy="1874519"/>
+          </a:xfrm>
+          <a:prstGeom prst="roundRect">
+            <a:avLst/>
+          </a:prstGeom>
+          <a:solidFill>
+            <a:srgbClr val="000000"/>
+          </a:solidFill>
+          <a:ln>
+            <a:noFill/>
+          </a:ln>
+        </p:spPr>
+        <p:style>
+          <a:lnRef idx="1">
+            <a:schemeClr val="accent1"/>
+          </a:lnRef>
+          <a:fillRef idx="3">
+            <a:schemeClr val="accent1"/>
+          </a:fillRef>
+          <a:effectRef idx="2">
+            <a:schemeClr val="accent1"/>
+          </a:effectRef>
+          <a:fontRef idx="minor">
+            <a:schemeClr val="lt1"/>
+          </a:fontRef>
+        </p:style>
+        <p:txBody>
+          <a:bodyPr rtlCol="0" anchor="ctr"/>
+          <a:lstStyle/>
+          <a:p>
+            <a:pPr algn="ctr"/>
+          </a:p>
+        </p:txBody>
+      </p:sp>
+      <p:sp>
+        <p:nvSpPr>
+          <p:cNvPr id="8" name="Rounded Rectangle 7"/>
+          <p:cNvSpPr/>
+          <p:nvPr/>
+        </p:nvSpPr>
+        <p:spPr>
+          <a:xfrm>
+            <a:off x="594360" y="960120"/>
+            <a:ext cx="5532120" cy="1874519"/>
+          </a:xfrm>
+          <a:prstGeom prst="roundRect">
+            <a:avLst/>
+          </a:prstGeom>
+          <a:solidFill>
+            <a:srgbClr val="FFFFFF"/>
+          </a:solidFill>
+          <a:ln w="12700">
+            <a:solidFill>
+              <a:srgbClr val="E2E8F0"/>
+            </a:solidFill>
+          </a:ln>
+        </p:spPr>
+        <p:style>
+          <a:lnRef idx="1">
+            <a:schemeClr val="accent1"/>
+          </a:lnRef>
+          <a:fillRef idx="3">
+            <a:schemeClr val="accent1"/>
+          </a:fillRef>
+          <a:effectRef idx="2">
+            <a:schemeClr val="accent1"/>
+          </a:effectRef>
+          <a:fontRef idx="minor">
+            <a:schemeClr val="lt1"/>
+          </a:fontRef>
+        </p:style>
+        <p:txBody>
+          <a:bodyPr rtlCol="0" anchor="ctr"/>
+          <a:lstStyle/>
+          <a:p>
+            <a:pPr algn="ctr"/>
+          </a:p>
+        </p:txBody>
+      </p:sp>
+      <p:sp>
+        <p:nvSpPr>
+          <p:cNvPr id="9" name="TextBox 8"/>
           <p:cNvSpPr txBox="1"/>
           <p:nvPr/>
         </p:nvSpPr>
         <p:spPr>
           <a:xfrm>
-            <a:off x="457200" y="1097280"/>
-            <a:ext cx="5486400" cy="365760"/>
+            <a:off x="777240" y="1051560"/>
+            <a:ext cx="5166360" cy="365760"/>
           </a:xfrm>
           <a:prstGeom prst="rect">
             <a:avLst/>
@@ -5006,13 +8937,18 @@
           <a:noFill/>
         </p:spPr>
         <p:txBody>
-          <a:bodyPr wrap="square">
+          <a:bodyPr wrap="square" lIns="127000" rIns="127000" tIns="76200" bIns="76200">
             <a:spAutoFit/>
           </a:bodyPr>
           <a:lstStyle/>
           <a:p>
             <a:pPr>
-              <a:defRPr sz="1400" b="1"/>
+              <a:defRPr sz="1400" b="1">
+                <a:solidFill>
+                  <a:srgbClr val="1E40AF"/>
+                </a:solidFill>
+                <a:latin typeface="Microsoft YaHei"/>
+              </a:defRPr>
             </a:pPr>
             <a:r>
               <a:t>{{DATA_SCOPE_TITLE}}</a:t>
@@ -5022,14 +8958,14 @@
       </p:sp>
       <p:sp>
         <p:nvSpPr>
-          <p:cNvPr id="4" name="TextBox 3"/>
+          <p:cNvPr id="10" name="TextBox 9"/>
           <p:cNvSpPr txBox="1"/>
           <p:nvPr/>
         </p:nvSpPr>
         <p:spPr>
           <a:xfrm>
-            <a:off x="457200" y="1463040"/>
-            <a:ext cx="5486400" cy="1097280"/>
+            <a:off x="777240" y="1417320"/>
+            <a:ext cx="5166360" cy="1325880"/>
           </a:xfrm>
           <a:prstGeom prst="rect">
             <a:avLst/>
@@ -5037,13 +8973,18 @@
           <a:noFill/>
         </p:spPr>
         <p:txBody>
-          <a:bodyPr wrap="square">
+          <a:bodyPr wrap="square" lIns="127000" rIns="127000" tIns="76200" bIns="76200">
             <a:spAutoFit/>
           </a:bodyPr>
           <a:lstStyle/>
           <a:p>
             <a:pPr>
-              <a:defRPr sz="1000" b="0"/>
+              <a:defRPr sz="1000" b="0">
+                <a:solidFill>
+                  <a:srgbClr val="0F172A"/>
+                </a:solidFill>
+                <a:latin typeface="Microsoft YaHei"/>
+              </a:defRPr>
             </a:pPr>
             <a:r>
               <a:t>{{DATA_SCOPE}}</a:t>
@@ -5053,14 +8994,102 @@
       </p:sp>
       <p:sp>
         <p:nvSpPr>
-          <p:cNvPr id="5" name="TextBox 4"/>
+          <p:cNvPr id="11" name="Rounded Rectangle 10"/>
+          <p:cNvSpPr/>
+          <p:nvPr/>
+        </p:nvSpPr>
+        <p:spPr>
+          <a:xfrm>
+            <a:off x="6364224" y="1014984"/>
+            <a:ext cx="5532120" cy="1874519"/>
+          </a:xfrm>
+          <a:prstGeom prst="roundRect">
+            <a:avLst/>
+          </a:prstGeom>
+          <a:solidFill>
+            <a:srgbClr val="000000"/>
+          </a:solidFill>
+          <a:ln>
+            <a:noFill/>
+          </a:ln>
+        </p:spPr>
+        <p:style>
+          <a:lnRef idx="1">
+            <a:schemeClr val="accent1"/>
+          </a:lnRef>
+          <a:fillRef idx="3">
+            <a:schemeClr val="accent1"/>
+          </a:fillRef>
+          <a:effectRef idx="2">
+            <a:schemeClr val="accent1"/>
+          </a:effectRef>
+          <a:fontRef idx="minor">
+            <a:schemeClr val="lt1"/>
+          </a:fontRef>
+        </p:style>
+        <p:txBody>
+          <a:bodyPr rtlCol="0" anchor="ctr"/>
+          <a:lstStyle/>
+          <a:p>
+            <a:pPr algn="ctr"/>
+          </a:p>
+        </p:txBody>
+      </p:sp>
+      <p:sp>
+        <p:nvSpPr>
+          <p:cNvPr id="12" name="Rounded Rectangle 11"/>
+          <p:cNvSpPr/>
+          <p:nvPr/>
+        </p:nvSpPr>
+        <p:spPr>
+          <a:xfrm>
+            <a:off x="6309360" y="960120"/>
+            <a:ext cx="5532120" cy="1874519"/>
+          </a:xfrm>
+          <a:prstGeom prst="roundRect">
+            <a:avLst/>
+          </a:prstGeom>
+          <a:solidFill>
+            <a:srgbClr val="FFFFFF"/>
+          </a:solidFill>
+          <a:ln w="12700">
+            <a:solidFill>
+              <a:srgbClr val="E2E8F0"/>
+            </a:solidFill>
+          </a:ln>
+        </p:spPr>
+        <p:style>
+          <a:lnRef idx="1">
+            <a:schemeClr val="accent1"/>
+          </a:lnRef>
+          <a:fillRef idx="3">
+            <a:schemeClr val="accent1"/>
+          </a:fillRef>
+          <a:effectRef idx="2">
+            <a:schemeClr val="accent1"/>
+          </a:effectRef>
+          <a:fontRef idx="minor">
+            <a:schemeClr val="lt1"/>
+          </a:fontRef>
+        </p:style>
+        <p:txBody>
+          <a:bodyPr rtlCol="0" anchor="ctr"/>
+          <a:lstStyle/>
+          <a:p>
+            <a:pPr algn="ctr"/>
+          </a:p>
+        </p:txBody>
+      </p:sp>
+      <p:sp>
+        <p:nvSpPr>
+          <p:cNvPr id="13" name="TextBox 12"/>
           <p:cNvSpPr txBox="1"/>
           <p:nvPr/>
         </p:nvSpPr>
         <p:spPr>
           <a:xfrm>
-            <a:off x="6400800" y="1097280"/>
-            <a:ext cx="5029200" cy="365760"/>
+            <a:off x="6492240" y="1051560"/>
+            <a:ext cx="5166360" cy="365760"/>
           </a:xfrm>
           <a:prstGeom prst="rect">
             <a:avLst/>
@@ -5068,13 +9097,18 @@
           <a:noFill/>
         </p:spPr>
         <p:txBody>
-          <a:bodyPr wrap="square">
+          <a:bodyPr wrap="square" lIns="127000" rIns="127000" tIns="76200" bIns="76200">
             <a:spAutoFit/>
           </a:bodyPr>
           <a:lstStyle/>
           <a:p>
             <a:pPr>
-              <a:defRPr sz="1400" b="1"/>
+              <a:defRPr sz="1400" b="1">
+                <a:solidFill>
+                  <a:srgbClr val="1E40AF"/>
+                </a:solidFill>
+                <a:latin typeface="Microsoft YaHei"/>
+              </a:defRPr>
             </a:pPr>
             <a:r>
               <a:t>{{ASSET_COVERAGE_TITLE}}</a:t>
@@ -5084,14 +9118,14 @@
       </p:sp>
       <p:sp>
         <p:nvSpPr>
-          <p:cNvPr id="6" name="TextBox 5"/>
+          <p:cNvPr id="14" name="TextBox 13"/>
           <p:cNvSpPr txBox="1"/>
           <p:nvPr/>
         </p:nvSpPr>
         <p:spPr>
           <a:xfrm>
-            <a:off x="6400800" y="1463040"/>
-            <a:ext cx="5029200" cy="457200"/>
+            <a:off x="6492240" y="1417320"/>
+            <a:ext cx="5166360" cy="1325880"/>
           </a:xfrm>
           <a:prstGeom prst="rect">
             <a:avLst/>
@@ -5099,13 +9133,18 @@
           <a:noFill/>
         </p:spPr>
         <p:txBody>
-          <a:bodyPr wrap="square">
+          <a:bodyPr wrap="square" lIns="127000" rIns="127000" tIns="76200" bIns="76200">
             <a:spAutoFit/>
           </a:bodyPr>
           <a:lstStyle/>
           <a:p>
             <a:pPr>
-              <a:defRPr sz="1000" b="0"/>
+              <a:defRPr sz="1000" b="0">
+                <a:solidFill>
+                  <a:srgbClr val="0F172A"/>
+                </a:solidFill>
+                <a:latin typeface="Microsoft YaHei"/>
+              </a:defRPr>
             </a:pPr>
             <a:r>
               <a:t>{{ASSET_COVERAGE}}</a:t>
@@ -5115,14 +9154,102 @@
       </p:sp>
       <p:sp>
         <p:nvSpPr>
-          <p:cNvPr id="7" name="TextBox 6"/>
+          <p:cNvPr id="15" name="Rounded Rectangle 14"/>
+          <p:cNvSpPr/>
+          <p:nvPr/>
+        </p:nvSpPr>
+        <p:spPr>
+          <a:xfrm>
+            <a:off x="649224" y="3026664"/>
+            <a:ext cx="11247120" cy="868680"/>
+          </a:xfrm>
+          <a:prstGeom prst="roundRect">
+            <a:avLst/>
+          </a:prstGeom>
+          <a:solidFill>
+            <a:srgbClr val="000000"/>
+          </a:solidFill>
+          <a:ln>
+            <a:noFill/>
+          </a:ln>
+        </p:spPr>
+        <p:style>
+          <a:lnRef idx="1">
+            <a:schemeClr val="accent1"/>
+          </a:lnRef>
+          <a:fillRef idx="3">
+            <a:schemeClr val="accent1"/>
+          </a:fillRef>
+          <a:effectRef idx="2">
+            <a:schemeClr val="accent1"/>
+          </a:effectRef>
+          <a:fontRef idx="minor">
+            <a:schemeClr val="lt1"/>
+          </a:fontRef>
+        </p:style>
+        <p:txBody>
+          <a:bodyPr rtlCol="0" anchor="ctr"/>
+          <a:lstStyle/>
+          <a:p>
+            <a:pPr algn="ctr"/>
+          </a:p>
+        </p:txBody>
+      </p:sp>
+      <p:sp>
+        <p:nvSpPr>
+          <p:cNvPr id="16" name="Rounded Rectangle 15"/>
+          <p:cNvSpPr/>
+          <p:nvPr/>
+        </p:nvSpPr>
+        <p:spPr>
+          <a:xfrm>
+            <a:off x="594360" y="2971800"/>
+            <a:ext cx="11247120" cy="868680"/>
+          </a:xfrm>
+          <a:prstGeom prst="roundRect">
+            <a:avLst/>
+          </a:prstGeom>
+          <a:solidFill>
+            <a:srgbClr val="FFFFFF"/>
+          </a:solidFill>
+          <a:ln w="12700">
+            <a:solidFill>
+              <a:srgbClr val="E2E8F0"/>
+            </a:solidFill>
+          </a:ln>
+        </p:spPr>
+        <p:style>
+          <a:lnRef idx="1">
+            <a:schemeClr val="accent1"/>
+          </a:lnRef>
+          <a:fillRef idx="3">
+            <a:schemeClr val="accent1"/>
+          </a:fillRef>
+          <a:effectRef idx="2">
+            <a:schemeClr val="accent1"/>
+          </a:effectRef>
+          <a:fontRef idx="minor">
+            <a:schemeClr val="lt1"/>
+          </a:fontRef>
+        </p:style>
+        <p:txBody>
+          <a:bodyPr rtlCol="0" anchor="ctr"/>
+          <a:lstStyle/>
+          <a:p>
+            <a:pPr algn="ctr"/>
+          </a:p>
+        </p:txBody>
+      </p:sp>
+      <p:sp>
+        <p:nvSpPr>
+          <p:cNvPr id="17" name="TextBox 16"/>
           <p:cNvSpPr txBox="1"/>
           <p:nvPr/>
         </p:nvSpPr>
         <p:spPr>
           <a:xfrm>
-            <a:off x="457200" y="2743200"/>
-            <a:ext cx="5486400" cy="365760"/>
+            <a:off x="777240" y="3063240"/>
+            <a:ext cx="2743200" cy="320040"/>
           </a:xfrm>
           <a:prstGeom prst="rect">
             <a:avLst/>
@@ -5130,13 +9257,18 @@
           <a:noFill/>
         </p:spPr>
         <p:txBody>
-          <a:bodyPr wrap="square">
+          <a:bodyPr wrap="square" lIns="127000" rIns="127000" tIns="76200" bIns="76200">
             <a:spAutoFit/>
           </a:bodyPr>
           <a:lstStyle/>
           <a:p>
             <a:pPr>
-              <a:defRPr sz="1400" b="1"/>
+              <a:defRPr sz="1400" b="1">
+                <a:solidFill>
+                  <a:srgbClr val="1E40AF"/>
+                </a:solidFill>
+                <a:latin typeface="Microsoft YaHei"/>
+              </a:defRPr>
             </a:pPr>
             <a:r>
               <a:t>{{SLA_TITLE}}</a:t>
@@ -5146,14 +9278,14 @@
       </p:sp>
       <p:sp>
         <p:nvSpPr>
-          <p:cNvPr id="8" name="TextBox 7"/>
+          <p:cNvPr id="18" name="TextBox 17"/>
           <p:cNvSpPr txBox="1"/>
           <p:nvPr/>
         </p:nvSpPr>
         <p:spPr>
           <a:xfrm>
-            <a:off x="457200" y="3108960"/>
-            <a:ext cx="5486400" cy="457200"/>
+            <a:off x="3520440" y="3063240"/>
+            <a:ext cx="8229600" cy="502920"/>
           </a:xfrm>
           <a:prstGeom prst="rect">
             <a:avLst/>
@@ -5161,13 +9293,18 @@
           <a:noFill/>
         </p:spPr>
         <p:txBody>
-          <a:bodyPr wrap="square">
+          <a:bodyPr wrap="square" lIns="127000" rIns="127000" tIns="76200" bIns="76200">
             <a:spAutoFit/>
           </a:bodyPr>
           <a:lstStyle/>
           <a:p>
             <a:pPr>
-              <a:defRPr sz="1000" b="0"/>
+              <a:defRPr sz="1000" b="0">
+                <a:solidFill>
+                  <a:srgbClr val="0F172A"/>
+                </a:solidFill>
+                <a:latin typeface="Microsoft YaHei"/>
+              </a:defRPr>
             </a:pPr>
             <a:r>
               <a:t>{{SLA_NOTES}}</a:t>
@@ -5177,14 +9314,102 @@
       </p:sp>
       <p:sp>
         <p:nvSpPr>
-          <p:cNvPr id="9" name="TextBox 8"/>
+          <p:cNvPr id="19" name="Rounded Rectangle 18"/>
+          <p:cNvSpPr/>
+          <p:nvPr/>
+        </p:nvSpPr>
+        <p:spPr>
+          <a:xfrm>
+            <a:off x="649224" y="4032503"/>
+            <a:ext cx="11247120" cy="2331720"/>
+          </a:xfrm>
+          <a:prstGeom prst="roundRect">
+            <a:avLst/>
+          </a:prstGeom>
+          <a:solidFill>
+            <a:srgbClr val="000000"/>
+          </a:solidFill>
+          <a:ln>
+            <a:noFill/>
+          </a:ln>
+        </p:spPr>
+        <p:style>
+          <a:lnRef idx="1">
+            <a:schemeClr val="accent1"/>
+          </a:lnRef>
+          <a:fillRef idx="3">
+            <a:schemeClr val="accent1"/>
+          </a:fillRef>
+          <a:effectRef idx="2">
+            <a:schemeClr val="accent1"/>
+          </a:effectRef>
+          <a:fontRef idx="minor">
+            <a:schemeClr val="lt1"/>
+          </a:fontRef>
+        </p:style>
+        <p:txBody>
+          <a:bodyPr rtlCol="0" anchor="ctr"/>
+          <a:lstStyle/>
+          <a:p>
+            <a:pPr algn="ctr"/>
+          </a:p>
+        </p:txBody>
+      </p:sp>
+      <p:sp>
+        <p:nvSpPr>
+          <p:cNvPr id="20" name="Rounded Rectangle 19"/>
+          <p:cNvSpPr/>
+          <p:nvPr/>
+        </p:nvSpPr>
+        <p:spPr>
+          <a:xfrm>
+            <a:off x="594360" y="3977639"/>
+            <a:ext cx="11247120" cy="2331720"/>
+          </a:xfrm>
+          <a:prstGeom prst="roundRect">
+            <a:avLst/>
+          </a:prstGeom>
+          <a:solidFill>
+            <a:srgbClr val="FFFFFF"/>
+          </a:solidFill>
+          <a:ln w="12700">
+            <a:solidFill>
+              <a:srgbClr val="E2E8F0"/>
+            </a:solidFill>
+          </a:ln>
+        </p:spPr>
+        <p:style>
+          <a:lnRef idx="1">
+            <a:schemeClr val="accent1"/>
+          </a:lnRef>
+          <a:fillRef idx="3">
+            <a:schemeClr val="accent1"/>
+          </a:fillRef>
+          <a:effectRef idx="2">
+            <a:schemeClr val="accent1"/>
+          </a:effectRef>
+          <a:fontRef idx="minor">
+            <a:schemeClr val="lt1"/>
+          </a:fontRef>
+        </p:style>
+        <p:txBody>
+          <a:bodyPr rtlCol="0" anchor="ctr"/>
+          <a:lstStyle/>
+          <a:p>
+            <a:pPr algn="ctr"/>
+          </a:p>
+        </p:txBody>
+      </p:sp>
+      <p:sp>
+        <p:nvSpPr>
+          <p:cNvPr id="21" name="TextBox 20"/>
           <p:cNvSpPr txBox="1"/>
           <p:nvPr/>
         </p:nvSpPr>
         <p:spPr>
           <a:xfrm>
-            <a:off x="457200" y="3840480"/>
-            <a:ext cx="10972800" cy="365760"/>
+            <a:off x="777240" y="4069080"/>
+            <a:ext cx="10881360" cy="365760"/>
           </a:xfrm>
           <a:prstGeom prst="rect">
             <a:avLst/>
@@ -5192,13 +9417,18 @@
           <a:noFill/>
         </p:spPr>
         <p:txBody>
-          <a:bodyPr wrap="square">
+          <a:bodyPr wrap="square" lIns="127000" rIns="127000" tIns="76200" bIns="76200">
             <a:spAutoFit/>
           </a:bodyPr>
           <a:lstStyle/>
           <a:p>
             <a:pPr>
-              <a:defRPr sz="1400" b="1"/>
+              <a:defRPr sz="1400" b="1">
+                <a:solidFill>
+                  <a:srgbClr val="1E40AF"/>
+                </a:solidFill>
+                <a:latin typeface="Microsoft YaHei"/>
+              </a:defRPr>
             </a:pPr>
             <a:r>
               <a:t>{{TERMINOLOGY_TITLE}}</a:t>
@@ -5208,14 +9438,14 @@
       </p:sp>
       <p:sp>
         <p:nvSpPr>
-          <p:cNvPr id="10" name="TextBox 9"/>
+          <p:cNvPr id="22" name="TextBox 21"/>
           <p:cNvSpPr txBox="1"/>
           <p:nvPr/>
         </p:nvSpPr>
         <p:spPr>
           <a:xfrm>
-            <a:off x="457200" y="4206240"/>
-            <a:ext cx="10972800" cy="1828800"/>
+            <a:off x="777240" y="4434840"/>
+            <a:ext cx="10881360" cy="1783080"/>
           </a:xfrm>
           <a:prstGeom prst="rect">
             <a:avLst/>
@@ -5223,13 +9453,18 @@
           <a:noFill/>
         </p:spPr>
         <p:txBody>
-          <a:bodyPr wrap="square">
+          <a:bodyPr wrap="square" lIns="127000" rIns="127000" tIns="76200" bIns="76200">
             <a:spAutoFit/>
           </a:bodyPr>
           <a:lstStyle/>
           <a:p>
             <a:pPr>
-              <a:defRPr sz="1000" b="0"/>
+              <a:defRPr sz="1000" b="0">
+                <a:solidFill>
+                  <a:srgbClr val="0F172A"/>
+                </a:solidFill>
+                <a:latin typeface="Microsoft YaHei"/>
+              </a:defRPr>
             </a:pPr>
             <a:r>
               <a:t>{{TERMINOLOGY}}</a:t>
@@ -5239,14 +9474,14 @@
       </p:sp>
       <p:sp>
         <p:nvSpPr>
-          <p:cNvPr id="11" name="TextBox 10"/>
+          <p:cNvPr id="23" name="TextBox 22"/>
           <p:cNvSpPr txBox="1"/>
           <p:nvPr/>
         </p:nvSpPr>
         <p:spPr>
           <a:xfrm>
-            <a:off x="457200" y="6217920"/>
-            <a:ext cx="5486400" cy="457200"/>
+            <a:off x="594360" y="6355080"/>
+            <a:ext cx="11247120" cy="411480"/>
           </a:xfrm>
           <a:prstGeom prst="rect">
             <a:avLst/>
@@ -5254,13 +9489,18 @@
           <a:noFill/>
         </p:spPr>
         <p:txBody>
-          <a:bodyPr wrap="square">
+          <a:bodyPr wrap="square" lIns="127000" rIns="127000" tIns="76200" bIns="76200">
             <a:spAutoFit/>
           </a:bodyPr>
           <a:lstStyle/>
           <a:p>
             <a:pPr>
-              <a:defRPr sz="1000" b="0"/>
+              <a:defRPr sz="1000" b="0">
+                <a:solidFill>
+                  <a:srgbClr val="64748B"/>
+                </a:solidFill>
+                <a:latin typeface="Microsoft YaHei"/>
+              </a:defRPr>
             </a:pPr>
             <a:r>
               <a:t>{{CONTACT_INFO}}</a:t>

--- a/mss_ai_ppt_sample_assets/backend/data/templates/mss_executive_v2.pptx
+++ b/mss_ai_ppt_sample_assets/backend/data/templates/mss_executive_v2.pptx
@@ -3091,7 +3091,7 @@
     <p:bg>
       <p:bgPr>
         <a:solidFill>
-          <a:srgbClr val="F8FAFC"/>
+          <a:srgbClr val="FFFFFF"/>
         </a:solidFill>
         <a:effectLst/>
       </p:bgPr>
@@ -3112,13 +3112,13 @@
         <p:spPr>
           <a:xfrm>
             <a:off x="0" y="0"/>
-            <a:ext cx="12191695" cy="960120"/>
+            <a:ext cx="12191695" cy="109728"/>
           </a:xfrm>
           <a:prstGeom prst="rect">
             <a:avLst/>
           </a:prstGeom>
           <a:solidFill>
-            <a:srgbClr val="EFF6FF"/>
+            <a:srgbClr val="0A4275"/>
           </a:solidFill>
           <a:ln>
             <a:noFill/>
@@ -3148,20 +3148,56 @@
       </p:sp>
       <p:sp>
         <p:nvSpPr>
-          <p:cNvPr id="3" name="Rectangle 2"/>
+          <p:cNvPr id="3" name="TextBox 2"/>
+          <p:cNvSpPr txBox="1"/>
+          <p:nvPr/>
+        </p:nvSpPr>
+        <p:spPr>
+          <a:xfrm>
+            <a:off x="731520" y="2560320"/>
+            <a:ext cx="10698480" cy="914400"/>
+          </a:xfrm>
+          <a:prstGeom prst="rect">
+            <a:avLst/>
+          </a:prstGeom>
+          <a:noFill/>
+        </p:spPr>
+        <p:txBody>
+          <a:bodyPr wrap="square" lIns="101600" rIns="101600" tIns="50800" bIns="50800">
+            <a:spAutoFit/>
+          </a:bodyPr>
+          <a:lstStyle/>
+          <a:p>
+            <a:pPr algn="ctr">
+              <a:defRPr sz="4200" b="1">
+                <a:solidFill>
+                  <a:srgbClr val="0A4275"/>
+                </a:solidFill>
+                <a:latin typeface="Microsoft YaHei"/>
+              </a:defRPr>
+            </a:pPr>
+            <a:r>
+              <a:t>{{REPORT_TITLE}}</a:t>
+            </a:r>
+          </a:p>
+        </p:txBody>
+      </p:sp>
+      <p:sp>
+        <p:nvSpPr>
+          <p:cNvPr id="4" name="Rectangle 3"/>
           <p:cNvSpPr/>
           <p:nvPr/>
         </p:nvSpPr>
         <p:spPr>
           <a:xfrm>
-            <a:off x="0" y="896112"/>
-            <a:ext cx="12191695" cy="54864"/>
+            <a:off x="5029200" y="3566160"/>
+            <a:ext cx="2103120" cy="45720"/>
           </a:xfrm>
           <a:prstGeom prst="rect">
             <a:avLst/>
           </a:prstGeom>
           <a:solidFill>
-            <a:srgbClr val="3B82F6"/>
+            <a:srgbClr val="0A4275"/>
           </a:solidFill>
           <a:ln>
             <a:noFill/>
@@ -3191,231 +3227,14 @@
       </p:sp>
       <p:sp>
         <p:nvSpPr>
-          <p:cNvPr id="4" name="Oval 3"/>
-          <p:cNvSpPr/>
-          <p:nvPr/>
-        </p:nvSpPr>
-        <p:spPr>
-          <a:xfrm>
-            <a:off x="10424160" y="-822960"/>
-            <a:ext cx="2926080" cy="2926080"/>
-          </a:xfrm>
-          <a:prstGeom prst="ellipse">
-            <a:avLst/>
-          </a:prstGeom>
-          <a:solidFill>
-            <a:srgbClr val="3B82F6"/>
-          </a:solidFill>
-          <a:ln>
-            <a:noFill/>
-          </a:ln>
-        </p:spPr>
-        <p:style>
-          <a:lnRef idx="1">
-            <a:schemeClr val="accent1"/>
-          </a:lnRef>
-          <a:fillRef idx="3">
-            <a:schemeClr val="accent1"/>
-          </a:fillRef>
-          <a:effectRef idx="2">
-            <a:schemeClr val="accent1"/>
-          </a:effectRef>
-          <a:fontRef idx="minor">
-            <a:schemeClr val="lt1"/>
-          </a:fontRef>
-        </p:style>
-        <p:txBody>
-          <a:bodyPr rtlCol="0" anchor="ctr"/>
-          <a:lstStyle/>
-          <a:p>
-            <a:pPr algn="ctr"/>
-          </a:p>
-        </p:txBody>
-      </p:sp>
-      <p:sp>
-        <p:nvSpPr>
-          <p:cNvPr id="5" name="Oval 4"/>
-          <p:cNvSpPr/>
-          <p:nvPr/>
-        </p:nvSpPr>
-        <p:spPr>
-          <a:xfrm>
-            <a:off x="-1097280" y="5669280"/>
-            <a:ext cx="2377440" cy="2377440"/>
-          </a:xfrm>
-          <a:prstGeom prst="ellipse">
-            <a:avLst/>
-          </a:prstGeom>
-          <a:solidFill>
-            <a:srgbClr val="1E40AF"/>
-          </a:solidFill>
-          <a:ln>
-            <a:noFill/>
-          </a:ln>
-        </p:spPr>
-        <p:style>
-          <a:lnRef idx="1">
-            <a:schemeClr val="accent1"/>
-          </a:lnRef>
-          <a:fillRef idx="3">
-            <a:schemeClr val="accent1"/>
-          </a:fillRef>
-          <a:effectRef idx="2">
-            <a:schemeClr val="accent1"/>
-          </a:effectRef>
-          <a:fontRef idx="minor">
-            <a:schemeClr val="lt1"/>
-          </a:fontRef>
-        </p:style>
-        <p:txBody>
-          <a:bodyPr rtlCol="0" anchor="ctr"/>
-          <a:lstStyle/>
-          <a:p>
-            <a:pPr algn="ctr"/>
-          </a:p>
-        </p:txBody>
-      </p:sp>
-      <p:sp>
-        <p:nvSpPr>
-          <p:cNvPr id="6" name="Rectangle 5"/>
-          <p:cNvSpPr/>
-          <p:nvPr/>
-        </p:nvSpPr>
-        <p:spPr>
-          <a:xfrm>
-            <a:off x="0" y="0"/>
-            <a:ext cx="164592" cy="6858000"/>
-          </a:xfrm>
-          <a:prstGeom prst="rect">
-            <a:avLst/>
-          </a:prstGeom>
-          <a:solidFill>
-            <a:srgbClr val="1E40AF"/>
-          </a:solidFill>
-          <a:ln>
-            <a:noFill/>
-          </a:ln>
-        </p:spPr>
-        <p:style>
-          <a:lnRef idx="1">
-            <a:schemeClr val="accent1"/>
-          </a:lnRef>
-          <a:fillRef idx="3">
-            <a:schemeClr val="accent1"/>
-          </a:fillRef>
-          <a:effectRef idx="2">
-            <a:schemeClr val="accent1"/>
-          </a:effectRef>
-          <a:fontRef idx="minor">
-            <a:schemeClr val="lt1"/>
-          </a:fontRef>
-        </p:style>
-        <p:txBody>
-          <a:bodyPr rtlCol="0" anchor="ctr"/>
-          <a:lstStyle/>
-          <a:p>
-            <a:pPr algn="ctr"/>
-          </a:p>
-        </p:txBody>
-      </p:sp>
-      <p:sp>
-        <p:nvSpPr>
-          <p:cNvPr id="7" name="Rounded Rectangle 6"/>
-          <p:cNvSpPr/>
-          <p:nvPr/>
-        </p:nvSpPr>
-        <p:spPr>
-          <a:xfrm>
-            <a:off x="649224" y="2020824"/>
-            <a:ext cx="11018520" cy="1965960"/>
-          </a:xfrm>
-          <a:prstGeom prst="roundRect">
-            <a:avLst/>
-          </a:prstGeom>
-          <a:solidFill>
-            <a:srgbClr val="000000"/>
-          </a:solidFill>
-          <a:ln>
-            <a:noFill/>
-          </a:ln>
-        </p:spPr>
-        <p:style>
-          <a:lnRef idx="1">
-            <a:schemeClr val="accent1"/>
-          </a:lnRef>
-          <a:fillRef idx="3">
-            <a:schemeClr val="accent1"/>
-          </a:fillRef>
-          <a:effectRef idx="2">
-            <a:schemeClr val="accent1"/>
-          </a:effectRef>
-          <a:fontRef idx="minor">
-            <a:schemeClr val="lt1"/>
-          </a:fontRef>
-        </p:style>
-        <p:txBody>
-          <a:bodyPr rtlCol="0" anchor="ctr"/>
-          <a:lstStyle/>
-          <a:p>
-            <a:pPr algn="ctr"/>
-          </a:p>
-        </p:txBody>
-      </p:sp>
-      <p:sp>
-        <p:nvSpPr>
-          <p:cNvPr id="8" name="Rounded Rectangle 7"/>
-          <p:cNvSpPr/>
-          <p:nvPr/>
-        </p:nvSpPr>
-        <p:spPr>
-          <a:xfrm>
-            <a:off x="594360" y="1965960"/>
-            <a:ext cx="11018520" cy="1965960"/>
-          </a:xfrm>
-          <a:prstGeom prst="roundRect">
-            <a:avLst/>
-          </a:prstGeom>
-          <a:solidFill>
-            <a:srgbClr val="FFFFFF"/>
-          </a:solidFill>
-          <a:ln w="12700">
-            <a:solidFill>
-              <a:srgbClr val="E2E8F0"/>
-            </a:solidFill>
-          </a:ln>
-        </p:spPr>
-        <p:style>
-          <a:lnRef idx="1">
-            <a:schemeClr val="accent1"/>
-          </a:lnRef>
-          <a:fillRef idx="3">
-            <a:schemeClr val="accent1"/>
-          </a:fillRef>
-          <a:effectRef idx="2">
-            <a:schemeClr val="accent1"/>
-          </a:effectRef>
-          <a:fontRef idx="minor">
-            <a:schemeClr val="lt1"/>
-          </a:fontRef>
-        </p:style>
-        <p:txBody>
-          <a:bodyPr rtlCol="0" anchor="ctr"/>
-          <a:lstStyle/>
-          <a:p>
-            <a:pPr algn="ctr"/>
-          </a:p>
-        </p:txBody>
-      </p:sp>
-      <p:sp>
-        <p:nvSpPr>
-          <p:cNvPr id="9" name="TextBox 8"/>
+          <p:cNvPr id="5" name="TextBox 4"/>
           <p:cNvSpPr txBox="1"/>
           <p:nvPr/>
         </p:nvSpPr>
         <p:spPr>
           <a:xfrm>
-            <a:off x="777240" y="2148840"/>
-            <a:ext cx="10652760" cy="822960"/>
+            <a:off x="731520" y="3931920"/>
+            <a:ext cx="10698480" cy="457200"/>
           </a:xfrm>
           <a:prstGeom prst="rect">
             <a:avLst/>
@@ -3423,80 +3242,35 @@
           <a:noFill/>
         </p:spPr>
         <p:txBody>
-          <a:bodyPr wrap="square" lIns="127000" rIns="127000" tIns="76200" bIns="76200">
+          <a:bodyPr wrap="square" lIns="101600" rIns="101600" tIns="50800" bIns="50800">
             <a:spAutoFit/>
           </a:bodyPr>
           <a:lstStyle/>
           <a:p>
-            <a:pPr algn="l">
-              <a:defRPr sz="3600" b="1">
+            <a:pPr algn="ctr">
+              <a:defRPr sz="1800" b="0">
                 <a:solidFill>
-                  <a:srgbClr val="1E40AF"/>
+                  <a:srgbClr val="333333"/>
                 </a:solidFill>
                 <a:latin typeface="Microsoft YaHei"/>
               </a:defRPr>
             </a:pPr>
             <a:r>
-              <a:t>{{REPORT_TITLE}}</a:t>
-            </a:r>
-          </a:p>
-        </p:txBody>
-      </p:sp>
-      <p:sp>
-        <p:nvSpPr>
-          <p:cNvPr id="10" name="Rounded Rectangle 9"/>
-          <p:cNvSpPr/>
-          <p:nvPr/>
-        </p:nvSpPr>
-        <p:spPr>
-          <a:xfrm>
-            <a:off x="594360" y="4160520"/>
-            <a:ext cx="6583680" cy="2057400"/>
-          </a:xfrm>
-          <a:prstGeom prst="roundRect">
-            <a:avLst/>
-          </a:prstGeom>
-          <a:solidFill>
-            <a:srgbClr val="FFFFFF"/>
-          </a:solidFill>
-          <a:ln w="12700">
-            <a:solidFill>
-              <a:srgbClr val="E2E8F0"/>
-            </a:solidFill>
-          </a:ln>
-        </p:spPr>
-        <p:style>
-          <a:lnRef idx="1">
-            <a:schemeClr val="accent1"/>
-          </a:lnRef>
-          <a:fillRef idx="3">
-            <a:schemeClr val="accent1"/>
-          </a:fillRef>
-          <a:effectRef idx="2">
-            <a:schemeClr val="accent1"/>
-          </a:effectRef>
-          <a:fontRef idx="minor">
-            <a:schemeClr val="lt1"/>
-          </a:fontRef>
-        </p:style>
-        <p:txBody>
-          <a:bodyPr rtlCol="0" anchor="ctr"/>
-          <a:lstStyle/>
-          <a:p>
-            <a:pPr algn="ctr"/>
-          </a:p>
-        </p:txBody>
-      </p:sp>
-      <p:sp>
-        <p:nvSpPr>
-          <p:cNvPr id="11" name="TextBox 10"/>
+              <a:t>{{CUSTOMER_LABEL}}</a:t>
+            </a:r>
+          </a:p>
+        </p:txBody>
+      </p:sp>
+      <p:sp>
+        <p:nvSpPr>
+          <p:cNvPr id="6" name="TextBox 5"/>
           <p:cNvSpPr txBox="1"/>
           <p:nvPr/>
         </p:nvSpPr>
         <p:spPr>
           <a:xfrm>
-            <a:off x="777240" y="4315968"/>
-            <a:ext cx="6217920" cy="502920"/>
+            <a:off x="731520" y="4434840"/>
+            <a:ext cx="10698480" cy="411480"/>
           </a:xfrm>
           <a:prstGeom prst="rect">
             <a:avLst/>
@@ -3504,35 +3278,35 @@
           <a:noFill/>
         </p:spPr>
         <p:txBody>
-          <a:bodyPr wrap="square" lIns="127000" rIns="127000" tIns="76200" bIns="76200">
+          <a:bodyPr wrap="square" lIns="101600" rIns="101600" tIns="50800" bIns="50800">
             <a:spAutoFit/>
           </a:bodyPr>
           <a:lstStyle/>
           <a:p>
-            <a:pPr>
-              <a:defRPr sz="1800" b="1">
+            <a:pPr algn="ctr">
+              <a:defRPr sz="1600" b="0">
                 <a:solidFill>
-                  <a:srgbClr val="0F172A"/>
+                  <a:srgbClr val="555555"/>
                 </a:solidFill>
                 <a:latin typeface="Microsoft YaHei"/>
               </a:defRPr>
             </a:pPr>
             <a:r>
-              <a:t>{{CUSTOMER_LABEL}}</a:t>
-            </a:r>
-          </a:p>
-        </p:txBody>
-      </p:sp>
-      <p:sp>
-        <p:nvSpPr>
-          <p:cNvPr id="12" name="TextBox 11"/>
+              <a:t>{{PERIOD_LABEL}}</a:t>
+            </a:r>
+          </a:p>
+        </p:txBody>
+      </p:sp>
+      <p:sp>
+        <p:nvSpPr>
+          <p:cNvPr id="7" name="TextBox 6"/>
           <p:cNvSpPr txBox="1"/>
           <p:nvPr/>
         </p:nvSpPr>
         <p:spPr>
           <a:xfrm>
-            <a:off x="777240" y="4873752"/>
-            <a:ext cx="6217920" cy="411480"/>
+            <a:off x="731520" y="5852160"/>
+            <a:ext cx="5029200" cy="320040"/>
           </a:xfrm>
           <a:prstGeom prst="rect">
             <a:avLst/>
@@ -3540,7 +3314,7 @@
           <a:noFill/>
         </p:spPr>
         <p:txBody>
-          <a:bodyPr wrap="square" lIns="127000" rIns="127000" tIns="76200" bIns="76200">
+          <a:bodyPr wrap="square" lIns="101600" rIns="101600" tIns="50800" bIns="50800">
             <a:spAutoFit/>
           </a:bodyPr>
           <a:lstStyle/>
@@ -3548,27 +3322,27 @@
             <a:pPr>
               <a:defRPr sz="1400" b="0">
                 <a:solidFill>
-                  <a:srgbClr val="64748B"/>
+                  <a:srgbClr val="666666"/>
                 </a:solidFill>
                 <a:latin typeface="Microsoft YaHei"/>
               </a:defRPr>
             </a:pPr>
             <a:r>
-              <a:t>{{PERIOD_LABEL}}</a:t>
-            </a:r>
-          </a:p>
-        </p:txBody>
-      </p:sp>
-      <p:sp>
-        <p:nvSpPr>
-          <p:cNvPr id="13" name="TextBox 12"/>
+              <a:t>{{CONFIDENTIALITY_LABEL}}</a:t>
+            </a:r>
+          </a:p>
+        </p:txBody>
+      </p:sp>
+      <p:sp>
+        <p:nvSpPr>
+          <p:cNvPr id="8" name="TextBox 7"/>
           <p:cNvSpPr txBox="1"/>
           <p:nvPr/>
         </p:nvSpPr>
         <p:spPr>
           <a:xfrm>
-            <a:off x="777240" y="5349240"/>
-            <a:ext cx="6217920" cy="411480"/>
+            <a:off x="5943600" y="5852160"/>
+            <a:ext cx="5486400" cy="320040"/>
           </a:xfrm>
           <a:prstGeom prst="rect">
             <a:avLst/>
@@ -3576,51 +3350,15 @@
           <a:noFill/>
         </p:spPr>
         <p:txBody>
-          <a:bodyPr wrap="square" lIns="127000" rIns="127000" tIns="76200" bIns="76200">
+          <a:bodyPr wrap="square" lIns="101600" rIns="101600" tIns="50800" bIns="50800">
             <a:spAutoFit/>
           </a:bodyPr>
           <a:lstStyle/>
           <a:p>
-            <a:pPr>
-              <a:defRPr sz="1200" b="0">
+            <a:pPr algn="r">
+              <a:defRPr sz="1400" b="0">
                 <a:solidFill>
-                  <a:srgbClr val="64748B"/>
-                </a:solidFill>
-                <a:latin typeface="Microsoft YaHei"/>
-              </a:defRPr>
-            </a:pPr>
-            <a:r>
-              <a:t>{{CONFIDENTIALITY_LABEL}}</a:t>
-            </a:r>
-          </a:p>
-        </p:txBody>
-      </p:sp>
-      <p:sp>
-        <p:nvSpPr>
-          <p:cNvPr id="14" name="TextBox 13"/>
-          <p:cNvSpPr txBox="1"/>
-          <p:nvPr/>
-        </p:nvSpPr>
-        <p:spPr>
-          <a:xfrm>
-            <a:off x="777240" y="5806440"/>
-            <a:ext cx="6217920" cy="411480"/>
-          </a:xfrm>
-          <a:prstGeom prst="rect">
-            <a:avLst/>
-          </a:prstGeom>
-          <a:noFill/>
-        </p:spPr>
-        <p:txBody>
-          <a:bodyPr wrap="square" lIns="127000" rIns="127000" tIns="76200" bIns="76200">
-            <a:spAutoFit/>
-          </a:bodyPr>
-          <a:lstStyle/>
-          <a:p>
-            <a:pPr>
-              <a:defRPr sz="1000" b="0">
-                <a:solidFill>
-                  <a:srgbClr val="64748B"/>
+                  <a:srgbClr val="666666"/>
                 </a:solidFill>
                 <a:latin typeface="Microsoft YaHei"/>
               </a:defRPr>
@@ -3645,7 +3383,7 @@
     <p:bg>
       <p:bgPr>
         <a:solidFill>
-          <a:srgbClr val="F8FAFC"/>
+          <a:srgbClr val="FFFFFF"/>
         </a:solidFill>
         <a:effectLst/>
       </p:bgPr>
@@ -3666,13 +3404,13 @@
         <p:spPr>
           <a:xfrm>
             <a:off x="0" y="0"/>
-            <a:ext cx="12191695" cy="960120"/>
+            <a:ext cx="12191695" cy="73152"/>
           </a:xfrm>
           <a:prstGeom prst="rect">
             <a:avLst/>
           </a:prstGeom>
           <a:solidFill>
-            <a:srgbClr val="EFF6FF"/>
+            <a:srgbClr val="0A4275"/>
           </a:solidFill>
           <a:ln>
             <a:noFill/>
@@ -3708,14 +3446,14 @@
         </p:nvSpPr>
         <p:spPr>
           <a:xfrm>
-            <a:off x="0" y="896112"/>
-            <a:ext cx="12191695" cy="54864"/>
+            <a:off x="548640" y="228600"/>
+            <a:ext cx="45720" cy="502920"/>
           </a:xfrm>
           <a:prstGeom prst="rect">
             <a:avLst/>
           </a:prstGeom>
           <a:solidFill>
-            <a:srgbClr val="3B82F6"/>
+            <a:srgbClr val="0A4275"/>
           </a:solidFill>
           <a:ln>
             <a:noFill/>
@@ -3745,23 +3483,61 @@
       </p:sp>
       <p:sp>
         <p:nvSpPr>
-          <p:cNvPr id="4" name="Oval 3"/>
+          <p:cNvPr id="4" name="TextBox 3"/>
+          <p:cNvSpPr txBox="1"/>
+          <p:nvPr/>
+        </p:nvSpPr>
+        <p:spPr>
+          <a:xfrm>
+            <a:off x="685800" y="228600"/>
+            <a:ext cx="10927080" cy="502920"/>
+          </a:xfrm>
+          <a:prstGeom prst="rect">
+            <a:avLst/>
+          </a:prstGeom>
+          <a:noFill/>
+        </p:spPr>
+        <p:txBody>
+          <a:bodyPr wrap="square" lIns="101600" rIns="101600" tIns="50800" bIns="50800">
+            <a:spAutoFit/>
+          </a:bodyPr>
+          <a:lstStyle/>
+          <a:p>
+            <a:pPr>
+              <a:defRPr sz="2700" b="1">
+                <a:solidFill>
+                  <a:srgbClr val="0A4275"/>
+                </a:solidFill>
+                <a:latin typeface="Microsoft YaHei"/>
+              </a:defRPr>
+            </a:pPr>
+            <a:r>
+              <a:t>{{SLIDE_TITLE}}</a:t>
+            </a:r>
+          </a:p>
+        </p:txBody>
+      </p:sp>
+      <p:sp>
+        <p:nvSpPr>
+          <p:cNvPr id="5" name="Rectangle 4"/>
           <p:cNvSpPr/>
           <p:nvPr/>
         </p:nvSpPr>
         <p:spPr>
           <a:xfrm>
-            <a:off x="10424160" y="-822960"/>
-            <a:ext cx="2926080" cy="2926080"/>
-          </a:xfrm>
-          <a:prstGeom prst="ellipse">
+            <a:off x="548640" y="868680"/>
+            <a:ext cx="11064240" cy="777240"/>
+          </a:xfrm>
+          <a:prstGeom prst="rect">
             <a:avLst/>
           </a:prstGeom>
           <a:solidFill>
-            <a:srgbClr val="3B82F6"/>
+            <a:srgbClr val="EDF2F7"/>
           </a:solidFill>
-          <a:ln>
-            <a:noFill/>
+          <a:ln w="12700">
+            <a:solidFill>
+              <a:srgbClr val="E2E8F0"/>
+            </a:solidFill>
           </a:ln>
         </p:spPr>
         <p:style>
@@ -3788,100 +3564,14 @@
       </p:sp>
       <p:sp>
         <p:nvSpPr>
-          <p:cNvPr id="5" name="Oval 4"/>
-          <p:cNvSpPr/>
-          <p:nvPr/>
-        </p:nvSpPr>
-        <p:spPr>
-          <a:xfrm>
-            <a:off x="-1097280" y="5669280"/>
-            <a:ext cx="2377440" cy="2377440"/>
-          </a:xfrm>
-          <a:prstGeom prst="ellipse">
-            <a:avLst/>
-          </a:prstGeom>
-          <a:solidFill>
-            <a:srgbClr val="1E40AF"/>
-          </a:solidFill>
-          <a:ln>
-            <a:noFill/>
-          </a:ln>
-        </p:spPr>
-        <p:style>
-          <a:lnRef idx="1">
-            <a:schemeClr val="accent1"/>
-          </a:lnRef>
-          <a:fillRef idx="3">
-            <a:schemeClr val="accent1"/>
-          </a:fillRef>
-          <a:effectRef idx="2">
-            <a:schemeClr val="accent1"/>
-          </a:effectRef>
-          <a:fontRef idx="minor">
-            <a:schemeClr val="lt1"/>
-          </a:fontRef>
-        </p:style>
-        <p:txBody>
-          <a:bodyPr rtlCol="0" anchor="ctr"/>
-          <a:lstStyle/>
-          <a:p>
-            <a:pPr algn="ctr"/>
-          </a:p>
-        </p:txBody>
-      </p:sp>
-      <p:sp>
-        <p:nvSpPr>
-          <p:cNvPr id="6" name="Rectangle 5"/>
-          <p:cNvSpPr/>
-          <p:nvPr/>
-        </p:nvSpPr>
-        <p:spPr>
-          <a:xfrm>
-            <a:off x="0" y="960120"/>
-            <a:ext cx="164592" cy="5897880"/>
-          </a:xfrm>
-          <a:prstGeom prst="rect">
-            <a:avLst/>
-          </a:prstGeom>
-          <a:solidFill>
-            <a:srgbClr val="3B82F6"/>
-          </a:solidFill>
-          <a:ln>
-            <a:noFill/>
-          </a:ln>
-        </p:spPr>
-        <p:style>
-          <a:lnRef idx="1">
-            <a:schemeClr val="accent1"/>
-          </a:lnRef>
-          <a:fillRef idx="3">
-            <a:schemeClr val="accent1"/>
-          </a:fillRef>
-          <a:effectRef idx="2">
-            <a:schemeClr val="accent1"/>
-          </a:effectRef>
-          <a:fontRef idx="minor">
-            <a:schemeClr val="lt1"/>
-          </a:fontRef>
-        </p:style>
-        <p:txBody>
-          <a:bodyPr rtlCol="0" anchor="ctr"/>
-          <a:lstStyle/>
-          <a:p>
-            <a:pPr algn="ctr"/>
-          </a:p>
-        </p:txBody>
-      </p:sp>
-      <p:sp>
-        <p:nvSpPr>
-          <p:cNvPr id="7" name="TextBox 6"/>
+          <p:cNvPr id="6" name="TextBox 5"/>
           <p:cNvSpPr txBox="1"/>
           <p:nvPr/>
         </p:nvSpPr>
         <p:spPr>
           <a:xfrm>
-            <a:off x="594360" y="201168"/>
-            <a:ext cx="11247120" cy="621792"/>
+            <a:off x="731520" y="960120"/>
+            <a:ext cx="10698480" cy="594360"/>
           </a:xfrm>
           <a:prstGeom prst="rect">
             <a:avLst/>
@@ -3889,80 +3579,37 @@
           <a:noFill/>
         </p:spPr>
         <p:txBody>
-          <a:bodyPr wrap="square" lIns="127000" rIns="127000" tIns="76200" bIns="76200">
+          <a:bodyPr wrap="square" lIns="101600" rIns="101600" tIns="50800" bIns="50800">
             <a:spAutoFit/>
           </a:bodyPr>
           <a:lstStyle/>
           <a:p>
             <a:pPr>
-              <a:defRPr sz="2800" b="1">
+              <a:defRPr sz="1800" b="1">
                 <a:solidFill>
-                  <a:srgbClr val="1E40AF"/>
+                  <a:srgbClr val="0A4275"/>
                 </a:solidFill>
                 <a:latin typeface="Microsoft YaHei"/>
               </a:defRPr>
             </a:pPr>
             <a:r>
-              <a:t>{{SLIDE_TITLE}}</a:t>
-            </a:r>
-          </a:p>
-        </p:txBody>
-      </p:sp>
-      <p:sp>
-        <p:nvSpPr>
-          <p:cNvPr id="8" name="Rounded Rectangle 7"/>
+              <a:t>{{HEADLINE}}</a:t>
+            </a:r>
+          </a:p>
+        </p:txBody>
+      </p:sp>
+      <p:sp>
+        <p:nvSpPr>
+          <p:cNvPr id="7" name="Rectangle 6"/>
           <p:cNvSpPr/>
           <p:nvPr/>
         </p:nvSpPr>
         <p:spPr>
           <a:xfrm>
-            <a:off x="649224" y="1014984"/>
-            <a:ext cx="11247120" cy="868680"/>
-          </a:xfrm>
-          <a:prstGeom prst="roundRect">
-            <a:avLst/>
-          </a:prstGeom>
-          <a:solidFill>
-            <a:srgbClr val="000000"/>
-          </a:solidFill>
-          <a:ln>
-            <a:noFill/>
-          </a:ln>
-        </p:spPr>
-        <p:style>
-          <a:lnRef idx="1">
-            <a:schemeClr val="accent1"/>
-          </a:lnRef>
-          <a:fillRef idx="3">
-            <a:schemeClr val="accent1"/>
-          </a:fillRef>
-          <a:effectRef idx="2">
-            <a:schemeClr val="accent1"/>
-          </a:effectRef>
-          <a:fontRef idx="minor">
-            <a:schemeClr val="lt1"/>
-          </a:fontRef>
-        </p:style>
-        <p:txBody>
-          <a:bodyPr rtlCol="0" anchor="ctr"/>
-          <a:lstStyle/>
-          <a:p>
-            <a:pPr algn="ctr"/>
-          </a:p>
-        </p:txBody>
-      </p:sp>
-      <p:sp>
-        <p:nvSpPr>
-          <p:cNvPr id="9" name="Rounded Rectangle 8"/>
-          <p:cNvSpPr/>
-          <p:nvPr/>
-        </p:nvSpPr>
-        <p:spPr>
-          <a:xfrm>
-            <a:off x="594360" y="960120"/>
-            <a:ext cx="11247120" cy="868680"/>
-          </a:xfrm>
-          <a:prstGeom prst="roundRect">
+            <a:off x="548640" y="1783080"/>
+            <a:ext cx="11064240" cy="1188720"/>
+          </a:xfrm>
+          <a:prstGeom prst="rect">
             <a:avLst/>
           </a:prstGeom>
           <a:solidFill>
@@ -3998,14 +3645,14 @@
       </p:sp>
       <p:sp>
         <p:nvSpPr>
-          <p:cNvPr id="10" name="TextBox 9"/>
+          <p:cNvPr id="8" name="TextBox 7"/>
           <p:cNvSpPr txBox="1"/>
           <p:nvPr/>
         </p:nvSpPr>
         <p:spPr>
           <a:xfrm>
-            <a:off x="777240" y="1078992"/>
-            <a:ext cx="10881360" cy="640080"/>
+            <a:off x="731520" y="1920240"/>
+            <a:ext cx="10698480" cy="914400"/>
           </a:xfrm>
           <a:prstGeom prst="rect">
             <a:avLst/>
@@ -4013,80 +3660,37 @@
           <a:noFill/>
         </p:spPr>
         <p:txBody>
-          <a:bodyPr wrap="square" lIns="127000" rIns="127000" tIns="76200" bIns="76200">
+          <a:bodyPr wrap="square" lIns="101600" rIns="101600" tIns="50800" bIns="50800">
             <a:spAutoFit/>
           </a:bodyPr>
           <a:lstStyle/>
           <a:p>
             <a:pPr>
-              <a:defRPr sz="1800" b="1">
+              <a:defRPr sz="1400" b="0">
                 <a:solidFill>
-                  <a:srgbClr val="0F172A"/>
+                  <a:srgbClr val="333333"/>
                 </a:solidFill>
                 <a:latin typeface="Microsoft YaHei"/>
               </a:defRPr>
             </a:pPr>
             <a:r>
-              <a:t>{{HEADLINE}}</a:t>
-            </a:r>
-          </a:p>
-        </p:txBody>
-      </p:sp>
-      <p:sp>
-        <p:nvSpPr>
-          <p:cNvPr id="11" name="Rounded Rectangle 10"/>
+              <a:t>{{KPI_SECTION}}</a:t>
+            </a:r>
+          </a:p>
+        </p:txBody>
+      </p:sp>
+      <p:sp>
+        <p:nvSpPr>
+          <p:cNvPr id="9" name="Rectangle 8"/>
           <p:cNvSpPr/>
           <p:nvPr/>
         </p:nvSpPr>
         <p:spPr>
           <a:xfrm>
-            <a:off x="649224" y="2020824"/>
-            <a:ext cx="11247120" cy="1005840"/>
-          </a:xfrm>
-          <a:prstGeom prst="roundRect">
-            <a:avLst/>
-          </a:prstGeom>
-          <a:solidFill>
-            <a:srgbClr val="000000"/>
-          </a:solidFill>
-          <a:ln>
-            <a:noFill/>
-          </a:ln>
-        </p:spPr>
-        <p:style>
-          <a:lnRef idx="1">
-            <a:schemeClr val="accent1"/>
-          </a:lnRef>
-          <a:fillRef idx="3">
-            <a:schemeClr val="accent1"/>
-          </a:fillRef>
-          <a:effectRef idx="2">
-            <a:schemeClr val="accent1"/>
-          </a:effectRef>
-          <a:fontRef idx="minor">
-            <a:schemeClr val="lt1"/>
-          </a:fontRef>
-        </p:style>
-        <p:txBody>
-          <a:bodyPr rtlCol="0" anchor="ctr"/>
-          <a:lstStyle/>
-          <a:p>
-            <a:pPr algn="ctr"/>
-          </a:p>
-        </p:txBody>
-      </p:sp>
-      <p:sp>
-        <p:nvSpPr>
-          <p:cNvPr id="12" name="Rounded Rectangle 11"/>
-          <p:cNvSpPr/>
-          <p:nvPr/>
-        </p:nvSpPr>
-        <p:spPr>
-          <a:xfrm>
-            <a:off x="594360" y="1965960"/>
-            <a:ext cx="11247120" cy="1005840"/>
-          </a:xfrm>
-          <a:prstGeom prst="roundRect">
+            <a:off x="548640" y="3108960"/>
+            <a:ext cx="11064240" cy="1463040"/>
+          </a:xfrm>
+          <a:prstGeom prst="rect">
             <a:avLst/>
           </a:prstGeom>
           <a:solidFill>
@@ -4122,14 +3726,14 @@
       </p:sp>
       <p:sp>
         <p:nvSpPr>
-          <p:cNvPr id="13" name="TextBox 12"/>
+          <p:cNvPr id="10" name="TextBox 9"/>
           <p:cNvSpPr txBox="1"/>
           <p:nvPr/>
         </p:nvSpPr>
         <p:spPr>
           <a:xfrm>
-            <a:off x="777240" y="2084831"/>
-            <a:ext cx="10881360" cy="777240"/>
+            <a:off x="731520" y="3246120"/>
+            <a:ext cx="10698480" cy="1234440"/>
           </a:xfrm>
           <a:prstGeom prst="rect">
             <a:avLst/>
@@ -4137,80 +3741,37 @@
           <a:noFill/>
         </p:spPr>
         <p:txBody>
-          <a:bodyPr wrap="square" lIns="127000" rIns="127000" tIns="76200" bIns="76200">
+          <a:bodyPr wrap="square" lIns="101600" rIns="101600" tIns="50800" bIns="50800">
             <a:spAutoFit/>
           </a:bodyPr>
           <a:lstStyle/>
           <a:p>
             <a:pPr>
-              <a:defRPr sz="1100" b="0">
+              <a:defRPr sz="1400" b="0">
                 <a:solidFill>
-                  <a:srgbClr val="0F172A"/>
+                  <a:srgbClr val="333333"/>
                 </a:solidFill>
                 <a:latin typeface="Microsoft YaHei"/>
               </a:defRPr>
             </a:pPr>
             <a:r>
-              <a:t>{{KPI_SECTION}}</a:t>
-            </a:r>
-          </a:p>
-        </p:txBody>
-      </p:sp>
-      <p:sp>
-        <p:nvSpPr>
-          <p:cNvPr id="14" name="Rounded Rectangle 13"/>
+              <a:t>{{SUMMARY_PARAGRAPH}}</a:t>
+            </a:r>
+          </a:p>
+        </p:txBody>
+      </p:sp>
+      <p:sp>
+        <p:nvSpPr>
+          <p:cNvPr id="11" name="Rectangle 10"/>
           <p:cNvSpPr/>
           <p:nvPr/>
         </p:nvSpPr>
         <p:spPr>
           <a:xfrm>
-            <a:off x="649224" y="3145536"/>
-            <a:ext cx="11247120" cy="1417320"/>
-          </a:xfrm>
-          <a:prstGeom prst="roundRect">
-            <a:avLst/>
-          </a:prstGeom>
-          <a:solidFill>
-            <a:srgbClr val="000000"/>
-          </a:solidFill>
-          <a:ln>
-            <a:noFill/>
-          </a:ln>
-        </p:spPr>
-        <p:style>
-          <a:lnRef idx="1">
-            <a:schemeClr val="accent1"/>
-          </a:lnRef>
-          <a:fillRef idx="3">
-            <a:schemeClr val="accent1"/>
-          </a:fillRef>
-          <a:effectRef idx="2">
-            <a:schemeClr val="accent1"/>
-          </a:effectRef>
-          <a:fontRef idx="minor">
-            <a:schemeClr val="lt1"/>
-          </a:fontRef>
-        </p:style>
-        <p:txBody>
-          <a:bodyPr rtlCol="0" anchor="ctr"/>
-          <a:lstStyle/>
-          <a:p>
-            <a:pPr algn="ctr"/>
-          </a:p>
-        </p:txBody>
-      </p:sp>
-      <p:sp>
-        <p:nvSpPr>
-          <p:cNvPr id="15" name="Rounded Rectangle 14"/>
-          <p:cNvSpPr/>
-          <p:nvPr/>
-        </p:nvSpPr>
-        <p:spPr>
-          <a:xfrm>
-            <a:off x="594360" y="3090672"/>
-            <a:ext cx="11247120" cy="1417320"/>
-          </a:xfrm>
-          <a:prstGeom prst="roundRect">
+            <a:off x="548640" y="4709160"/>
+            <a:ext cx="11064240" cy="1965960"/>
+          </a:xfrm>
+          <a:prstGeom prst="rect">
             <a:avLst/>
           </a:prstGeom>
           <a:solidFill>
@@ -4246,56 +3807,20 @@
       </p:sp>
       <p:sp>
         <p:nvSpPr>
-          <p:cNvPr id="16" name="TextBox 15"/>
-          <p:cNvSpPr txBox="1"/>
-          <p:nvPr/>
-        </p:nvSpPr>
-        <p:spPr>
-          <a:xfrm>
-            <a:off x="777240" y="3218688"/>
-            <a:ext cx="10881360" cy="1143000"/>
-          </a:xfrm>
-          <a:prstGeom prst="rect">
-            <a:avLst/>
-          </a:prstGeom>
-          <a:noFill/>
-        </p:spPr>
-        <p:txBody>
-          <a:bodyPr wrap="square" lIns="127000" rIns="127000" tIns="76200" bIns="76200">
-            <a:spAutoFit/>
-          </a:bodyPr>
-          <a:lstStyle/>
-          <a:p>
-            <a:pPr>
-              <a:defRPr sz="1200" b="0">
-                <a:solidFill>
-                  <a:srgbClr val="0F172A"/>
-                </a:solidFill>
-                <a:latin typeface="Microsoft YaHei"/>
-              </a:defRPr>
-            </a:pPr>
-            <a:r>
-              <a:t>{{SUMMARY_PARAGRAPH}}</a:t>
-            </a:r>
-          </a:p>
-        </p:txBody>
-      </p:sp>
-      <p:sp>
-        <p:nvSpPr>
-          <p:cNvPr id="17" name="Rounded Rectangle 16"/>
+          <p:cNvPr id="12" name="Rectangle 11"/>
           <p:cNvSpPr/>
           <p:nvPr/>
         </p:nvSpPr>
         <p:spPr>
           <a:xfrm>
-            <a:off x="649224" y="4672583"/>
-            <a:ext cx="11247120" cy="2057400"/>
-          </a:xfrm>
-          <a:prstGeom prst="roundRect">
+            <a:off x="548640" y="4709160"/>
+            <a:ext cx="45720" cy="1965960"/>
+          </a:xfrm>
+          <a:prstGeom prst="rect">
             <a:avLst/>
           </a:prstGeom>
           <a:solidFill>
-            <a:srgbClr val="000000"/>
+            <a:srgbClr val="0A4275"/>
           </a:solidFill>
           <a:ln>
             <a:noFill/>
@@ -4325,59 +3850,14 @@
       </p:sp>
       <p:sp>
         <p:nvSpPr>
-          <p:cNvPr id="18" name="Rounded Rectangle 17"/>
-          <p:cNvSpPr/>
-          <p:nvPr/>
-        </p:nvSpPr>
-        <p:spPr>
-          <a:xfrm>
-            <a:off x="594360" y="4617720"/>
-            <a:ext cx="11247120" cy="2057400"/>
-          </a:xfrm>
-          <a:prstGeom prst="roundRect">
-            <a:avLst/>
-          </a:prstGeom>
-          <a:solidFill>
-            <a:srgbClr val="FFFFFF"/>
-          </a:solidFill>
-          <a:ln w="12700">
-            <a:solidFill>
-              <a:srgbClr val="E2E8F0"/>
-            </a:solidFill>
-          </a:ln>
-        </p:spPr>
-        <p:style>
-          <a:lnRef idx="1">
-            <a:schemeClr val="accent1"/>
-          </a:lnRef>
-          <a:fillRef idx="3">
-            <a:schemeClr val="accent1"/>
-          </a:fillRef>
-          <a:effectRef idx="2">
-            <a:schemeClr val="accent1"/>
-          </a:effectRef>
-          <a:fontRef idx="minor">
-            <a:schemeClr val="lt1"/>
-          </a:fontRef>
-        </p:style>
-        <p:txBody>
-          <a:bodyPr rtlCol="0" anchor="ctr"/>
-          <a:lstStyle/>
-          <a:p>
-            <a:pPr algn="ctr"/>
-          </a:p>
-        </p:txBody>
-      </p:sp>
-      <p:sp>
-        <p:nvSpPr>
-          <p:cNvPr id="19" name="TextBox 18"/>
+          <p:cNvPr id="13" name="TextBox 12"/>
           <p:cNvSpPr txBox="1"/>
           <p:nvPr/>
         </p:nvSpPr>
         <p:spPr>
           <a:xfrm>
-            <a:off x="777240" y="4709160"/>
-            <a:ext cx="10881360" cy="365760"/>
+            <a:off x="731520" y="4754880"/>
+            <a:ext cx="10515600" cy="411480"/>
           </a:xfrm>
           <a:prstGeom prst="rect">
             <a:avLst/>
@@ -4385,15 +3865,15 @@
           <a:noFill/>
         </p:spPr>
         <p:txBody>
-          <a:bodyPr wrap="square" lIns="127000" rIns="127000" tIns="76200" bIns="76200">
+          <a:bodyPr wrap="square" lIns="101600" rIns="101600" tIns="50800" bIns="50800">
             <a:spAutoFit/>
           </a:bodyPr>
           <a:lstStyle/>
           <a:p>
             <a:pPr>
-              <a:defRPr sz="1400" b="1">
+              <a:defRPr sz="1600" b="1">
                 <a:solidFill>
-                  <a:srgbClr val="1E40AF"/>
+                  <a:srgbClr val="0A4275"/>
                 </a:solidFill>
                 <a:latin typeface="Microsoft YaHei"/>
               </a:defRPr>
@@ -4406,14 +3886,14 @@
       </p:sp>
       <p:sp>
         <p:nvSpPr>
-          <p:cNvPr id="20" name="TextBox 19"/>
+          <p:cNvPr id="14" name="TextBox 13"/>
           <p:cNvSpPr txBox="1"/>
           <p:nvPr/>
         </p:nvSpPr>
         <p:spPr>
           <a:xfrm>
-            <a:off x="777240" y="5074920"/>
-            <a:ext cx="10881360" cy="1508760"/>
+            <a:off x="731520" y="5212080"/>
+            <a:ext cx="10515600" cy="1371600"/>
           </a:xfrm>
           <a:prstGeom prst="rect">
             <a:avLst/>
@@ -4421,15 +3901,15 @@
           <a:noFill/>
         </p:spPr>
         <p:txBody>
-          <a:bodyPr wrap="square" lIns="127000" rIns="127000" tIns="76200" bIns="76200">
+          <a:bodyPr wrap="square" lIns="101600" rIns="101600" tIns="50800" bIns="50800">
             <a:spAutoFit/>
           </a:bodyPr>
           <a:lstStyle/>
           <a:p>
             <a:pPr>
-              <a:defRPr sz="1100" b="0">
+              <a:defRPr sz="1300" b="0">
                 <a:solidFill>
-                  <a:srgbClr val="0F172A"/>
+                  <a:srgbClr val="333333"/>
                 </a:solidFill>
                 <a:latin typeface="Microsoft YaHei"/>
               </a:defRPr>
@@ -4454,7 +3934,7 @@
     <p:bg>
       <p:bgPr>
         <a:solidFill>
-          <a:srgbClr val="F8FAFC"/>
+          <a:srgbClr val="FFFFFF"/>
         </a:solidFill>
         <a:effectLst/>
       </p:bgPr>
@@ -4475,13 +3955,13 @@
         <p:spPr>
           <a:xfrm>
             <a:off x="0" y="0"/>
-            <a:ext cx="12191695" cy="960120"/>
+            <a:ext cx="12191695" cy="73152"/>
           </a:xfrm>
           <a:prstGeom prst="rect">
             <a:avLst/>
           </a:prstGeom>
           <a:solidFill>
-            <a:srgbClr val="EFF6FF"/>
+            <a:srgbClr val="0A4275"/>
           </a:solidFill>
           <a:ln>
             <a:noFill/>
@@ -4517,14 +3997,14 @@
         </p:nvSpPr>
         <p:spPr>
           <a:xfrm>
-            <a:off x="0" y="896112"/>
-            <a:ext cx="12191695" cy="54864"/>
+            <a:off x="548640" y="228600"/>
+            <a:ext cx="45720" cy="502920"/>
           </a:xfrm>
           <a:prstGeom prst="rect">
             <a:avLst/>
           </a:prstGeom>
           <a:solidFill>
-            <a:srgbClr val="3B82F6"/>
+            <a:srgbClr val="0A4275"/>
           </a:solidFill>
           <a:ln>
             <a:noFill/>
@@ -4554,100 +4034,14 @@
       </p:sp>
       <p:sp>
         <p:nvSpPr>
-          <p:cNvPr id="4" name="Oval 3"/>
-          <p:cNvSpPr/>
-          <p:nvPr/>
-        </p:nvSpPr>
-        <p:spPr>
-          <a:xfrm>
-            <a:off x="10424160" y="-822960"/>
-            <a:ext cx="2926080" cy="2926080"/>
-          </a:xfrm>
-          <a:prstGeom prst="ellipse">
-            <a:avLst/>
-          </a:prstGeom>
-          <a:solidFill>
-            <a:srgbClr val="3B82F6"/>
-          </a:solidFill>
-          <a:ln>
-            <a:noFill/>
-          </a:ln>
-        </p:spPr>
-        <p:style>
-          <a:lnRef idx="1">
-            <a:schemeClr val="accent1"/>
-          </a:lnRef>
-          <a:fillRef idx="3">
-            <a:schemeClr val="accent1"/>
-          </a:fillRef>
-          <a:effectRef idx="2">
-            <a:schemeClr val="accent1"/>
-          </a:effectRef>
-          <a:fontRef idx="minor">
-            <a:schemeClr val="lt1"/>
-          </a:fontRef>
-        </p:style>
-        <p:txBody>
-          <a:bodyPr rtlCol="0" anchor="ctr"/>
-          <a:lstStyle/>
-          <a:p>
-            <a:pPr algn="ctr"/>
-          </a:p>
-        </p:txBody>
-      </p:sp>
-      <p:sp>
-        <p:nvSpPr>
-          <p:cNvPr id="5" name="Oval 4"/>
-          <p:cNvSpPr/>
-          <p:nvPr/>
-        </p:nvSpPr>
-        <p:spPr>
-          <a:xfrm>
-            <a:off x="-1097280" y="5669280"/>
-            <a:ext cx="2377440" cy="2377440"/>
-          </a:xfrm>
-          <a:prstGeom prst="ellipse">
-            <a:avLst/>
-          </a:prstGeom>
-          <a:solidFill>
-            <a:srgbClr val="1E40AF"/>
-          </a:solidFill>
-          <a:ln>
-            <a:noFill/>
-          </a:ln>
-        </p:spPr>
-        <p:style>
-          <a:lnRef idx="1">
-            <a:schemeClr val="accent1"/>
-          </a:lnRef>
-          <a:fillRef idx="3">
-            <a:schemeClr val="accent1"/>
-          </a:fillRef>
-          <a:effectRef idx="2">
-            <a:schemeClr val="accent1"/>
-          </a:effectRef>
-          <a:fontRef idx="minor">
-            <a:schemeClr val="lt1"/>
-          </a:fontRef>
-        </p:style>
-        <p:txBody>
-          <a:bodyPr rtlCol="0" anchor="ctr"/>
-          <a:lstStyle/>
-          <a:p>
-            <a:pPr algn="ctr"/>
-          </a:p>
-        </p:txBody>
-      </p:sp>
-      <p:sp>
-        <p:nvSpPr>
-          <p:cNvPr id="6" name="TextBox 5"/>
+          <p:cNvPr id="4" name="TextBox 3"/>
           <p:cNvSpPr txBox="1"/>
           <p:nvPr/>
         </p:nvSpPr>
         <p:spPr>
           <a:xfrm>
-            <a:off x="594360" y="201168"/>
-            <a:ext cx="11247120" cy="621792"/>
+            <a:off x="685800" y="228600"/>
+            <a:ext cx="10927080" cy="502920"/>
           </a:xfrm>
           <a:prstGeom prst="rect">
             <a:avLst/>
@@ -4655,15 +4049,15 @@
           <a:noFill/>
         </p:spPr>
         <p:txBody>
-          <a:bodyPr wrap="square" lIns="127000" rIns="127000" tIns="76200" bIns="76200">
+          <a:bodyPr wrap="square" lIns="101600" rIns="101600" tIns="50800" bIns="50800">
             <a:spAutoFit/>
           </a:bodyPr>
           <a:lstStyle/>
           <a:p>
             <a:pPr>
-              <a:defRPr sz="2800" b="1">
+              <a:defRPr sz="2700" b="1">
                 <a:solidFill>
-                  <a:srgbClr val="1E40AF"/>
+                  <a:srgbClr val="0A4275"/>
                 </a:solidFill>
                 <a:latin typeface="Microsoft YaHei"/>
               </a:defRPr>
@@ -4676,59 +4070,16 @@
       </p:sp>
       <p:sp>
         <p:nvSpPr>
-          <p:cNvPr id="7" name="Rounded Rectangle 6"/>
+          <p:cNvPr id="5" name="Rectangle 4"/>
           <p:cNvSpPr/>
           <p:nvPr/>
         </p:nvSpPr>
         <p:spPr>
           <a:xfrm>
-            <a:off x="649224" y="1014984"/>
-            <a:ext cx="5532120" cy="2057400"/>
-          </a:xfrm>
-          <a:prstGeom prst="roundRect">
-            <a:avLst/>
-          </a:prstGeom>
-          <a:solidFill>
-            <a:srgbClr val="000000"/>
-          </a:solidFill>
-          <a:ln>
-            <a:noFill/>
-          </a:ln>
-        </p:spPr>
-        <p:style>
-          <a:lnRef idx="1">
-            <a:schemeClr val="accent1"/>
-          </a:lnRef>
-          <a:fillRef idx="3">
-            <a:schemeClr val="accent1"/>
-          </a:fillRef>
-          <a:effectRef idx="2">
-            <a:schemeClr val="accent1"/>
-          </a:effectRef>
-          <a:fontRef idx="minor">
-            <a:schemeClr val="lt1"/>
-          </a:fontRef>
-        </p:style>
-        <p:txBody>
-          <a:bodyPr rtlCol="0" anchor="ctr"/>
-          <a:lstStyle/>
-          <a:p>
-            <a:pPr algn="ctr"/>
-          </a:p>
-        </p:txBody>
-      </p:sp>
-      <p:sp>
-        <p:nvSpPr>
-          <p:cNvPr id="8" name="Rounded Rectangle 7"/>
-          <p:cNvSpPr/>
-          <p:nvPr/>
-        </p:nvSpPr>
-        <p:spPr>
-          <a:xfrm>
-            <a:off x="594360" y="960120"/>
-            <a:ext cx="5532120" cy="2057400"/>
-          </a:xfrm>
-          <a:prstGeom prst="roundRect">
+            <a:off x="548640" y="868680"/>
+            <a:ext cx="5349240" cy="2194560"/>
+          </a:xfrm>
+          <a:prstGeom prst="rect">
             <a:avLst/>
           </a:prstGeom>
           <a:solidFill>
@@ -4764,92 +4115,20 @@
       </p:sp>
       <p:sp>
         <p:nvSpPr>
-          <p:cNvPr id="9" name="TextBox 8"/>
-          <p:cNvSpPr txBox="1"/>
-          <p:nvPr/>
-        </p:nvSpPr>
-        <p:spPr>
-          <a:xfrm>
-            <a:off x="777240" y="1051560"/>
-            <a:ext cx="5166360" cy="365760"/>
-          </a:xfrm>
-          <a:prstGeom prst="rect">
-            <a:avLst/>
-          </a:prstGeom>
-          <a:noFill/>
-        </p:spPr>
-        <p:txBody>
-          <a:bodyPr wrap="square" lIns="127000" rIns="127000" tIns="76200" bIns="76200">
-            <a:spAutoFit/>
-          </a:bodyPr>
-          <a:lstStyle/>
-          <a:p>
-            <a:pPr>
-              <a:defRPr sz="1400" b="1">
-                <a:solidFill>
-                  <a:srgbClr val="1E40AF"/>
-                </a:solidFill>
-                <a:latin typeface="Microsoft YaHei"/>
-              </a:defRPr>
-            </a:pPr>
-            <a:r>
-              <a:t>{{TREND_SECTION_TITLE}}</a:t>
-            </a:r>
-          </a:p>
-        </p:txBody>
-      </p:sp>
-      <p:sp>
-        <p:nvSpPr>
-          <p:cNvPr id="10" name="TextBox 9"/>
-          <p:cNvSpPr txBox="1"/>
-          <p:nvPr/>
-        </p:nvSpPr>
-        <p:spPr>
-          <a:xfrm>
-            <a:off x="777240" y="1417320"/>
-            <a:ext cx="5166360" cy="1508760"/>
-          </a:xfrm>
-          <a:prstGeom prst="rect">
-            <a:avLst/>
-          </a:prstGeom>
-          <a:noFill/>
-        </p:spPr>
-        <p:txBody>
-          <a:bodyPr wrap="square" lIns="127000" rIns="127000" tIns="76200" bIns="76200">
-            <a:spAutoFit/>
-          </a:bodyPr>
-          <a:lstStyle/>
-          <a:p>
-            <a:pPr>
-              <a:defRPr sz="1100" b="0">
-                <a:solidFill>
-                  <a:srgbClr val="0F172A"/>
-                </a:solidFill>
-                <a:latin typeface="Microsoft YaHei"/>
-              </a:defRPr>
-            </a:pPr>
-            <a:r>
-              <a:t>{{TREND_ANALYSIS}}</a:t>
-            </a:r>
-          </a:p>
-        </p:txBody>
-      </p:sp>
-      <p:sp>
-        <p:nvSpPr>
-          <p:cNvPr id="11" name="Rounded Rectangle 10"/>
+          <p:cNvPr id="6" name="Rectangle 5"/>
           <p:cNvSpPr/>
           <p:nvPr/>
         </p:nvSpPr>
         <p:spPr>
           <a:xfrm>
-            <a:off x="6364224" y="1014984"/>
-            <a:ext cx="5532120" cy="2057400"/>
-          </a:xfrm>
-          <a:prstGeom prst="roundRect">
+            <a:off x="548640" y="868680"/>
+            <a:ext cx="45720" cy="2194560"/>
+          </a:xfrm>
+          <a:prstGeom prst="rect">
             <a:avLst/>
           </a:prstGeom>
           <a:solidFill>
-            <a:srgbClr val="000000"/>
+            <a:srgbClr val="0A4275"/>
           </a:solidFill>
           <a:ln>
             <a:noFill/>
@@ -4879,16 +4158,88 @@
       </p:sp>
       <p:sp>
         <p:nvSpPr>
-          <p:cNvPr id="12" name="Rounded Rectangle 11"/>
+          <p:cNvPr id="7" name="TextBox 6"/>
+          <p:cNvSpPr txBox="1"/>
+          <p:nvPr/>
+        </p:nvSpPr>
+        <p:spPr>
+          <a:xfrm>
+            <a:off x="731520" y="914400"/>
+            <a:ext cx="4983480" cy="365760"/>
+          </a:xfrm>
+          <a:prstGeom prst="rect">
+            <a:avLst/>
+          </a:prstGeom>
+          <a:noFill/>
+        </p:spPr>
+        <p:txBody>
+          <a:bodyPr wrap="square" lIns="101600" rIns="101600" tIns="50800" bIns="50800">
+            <a:spAutoFit/>
+          </a:bodyPr>
+          <a:lstStyle/>
+          <a:p>
+            <a:pPr>
+              <a:defRPr sz="1600" b="1">
+                <a:solidFill>
+                  <a:srgbClr val="0A4275"/>
+                </a:solidFill>
+                <a:latin typeface="Microsoft YaHei"/>
+              </a:defRPr>
+            </a:pPr>
+            <a:r>
+              <a:t>{{TREND_SECTION_TITLE}}</a:t>
+            </a:r>
+          </a:p>
+        </p:txBody>
+      </p:sp>
+      <p:sp>
+        <p:nvSpPr>
+          <p:cNvPr id="8" name="TextBox 7"/>
+          <p:cNvSpPr txBox="1"/>
+          <p:nvPr/>
+        </p:nvSpPr>
+        <p:spPr>
+          <a:xfrm>
+            <a:off x="731520" y="1325880"/>
+            <a:ext cx="4983480" cy="1645920"/>
+          </a:xfrm>
+          <a:prstGeom prst="rect">
+            <a:avLst/>
+          </a:prstGeom>
+          <a:noFill/>
+        </p:spPr>
+        <p:txBody>
+          <a:bodyPr wrap="square" lIns="101600" rIns="101600" tIns="50800" bIns="50800">
+            <a:spAutoFit/>
+          </a:bodyPr>
+          <a:lstStyle/>
+          <a:p>
+            <a:pPr>
+              <a:defRPr sz="1200" b="0">
+                <a:solidFill>
+                  <a:srgbClr val="333333"/>
+                </a:solidFill>
+                <a:latin typeface="Microsoft YaHei"/>
+              </a:defRPr>
+            </a:pPr>
+            <a:r>
+              <a:t>{{TREND_ANALYSIS}}</a:t>
+            </a:r>
+          </a:p>
+        </p:txBody>
+      </p:sp>
+      <p:sp>
+        <p:nvSpPr>
+          <p:cNvPr id="9" name="Rectangle 8"/>
           <p:cNvSpPr/>
           <p:nvPr/>
         </p:nvSpPr>
         <p:spPr>
           <a:xfrm>
-            <a:off x="6309360" y="960120"/>
-            <a:ext cx="5532120" cy="2057400"/>
-          </a:xfrm>
-          <a:prstGeom prst="roundRect">
+            <a:off x="6080760" y="868680"/>
+            <a:ext cx="5532120" cy="2194560"/>
+          </a:xfrm>
+          <a:prstGeom prst="rect">
             <a:avLst/>
           </a:prstGeom>
           <a:solidFill>
@@ -4924,92 +4275,20 @@
       </p:sp>
       <p:sp>
         <p:nvSpPr>
-          <p:cNvPr id="13" name="TextBox 12"/>
-          <p:cNvSpPr txBox="1"/>
-          <p:nvPr/>
-        </p:nvSpPr>
-        <p:spPr>
-          <a:xfrm>
-            <a:off x="6492240" y="1051560"/>
-            <a:ext cx="5166360" cy="365760"/>
-          </a:xfrm>
-          <a:prstGeom prst="rect">
-            <a:avLst/>
-          </a:prstGeom>
-          <a:noFill/>
-        </p:spPr>
-        <p:txBody>
-          <a:bodyPr wrap="square" lIns="127000" rIns="127000" tIns="76200" bIns="76200">
-            <a:spAutoFit/>
-          </a:bodyPr>
-          <a:lstStyle/>
-          <a:p>
-            <a:pPr>
-              <a:defRPr sz="1400" b="1">
-                <a:solidFill>
-                  <a:srgbClr val="1E40AF"/>
-                </a:solidFill>
-                <a:latin typeface="Microsoft YaHei"/>
-              </a:defRPr>
-            </a:pPr>
-            <a:r>
-              <a:t>{{TOP_CATEGORIES_TITLE}}</a:t>
-            </a:r>
-          </a:p>
-        </p:txBody>
-      </p:sp>
-      <p:sp>
-        <p:nvSpPr>
-          <p:cNvPr id="14" name="TextBox 13"/>
-          <p:cNvSpPr txBox="1"/>
-          <p:nvPr/>
-        </p:nvSpPr>
-        <p:spPr>
-          <a:xfrm>
-            <a:off x="6492240" y="1417320"/>
-            <a:ext cx="5166360" cy="1508760"/>
-          </a:xfrm>
-          <a:prstGeom prst="rect">
-            <a:avLst/>
-          </a:prstGeom>
-          <a:noFill/>
-        </p:spPr>
-        <p:txBody>
-          <a:bodyPr wrap="square" lIns="127000" rIns="127000" tIns="76200" bIns="76200">
-            <a:spAutoFit/>
-          </a:bodyPr>
-          <a:lstStyle/>
-          <a:p>
-            <a:pPr>
-              <a:defRPr sz="1100" b="0">
-                <a:solidFill>
-                  <a:srgbClr val="0F172A"/>
-                </a:solidFill>
-                <a:latin typeface="Microsoft YaHei"/>
-              </a:defRPr>
-            </a:pPr>
-            <a:r>
-              <a:t>{{TOP_CATEGORIES_LIST}}</a:t>
-            </a:r>
-          </a:p>
-        </p:txBody>
-      </p:sp>
-      <p:sp>
-        <p:nvSpPr>
-          <p:cNvPr id="15" name="Rounded Rectangle 14"/>
+          <p:cNvPr id="10" name="Rectangle 9"/>
           <p:cNvSpPr/>
           <p:nvPr/>
         </p:nvSpPr>
         <p:spPr>
           <a:xfrm>
-            <a:off x="649224" y="3209544"/>
-            <a:ext cx="11247120" cy="1783080"/>
-          </a:xfrm>
-          <a:prstGeom prst="roundRect">
+            <a:off x="6080760" y="868680"/>
+            <a:ext cx="45720" cy="2194560"/>
+          </a:xfrm>
+          <a:prstGeom prst="rect">
             <a:avLst/>
           </a:prstGeom>
           <a:solidFill>
-            <a:srgbClr val="000000"/>
+            <a:srgbClr val="0A4275"/>
           </a:solidFill>
           <a:ln>
             <a:noFill/>
@@ -5039,16 +4318,88 @@
       </p:sp>
       <p:sp>
         <p:nvSpPr>
-          <p:cNvPr id="16" name="Rounded Rectangle 15"/>
+          <p:cNvPr id="11" name="TextBox 10"/>
+          <p:cNvSpPr txBox="1"/>
+          <p:nvPr/>
+        </p:nvSpPr>
+        <p:spPr>
+          <a:xfrm>
+            <a:off x="6263640" y="914400"/>
+            <a:ext cx="5166360" cy="365760"/>
+          </a:xfrm>
+          <a:prstGeom prst="rect">
+            <a:avLst/>
+          </a:prstGeom>
+          <a:noFill/>
+        </p:spPr>
+        <p:txBody>
+          <a:bodyPr wrap="square" lIns="101600" rIns="101600" tIns="50800" bIns="50800">
+            <a:spAutoFit/>
+          </a:bodyPr>
+          <a:lstStyle/>
+          <a:p>
+            <a:pPr>
+              <a:defRPr sz="1600" b="1">
+                <a:solidFill>
+                  <a:srgbClr val="0A4275"/>
+                </a:solidFill>
+                <a:latin typeface="Microsoft YaHei"/>
+              </a:defRPr>
+            </a:pPr>
+            <a:r>
+              <a:t>{{TOP_CATEGORIES_TITLE}}</a:t>
+            </a:r>
+          </a:p>
+        </p:txBody>
+      </p:sp>
+      <p:sp>
+        <p:nvSpPr>
+          <p:cNvPr id="12" name="TextBox 11"/>
+          <p:cNvSpPr txBox="1"/>
+          <p:nvPr/>
+        </p:nvSpPr>
+        <p:spPr>
+          <a:xfrm>
+            <a:off x="6263640" y="1325880"/>
+            <a:ext cx="5166360" cy="1645920"/>
+          </a:xfrm>
+          <a:prstGeom prst="rect">
+            <a:avLst/>
+          </a:prstGeom>
+          <a:noFill/>
+        </p:spPr>
+        <p:txBody>
+          <a:bodyPr wrap="square" lIns="101600" rIns="101600" tIns="50800" bIns="50800">
+            <a:spAutoFit/>
+          </a:bodyPr>
+          <a:lstStyle/>
+          <a:p>
+            <a:pPr>
+              <a:defRPr sz="1200" b="0">
+                <a:solidFill>
+                  <a:srgbClr val="333333"/>
+                </a:solidFill>
+                <a:latin typeface="Microsoft YaHei"/>
+              </a:defRPr>
+            </a:pPr>
+            <a:r>
+              <a:t>{{TOP_CATEGORIES_LIST}}</a:t>
+            </a:r>
+          </a:p>
+        </p:txBody>
+      </p:sp>
+      <p:sp>
+        <p:nvSpPr>
+          <p:cNvPr id="13" name="Rectangle 12"/>
           <p:cNvSpPr/>
           <p:nvPr/>
         </p:nvSpPr>
         <p:spPr>
           <a:xfrm>
-            <a:off x="594360" y="3154680"/>
-            <a:ext cx="11247120" cy="1783080"/>
-          </a:xfrm>
-          <a:prstGeom prst="roundRect">
+            <a:off x="548640" y="3200400"/>
+            <a:ext cx="11064240" cy="1508760"/>
+          </a:xfrm>
+          <a:prstGeom prst="rect">
             <a:avLst/>
           </a:prstGeom>
           <a:solidFill>
@@ -5084,92 +4435,20 @@
       </p:sp>
       <p:sp>
         <p:nvSpPr>
-          <p:cNvPr id="17" name="TextBox 16"/>
-          <p:cNvSpPr txBox="1"/>
-          <p:nvPr/>
-        </p:nvSpPr>
-        <p:spPr>
-          <a:xfrm>
-            <a:off x="777240" y="3246120"/>
-            <a:ext cx="10881360" cy="365760"/>
-          </a:xfrm>
-          <a:prstGeom prst="rect">
-            <a:avLst/>
-          </a:prstGeom>
-          <a:noFill/>
-        </p:spPr>
-        <p:txBody>
-          <a:bodyPr wrap="square" lIns="127000" rIns="127000" tIns="76200" bIns="76200">
-            <a:spAutoFit/>
-          </a:bodyPr>
-          <a:lstStyle/>
-          <a:p>
-            <a:pPr>
-              <a:defRPr sz="1400" b="1">
-                <a:solidFill>
-                  <a:srgbClr val="1E40AF"/>
-                </a:solidFill>
-                <a:latin typeface="Microsoft YaHei"/>
-              </a:defRPr>
-            </a:pPr>
-            <a:r>
-              <a:t>{{CATEGORIES_INSIGHT_TITLE}}</a:t>
-            </a:r>
-          </a:p>
-        </p:txBody>
-      </p:sp>
-      <p:sp>
-        <p:nvSpPr>
-          <p:cNvPr id="18" name="TextBox 17"/>
-          <p:cNvSpPr txBox="1"/>
-          <p:nvPr/>
-        </p:nvSpPr>
-        <p:spPr>
-          <a:xfrm>
-            <a:off x="777240" y="3611880"/>
-            <a:ext cx="10881360" cy="1234440"/>
-          </a:xfrm>
-          <a:prstGeom prst="rect">
-            <a:avLst/>
-          </a:prstGeom>
-          <a:noFill/>
-        </p:spPr>
-        <p:txBody>
-          <a:bodyPr wrap="square" lIns="127000" rIns="127000" tIns="76200" bIns="76200">
-            <a:spAutoFit/>
-          </a:bodyPr>
-          <a:lstStyle/>
-          <a:p>
-            <a:pPr>
-              <a:defRPr sz="1100" b="0">
-                <a:solidFill>
-                  <a:srgbClr val="0F172A"/>
-                </a:solidFill>
-                <a:latin typeface="Microsoft YaHei"/>
-              </a:defRPr>
-            </a:pPr>
-            <a:r>
-              <a:t>{{TOP_CATEGORIES_INSIGHT}}</a:t>
-            </a:r>
-          </a:p>
-        </p:txBody>
-      </p:sp>
-      <p:sp>
-        <p:nvSpPr>
-          <p:cNvPr id="19" name="Rounded Rectangle 18"/>
+          <p:cNvPr id="14" name="Rectangle 13"/>
           <p:cNvSpPr/>
           <p:nvPr/>
         </p:nvSpPr>
         <p:spPr>
           <a:xfrm>
-            <a:off x="649224" y="5129783"/>
-            <a:ext cx="11247120" cy="1554480"/>
-          </a:xfrm>
-          <a:prstGeom prst="roundRect">
+            <a:off x="548640" y="3200400"/>
+            <a:ext cx="45720" cy="1508760"/>
+          </a:xfrm>
+          <a:prstGeom prst="rect">
             <a:avLst/>
           </a:prstGeom>
           <a:solidFill>
-            <a:srgbClr val="000000"/>
+            <a:srgbClr val="0A4275"/>
           </a:solidFill>
           <a:ln>
             <a:noFill/>
@@ -5199,16 +4478,88 @@
       </p:sp>
       <p:sp>
         <p:nvSpPr>
-          <p:cNvPr id="20" name="Rounded Rectangle 19"/>
+          <p:cNvPr id="15" name="TextBox 14"/>
+          <p:cNvSpPr txBox="1"/>
+          <p:nvPr/>
+        </p:nvSpPr>
+        <p:spPr>
+          <a:xfrm>
+            <a:off x="731520" y="3246120"/>
+            <a:ext cx="10698480" cy="365760"/>
+          </a:xfrm>
+          <a:prstGeom prst="rect">
+            <a:avLst/>
+          </a:prstGeom>
+          <a:noFill/>
+        </p:spPr>
+        <p:txBody>
+          <a:bodyPr wrap="square" lIns="101600" rIns="101600" tIns="50800" bIns="50800">
+            <a:spAutoFit/>
+          </a:bodyPr>
+          <a:lstStyle/>
+          <a:p>
+            <a:pPr>
+              <a:defRPr sz="1600" b="1">
+                <a:solidFill>
+                  <a:srgbClr val="0A4275"/>
+                </a:solidFill>
+                <a:latin typeface="Microsoft YaHei"/>
+              </a:defRPr>
+            </a:pPr>
+            <a:r>
+              <a:t>{{CATEGORIES_INSIGHT_TITLE}}</a:t>
+            </a:r>
+          </a:p>
+        </p:txBody>
+      </p:sp>
+      <p:sp>
+        <p:nvSpPr>
+          <p:cNvPr id="16" name="TextBox 15"/>
+          <p:cNvSpPr txBox="1"/>
+          <p:nvPr/>
+        </p:nvSpPr>
+        <p:spPr>
+          <a:xfrm>
+            <a:off x="731520" y="3657600"/>
+            <a:ext cx="10698480" cy="960120"/>
+          </a:xfrm>
+          <a:prstGeom prst="rect">
+            <a:avLst/>
+          </a:prstGeom>
+          <a:noFill/>
+        </p:spPr>
+        <p:txBody>
+          <a:bodyPr wrap="square" lIns="101600" rIns="101600" tIns="50800" bIns="50800">
+            <a:spAutoFit/>
+          </a:bodyPr>
+          <a:lstStyle/>
+          <a:p>
+            <a:pPr>
+              <a:defRPr sz="1300" b="0">
+                <a:solidFill>
+                  <a:srgbClr val="333333"/>
+                </a:solidFill>
+                <a:latin typeface="Microsoft YaHei"/>
+              </a:defRPr>
+            </a:pPr>
+            <a:r>
+              <a:t>{{TOP_CATEGORIES_INSIGHT}}</a:t>
+            </a:r>
+          </a:p>
+        </p:txBody>
+      </p:sp>
+      <p:sp>
+        <p:nvSpPr>
+          <p:cNvPr id="17" name="Rectangle 16"/>
           <p:cNvSpPr/>
           <p:nvPr/>
         </p:nvSpPr>
         <p:spPr>
           <a:xfrm>
-            <a:off x="594360" y="5074920"/>
-            <a:ext cx="11247120" cy="1554480"/>
-          </a:xfrm>
-          <a:prstGeom prst="roundRect">
+            <a:off x="548640" y="4846320"/>
+            <a:ext cx="11064240" cy="1783080"/>
+          </a:xfrm>
+          <a:prstGeom prst="rect">
             <a:avLst/>
           </a:prstGeom>
           <a:solidFill>
@@ -5244,14 +4595,57 @@
       </p:sp>
       <p:sp>
         <p:nvSpPr>
-          <p:cNvPr id="21" name="TextBox 20"/>
+          <p:cNvPr id="18" name="Rectangle 17"/>
+          <p:cNvSpPr/>
+          <p:nvPr/>
+        </p:nvSpPr>
+        <p:spPr>
+          <a:xfrm>
+            <a:off x="548640" y="4846320"/>
+            <a:ext cx="45720" cy="1783080"/>
+          </a:xfrm>
+          <a:prstGeom prst="rect">
+            <a:avLst/>
+          </a:prstGeom>
+          <a:solidFill>
+            <a:srgbClr val="0A4275"/>
+          </a:solidFill>
+          <a:ln>
+            <a:noFill/>
+          </a:ln>
+        </p:spPr>
+        <p:style>
+          <a:lnRef idx="1">
+            <a:schemeClr val="accent1"/>
+          </a:lnRef>
+          <a:fillRef idx="3">
+            <a:schemeClr val="accent1"/>
+          </a:fillRef>
+          <a:effectRef idx="2">
+            <a:schemeClr val="accent1"/>
+          </a:effectRef>
+          <a:fontRef idx="minor">
+            <a:schemeClr val="lt1"/>
+          </a:fontRef>
+        </p:style>
+        <p:txBody>
+          <a:bodyPr rtlCol="0" anchor="ctr"/>
+          <a:lstStyle/>
+          <a:p>
+            <a:pPr algn="ctr"/>
+          </a:p>
+        </p:txBody>
+      </p:sp>
+      <p:sp>
+        <p:nvSpPr>
+          <p:cNvPr id="19" name="TextBox 18"/>
           <p:cNvSpPr txBox="1"/>
           <p:nvPr/>
         </p:nvSpPr>
         <p:spPr>
           <a:xfrm>
-            <a:off x="777240" y="5166360"/>
-            <a:ext cx="10881360" cy="365760"/>
+            <a:off x="731520" y="4892040"/>
+            <a:ext cx="10698480" cy="365760"/>
           </a:xfrm>
           <a:prstGeom prst="rect">
             <a:avLst/>
@@ -5259,15 +4653,15 @@
           <a:noFill/>
         </p:spPr>
         <p:txBody>
-          <a:bodyPr wrap="square" lIns="127000" rIns="127000" tIns="76200" bIns="76200">
+          <a:bodyPr wrap="square" lIns="101600" rIns="101600" tIns="50800" bIns="50800">
             <a:spAutoFit/>
           </a:bodyPr>
           <a:lstStyle/>
           <a:p>
             <a:pPr>
-              <a:defRPr sz="1400" b="1">
+              <a:defRPr sz="1600" b="1">
                 <a:solidFill>
-                  <a:srgbClr val="1E40AF"/>
+                  <a:srgbClr val="0A4275"/>
                 </a:solidFill>
                 <a:latin typeface="Microsoft YaHei"/>
               </a:defRPr>
@@ -5280,14 +4674,14 @@
       </p:sp>
       <p:sp>
         <p:nvSpPr>
-          <p:cNvPr id="22" name="TextBox 21"/>
+          <p:cNvPr id="20" name="TextBox 19"/>
           <p:cNvSpPr txBox="1"/>
           <p:nvPr/>
         </p:nvSpPr>
         <p:spPr>
           <a:xfrm>
-            <a:off x="777240" y="5532120"/>
-            <a:ext cx="10881360" cy="1005840"/>
+            <a:off x="731520" y="5303520"/>
+            <a:ext cx="10698480" cy="1234440"/>
           </a:xfrm>
           <a:prstGeom prst="rect">
             <a:avLst/>
@@ -5295,15 +4689,15 @@
           <a:noFill/>
         </p:spPr>
         <p:txBody>
-          <a:bodyPr wrap="square" lIns="127000" rIns="127000" tIns="76200" bIns="76200">
+          <a:bodyPr wrap="square" lIns="101600" rIns="101600" tIns="50800" bIns="50800">
             <a:spAutoFit/>
           </a:bodyPr>
           <a:lstStyle/>
           <a:p>
             <a:pPr>
-              <a:defRPr sz="1100" b="0">
+              <a:defRPr sz="1300" b="0">
                 <a:solidFill>
-                  <a:srgbClr val="0F172A"/>
+                  <a:srgbClr val="333333"/>
                 </a:solidFill>
                 <a:latin typeface="Microsoft YaHei"/>
               </a:defRPr>
@@ -5328,7 +4722,7 @@
     <p:bg>
       <p:bgPr>
         <a:solidFill>
-          <a:srgbClr val="F8FAFC"/>
+          <a:srgbClr val="FFFFFF"/>
         </a:solidFill>
         <a:effectLst/>
       </p:bgPr>
@@ -5349,13 +4743,13 @@
         <p:spPr>
           <a:xfrm>
             <a:off x="0" y="0"/>
-            <a:ext cx="12191695" cy="960120"/>
+            <a:ext cx="12191695" cy="73152"/>
           </a:xfrm>
           <a:prstGeom prst="rect">
             <a:avLst/>
           </a:prstGeom>
           <a:solidFill>
-            <a:srgbClr val="EFF6FF"/>
+            <a:srgbClr val="0A4275"/>
           </a:solidFill>
           <a:ln>
             <a:noFill/>
@@ -5391,14 +4785,14 @@
         </p:nvSpPr>
         <p:spPr>
           <a:xfrm>
-            <a:off x="0" y="896112"/>
-            <a:ext cx="12191695" cy="54864"/>
+            <a:off x="548640" y="228600"/>
+            <a:ext cx="45720" cy="502920"/>
           </a:xfrm>
           <a:prstGeom prst="rect">
             <a:avLst/>
           </a:prstGeom>
           <a:solidFill>
-            <a:srgbClr val="3B82F6"/>
+            <a:srgbClr val="0A4275"/>
           </a:solidFill>
           <a:ln>
             <a:noFill/>
@@ -5428,100 +4822,14 @@
       </p:sp>
       <p:sp>
         <p:nvSpPr>
-          <p:cNvPr id="4" name="Oval 3"/>
-          <p:cNvSpPr/>
-          <p:nvPr/>
-        </p:nvSpPr>
-        <p:spPr>
-          <a:xfrm>
-            <a:off x="10424160" y="-822960"/>
-            <a:ext cx="2926080" cy="2926080"/>
-          </a:xfrm>
-          <a:prstGeom prst="ellipse">
-            <a:avLst/>
-          </a:prstGeom>
-          <a:solidFill>
-            <a:srgbClr val="3B82F6"/>
-          </a:solidFill>
-          <a:ln>
-            <a:noFill/>
-          </a:ln>
-        </p:spPr>
-        <p:style>
-          <a:lnRef idx="1">
-            <a:schemeClr val="accent1"/>
-          </a:lnRef>
-          <a:fillRef idx="3">
-            <a:schemeClr val="accent1"/>
-          </a:fillRef>
-          <a:effectRef idx="2">
-            <a:schemeClr val="accent1"/>
-          </a:effectRef>
-          <a:fontRef idx="minor">
-            <a:schemeClr val="lt1"/>
-          </a:fontRef>
-        </p:style>
-        <p:txBody>
-          <a:bodyPr rtlCol="0" anchor="ctr"/>
-          <a:lstStyle/>
-          <a:p>
-            <a:pPr algn="ctr"/>
-          </a:p>
-        </p:txBody>
-      </p:sp>
-      <p:sp>
-        <p:nvSpPr>
-          <p:cNvPr id="5" name="Oval 4"/>
-          <p:cNvSpPr/>
-          <p:nvPr/>
-        </p:nvSpPr>
-        <p:spPr>
-          <a:xfrm>
-            <a:off x="-1097280" y="5669280"/>
-            <a:ext cx="2377440" cy="2377440"/>
-          </a:xfrm>
-          <a:prstGeom prst="ellipse">
-            <a:avLst/>
-          </a:prstGeom>
-          <a:solidFill>
-            <a:srgbClr val="1E40AF"/>
-          </a:solidFill>
-          <a:ln>
-            <a:noFill/>
-          </a:ln>
-        </p:spPr>
-        <p:style>
-          <a:lnRef idx="1">
-            <a:schemeClr val="accent1"/>
-          </a:lnRef>
-          <a:fillRef idx="3">
-            <a:schemeClr val="accent1"/>
-          </a:fillRef>
-          <a:effectRef idx="2">
-            <a:schemeClr val="accent1"/>
-          </a:effectRef>
-          <a:fontRef idx="minor">
-            <a:schemeClr val="lt1"/>
-          </a:fontRef>
-        </p:style>
-        <p:txBody>
-          <a:bodyPr rtlCol="0" anchor="ctr"/>
-          <a:lstStyle/>
-          <a:p>
-            <a:pPr algn="ctr"/>
-          </a:p>
-        </p:txBody>
-      </p:sp>
-      <p:sp>
-        <p:nvSpPr>
-          <p:cNvPr id="6" name="TextBox 5"/>
+          <p:cNvPr id="4" name="TextBox 3"/>
           <p:cNvSpPr txBox="1"/>
           <p:nvPr/>
         </p:nvSpPr>
         <p:spPr>
           <a:xfrm>
-            <a:off x="594360" y="201168"/>
-            <a:ext cx="11247120" cy="621792"/>
+            <a:off x="685800" y="228600"/>
+            <a:ext cx="10927080" cy="502920"/>
           </a:xfrm>
           <a:prstGeom prst="rect">
             <a:avLst/>
@@ -5529,15 +4837,15 @@
           <a:noFill/>
         </p:spPr>
         <p:txBody>
-          <a:bodyPr wrap="square" lIns="127000" rIns="127000" tIns="76200" bIns="76200">
+          <a:bodyPr wrap="square" lIns="101600" rIns="101600" tIns="50800" bIns="50800">
             <a:spAutoFit/>
           </a:bodyPr>
           <a:lstStyle/>
           <a:p>
             <a:pPr>
-              <a:defRPr sz="2800" b="1">
+              <a:defRPr sz="2700" b="1">
                 <a:solidFill>
-                  <a:srgbClr val="1E40AF"/>
+                  <a:srgbClr val="0A4275"/>
                 </a:solidFill>
                 <a:latin typeface="Microsoft YaHei"/>
               </a:defRPr>
@@ -5550,59 +4858,16 @@
       </p:sp>
       <p:sp>
         <p:nvSpPr>
-          <p:cNvPr id="7" name="Rounded Rectangle 6"/>
+          <p:cNvPr id="5" name="Rectangle 4"/>
           <p:cNvSpPr/>
           <p:nvPr/>
         </p:nvSpPr>
         <p:spPr>
           <a:xfrm>
-            <a:off x="649224" y="1014984"/>
-            <a:ext cx="11247120" cy="1143000"/>
-          </a:xfrm>
-          <a:prstGeom prst="roundRect">
-            <a:avLst/>
-          </a:prstGeom>
-          <a:solidFill>
-            <a:srgbClr val="000000"/>
-          </a:solidFill>
-          <a:ln>
-            <a:noFill/>
-          </a:ln>
-        </p:spPr>
-        <p:style>
-          <a:lnRef idx="1">
-            <a:schemeClr val="accent1"/>
-          </a:lnRef>
-          <a:fillRef idx="3">
-            <a:schemeClr val="accent1"/>
-          </a:fillRef>
-          <a:effectRef idx="2">
-            <a:schemeClr val="accent1"/>
-          </a:effectRef>
-          <a:fontRef idx="minor">
-            <a:schemeClr val="lt1"/>
-          </a:fontRef>
-        </p:style>
-        <p:txBody>
-          <a:bodyPr rtlCol="0" anchor="ctr"/>
-          <a:lstStyle/>
-          <a:p>
-            <a:pPr algn="ctr"/>
-          </a:p>
-        </p:txBody>
-      </p:sp>
-      <p:sp>
-        <p:nvSpPr>
-          <p:cNvPr id="8" name="Rounded Rectangle 7"/>
-          <p:cNvSpPr/>
-          <p:nvPr/>
-        </p:nvSpPr>
-        <p:spPr>
-          <a:xfrm>
-            <a:off x="594360" y="960120"/>
-            <a:ext cx="11247120" cy="1143000"/>
-          </a:xfrm>
-          <a:prstGeom prst="roundRect">
+            <a:off x="548640" y="868680"/>
+            <a:ext cx="11064240" cy="1234440"/>
+          </a:xfrm>
+          <a:prstGeom prst="rect">
             <a:avLst/>
           </a:prstGeom>
           <a:solidFill>
@@ -5638,92 +4903,20 @@
       </p:sp>
       <p:sp>
         <p:nvSpPr>
-          <p:cNvPr id="9" name="TextBox 8"/>
-          <p:cNvSpPr txBox="1"/>
-          <p:nvPr/>
-        </p:nvSpPr>
-        <p:spPr>
-          <a:xfrm>
-            <a:off x="777240" y="1051560"/>
-            <a:ext cx="10881360" cy="365760"/>
-          </a:xfrm>
-          <a:prstGeom prst="rect">
-            <a:avLst/>
-          </a:prstGeom>
-          <a:noFill/>
-        </p:spPr>
-        <p:txBody>
-          <a:bodyPr wrap="square" lIns="127000" rIns="127000" tIns="76200" bIns="76200">
-            <a:spAutoFit/>
-          </a:bodyPr>
-          <a:lstStyle/>
-          <a:p>
-            <a:pPr>
-              <a:defRPr sz="1400" b="1">
-                <a:solidFill>
-                  <a:srgbClr val="1E40AF"/>
-                </a:solidFill>
-                <a:latin typeface="Microsoft YaHei"/>
-              </a:defRPr>
-            </a:pPr>
-            <a:r>
-              <a:t>{{INCIDENT_OVERVIEW_TITLE}}</a:t>
-            </a:r>
-          </a:p>
-        </p:txBody>
-      </p:sp>
-      <p:sp>
-        <p:nvSpPr>
-          <p:cNvPr id="10" name="TextBox 9"/>
-          <p:cNvSpPr txBox="1"/>
-          <p:nvPr/>
-        </p:nvSpPr>
-        <p:spPr>
-          <a:xfrm>
-            <a:off x="777240" y="1417320"/>
-            <a:ext cx="10881360" cy="621792"/>
-          </a:xfrm>
-          <a:prstGeom prst="rect">
-            <a:avLst/>
-          </a:prstGeom>
-          <a:noFill/>
-        </p:spPr>
-        <p:txBody>
-          <a:bodyPr wrap="square" lIns="127000" rIns="127000" tIns="76200" bIns="76200">
-            <a:spAutoFit/>
-          </a:bodyPr>
-          <a:lstStyle/>
-          <a:p>
-            <a:pPr>
-              <a:defRPr sz="1100" b="0">
-                <a:solidFill>
-                  <a:srgbClr val="0F172A"/>
-                </a:solidFill>
-                <a:latin typeface="Microsoft YaHei"/>
-              </a:defRPr>
-            </a:pPr>
-            <a:r>
-              <a:t>{{INCIDENT_SUMMARY}}</a:t>
-            </a:r>
-          </a:p>
-        </p:txBody>
-      </p:sp>
-      <p:sp>
-        <p:nvSpPr>
-          <p:cNvPr id="11" name="Rounded Rectangle 10"/>
+          <p:cNvPr id="6" name="Rectangle 5"/>
           <p:cNvSpPr/>
           <p:nvPr/>
         </p:nvSpPr>
         <p:spPr>
           <a:xfrm>
-            <a:off x="649224" y="2295144"/>
-            <a:ext cx="11247120" cy="2971800"/>
-          </a:xfrm>
-          <a:prstGeom prst="roundRect">
+            <a:off x="548640" y="868680"/>
+            <a:ext cx="45720" cy="1234440"/>
+          </a:xfrm>
+          <a:prstGeom prst="rect">
             <a:avLst/>
           </a:prstGeom>
           <a:solidFill>
-            <a:srgbClr val="000000"/>
+            <a:srgbClr val="0A4275"/>
           </a:solidFill>
           <a:ln>
             <a:noFill/>
@@ -5753,16 +4946,88 @@
       </p:sp>
       <p:sp>
         <p:nvSpPr>
-          <p:cNvPr id="12" name="Rounded Rectangle 11"/>
+          <p:cNvPr id="7" name="TextBox 6"/>
+          <p:cNvSpPr txBox="1"/>
+          <p:nvPr/>
+        </p:nvSpPr>
+        <p:spPr>
+          <a:xfrm>
+            <a:off x="731520" y="914400"/>
+            <a:ext cx="10698480" cy="365760"/>
+          </a:xfrm>
+          <a:prstGeom prst="rect">
+            <a:avLst/>
+          </a:prstGeom>
+          <a:noFill/>
+        </p:spPr>
+        <p:txBody>
+          <a:bodyPr wrap="square" lIns="101600" rIns="101600" tIns="50800" bIns="50800">
+            <a:spAutoFit/>
+          </a:bodyPr>
+          <a:lstStyle/>
+          <a:p>
+            <a:pPr>
+              <a:defRPr sz="1600" b="1">
+                <a:solidFill>
+                  <a:srgbClr val="0A4275"/>
+                </a:solidFill>
+                <a:latin typeface="Microsoft YaHei"/>
+              </a:defRPr>
+            </a:pPr>
+            <a:r>
+              <a:t>{{INCIDENT_OVERVIEW_TITLE}}</a:t>
+            </a:r>
+          </a:p>
+        </p:txBody>
+      </p:sp>
+      <p:sp>
+        <p:nvSpPr>
+          <p:cNvPr id="8" name="TextBox 7"/>
+          <p:cNvSpPr txBox="1"/>
+          <p:nvPr/>
+        </p:nvSpPr>
+        <p:spPr>
+          <a:xfrm>
+            <a:off x="731520" y="1325880"/>
+            <a:ext cx="10698480" cy="685800"/>
+          </a:xfrm>
+          <a:prstGeom prst="rect">
+            <a:avLst/>
+          </a:prstGeom>
+          <a:noFill/>
+        </p:spPr>
+        <p:txBody>
+          <a:bodyPr wrap="square" lIns="101600" rIns="101600" tIns="50800" bIns="50800">
+            <a:spAutoFit/>
+          </a:bodyPr>
+          <a:lstStyle/>
+          <a:p>
+            <a:pPr>
+              <a:defRPr sz="1300" b="0">
+                <a:solidFill>
+                  <a:srgbClr val="333333"/>
+                </a:solidFill>
+                <a:latin typeface="Microsoft YaHei"/>
+              </a:defRPr>
+            </a:pPr>
+            <a:r>
+              <a:t>{{INCIDENT_SUMMARY}}</a:t>
+            </a:r>
+          </a:p>
+        </p:txBody>
+      </p:sp>
+      <p:sp>
+        <p:nvSpPr>
+          <p:cNvPr id="9" name="Rectangle 8"/>
           <p:cNvSpPr/>
           <p:nvPr/>
         </p:nvSpPr>
         <p:spPr>
           <a:xfrm>
-            <a:off x="594360" y="2240280"/>
-            <a:ext cx="11247120" cy="2971800"/>
-          </a:xfrm>
-          <a:prstGeom prst="roundRect">
+            <a:off x="548640" y="2240280"/>
+            <a:ext cx="11064240" cy="2880360"/>
+          </a:xfrm>
+          <a:prstGeom prst="rect">
             <a:avLst/>
           </a:prstGeom>
           <a:solidFill>
@@ -5798,92 +5063,20 @@
       </p:sp>
       <p:sp>
         <p:nvSpPr>
-          <p:cNvPr id="13" name="TextBox 12"/>
-          <p:cNvSpPr txBox="1"/>
-          <p:nvPr/>
-        </p:nvSpPr>
-        <p:spPr>
-          <a:xfrm>
-            <a:off x="777240" y="2331720"/>
-            <a:ext cx="10881360" cy="365760"/>
-          </a:xfrm>
-          <a:prstGeom prst="rect">
-            <a:avLst/>
-          </a:prstGeom>
-          <a:noFill/>
-        </p:spPr>
-        <p:txBody>
-          <a:bodyPr wrap="square" lIns="127000" rIns="127000" tIns="76200" bIns="76200">
-            <a:spAutoFit/>
-          </a:bodyPr>
-          <a:lstStyle/>
-          <a:p>
-            <a:pPr>
-              <a:defRPr sz="1400" b="1">
-                <a:solidFill>
-                  <a:srgbClr val="1E40AF"/>
-                </a:solidFill>
-                <a:latin typeface="Microsoft YaHei"/>
-              </a:defRPr>
-            </a:pPr>
-            <a:r>
-              <a:t>{{INCIDENT_DETAILS_TITLE}}</a:t>
-            </a:r>
-          </a:p>
-        </p:txBody>
-      </p:sp>
-      <p:sp>
-        <p:nvSpPr>
-          <p:cNvPr id="14" name="TextBox 13"/>
-          <p:cNvSpPr txBox="1"/>
-          <p:nvPr/>
-        </p:nvSpPr>
-        <p:spPr>
-          <a:xfrm>
-            <a:off x="777240" y="2697480"/>
-            <a:ext cx="10881360" cy="2423160"/>
-          </a:xfrm>
-          <a:prstGeom prst="rect">
-            <a:avLst/>
-          </a:prstGeom>
-          <a:noFill/>
-        </p:spPr>
-        <p:txBody>
-          <a:bodyPr wrap="square" lIns="127000" rIns="127000" tIns="76200" bIns="76200">
-            <a:spAutoFit/>
-          </a:bodyPr>
-          <a:lstStyle/>
-          <a:p>
-            <a:pPr>
-              <a:defRPr sz="1000" b="0">
-                <a:solidFill>
-                  <a:srgbClr val="0F172A"/>
-                </a:solidFill>
-                <a:latin typeface="Microsoft YaHei"/>
-              </a:defRPr>
-            </a:pPr>
-            <a:r>
-              <a:t>{{INCIDENT_DETAILS}}</a:t>
-            </a:r>
-          </a:p>
-        </p:txBody>
-      </p:sp>
-      <p:sp>
-        <p:nvSpPr>
-          <p:cNvPr id="15" name="Rounded Rectangle 14"/>
+          <p:cNvPr id="10" name="Rectangle 9"/>
           <p:cNvSpPr/>
           <p:nvPr/>
         </p:nvSpPr>
         <p:spPr>
           <a:xfrm>
-            <a:off x="649224" y="5404103"/>
-            <a:ext cx="11247120" cy="1280160"/>
-          </a:xfrm>
-          <a:prstGeom prst="roundRect">
+            <a:off x="548640" y="2240280"/>
+            <a:ext cx="45720" cy="2880360"/>
+          </a:xfrm>
+          <a:prstGeom prst="rect">
             <a:avLst/>
           </a:prstGeom>
           <a:solidFill>
-            <a:srgbClr val="000000"/>
+            <a:srgbClr val="0A4275"/>
           </a:solidFill>
           <a:ln>
             <a:noFill/>
@@ -5913,16 +5106,88 @@
       </p:sp>
       <p:sp>
         <p:nvSpPr>
-          <p:cNvPr id="16" name="Rounded Rectangle 15"/>
+          <p:cNvPr id="11" name="TextBox 10"/>
+          <p:cNvSpPr txBox="1"/>
+          <p:nvPr/>
+        </p:nvSpPr>
+        <p:spPr>
+          <a:xfrm>
+            <a:off x="731520" y="2286000"/>
+            <a:ext cx="10698480" cy="365760"/>
+          </a:xfrm>
+          <a:prstGeom prst="rect">
+            <a:avLst/>
+          </a:prstGeom>
+          <a:noFill/>
+        </p:spPr>
+        <p:txBody>
+          <a:bodyPr wrap="square" lIns="101600" rIns="101600" tIns="50800" bIns="50800">
+            <a:spAutoFit/>
+          </a:bodyPr>
+          <a:lstStyle/>
+          <a:p>
+            <a:pPr>
+              <a:defRPr sz="1600" b="1">
+                <a:solidFill>
+                  <a:srgbClr val="0A4275"/>
+                </a:solidFill>
+                <a:latin typeface="Microsoft YaHei"/>
+              </a:defRPr>
+            </a:pPr>
+            <a:r>
+              <a:t>{{INCIDENT_DETAILS_TITLE}}</a:t>
+            </a:r>
+          </a:p>
+        </p:txBody>
+      </p:sp>
+      <p:sp>
+        <p:nvSpPr>
+          <p:cNvPr id="12" name="TextBox 11"/>
+          <p:cNvSpPr txBox="1"/>
+          <p:nvPr/>
+        </p:nvSpPr>
+        <p:spPr>
+          <a:xfrm>
+            <a:off x="731520" y="2697480"/>
+            <a:ext cx="10698480" cy="2331720"/>
+          </a:xfrm>
+          <a:prstGeom prst="rect">
+            <a:avLst/>
+          </a:prstGeom>
+          <a:noFill/>
+        </p:spPr>
+        <p:txBody>
+          <a:bodyPr wrap="square" lIns="101600" rIns="101600" tIns="50800" bIns="50800">
+            <a:spAutoFit/>
+          </a:bodyPr>
+          <a:lstStyle/>
+          <a:p>
+            <a:pPr>
+              <a:defRPr sz="1100" b="0">
+                <a:solidFill>
+                  <a:srgbClr val="333333"/>
+                </a:solidFill>
+                <a:latin typeface="Microsoft YaHei"/>
+              </a:defRPr>
+            </a:pPr>
+            <a:r>
+              <a:t>{{INCIDENT_DETAILS}}</a:t>
+            </a:r>
+          </a:p>
+        </p:txBody>
+      </p:sp>
+      <p:sp>
+        <p:nvSpPr>
+          <p:cNvPr id="13" name="Rectangle 12"/>
           <p:cNvSpPr/>
           <p:nvPr/>
         </p:nvSpPr>
         <p:spPr>
           <a:xfrm>
-            <a:off x="594360" y="5349240"/>
-            <a:ext cx="11247120" cy="1280160"/>
-          </a:xfrm>
-          <a:prstGeom prst="roundRect">
+            <a:off x="548640" y="5257800"/>
+            <a:ext cx="11064240" cy="1371600"/>
+          </a:xfrm>
+          <a:prstGeom prst="rect">
             <a:avLst/>
           </a:prstGeom>
           <a:solidFill>
@@ -5958,14 +5223,57 @@
       </p:sp>
       <p:sp>
         <p:nvSpPr>
-          <p:cNvPr id="17" name="TextBox 16"/>
+          <p:cNvPr id="14" name="Rectangle 13"/>
+          <p:cNvSpPr/>
+          <p:nvPr/>
+        </p:nvSpPr>
+        <p:spPr>
+          <a:xfrm>
+            <a:off x="548640" y="5257800"/>
+            <a:ext cx="45720" cy="1371600"/>
+          </a:xfrm>
+          <a:prstGeom prst="rect">
+            <a:avLst/>
+          </a:prstGeom>
+          <a:solidFill>
+            <a:srgbClr val="0A4275"/>
+          </a:solidFill>
+          <a:ln>
+            <a:noFill/>
+          </a:ln>
+        </p:spPr>
+        <p:style>
+          <a:lnRef idx="1">
+            <a:schemeClr val="accent1"/>
+          </a:lnRef>
+          <a:fillRef idx="3">
+            <a:schemeClr val="accent1"/>
+          </a:fillRef>
+          <a:effectRef idx="2">
+            <a:schemeClr val="accent1"/>
+          </a:effectRef>
+          <a:fontRef idx="minor">
+            <a:schemeClr val="lt1"/>
+          </a:fontRef>
+        </p:style>
+        <p:txBody>
+          <a:bodyPr rtlCol="0" anchor="ctr"/>
+          <a:lstStyle/>
+          <a:p>
+            <a:pPr algn="ctr"/>
+          </a:p>
+        </p:txBody>
+      </p:sp>
+      <p:sp>
+        <p:nvSpPr>
+          <p:cNvPr id="15" name="TextBox 14"/>
           <p:cNvSpPr txBox="1"/>
           <p:nvPr/>
         </p:nvSpPr>
         <p:spPr>
           <a:xfrm>
-            <a:off x="777240" y="5440680"/>
-            <a:ext cx="10881360" cy="365760"/>
+            <a:off x="731520" y="5303520"/>
+            <a:ext cx="10698480" cy="365760"/>
           </a:xfrm>
           <a:prstGeom prst="rect">
             <a:avLst/>
@@ -5973,15 +5281,15 @@
           <a:noFill/>
         </p:spPr>
         <p:txBody>
-          <a:bodyPr wrap="square" lIns="127000" rIns="127000" tIns="76200" bIns="76200">
+          <a:bodyPr wrap="square" lIns="101600" rIns="101600" tIns="50800" bIns="50800">
             <a:spAutoFit/>
           </a:bodyPr>
           <a:lstStyle/>
           <a:p>
             <a:pPr>
-              <a:defRPr sz="1400" b="1">
+              <a:defRPr sz="1600" b="1">
                 <a:solidFill>
-                  <a:srgbClr val="1E40AF"/>
+                  <a:srgbClr val="0A4275"/>
                 </a:solidFill>
                 <a:latin typeface="Microsoft YaHei"/>
               </a:defRPr>
@@ -5994,14 +5302,14 @@
       </p:sp>
       <p:sp>
         <p:nvSpPr>
-          <p:cNvPr id="18" name="TextBox 17"/>
+          <p:cNvPr id="16" name="TextBox 15"/>
           <p:cNvSpPr txBox="1"/>
           <p:nvPr/>
         </p:nvSpPr>
         <p:spPr>
           <a:xfrm>
-            <a:off x="777240" y="5806440"/>
-            <a:ext cx="10881360" cy="749808"/>
+            <a:off x="731520" y="5715000"/>
+            <a:ext cx="10698480" cy="822960"/>
           </a:xfrm>
           <a:prstGeom prst="rect">
             <a:avLst/>
@@ -6009,15 +5317,15 @@
           <a:noFill/>
         </p:spPr>
         <p:txBody>
-          <a:bodyPr wrap="square" lIns="127000" rIns="127000" tIns="76200" bIns="76200">
+          <a:bodyPr wrap="square" lIns="101600" rIns="101600" tIns="50800" bIns="50800">
             <a:spAutoFit/>
           </a:bodyPr>
           <a:lstStyle/>
           <a:p>
             <a:pPr>
-              <a:defRPr sz="1100" b="0">
+              <a:defRPr sz="1300" b="0">
                 <a:solidFill>
-                  <a:srgbClr val="0F172A"/>
+                  <a:srgbClr val="333333"/>
                 </a:solidFill>
                 <a:latin typeface="Microsoft YaHei"/>
               </a:defRPr>
@@ -6042,7 +5350,7 @@
     <p:bg>
       <p:bgPr>
         <a:solidFill>
-          <a:srgbClr val="F8FAFC"/>
+          <a:srgbClr val="FFFFFF"/>
         </a:solidFill>
         <a:effectLst/>
       </p:bgPr>
@@ -6063,13 +5371,13 @@
         <p:spPr>
           <a:xfrm>
             <a:off x="0" y="0"/>
-            <a:ext cx="12191695" cy="960120"/>
+            <a:ext cx="12191695" cy="73152"/>
           </a:xfrm>
           <a:prstGeom prst="rect">
             <a:avLst/>
           </a:prstGeom>
           <a:solidFill>
-            <a:srgbClr val="EFF6FF"/>
+            <a:srgbClr val="0A4275"/>
           </a:solidFill>
           <a:ln>
             <a:noFill/>
@@ -6105,14 +5413,14 @@
         </p:nvSpPr>
         <p:spPr>
           <a:xfrm>
-            <a:off x="0" y="896112"/>
-            <a:ext cx="12191695" cy="54864"/>
+            <a:off x="548640" y="228600"/>
+            <a:ext cx="45720" cy="502920"/>
           </a:xfrm>
           <a:prstGeom prst="rect">
             <a:avLst/>
           </a:prstGeom>
           <a:solidFill>
-            <a:srgbClr val="3B82F6"/>
+            <a:srgbClr val="0A4275"/>
           </a:solidFill>
           <a:ln>
             <a:noFill/>
@@ -6142,23 +5450,61 @@
       </p:sp>
       <p:sp>
         <p:nvSpPr>
-          <p:cNvPr id="4" name="Oval 3"/>
+          <p:cNvPr id="4" name="TextBox 3"/>
+          <p:cNvSpPr txBox="1"/>
+          <p:nvPr/>
+        </p:nvSpPr>
+        <p:spPr>
+          <a:xfrm>
+            <a:off x="685800" y="228600"/>
+            <a:ext cx="10927080" cy="502920"/>
+          </a:xfrm>
+          <a:prstGeom prst="rect">
+            <a:avLst/>
+          </a:prstGeom>
+          <a:noFill/>
+        </p:spPr>
+        <p:txBody>
+          <a:bodyPr wrap="square" lIns="101600" rIns="101600" tIns="50800" bIns="50800">
+            <a:spAutoFit/>
+          </a:bodyPr>
+          <a:lstStyle/>
+          <a:p>
+            <a:pPr>
+              <a:defRPr sz="2700" b="1">
+                <a:solidFill>
+                  <a:srgbClr val="0A4275"/>
+                </a:solidFill>
+                <a:latin typeface="Microsoft YaHei"/>
+              </a:defRPr>
+            </a:pPr>
+            <a:r>
+              <a:t>{{SLIDE_TITLE}}</a:t>
+            </a:r>
+          </a:p>
+        </p:txBody>
+      </p:sp>
+      <p:sp>
+        <p:nvSpPr>
+          <p:cNvPr id="5" name="Rectangle 4"/>
           <p:cNvSpPr/>
           <p:nvPr/>
         </p:nvSpPr>
         <p:spPr>
           <a:xfrm>
-            <a:off x="10424160" y="-822960"/>
-            <a:ext cx="2926080" cy="2926080"/>
-          </a:xfrm>
-          <a:prstGeom prst="ellipse">
+            <a:off x="548640" y="868680"/>
+            <a:ext cx="11064240" cy="868680"/>
+          </a:xfrm>
+          <a:prstGeom prst="rect">
             <a:avLst/>
           </a:prstGeom>
           <a:solidFill>
-            <a:srgbClr val="3B82F6"/>
+            <a:srgbClr val="EDF2F7"/>
           </a:solidFill>
-          <a:ln>
-            <a:noFill/>
+          <a:ln w="12700">
+            <a:solidFill>
+              <a:srgbClr val="E2E8F0"/>
+            </a:solidFill>
           </a:ln>
         </p:spPr>
         <p:style>
@@ -6185,20 +5531,20 @@
       </p:sp>
       <p:sp>
         <p:nvSpPr>
-          <p:cNvPr id="5" name="Oval 4"/>
+          <p:cNvPr id="6" name="Rectangle 5"/>
           <p:cNvSpPr/>
           <p:nvPr/>
         </p:nvSpPr>
         <p:spPr>
           <a:xfrm>
-            <a:off x="-1097280" y="5669280"/>
-            <a:ext cx="2377440" cy="2377440"/>
-          </a:xfrm>
-          <a:prstGeom prst="ellipse">
+            <a:off x="548640" y="868680"/>
+            <a:ext cx="45720" cy="868680"/>
+          </a:xfrm>
+          <a:prstGeom prst="rect">
             <a:avLst/>
           </a:prstGeom>
           <a:solidFill>
-            <a:srgbClr val="1E40AF"/>
+            <a:srgbClr val="0A4275"/>
           </a:solidFill>
           <a:ln>
             <a:noFill/>
@@ -6228,14 +5574,14 @@
       </p:sp>
       <p:sp>
         <p:nvSpPr>
-          <p:cNvPr id="6" name="TextBox 5"/>
+          <p:cNvPr id="7" name="TextBox 6"/>
           <p:cNvSpPr txBox="1"/>
           <p:nvPr/>
         </p:nvSpPr>
         <p:spPr>
           <a:xfrm>
-            <a:off x="594360" y="201168"/>
-            <a:ext cx="11247120" cy="621792"/>
+            <a:off x="731520" y="914400"/>
+            <a:ext cx="2286000" cy="365760"/>
           </a:xfrm>
           <a:prstGeom prst="rect">
             <a:avLst/>
@@ -6243,80 +5589,73 @@
           <a:noFill/>
         </p:spPr>
         <p:txBody>
-          <a:bodyPr wrap="square" lIns="127000" rIns="127000" tIns="76200" bIns="76200">
+          <a:bodyPr wrap="square" lIns="101600" rIns="101600" tIns="50800" bIns="50800">
             <a:spAutoFit/>
           </a:bodyPr>
           <a:lstStyle/>
           <a:p>
             <a:pPr>
-              <a:defRPr sz="2800" b="1">
+              <a:defRPr sz="1400" b="1">
                 <a:solidFill>
-                  <a:srgbClr val="1E40AF"/>
+                  <a:srgbClr val="0A4275"/>
                 </a:solidFill>
                 <a:latin typeface="Microsoft YaHei"/>
               </a:defRPr>
             </a:pPr>
             <a:r>
-              <a:t>{{SLIDE_TITLE}}</a:t>
-            </a:r>
-          </a:p>
-        </p:txBody>
-      </p:sp>
-      <p:sp>
-        <p:nvSpPr>
-          <p:cNvPr id="7" name="Rounded Rectangle 6"/>
+              <a:t>{{VULN_STATS_TITLE}}</a:t>
+            </a:r>
+          </a:p>
+        </p:txBody>
+      </p:sp>
+      <p:sp>
+        <p:nvSpPr>
+          <p:cNvPr id="8" name="TextBox 7"/>
+          <p:cNvSpPr txBox="1"/>
+          <p:nvPr/>
+        </p:nvSpPr>
+        <p:spPr>
+          <a:xfrm>
+            <a:off x="3017520" y="914400"/>
+            <a:ext cx="8412480" cy="731520"/>
+          </a:xfrm>
+          <a:prstGeom prst="rect">
+            <a:avLst/>
+          </a:prstGeom>
+          <a:noFill/>
+        </p:spPr>
+        <p:txBody>
+          <a:bodyPr wrap="square" lIns="101600" rIns="101600" tIns="50800" bIns="50800">
+            <a:spAutoFit/>
+          </a:bodyPr>
+          <a:lstStyle/>
+          <a:p>
+            <a:pPr>
+              <a:defRPr sz="1400" b="1">
+                <a:solidFill>
+                  <a:srgbClr val="333333"/>
+                </a:solidFill>
+                <a:latin typeface="Microsoft YaHei"/>
+              </a:defRPr>
+            </a:pPr>
+            <a:r>
+              <a:t>{{VULN_STATS}}</a:t>
+            </a:r>
+          </a:p>
+        </p:txBody>
+      </p:sp>
+      <p:sp>
+        <p:nvSpPr>
+          <p:cNvPr id="9" name="Rectangle 8"/>
           <p:cNvSpPr/>
           <p:nvPr/>
         </p:nvSpPr>
         <p:spPr>
           <a:xfrm>
-            <a:off x="649224" y="1014984"/>
-            <a:ext cx="11247120" cy="868680"/>
-          </a:xfrm>
-          <a:prstGeom prst="roundRect">
-            <a:avLst/>
-          </a:prstGeom>
-          <a:solidFill>
-            <a:srgbClr val="000000"/>
-          </a:solidFill>
-          <a:ln>
-            <a:noFill/>
-          </a:ln>
-        </p:spPr>
-        <p:style>
-          <a:lnRef idx="1">
-            <a:schemeClr val="accent1"/>
-          </a:lnRef>
-          <a:fillRef idx="3">
-            <a:schemeClr val="accent1"/>
-          </a:fillRef>
-          <a:effectRef idx="2">
-            <a:schemeClr val="accent1"/>
-          </a:effectRef>
-          <a:fontRef idx="minor">
-            <a:schemeClr val="lt1"/>
-          </a:fontRef>
-        </p:style>
-        <p:txBody>
-          <a:bodyPr rtlCol="0" anchor="ctr"/>
-          <a:lstStyle/>
-          <a:p>
-            <a:pPr algn="ctr"/>
-          </a:p>
-        </p:txBody>
-      </p:sp>
-      <p:sp>
-        <p:nvSpPr>
-          <p:cNvPr id="8" name="Rounded Rectangle 7"/>
-          <p:cNvSpPr/>
-          <p:nvPr/>
-        </p:nvSpPr>
-        <p:spPr>
-          <a:xfrm>
-            <a:off x="594360" y="960120"/>
-            <a:ext cx="11247120" cy="868680"/>
-          </a:xfrm>
-          <a:prstGeom prst="roundRect">
+            <a:off x="548640" y="1874519"/>
+            <a:ext cx="5349240" cy="1417320"/>
+          </a:xfrm>
+          <a:prstGeom prst="rect">
             <a:avLst/>
           </a:prstGeom>
           <a:solidFill>
@@ -6352,92 +5691,20 @@
       </p:sp>
       <p:sp>
         <p:nvSpPr>
-          <p:cNvPr id="9" name="TextBox 8"/>
-          <p:cNvSpPr txBox="1"/>
-          <p:nvPr/>
-        </p:nvSpPr>
-        <p:spPr>
-          <a:xfrm>
-            <a:off x="777240" y="1051560"/>
-            <a:ext cx="10881360" cy="365760"/>
-          </a:xfrm>
-          <a:prstGeom prst="rect">
-            <a:avLst/>
-          </a:prstGeom>
-          <a:noFill/>
-        </p:spPr>
-        <p:txBody>
-          <a:bodyPr wrap="square" lIns="127000" rIns="127000" tIns="76200" bIns="76200">
-            <a:spAutoFit/>
-          </a:bodyPr>
-          <a:lstStyle/>
-          <a:p>
-            <a:pPr>
-              <a:defRPr sz="1400" b="1">
-                <a:solidFill>
-                  <a:srgbClr val="1E40AF"/>
-                </a:solidFill>
-                <a:latin typeface="Microsoft YaHei"/>
-              </a:defRPr>
-            </a:pPr>
-            <a:r>
-              <a:t>{{VULN_STATS_TITLE}}</a:t>
-            </a:r>
-          </a:p>
-        </p:txBody>
-      </p:sp>
-      <p:sp>
-        <p:nvSpPr>
-          <p:cNvPr id="10" name="TextBox 9"/>
-          <p:cNvSpPr txBox="1"/>
-          <p:nvPr/>
-        </p:nvSpPr>
-        <p:spPr>
-          <a:xfrm>
-            <a:off x="777240" y="1389888"/>
-            <a:ext cx="10881360" cy="393192"/>
-          </a:xfrm>
-          <a:prstGeom prst="rect">
-            <a:avLst/>
-          </a:prstGeom>
-          <a:noFill/>
-        </p:spPr>
-        <p:txBody>
-          <a:bodyPr wrap="square" lIns="127000" rIns="127000" tIns="76200" bIns="76200">
-            <a:spAutoFit/>
-          </a:bodyPr>
-          <a:lstStyle/>
-          <a:p>
-            <a:pPr>
-              <a:defRPr sz="1100" b="0">
-                <a:solidFill>
-                  <a:srgbClr val="0F172A"/>
-                </a:solidFill>
-                <a:latin typeface="Microsoft YaHei"/>
-              </a:defRPr>
-            </a:pPr>
-            <a:r>
-              <a:t>{{VULN_STATS}}</a:t>
-            </a:r>
-          </a:p>
-        </p:txBody>
-      </p:sp>
-      <p:sp>
-        <p:nvSpPr>
-          <p:cNvPr id="11" name="Rounded Rectangle 10"/>
+          <p:cNvPr id="10" name="Rectangle 9"/>
           <p:cNvSpPr/>
           <p:nvPr/>
         </p:nvSpPr>
         <p:spPr>
           <a:xfrm>
-            <a:off x="649224" y="2020824"/>
-            <a:ext cx="5532120" cy="1325880"/>
-          </a:xfrm>
-          <a:prstGeom prst="roundRect">
+            <a:off x="548640" y="1874519"/>
+            <a:ext cx="45720" cy="1417320"/>
+          </a:xfrm>
+          <a:prstGeom prst="rect">
             <a:avLst/>
           </a:prstGeom>
           <a:solidFill>
-            <a:srgbClr val="000000"/>
+            <a:srgbClr val="0A4275"/>
           </a:solidFill>
           <a:ln>
             <a:noFill/>
@@ -6467,16 +5734,88 @@
       </p:sp>
       <p:sp>
         <p:nvSpPr>
-          <p:cNvPr id="12" name="Rounded Rectangle 11"/>
+          <p:cNvPr id="11" name="TextBox 10"/>
+          <p:cNvSpPr txBox="1"/>
+          <p:nvPr/>
+        </p:nvSpPr>
+        <p:spPr>
+          <a:xfrm>
+            <a:off x="731520" y="1920240"/>
+            <a:ext cx="4983480" cy="320040"/>
+          </a:xfrm>
+          <a:prstGeom prst="rect">
+            <a:avLst/>
+          </a:prstGeom>
+          <a:noFill/>
+        </p:spPr>
+        <p:txBody>
+          <a:bodyPr wrap="square" lIns="101600" rIns="101600" tIns="50800" bIns="50800">
+            <a:spAutoFit/>
+          </a:bodyPr>
+          <a:lstStyle/>
+          <a:p>
+            <a:pPr>
+              <a:defRPr sz="1400" b="1">
+                <a:solidFill>
+                  <a:srgbClr val="0A4275"/>
+                </a:solidFill>
+                <a:latin typeface="Microsoft YaHei"/>
+              </a:defRPr>
+            </a:pPr>
+            <a:r>
+              <a:t>{{VULN_OVERVIEW_TITLE}}</a:t>
+            </a:r>
+          </a:p>
+        </p:txBody>
+      </p:sp>
+      <p:sp>
+        <p:nvSpPr>
+          <p:cNvPr id="12" name="TextBox 11"/>
+          <p:cNvSpPr txBox="1"/>
+          <p:nvPr/>
+        </p:nvSpPr>
+        <p:spPr>
+          <a:xfrm>
+            <a:off x="731520" y="2286000"/>
+            <a:ext cx="4983480" cy="914400"/>
+          </a:xfrm>
+          <a:prstGeom prst="rect">
+            <a:avLst/>
+          </a:prstGeom>
+          <a:noFill/>
+        </p:spPr>
+        <p:txBody>
+          <a:bodyPr wrap="square" lIns="101600" rIns="101600" tIns="50800" bIns="50800">
+            <a:spAutoFit/>
+          </a:bodyPr>
+          <a:lstStyle/>
+          <a:p>
+            <a:pPr>
+              <a:defRPr sz="1200" b="0">
+                <a:solidFill>
+                  <a:srgbClr val="333333"/>
+                </a:solidFill>
+                <a:latin typeface="Microsoft YaHei"/>
+              </a:defRPr>
+            </a:pPr>
+            <a:r>
+              <a:t>{{VULN_OVERVIEW}}</a:t>
+            </a:r>
+          </a:p>
+        </p:txBody>
+      </p:sp>
+      <p:sp>
+        <p:nvSpPr>
+          <p:cNvPr id="13" name="Rectangle 12"/>
           <p:cNvSpPr/>
           <p:nvPr/>
         </p:nvSpPr>
         <p:spPr>
           <a:xfrm>
-            <a:off x="594360" y="1965960"/>
-            <a:ext cx="5532120" cy="1325880"/>
-          </a:xfrm>
-          <a:prstGeom prst="roundRect">
+            <a:off x="6080760" y="1874519"/>
+            <a:ext cx="5532120" cy="1417320"/>
+          </a:xfrm>
+          <a:prstGeom prst="rect">
             <a:avLst/>
           </a:prstGeom>
           <a:solidFill>
@@ -6512,92 +5851,20 @@
       </p:sp>
       <p:sp>
         <p:nvSpPr>
-          <p:cNvPr id="13" name="TextBox 12"/>
-          <p:cNvSpPr txBox="1"/>
-          <p:nvPr/>
-        </p:nvSpPr>
-        <p:spPr>
-          <a:xfrm>
-            <a:off x="777240" y="2057400"/>
-            <a:ext cx="5166360" cy="365760"/>
-          </a:xfrm>
-          <a:prstGeom prst="rect">
-            <a:avLst/>
-          </a:prstGeom>
-          <a:noFill/>
-        </p:spPr>
-        <p:txBody>
-          <a:bodyPr wrap="square" lIns="127000" rIns="127000" tIns="76200" bIns="76200">
-            <a:spAutoFit/>
-          </a:bodyPr>
-          <a:lstStyle/>
-          <a:p>
-            <a:pPr>
-              <a:defRPr sz="1400" b="1">
-                <a:solidFill>
-                  <a:srgbClr val="1E40AF"/>
-                </a:solidFill>
-                <a:latin typeface="Microsoft YaHei"/>
-              </a:defRPr>
-            </a:pPr>
-            <a:r>
-              <a:t>{{VULN_OVERVIEW_TITLE}}</a:t>
-            </a:r>
-          </a:p>
-        </p:txBody>
-      </p:sp>
-      <p:sp>
-        <p:nvSpPr>
-          <p:cNvPr id="14" name="TextBox 13"/>
-          <p:cNvSpPr txBox="1"/>
-          <p:nvPr/>
-        </p:nvSpPr>
-        <p:spPr>
-          <a:xfrm>
-            <a:off x="777240" y="2423160"/>
-            <a:ext cx="5166360" cy="777240"/>
-          </a:xfrm>
-          <a:prstGeom prst="rect">
-            <a:avLst/>
-          </a:prstGeom>
-          <a:noFill/>
-        </p:spPr>
-        <p:txBody>
-          <a:bodyPr wrap="square" lIns="127000" rIns="127000" tIns="76200" bIns="76200">
-            <a:spAutoFit/>
-          </a:bodyPr>
-          <a:lstStyle/>
-          <a:p>
-            <a:pPr>
-              <a:defRPr sz="1100" b="0">
-                <a:solidFill>
-                  <a:srgbClr val="0F172A"/>
-                </a:solidFill>
-                <a:latin typeface="Microsoft YaHei"/>
-              </a:defRPr>
-            </a:pPr>
-            <a:r>
-              <a:t>{{VULN_OVERVIEW}}</a:t>
-            </a:r>
-          </a:p>
-        </p:txBody>
-      </p:sp>
-      <p:sp>
-        <p:nvSpPr>
-          <p:cNvPr id="15" name="Rounded Rectangle 14"/>
+          <p:cNvPr id="14" name="Rectangle 13"/>
           <p:cNvSpPr/>
           <p:nvPr/>
         </p:nvSpPr>
         <p:spPr>
           <a:xfrm>
-            <a:off x="6364224" y="2020824"/>
-            <a:ext cx="5532120" cy="1325880"/>
-          </a:xfrm>
-          <a:prstGeom prst="roundRect">
+            <a:off x="6080760" y="1874519"/>
+            <a:ext cx="45720" cy="1417320"/>
+          </a:xfrm>
+          <a:prstGeom prst="rect">
             <a:avLst/>
           </a:prstGeom>
           <a:solidFill>
-            <a:srgbClr val="000000"/>
+            <a:srgbClr val="0A4275"/>
           </a:solidFill>
           <a:ln>
             <a:noFill/>
@@ -6627,16 +5894,88 @@
       </p:sp>
       <p:sp>
         <p:nvSpPr>
-          <p:cNvPr id="16" name="Rounded Rectangle 15"/>
+          <p:cNvPr id="15" name="TextBox 14"/>
+          <p:cNvSpPr txBox="1"/>
+          <p:nvPr/>
+        </p:nvSpPr>
+        <p:spPr>
+          <a:xfrm>
+            <a:off x="6263640" y="1920240"/>
+            <a:ext cx="5166360" cy="320040"/>
+          </a:xfrm>
+          <a:prstGeom prst="rect">
+            <a:avLst/>
+          </a:prstGeom>
+          <a:noFill/>
+        </p:spPr>
+        <p:txBody>
+          <a:bodyPr wrap="square" lIns="101600" rIns="101600" tIns="50800" bIns="50800">
+            <a:spAutoFit/>
+          </a:bodyPr>
+          <a:lstStyle/>
+          <a:p>
+            <a:pPr>
+              <a:defRPr sz="1400" b="1">
+                <a:solidFill>
+                  <a:srgbClr val="0A4275"/>
+                </a:solidFill>
+                <a:latin typeface="Microsoft YaHei"/>
+              </a:defRPr>
+            </a:pPr>
+            <a:r>
+              <a:t>{{EXPOSURE_STATS_TITLE}}</a:t>
+            </a:r>
+          </a:p>
+        </p:txBody>
+      </p:sp>
+      <p:sp>
+        <p:nvSpPr>
+          <p:cNvPr id="16" name="TextBox 15"/>
+          <p:cNvSpPr txBox="1"/>
+          <p:nvPr/>
+        </p:nvSpPr>
+        <p:spPr>
+          <a:xfrm>
+            <a:off x="6263640" y="2286000"/>
+            <a:ext cx="5166360" cy="914400"/>
+          </a:xfrm>
+          <a:prstGeom prst="rect">
+            <a:avLst/>
+          </a:prstGeom>
+          <a:noFill/>
+        </p:spPr>
+        <p:txBody>
+          <a:bodyPr wrap="square" lIns="101600" rIns="101600" tIns="50800" bIns="50800">
+            <a:spAutoFit/>
+          </a:bodyPr>
+          <a:lstStyle/>
+          <a:p>
+            <a:pPr>
+              <a:defRPr sz="1200" b="0">
+                <a:solidFill>
+                  <a:srgbClr val="333333"/>
+                </a:solidFill>
+                <a:latin typeface="Microsoft YaHei"/>
+              </a:defRPr>
+            </a:pPr>
+            <a:r>
+              <a:t>{{EXPOSURE_STATS}}</a:t>
+            </a:r>
+          </a:p>
+        </p:txBody>
+      </p:sp>
+      <p:sp>
+        <p:nvSpPr>
+          <p:cNvPr id="17" name="Rectangle 16"/>
           <p:cNvSpPr/>
           <p:nvPr/>
         </p:nvSpPr>
         <p:spPr>
           <a:xfrm>
-            <a:off x="6309360" y="1965960"/>
-            <a:ext cx="5532120" cy="1325880"/>
-          </a:xfrm>
-          <a:prstGeom prst="roundRect">
+            <a:off x="548640" y="3429000"/>
+            <a:ext cx="11064240" cy="1691640"/>
+          </a:xfrm>
+          <a:prstGeom prst="rect">
             <a:avLst/>
           </a:prstGeom>
           <a:solidFill>
@@ -6672,92 +6011,20 @@
       </p:sp>
       <p:sp>
         <p:nvSpPr>
-          <p:cNvPr id="17" name="TextBox 16"/>
-          <p:cNvSpPr txBox="1"/>
-          <p:nvPr/>
-        </p:nvSpPr>
-        <p:spPr>
-          <a:xfrm>
-            <a:off x="6492240" y="2057400"/>
-            <a:ext cx="5166360" cy="365760"/>
-          </a:xfrm>
-          <a:prstGeom prst="rect">
-            <a:avLst/>
-          </a:prstGeom>
-          <a:noFill/>
-        </p:spPr>
-        <p:txBody>
-          <a:bodyPr wrap="square" lIns="127000" rIns="127000" tIns="76200" bIns="76200">
-            <a:spAutoFit/>
-          </a:bodyPr>
-          <a:lstStyle/>
-          <a:p>
-            <a:pPr>
-              <a:defRPr sz="1400" b="1">
-                <a:solidFill>
-                  <a:srgbClr val="1E40AF"/>
-                </a:solidFill>
-                <a:latin typeface="Microsoft YaHei"/>
-              </a:defRPr>
-            </a:pPr>
-            <a:r>
-              <a:t>{{EXPOSURE_STATS_TITLE}}</a:t>
-            </a:r>
-          </a:p>
-        </p:txBody>
-      </p:sp>
-      <p:sp>
-        <p:nvSpPr>
-          <p:cNvPr id="18" name="TextBox 17"/>
-          <p:cNvSpPr txBox="1"/>
-          <p:nvPr/>
-        </p:nvSpPr>
-        <p:spPr>
-          <a:xfrm>
-            <a:off x="6492240" y="2423160"/>
-            <a:ext cx="5166360" cy="777240"/>
-          </a:xfrm>
-          <a:prstGeom prst="rect">
-            <a:avLst/>
-          </a:prstGeom>
-          <a:noFill/>
-        </p:spPr>
-        <p:txBody>
-          <a:bodyPr wrap="square" lIns="127000" rIns="127000" tIns="76200" bIns="76200">
-            <a:spAutoFit/>
-          </a:bodyPr>
-          <a:lstStyle/>
-          <a:p>
-            <a:pPr>
-              <a:defRPr sz="1100" b="0">
-                <a:solidFill>
-                  <a:srgbClr val="0F172A"/>
-                </a:solidFill>
-                <a:latin typeface="Microsoft YaHei"/>
-              </a:defRPr>
-            </a:pPr>
-            <a:r>
-              <a:t>{{EXPOSURE_STATS}}</a:t>
-            </a:r>
-          </a:p>
-        </p:txBody>
-      </p:sp>
-      <p:sp>
-        <p:nvSpPr>
-          <p:cNvPr id="19" name="Rounded Rectangle 18"/>
+          <p:cNvPr id="18" name="Rectangle 17"/>
           <p:cNvSpPr/>
           <p:nvPr/>
         </p:nvSpPr>
         <p:spPr>
           <a:xfrm>
-            <a:off x="649224" y="3483864"/>
-            <a:ext cx="11247120" cy="1508760"/>
-          </a:xfrm>
-          <a:prstGeom prst="roundRect">
+            <a:off x="548640" y="3429000"/>
+            <a:ext cx="45720" cy="1691640"/>
+          </a:xfrm>
+          <a:prstGeom prst="rect">
             <a:avLst/>
           </a:prstGeom>
           <a:solidFill>
-            <a:srgbClr val="000000"/>
+            <a:srgbClr val="0A4275"/>
           </a:solidFill>
           <a:ln>
             <a:noFill/>
@@ -6787,16 +6054,88 @@
       </p:sp>
       <p:sp>
         <p:nvSpPr>
-          <p:cNvPr id="20" name="Rounded Rectangle 19"/>
+          <p:cNvPr id="19" name="TextBox 18"/>
+          <p:cNvSpPr txBox="1"/>
+          <p:nvPr/>
+        </p:nvSpPr>
+        <p:spPr>
+          <a:xfrm>
+            <a:off x="731520" y="3474720"/>
+            <a:ext cx="10698480" cy="320040"/>
+          </a:xfrm>
+          <a:prstGeom prst="rect">
+            <a:avLst/>
+          </a:prstGeom>
+          <a:noFill/>
+        </p:spPr>
+        <p:txBody>
+          <a:bodyPr wrap="square" lIns="101600" rIns="101600" tIns="50800" bIns="50800">
+            <a:spAutoFit/>
+          </a:bodyPr>
+          <a:lstStyle/>
+          <a:p>
+            <a:pPr>
+              <a:defRPr sz="1400" b="1">
+                <a:solidFill>
+                  <a:srgbClr val="0A4275"/>
+                </a:solidFill>
+                <a:latin typeface="Microsoft YaHei"/>
+              </a:defRPr>
+            </a:pPr>
+            <a:r>
+              <a:t>{{TOP_CVE_TITLE}}</a:t>
+            </a:r>
+          </a:p>
+        </p:txBody>
+      </p:sp>
+      <p:sp>
+        <p:nvSpPr>
+          <p:cNvPr id="20" name="TextBox 19"/>
+          <p:cNvSpPr txBox="1"/>
+          <p:nvPr/>
+        </p:nvSpPr>
+        <p:spPr>
+          <a:xfrm>
+            <a:off x="731520" y="3840480"/>
+            <a:ext cx="10698480" cy="1188720"/>
+          </a:xfrm>
+          <a:prstGeom prst="rect">
+            <a:avLst/>
+          </a:prstGeom>
+          <a:noFill/>
+        </p:spPr>
+        <p:txBody>
+          <a:bodyPr wrap="square" lIns="101600" rIns="101600" tIns="50800" bIns="50800">
+            <a:spAutoFit/>
+          </a:bodyPr>
+          <a:lstStyle/>
+          <a:p>
+            <a:pPr>
+              <a:defRPr sz="1100" b="0">
+                <a:solidFill>
+                  <a:srgbClr val="333333"/>
+                </a:solidFill>
+                <a:latin typeface="Microsoft YaHei"/>
+              </a:defRPr>
+            </a:pPr>
+            <a:r>
+              <a:t>{{TOP_CVE_LIST}}</a:t>
+            </a:r>
+          </a:p>
+        </p:txBody>
+      </p:sp>
+      <p:sp>
+        <p:nvSpPr>
+          <p:cNvPr id="21" name="Rectangle 20"/>
           <p:cNvSpPr/>
           <p:nvPr/>
         </p:nvSpPr>
         <p:spPr>
           <a:xfrm>
-            <a:off x="594360" y="3429000"/>
-            <a:ext cx="11247120" cy="1508760"/>
-          </a:xfrm>
-          <a:prstGeom prst="roundRect">
+            <a:off x="548640" y="5257800"/>
+            <a:ext cx="11064240" cy="1143000"/>
+          </a:xfrm>
+          <a:prstGeom prst="rect">
             <a:avLst/>
           </a:prstGeom>
           <a:solidFill>
@@ -6832,92 +6171,20 @@
       </p:sp>
       <p:sp>
         <p:nvSpPr>
-          <p:cNvPr id="21" name="TextBox 20"/>
-          <p:cNvSpPr txBox="1"/>
-          <p:nvPr/>
-        </p:nvSpPr>
-        <p:spPr>
-          <a:xfrm>
-            <a:off x="777240" y="3520440"/>
-            <a:ext cx="10881360" cy="365760"/>
-          </a:xfrm>
-          <a:prstGeom prst="rect">
-            <a:avLst/>
-          </a:prstGeom>
-          <a:noFill/>
-        </p:spPr>
-        <p:txBody>
-          <a:bodyPr wrap="square" lIns="127000" rIns="127000" tIns="76200" bIns="76200">
-            <a:spAutoFit/>
-          </a:bodyPr>
-          <a:lstStyle/>
-          <a:p>
-            <a:pPr>
-              <a:defRPr sz="1400" b="1">
-                <a:solidFill>
-                  <a:srgbClr val="1E40AF"/>
-                </a:solidFill>
-                <a:latin typeface="Microsoft YaHei"/>
-              </a:defRPr>
-            </a:pPr>
-            <a:r>
-              <a:t>{{TOP_CVE_TITLE}}</a:t>
-            </a:r>
-          </a:p>
-        </p:txBody>
-      </p:sp>
-      <p:sp>
-        <p:nvSpPr>
-          <p:cNvPr id="22" name="TextBox 21"/>
-          <p:cNvSpPr txBox="1"/>
-          <p:nvPr/>
-        </p:nvSpPr>
-        <p:spPr>
-          <a:xfrm>
-            <a:off x="777240" y="3886200"/>
-            <a:ext cx="10881360" cy="960120"/>
-          </a:xfrm>
-          <a:prstGeom prst="rect">
-            <a:avLst/>
-          </a:prstGeom>
-          <a:noFill/>
-        </p:spPr>
-        <p:txBody>
-          <a:bodyPr wrap="square" lIns="127000" rIns="127000" tIns="76200" bIns="76200">
-            <a:spAutoFit/>
-          </a:bodyPr>
-          <a:lstStyle/>
-          <a:p>
-            <a:pPr>
-              <a:defRPr sz="1000" b="0">
-                <a:solidFill>
-                  <a:srgbClr val="0F172A"/>
-                </a:solidFill>
-                <a:latin typeface="Microsoft YaHei"/>
-              </a:defRPr>
-            </a:pPr>
-            <a:r>
-              <a:t>{{TOP_CVE_LIST}}</a:t>
-            </a:r>
-          </a:p>
-        </p:txBody>
-      </p:sp>
-      <p:sp>
-        <p:nvSpPr>
-          <p:cNvPr id="23" name="Rounded Rectangle 22"/>
+          <p:cNvPr id="22" name="Rectangle 21"/>
           <p:cNvSpPr/>
           <p:nvPr/>
         </p:nvSpPr>
         <p:spPr>
           <a:xfrm>
-            <a:off x="649224" y="5129783"/>
-            <a:ext cx="11247120" cy="1234440"/>
-          </a:xfrm>
-          <a:prstGeom prst="roundRect">
+            <a:off x="548640" y="5257800"/>
+            <a:ext cx="45720" cy="1143000"/>
+          </a:xfrm>
+          <a:prstGeom prst="rect">
             <a:avLst/>
           </a:prstGeom>
           <a:solidFill>
-            <a:srgbClr val="000000"/>
+            <a:srgbClr val="0A4275"/>
           </a:solidFill>
           <a:ln>
             <a:noFill/>
@@ -6947,59 +6214,14 @@
       </p:sp>
       <p:sp>
         <p:nvSpPr>
-          <p:cNvPr id="24" name="Rounded Rectangle 23"/>
-          <p:cNvSpPr/>
-          <p:nvPr/>
-        </p:nvSpPr>
-        <p:spPr>
-          <a:xfrm>
-            <a:off x="594360" y="5074920"/>
-            <a:ext cx="11247120" cy="1234440"/>
-          </a:xfrm>
-          <a:prstGeom prst="roundRect">
-            <a:avLst/>
-          </a:prstGeom>
-          <a:solidFill>
-            <a:srgbClr val="FFFFFF"/>
-          </a:solidFill>
-          <a:ln w="12700">
-            <a:solidFill>
-              <a:srgbClr val="E2E8F0"/>
-            </a:solidFill>
-          </a:ln>
-        </p:spPr>
-        <p:style>
-          <a:lnRef idx="1">
-            <a:schemeClr val="accent1"/>
-          </a:lnRef>
-          <a:fillRef idx="3">
-            <a:schemeClr val="accent1"/>
-          </a:fillRef>
-          <a:effectRef idx="2">
-            <a:schemeClr val="accent1"/>
-          </a:effectRef>
-          <a:fontRef idx="minor">
-            <a:schemeClr val="lt1"/>
-          </a:fontRef>
-        </p:style>
-        <p:txBody>
-          <a:bodyPr rtlCol="0" anchor="ctr"/>
-          <a:lstStyle/>
-          <a:p>
-            <a:pPr algn="ctr"/>
-          </a:p>
-        </p:txBody>
-      </p:sp>
-      <p:sp>
-        <p:nvSpPr>
-          <p:cNvPr id="25" name="TextBox 24"/>
+          <p:cNvPr id="23" name="TextBox 22"/>
           <p:cNvSpPr txBox="1"/>
           <p:nvPr/>
         </p:nvSpPr>
         <p:spPr>
           <a:xfrm>
-            <a:off x="777240" y="5166360"/>
-            <a:ext cx="10881360" cy="365760"/>
+            <a:off x="731520" y="5303520"/>
+            <a:ext cx="10698480" cy="320040"/>
           </a:xfrm>
           <a:prstGeom prst="rect">
             <a:avLst/>
@@ -7007,7 +6229,7 @@
           <a:noFill/>
         </p:spPr>
         <p:txBody>
-          <a:bodyPr wrap="square" lIns="127000" rIns="127000" tIns="76200" bIns="76200">
+          <a:bodyPr wrap="square" lIns="101600" rIns="101600" tIns="50800" bIns="50800">
             <a:spAutoFit/>
           </a:bodyPr>
           <a:lstStyle/>
@@ -7015,7 +6237,7 @@
             <a:pPr>
               <a:defRPr sz="1400" b="1">
                 <a:solidFill>
-                  <a:srgbClr val="1E40AF"/>
+                  <a:srgbClr val="0A4275"/>
                 </a:solidFill>
                 <a:latin typeface="Microsoft YaHei"/>
               </a:defRPr>
@@ -7028,14 +6250,14 @@
       </p:sp>
       <p:sp>
         <p:nvSpPr>
-          <p:cNvPr id="26" name="TextBox 25"/>
+          <p:cNvPr id="24" name="TextBox 23"/>
           <p:cNvSpPr txBox="1"/>
           <p:nvPr/>
         </p:nvSpPr>
         <p:spPr>
           <a:xfrm>
-            <a:off x="777240" y="5532120"/>
-            <a:ext cx="10881360" cy="685800"/>
+            <a:off x="731520" y="5669280"/>
+            <a:ext cx="10698480" cy="640080"/>
           </a:xfrm>
           <a:prstGeom prst="rect">
             <a:avLst/>
@@ -7043,15 +6265,15 @@
           <a:noFill/>
         </p:spPr>
         <p:txBody>
-          <a:bodyPr wrap="square" lIns="127000" rIns="127000" tIns="76200" bIns="76200">
+          <a:bodyPr wrap="square" lIns="101600" rIns="101600" tIns="50800" bIns="50800">
             <a:spAutoFit/>
           </a:bodyPr>
           <a:lstStyle/>
           <a:p>
             <a:pPr>
-              <a:defRPr sz="1000" b="0">
+              <a:defRPr sz="1200" b="0">
                 <a:solidFill>
-                  <a:srgbClr val="0F172A"/>
+                  <a:srgbClr val="333333"/>
                 </a:solidFill>
                 <a:latin typeface="Microsoft YaHei"/>
               </a:defRPr>
@@ -7064,14 +6286,14 @@
       </p:sp>
       <p:sp>
         <p:nvSpPr>
-          <p:cNvPr id="27" name="TextBox 26"/>
+          <p:cNvPr id="25" name="TextBox 24"/>
           <p:cNvSpPr txBox="1"/>
           <p:nvPr/>
         </p:nvSpPr>
         <p:spPr>
           <a:xfrm>
-            <a:off x="594360" y="6355080"/>
-            <a:ext cx="11247120" cy="411480"/>
+            <a:off x="548640" y="6492240"/>
+            <a:ext cx="11064240" cy="320040"/>
           </a:xfrm>
           <a:prstGeom prst="rect">
             <a:avLst/>
@@ -7079,15 +6301,15 @@
           <a:noFill/>
         </p:spPr>
         <p:txBody>
-          <a:bodyPr wrap="square" lIns="127000" rIns="127000" tIns="76200" bIns="76200">
+          <a:bodyPr wrap="square" lIns="101600" rIns="101600" tIns="50800" bIns="50800">
             <a:spAutoFit/>
           </a:bodyPr>
           <a:lstStyle/>
           <a:p>
             <a:pPr>
-              <a:defRPr sz="900" b="0">
+              <a:defRPr sz="1000" b="0">
                 <a:solidFill>
-                  <a:srgbClr val="64748B"/>
+                  <a:srgbClr val="666666"/>
                 </a:solidFill>
                 <a:latin typeface="Microsoft YaHei"/>
               </a:defRPr>
@@ -7112,7 +6334,7 @@
     <p:bg>
       <p:bgPr>
         <a:solidFill>
-          <a:srgbClr val="F8FAFC"/>
+          <a:srgbClr val="FFFFFF"/>
         </a:solidFill>
         <a:effectLst/>
       </p:bgPr>
@@ -7133,13 +6355,13 @@
         <p:spPr>
           <a:xfrm>
             <a:off x="0" y="0"/>
-            <a:ext cx="12191695" cy="960120"/>
+            <a:ext cx="12191695" cy="73152"/>
           </a:xfrm>
           <a:prstGeom prst="rect">
             <a:avLst/>
           </a:prstGeom>
           <a:solidFill>
-            <a:srgbClr val="EFF6FF"/>
+            <a:srgbClr val="0A4275"/>
           </a:solidFill>
           <a:ln>
             <a:noFill/>
@@ -7175,14 +6397,14 @@
         </p:nvSpPr>
         <p:spPr>
           <a:xfrm>
-            <a:off x="0" y="896112"/>
-            <a:ext cx="12191695" cy="54864"/>
+            <a:off x="548640" y="228600"/>
+            <a:ext cx="45720" cy="502920"/>
           </a:xfrm>
           <a:prstGeom prst="rect">
             <a:avLst/>
           </a:prstGeom>
           <a:solidFill>
-            <a:srgbClr val="3B82F6"/>
+            <a:srgbClr val="0A4275"/>
           </a:solidFill>
           <a:ln>
             <a:noFill/>
@@ -7212,23 +6434,61 @@
       </p:sp>
       <p:sp>
         <p:nvSpPr>
-          <p:cNvPr id="4" name="Oval 3"/>
+          <p:cNvPr id="4" name="TextBox 3"/>
+          <p:cNvSpPr txBox="1"/>
+          <p:nvPr/>
+        </p:nvSpPr>
+        <p:spPr>
+          <a:xfrm>
+            <a:off x="685800" y="228600"/>
+            <a:ext cx="10927080" cy="502920"/>
+          </a:xfrm>
+          <a:prstGeom prst="rect">
+            <a:avLst/>
+          </a:prstGeom>
+          <a:noFill/>
+        </p:spPr>
+        <p:txBody>
+          <a:bodyPr wrap="square" lIns="101600" rIns="101600" tIns="50800" bIns="50800">
+            <a:spAutoFit/>
+          </a:bodyPr>
+          <a:lstStyle/>
+          <a:p>
+            <a:pPr>
+              <a:defRPr sz="2700" b="1">
+                <a:solidFill>
+                  <a:srgbClr val="0A4275"/>
+                </a:solidFill>
+                <a:latin typeface="Microsoft YaHei"/>
+              </a:defRPr>
+            </a:pPr>
+            <a:r>
+              <a:t>{{SLIDE_TITLE}}</a:t>
+            </a:r>
+          </a:p>
+        </p:txBody>
+      </p:sp>
+      <p:sp>
+        <p:nvSpPr>
+          <p:cNvPr id="5" name="Rectangle 4"/>
           <p:cNvSpPr/>
           <p:nvPr/>
         </p:nvSpPr>
         <p:spPr>
           <a:xfrm>
-            <a:off x="10424160" y="-822960"/>
-            <a:ext cx="2926080" cy="2926080"/>
-          </a:xfrm>
-          <a:prstGeom prst="ellipse">
+            <a:off x="548640" y="868680"/>
+            <a:ext cx="2926080" cy="1371600"/>
+          </a:xfrm>
+          <a:prstGeom prst="rect">
             <a:avLst/>
           </a:prstGeom>
           <a:solidFill>
-            <a:srgbClr val="3B82F6"/>
+            <a:srgbClr val="EDF2F7"/>
           </a:solidFill>
-          <a:ln>
-            <a:noFill/>
+          <a:ln w="12700">
+            <a:solidFill>
+              <a:srgbClr val="E2E8F0"/>
+            </a:solidFill>
           </a:ln>
         </p:spPr>
         <p:style>
@@ -7255,57 +6515,14 @@
       </p:sp>
       <p:sp>
         <p:nvSpPr>
-          <p:cNvPr id="5" name="Oval 4"/>
-          <p:cNvSpPr/>
-          <p:nvPr/>
-        </p:nvSpPr>
-        <p:spPr>
-          <a:xfrm>
-            <a:off x="-1097280" y="5669280"/>
-            <a:ext cx="2377440" cy="2377440"/>
-          </a:xfrm>
-          <a:prstGeom prst="ellipse">
-            <a:avLst/>
-          </a:prstGeom>
-          <a:solidFill>
-            <a:srgbClr val="1E40AF"/>
-          </a:solidFill>
-          <a:ln>
-            <a:noFill/>
-          </a:ln>
-        </p:spPr>
-        <p:style>
-          <a:lnRef idx="1">
-            <a:schemeClr val="accent1"/>
-          </a:lnRef>
-          <a:fillRef idx="3">
-            <a:schemeClr val="accent1"/>
-          </a:fillRef>
-          <a:effectRef idx="2">
-            <a:schemeClr val="accent1"/>
-          </a:effectRef>
-          <a:fontRef idx="minor">
-            <a:schemeClr val="lt1"/>
-          </a:fontRef>
-        </p:style>
-        <p:txBody>
-          <a:bodyPr rtlCol="0" anchor="ctr"/>
-          <a:lstStyle/>
-          <a:p>
-            <a:pPr algn="ctr"/>
-          </a:p>
-        </p:txBody>
-      </p:sp>
-      <p:sp>
-        <p:nvSpPr>
           <p:cNvPr id="6" name="TextBox 5"/>
           <p:cNvSpPr txBox="1"/>
           <p:nvPr/>
         </p:nvSpPr>
         <p:spPr>
           <a:xfrm>
-            <a:off x="594360" y="201168"/>
-            <a:ext cx="11247120" cy="621792"/>
+            <a:off x="685800" y="960120"/>
+            <a:ext cx="2651760" cy="320040"/>
           </a:xfrm>
           <a:prstGeom prst="rect">
             <a:avLst/>
@@ -7313,80 +6530,73 @@
           <a:noFill/>
         </p:spPr>
         <p:txBody>
-          <a:bodyPr wrap="square" lIns="127000" rIns="127000" tIns="76200" bIns="76200">
+          <a:bodyPr wrap="square" lIns="101600" rIns="101600" tIns="50800" bIns="50800">
             <a:spAutoFit/>
           </a:bodyPr>
           <a:lstStyle/>
           <a:p>
-            <a:pPr>
-              <a:defRPr sz="2800" b="1">
+            <a:pPr algn="ctr">
+              <a:defRPr sz="1200" b="0">
                 <a:solidFill>
-                  <a:srgbClr val="1E40AF"/>
+                  <a:srgbClr val="555555"/>
                 </a:solidFill>
                 <a:latin typeface="Microsoft YaHei"/>
               </a:defRPr>
             </a:pPr>
             <a:r>
-              <a:t>{{SLIDE_TITLE}}</a:t>
-            </a:r>
-          </a:p>
-        </p:txBody>
-      </p:sp>
-      <p:sp>
-        <p:nvSpPr>
-          <p:cNvPr id="7" name="Rounded Rectangle 6"/>
+              <a:t>{{CLOUD_ACCOUNTS_TITLE}}</a:t>
+            </a:r>
+          </a:p>
+        </p:txBody>
+      </p:sp>
+      <p:sp>
+        <p:nvSpPr>
+          <p:cNvPr id="7" name="TextBox 6"/>
+          <p:cNvSpPr txBox="1"/>
+          <p:nvPr/>
+        </p:nvSpPr>
+        <p:spPr>
+          <a:xfrm>
+            <a:off x="685800" y="1325880"/>
+            <a:ext cx="2651760" cy="822960"/>
+          </a:xfrm>
+          <a:prstGeom prst="rect">
+            <a:avLst/>
+          </a:prstGeom>
+          <a:noFill/>
+        </p:spPr>
+        <p:txBody>
+          <a:bodyPr wrap="square" lIns="101600" rIns="101600" tIns="50800" bIns="50800">
+            <a:spAutoFit/>
+          </a:bodyPr>
+          <a:lstStyle/>
+          <a:p>
+            <a:pPr algn="ctr">
+              <a:defRPr sz="3600" b="1">
+                <a:solidFill>
+                  <a:srgbClr val="0A4275"/>
+                </a:solidFill>
+                <a:latin typeface="Microsoft YaHei"/>
+              </a:defRPr>
+            </a:pPr>
+            <a:r>
+              <a:t>{{CLOUD_ACCOUNTS_COUNT}}</a:t>
+            </a:r>
+          </a:p>
+        </p:txBody>
+      </p:sp>
+      <p:sp>
+        <p:nvSpPr>
+          <p:cNvPr id="8" name="Rectangle 7"/>
           <p:cNvSpPr/>
           <p:nvPr/>
         </p:nvSpPr>
         <p:spPr>
           <a:xfrm>
-            <a:off x="649224" y="1014984"/>
-            <a:ext cx="3337560" cy="1234440"/>
-          </a:xfrm>
-          <a:prstGeom prst="roundRect">
-            <a:avLst/>
-          </a:prstGeom>
-          <a:solidFill>
-            <a:srgbClr val="000000"/>
-          </a:solidFill>
-          <a:ln>
-            <a:noFill/>
-          </a:ln>
-        </p:spPr>
-        <p:style>
-          <a:lnRef idx="1">
-            <a:schemeClr val="accent1"/>
-          </a:lnRef>
-          <a:fillRef idx="3">
-            <a:schemeClr val="accent1"/>
-          </a:fillRef>
-          <a:effectRef idx="2">
-            <a:schemeClr val="accent1"/>
-          </a:effectRef>
-          <a:fontRef idx="minor">
-            <a:schemeClr val="lt1"/>
-          </a:fontRef>
-        </p:style>
-        <p:txBody>
-          <a:bodyPr rtlCol="0" anchor="ctr"/>
-          <a:lstStyle/>
-          <a:p>
-            <a:pPr algn="ctr"/>
-          </a:p>
-        </p:txBody>
-      </p:sp>
-      <p:sp>
-        <p:nvSpPr>
-          <p:cNvPr id="8" name="Rounded Rectangle 7"/>
-          <p:cNvSpPr/>
-          <p:nvPr/>
-        </p:nvSpPr>
-        <p:spPr>
-          <a:xfrm>
-            <a:off x="594360" y="960120"/>
-            <a:ext cx="3337560" cy="1234440"/>
-          </a:xfrm>
-          <a:prstGeom prst="roundRect">
+            <a:off x="3657600" y="868680"/>
+            <a:ext cx="7955279" cy="3337560"/>
+          </a:xfrm>
+          <a:prstGeom prst="rect">
             <a:avLst/>
           </a:prstGeom>
           <a:solidFill>
@@ -7422,92 +6632,20 @@
       </p:sp>
       <p:sp>
         <p:nvSpPr>
-          <p:cNvPr id="9" name="TextBox 8"/>
-          <p:cNvSpPr txBox="1"/>
-          <p:nvPr/>
-        </p:nvSpPr>
-        <p:spPr>
-          <a:xfrm>
-            <a:off x="777240" y="1051560"/>
-            <a:ext cx="2971800" cy="320040"/>
-          </a:xfrm>
-          <a:prstGeom prst="rect">
-            <a:avLst/>
-          </a:prstGeom>
-          <a:noFill/>
-        </p:spPr>
-        <p:txBody>
-          <a:bodyPr wrap="square" lIns="127000" rIns="127000" tIns="76200" bIns="76200">
-            <a:spAutoFit/>
-          </a:bodyPr>
-          <a:lstStyle/>
-          <a:p>
-            <a:pPr>
-              <a:defRPr sz="1200" b="0">
-                <a:solidFill>
-                  <a:srgbClr val="64748B"/>
-                </a:solidFill>
-                <a:latin typeface="Microsoft YaHei"/>
-              </a:defRPr>
-            </a:pPr>
-            <a:r>
-              <a:t>{{CLOUD_ACCOUNTS_TITLE}}</a:t>
-            </a:r>
-          </a:p>
-        </p:txBody>
-      </p:sp>
-      <p:sp>
-        <p:nvSpPr>
-          <p:cNvPr id="10" name="TextBox 9"/>
-          <p:cNvSpPr txBox="1"/>
-          <p:nvPr/>
-        </p:nvSpPr>
-        <p:spPr>
-          <a:xfrm>
-            <a:off x="777240" y="1325880"/>
-            <a:ext cx="2971800" cy="777240"/>
-          </a:xfrm>
-          <a:prstGeom prst="rect">
-            <a:avLst/>
-          </a:prstGeom>
-          <a:noFill/>
-        </p:spPr>
-        <p:txBody>
-          <a:bodyPr wrap="square" lIns="127000" rIns="127000" tIns="76200" bIns="76200">
-            <a:spAutoFit/>
-          </a:bodyPr>
-          <a:lstStyle/>
-          <a:p>
-            <a:pPr>
-              <a:defRPr sz="2600" b="1">
-                <a:solidFill>
-                  <a:srgbClr val="1E40AF"/>
-                </a:solidFill>
-                <a:latin typeface="Microsoft YaHei"/>
-              </a:defRPr>
-            </a:pPr>
-            <a:r>
-              <a:t>{{CLOUD_ACCOUNTS_COUNT}}</a:t>
-            </a:r>
-          </a:p>
-        </p:txBody>
-      </p:sp>
-      <p:sp>
-        <p:nvSpPr>
-          <p:cNvPr id="11" name="Rounded Rectangle 10"/>
+          <p:cNvPr id="9" name="Rectangle 8"/>
           <p:cNvSpPr/>
           <p:nvPr/>
         </p:nvSpPr>
         <p:spPr>
           <a:xfrm>
-            <a:off x="4123944" y="1014984"/>
-            <a:ext cx="7772400" cy="3246120"/>
-          </a:xfrm>
-          <a:prstGeom prst="roundRect">
+            <a:off x="3657600" y="868680"/>
+            <a:ext cx="45720" cy="3337560"/>
+          </a:xfrm>
+          <a:prstGeom prst="rect">
             <a:avLst/>
           </a:prstGeom>
           <a:solidFill>
-            <a:srgbClr val="000000"/>
+            <a:srgbClr val="0A4275"/>
           </a:solidFill>
           <a:ln>
             <a:noFill/>
@@ -7537,16 +6675,203 @@
       </p:sp>
       <p:sp>
         <p:nvSpPr>
-          <p:cNvPr id="12" name="Rounded Rectangle 11"/>
+          <p:cNvPr id="10" name="TextBox 9"/>
+          <p:cNvSpPr txBox="1"/>
+          <p:nvPr/>
+        </p:nvSpPr>
+        <p:spPr>
+          <a:xfrm>
+            <a:off x="3840480" y="914400"/>
+            <a:ext cx="7589520" cy="365760"/>
+          </a:xfrm>
+          <a:prstGeom prst="rect">
+            <a:avLst/>
+          </a:prstGeom>
+          <a:noFill/>
+        </p:spPr>
+        <p:txBody>
+          <a:bodyPr wrap="square" lIns="101600" rIns="101600" tIns="50800" bIns="50800">
+            <a:spAutoFit/>
+          </a:bodyPr>
+          <a:lstStyle/>
+          <a:p>
+            <a:pPr>
+              <a:defRPr sz="1600" b="1">
+                <a:solidFill>
+                  <a:srgbClr val="0A4275"/>
+                </a:solidFill>
+                <a:latin typeface="Microsoft YaHei"/>
+              </a:defRPr>
+            </a:pPr>
+            <a:r>
+              <a:t>{{CLOUD_RISK_TITLE}}</a:t>
+            </a:r>
+          </a:p>
+        </p:txBody>
+      </p:sp>
+      <p:sp>
+        <p:nvSpPr>
+          <p:cNvPr id="11" name="TextBox 10"/>
+          <p:cNvSpPr txBox="1"/>
+          <p:nvPr/>
+        </p:nvSpPr>
+        <p:spPr>
+          <a:xfrm>
+            <a:off x="3840480" y="1371600"/>
+            <a:ext cx="3657600" cy="2743200"/>
+          </a:xfrm>
+          <a:prstGeom prst="rect">
+            <a:avLst/>
+          </a:prstGeom>
+          <a:noFill/>
+        </p:spPr>
+        <p:txBody>
+          <a:bodyPr wrap="square" lIns="101600" rIns="101600" tIns="50800" bIns="50800">
+            <a:spAutoFit/>
+          </a:bodyPr>
+          <a:lstStyle/>
+          <a:p>
+            <a:pPr>
+              <a:defRPr sz="1200" b="0">
+                <a:solidFill>
+                  <a:srgbClr val="333333"/>
+                </a:solidFill>
+                <a:latin typeface="Microsoft YaHei"/>
+              </a:defRPr>
+            </a:pPr>
+            <a:r>
+              <a:t>{{CLOUD_RISK_LIST}}</a:t>
+            </a:r>
+          </a:p>
+        </p:txBody>
+      </p:sp>
+      <p:sp>
+        <p:nvSpPr>
+          <p:cNvPr id="12" name="Rectangle 11"/>
           <p:cNvSpPr/>
           <p:nvPr/>
         </p:nvSpPr>
         <p:spPr>
           <a:xfrm>
-            <a:off x="4069080" y="960120"/>
-            <a:ext cx="7772400" cy="3246120"/>
-          </a:xfrm>
-          <a:prstGeom prst="roundRect">
+            <a:off x="7589520" y="1371600"/>
+            <a:ext cx="18288" cy="2560320"/>
+          </a:xfrm>
+          <a:prstGeom prst="rect">
+            <a:avLst/>
+          </a:prstGeom>
+          <a:solidFill>
+            <a:srgbClr val="E2E8F0"/>
+          </a:solidFill>
+          <a:ln>
+            <a:noFill/>
+          </a:ln>
+        </p:spPr>
+        <p:style>
+          <a:lnRef idx="1">
+            <a:schemeClr val="accent1"/>
+          </a:lnRef>
+          <a:fillRef idx="3">
+            <a:schemeClr val="accent1"/>
+          </a:fillRef>
+          <a:effectRef idx="2">
+            <a:schemeClr val="accent1"/>
+          </a:effectRef>
+          <a:fontRef idx="minor">
+            <a:schemeClr val="lt1"/>
+          </a:fontRef>
+        </p:style>
+        <p:txBody>
+          <a:bodyPr rtlCol="0" anchor="ctr"/>
+          <a:lstStyle/>
+          <a:p>
+            <a:pPr algn="ctr"/>
+          </a:p>
+        </p:txBody>
+      </p:sp>
+      <p:sp>
+        <p:nvSpPr>
+          <p:cNvPr id="13" name="TextBox 12"/>
+          <p:cNvSpPr txBox="1"/>
+          <p:nvPr/>
+        </p:nvSpPr>
+        <p:spPr>
+          <a:xfrm>
+            <a:off x="7772400" y="1371600"/>
+            <a:ext cx="3657600" cy="320040"/>
+          </a:xfrm>
+          <a:prstGeom prst="rect">
+            <a:avLst/>
+          </a:prstGeom>
+          <a:noFill/>
+        </p:spPr>
+        <p:txBody>
+          <a:bodyPr wrap="square" lIns="101600" rIns="101600" tIns="50800" bIns="50800">
+            <a:spAutoFit/>
+          </a:bodyPr>
+          <a:lstStyle/>
+          <a:p>
+            <a:pPr>
+              <a:defRPr sz="1400" b="1">
+                <a:solidFill>
+                  <a:srgbClr val="0A4275"/>
+                </a:solidFill>
+                <a:latin typeface="Microsoft YaHei"/>
+              </a:defRPr>
+            </a:pPr>
+            <a:r>
+              <a:t>{{CLOUD_ANALYSIS_TITLE}}</a:t>
+            </a:r>
+          </a:p>
+        </p:txBody>
+      </p:sp>
+      <p:sp>
+        <p:nvSpPr>
+          <p:cNvPr id="14" name="TextBox 13"/>
+          <p:cNvSpPr txBox="1"/>
+          <p:nvPr/>
+        </p:nvSpPr>
+        <p:spPr>
+          <a:xfrm>
+            <a:off x="7772400" y="1737360"/>
+            <a:ext cx="3657600" cy="2377440"/>
+          </a:xfrm>
+          <a:prstGeom prst="rect">
+            <a:avLst/>
+          </a:prstGeom>
+          <a:noFill/>
+        </p:spPr>
+        <p:txBody>
+          <a:bodyPr wrap="square" lIns="101600" rIns="101600" tIns="50800" bIns="50800">
+            <a:spAutoFit/>
+          </a:bodyPr>
+          <a:lstStyle/>
+          <a:p>
+            <a:pPr>
+              <a:defRPr sz="1200" b="0">
+                <a:solidFill>
+                  <a:srgbClr val="333333"/>
+                </a:solidFill>
+                <a:latin typeface="Microsoft YaHei"/>
+              </a:defRPr>
+            </a:pPr>
+            <a:r>
+              <a:t>{{CLOUD_RISK_SUMMARY}}</a:t>
+            </a:r>
+          </a:p>
+        </p:txBody>
+      </p:sp>
+      <p:sp>
+        <p:nvSpPr>
+          <p:cNvPr id="15" name="Rectangle 14"/>
+          <p:cNvSpPr/>
+          <p:nvPr/>
+        </p:nvSpPr>
+        <p:spPr>
+          <a:xfrm>
+            <a:off x="548640" y="4343400"/>
+            <a:ext cx="11064240" cy="2286000"/>
+          </a:xfrm>
+          <a:prstGeom prst="rect">
             <a:avLst/>
           </a:prstGeom>
           <a:solidFill>
@@ -7582,164 +6907,20 @@
       </p:sp>
       <p:sp>
         <p:nvSpPr>
-          <p:cNvPr id="13" name="TextBox 12"/>
-          <p:cNvSpPr txBox="1"/>
-          <p:nvPr/>
-        </p:nvSpPr>
-        <p:spPr>
-          <a:xfrm>
-            <a:off x="4251960" y="1051560"/>
-            <a:ext cx="7406640" cy="365760"/>
-          </a:xfrm>
-          <a:prstGeom prst="rect">
-            <a:avLst/>
-          </a:prstGeom>
-          <a:noFill/>
-        </p:spPr>
-        <p:txBody>
-          <a:bodyPr wrap="square" lIns="127000" rIns="127000" tIns="76200" bIns="76200">
-            <a:spAutoFit/>
-          </a:bodyPr>
-          <a:lstStyle/>
-          <a:p>
-            <a:pPr>
-              <a:defRPr sz="1400" b="1">
-                <a:solidFill>
-                  <a:srgbClr val="1E40AF"/>
-                </a:solidFill>
-                <a:latin typeface="Microsoft YaHei"/>
-              </a:defRPr>
-            </a:pPr>
-            <a:r>
-              <a:t>{{CLOUD_RISK_TITLE}}</a:t>
-            </a:r>
-          </a:p>
-        </p:txBody>
-      </p:sp>
-      <p:sp>
-        <p:nvSpPr>
-          <p:cNvPr id="14" name="TextBox 13"/>
-          <p:cNvSpPr txBox="1"/>
-          <p:nvPr/>
-        </p:nvSpPr>
-        <p:spPr>
-          <a:xfrm>
-            <a:off x="4251960" y="1417320"/>
-            <a:ext cx="3566160" cy="2697480"/>
-          </a:xfrm>
-          <a:prstGeom prst="rect">
-            <a:avLst/>
-          </a:prstGeom>
-          <a:noFill/>
-        </p:spPr>
-        <p:txBody>
-          <a:bodyPr wrap="square" lIns="127000" rIns="127000" tIns="76200" bIns="76200">
-            <a:spAutoFit/>
-          </a:bodyPr>
-          <a:lstStyle/>
-          <a:p>
-            <a:pPr>
-              <a:defRPr sz="1100" b="0">
-                <a:solidFill>
-                  <a:srgbClr val="0F172A"/>
-                </a:solidFill>
-                <a:latin typeface="Microsoft YaHei"/>
-              </a:defRPr>
-            </a:pPr>
-            <a:r>
-              <a:t>{{CLOUD_RISK_LIST}}</a:t>
-            </a:r>
-          </a:p>
-        </p:txBody>
-      </p:sp>
-      <p:sp>
-        <p:nvSpPr>
-          <p:cNvPr id="15" name="TextBox 14"/>
-          <p:cNvSpPr txBox="1"/>
-          <p:nvPr/>
-        </p:nvSpPr>
-        <p:spPr>
-          <a:xfrm>
-            <a:off x="7909560" y="1051560"/>
-            <a:ext cx="3749039" cy="365760"/>
-          </a:xfrm>
-          <a:prstGeom prst="rect">
-            <a:avLst/>
-          </a:prstGeom>
-          <a:noFill/>
-        </p:spPr>
-        <p:txBody>
-          <a:bodyPr wrap="square" lIns="127000" rIns="127000" tIns="76200" bIns="76200">
-            <a:spAutoFit/>
-          </a:bodyPr>
-          <a:lstStyle/>
-          <a:p>
-            <a:pPr>
-              <a:defRPr sz="1400" b="1">
-                <a:solidFill>
-                  <a:srgbClr val="1E40AF"/>
-                </a:solidFill>
-                <a:latin typeface="Microsoft YaHei"/>
-              </a:defRPr>
-            </a:pPr>
-            <a:r>
-              <a:t>{{CLOUD_ANALYSIS_TITLE}}</a:t>
-            </a:r>
-          </a:p>
-        </p:txBody>
-      </p:sp>
-      <p:sp>
-        <p:nvSpPr>
-          <p:cNvPr id="16" name="TextBox 15"/>
-          <p:cNvSpPr txBox="1"/>
-          <p:nvPr/>
-        </p:nvSpPr>
-        <p:spPr>
-          <a:xfrm>
-            <a:off x="7909560" y="1417320"/>
-            <a:ext cx="3749039" cy="2697480"/>
-          </a:xfrm>
-          <a:prstGeom prst="rect">
-            <a:avLst/>
-          </a:prstGeom>
-          <a:noFill/>
-        </p:spPr>
-        <p:txBody>
-          <a:bodyPr wrap="square" lIns="127000" rIns="127000" tIns="76200" bIns="76200">
-            <a:spAutoFit/>
-          </a:bodyPr>
-          <a:lstStyle/>
-          <a:p>
-            <a:pPr>
-              <a:defRPr sz="1100" b="0">
-                <a:solidFill>
-                  <a:srgbClr val="0F172A"/>
-                </a:solidFill>
-                <a:latin typeface="Microsoft YaHei"/>
-              </a:defRPr>
-            </a:pPr>
-            <a:r>
-              <a:t>{{CLOUD_RISK_SUMMARY}}</a:t>
-            </a:r>
-          </a:p>
-        </p:txBody>
-      </p:sp>
-      <p:sp>
-        <p:nvSpPr>
-          <p:cNvPr id="17" name="Rounded Rectangle 16"/>
+          <p:cNvPr id="16" name="Rectangle 15"/>
           <p:cNvSpPr/>
           <p:nvPr/>
         </p:nvSpPr>
         <p:spPr>
           <a:xfrm>
-            <a:off x="649224" y="4398264"/>
-            <a:ext cx="11247120" cy="2286000"/>
-          </a:xfrm>
-          <a:prstGeom prst="roundRect">
+            <a:off x="548640" y="4343400"/>
+            <a:ext cx="45720" cy="2286000"/>
+          </a:xfrm>
+          <a:prstGeom prst="rect">
             <a:avLst/>
           </a:prstGeom>
           <a:solidFill>
-            <a:srgbClr val="000000"/>
+            <a:srgbClr val="0A4275"/>
           </a:solidFill>
           <a:ln>
             <a:noFill/>
@@ -7769,59 +6950,14 @@
       </p:sp>
       <p:sp>
         <p:nvSpPr>
-          <p:cNvPr id="18" name="Rounded Rectangle 17"/>
-          <p:cNvSpPr/>
-          <p:nvPr/>
-        </p:nvSpPr>
-        <p:spPr>
-          <a:xfrm>
-            <a:off x="594360" y="4343400"/>
-            <a:ext cx="11247120" cy="2286000"/>
-          </a:xfrm>
-          <a:prstGeom prst="roundRect">
-            <a:avLst/>
-          </a:prstGeom>
-          <a:solidFill>
-            <a:srgbClr val="FFFFFF"/>
-          </a:solidFill>
-          <a:ln w="12700">
-            <a:solidFill>
-              <a:srgbClr val="E2E8F0"/>
-            </a:solidFill>
-          </a:ln>
-        </p:spPr>
-        <p:style>
-          <a:lnRef idx="1">
-            <a:schemeClr val="accent1"/>
-          </a:lnRef>
-          <a:fillRef idx="3">
-            <a:schemeClr val="accent1"/>
-          </a:fillRef>
-          <a:effectRef idx="2">
-            <a:schemeClr val="accent1"/>
-          </a:effectRef>
-          <a:fontRef idx="minor">
-            <a:schemeClr val="lt1"/>
-          </a:fontRef>
-        </p:style>
-        <p:txBody>
-          <a:bodyPr rtlCol="0" anchor="ctr"/>
-          <a:lstStyle/>
-          <a:p>
-            <a:pPr algn="ctr"/>
-          </a:p>
-        </p:txBody>
-      </p:sp>
-      <p:sp>
-        <p:nvSpPr>
-          <p:cNvPr id="19" name="TextBox 18"/>
+          <p:cNvPr id="17" name="TextBox 16"/>
           <p:cNvSpPr txBox="1"/>
           <p:nvPr/>
         </p:nvSpPr>
         <p:spPr>
           <a:xfrm>
-            <a:off x="777240" y="4434840"/>
-            <a:ext cx="10881360" cy="365760"/>
+            <a:off x="731520" y="4389120"/>
+            <a:ext cx="10698480" cy="365760"/>
           </a:xfrm>
           <a:prstGeom prst="rect">
             <a:avLst/>
@@ -7829,15 +6965,15 @@
           <a:noFill/>
         </p:spPr>
         <p:txBody>
-          <a:bodyPr wrap="square" lIns="127000" rIns="127000" tIns="76200" bIns="76200">
+          <a:bodyPr wrap="square" lIns="101600" rIns="101600" tIns="50800" bIns="50800">
             <a:spAutoFit/>
           </a:bodyPr>
           <a:lstStyle/>
           <a:p>
             <a:pPr>
-              <a:defRPr sz="1400" b="1">
+              <a:defRPr sz="1600" b="1">
                 <a:solidFill>
-                  <a:srgbClr val="1E40AF"/>
+                  <a:srgbClr val="0A4275"/>
                 </a:solidFill>
                 <a:latin typeface="Microsoft YaHei"/>
               </a:defRPr>
@@ -7850,14 +6986,14 @@
       </p:sp>
       <p:sp>
         <p:nvSpPr>
-          <p:cNvPr id="20" name="TextBox 19"/>
+          <p:cNvPr id="18" name="TextBox 17"/>
           <p:cNvSpPr txBox="1"/>
           <p:nvPr/>
         </p:nvSpPr>
         <p:spPr>
           <a:xfrm>
-            <a:off x="777240" y="4800600"/>
-            <a:ext cx="10881360" cy="1783080"/>
+            <a:off x="731520" y="4800600"/>
+            <a:ext cx="10698480" cy="1737360"/>
           </a:xfrm>
           <a:prstGeom prst="rect">
             <a:avLst/>
@@ -7865,15 +7001,15 @@
           <a:noFill/>
         </p:spPr>
         <p:txBody>
-          <a:bodyPr wrap="square" lIns="127000" rIns="127000" tIns="76200" bIns="76200">
+          <a:bodyPr wrap="square" lIns="101600" rIns="101600" tIns="50800" bIns="50800">
             <a:spAutoFit/>
           </a:bodyPr>
           <a:lstStyle/>
           <a:p>
             <a:pPr>
-              <a:defRPr sz="1100" b="0">
+              <a:defRPr sz="1300" b="0">
                 <a:solidFill>
-                  <a:srgbClr val="0F172A"/>
+                  <a:srgbClr val="333333"/>
                 </a:solidFill>
                 <a:latin typeface="Microsoft YaHei"/>
               </a:defRPr>
@@ -7898,7 +7034,7 @@
     <p:bg>
       <p:bgPr>
         <a:solidFill>
-          <a:srgbClr val="F8FAFC"/>
+          <a:srgbClr val="FFFFFF"/>
         </a:solidFill>
         <a:effectLst/>
       </p:bgPr>
@@ -7919,13 +7055,13 @@
         <p:spPr>
           <a:xfrm>
             <a:off x="0" y="0"/>
-            <a:ext cx="12191695" cy="960120"/>
+            <a:ext cx="12191695" cy="73152"/>
           </a:xfrm>
           <a:prstGeom prst="rect">
             <a:avLst/>
           </a:prstGeom>
           <a:solidFill>
-            <a:srgbClr val="EFF6FF"/>
+            <a:srgbClr val="0A4275"/>
           </a:solidFill>
           <a:ln>
             <a:noFill/>
@@ -7961,14 +7097,14 @@
         </p:nvSpPr>
         <p:spPr>
           <a:xfrm>
-            <a:off x="0" y="896112"/>
-            <a:ext cx="12191695" cy="54864"/>
+            <a:off x="548640" y="228600"/>
+            <a:ext cx="45720" cy="502920"/>
           </a:xfrm>
           <a:prstGeom prst="rect">
             <a:avLst/>
           </a:prstGeom>
           <a:solidFill>
-            <a:srgbClr val="3B82F6"/>
+            <a:srgbClr val="0A4275"/>
           </a:solidFill>
           <a:ln>
             <a:noFill/>
@@ -7998,100 +7134,14 @@
       </p:sp>
       <p:sp>
         <p:nvSpPr>
-          <p:cNvPr id="4" name="Oval 3"/>
-          <p:cNvSpPr/>
-          <p:nvPr/>
-        </p:nvSpPr>
-        <p:spPr>
-          <a:xfrm>
-            <a:off x="10424160" y="-822960"/>
-            <a:ext cx="2926080" cy="2926080"/>
-          </a:xfrm>
-          <a:prstGeom prst="ellipse">
-            <a:avLst/>
-          </a:prstGeom>
-          <a:solidFill>
-            <a:srgbClr val="3B82F6"/>
-          </a:solidFill>
-          <a:ln>
-            <a:noFill/>
-          </a:ln>
-        </p:spPr>
-        <p:style>
-          <a:lnRef idx="1">
-            <a:schemeClr val="accent1"/>
-          </a:lnRef>
-          <a:fillRef idx="3">
-            <a:schemeClr val="accent1"/>
-          </a:fillRef>
-          <a:effectRef idx="2">
-            <a:schemeClr val="accent1"/>
-          </a:effectRef>
-          <a:fontRef idx="minor">
-            <a:schemeClr val="lt1"/>
-          </a:fontRef>
-        </p:style>
-        <p:txBody>
-          <a:bodyPr rtlCol="0" anchor="ctr"/>
-          <a:lstStyle/>
-          <a:p>
-            <a:pPr algn="ctr"/>
-          </a:p>
-        </p:txBody>
-      </p:sp>
-      <p:sp>
-        <p:nvSpPr>
-          <p:cNvPr id="5" name="Oval 4"/>
-          <p:cNvSpPr/>
-          <p:nvPr/>
-        </p:nvSpPr>
-        <p:spPr>
-          <a:xfrm>
-            <a:off x="-1097280" y="5669280"/>
-            <a:ext cx="2377440" cy="2377440"/>
-          </a:xfrm>
-          <a:prstGeom prst="ellipse">
-            <a:avLst/>
-          </a:prstGeom>
-          <a:solidFill>
-            <a:srgbClr val="1E40AF"/>
-          </a:solidFill>
-          <a:ln>
-            <a:noFill/>
-          </a:ln>
-        </p:spPr>
-        <p:style>
-          <a:lnRef idx="1">
-            <a:schemeClr val="accent1"/>
-          </a:lnRef>
-          <a:fillRef idx="3">
-            <a:schemeClr val="accent1"/>
-          </a:fillRef>
-          <a:effectRef idx="2">
-            <a:schemeClr val="accent1"/>
-          </a:effectRef>
-          <a:fontRef idx="minor">
-            <a:schemeClr val="lt1"/>
-          </a:fontRef>
-        </p:style>
-        <p:txBody>
-          <a:bodyPr rtlCol="0" anchor="ctr"/>
-          <a:lstStyle/>
-          <a:p>
-            <a:pPr algn="ctr"/>
-          </a:p>
-        </p:txBody>
-      </p:sp>
-      <p:sp>
-        <p:nvSpPr>
-          <p:cNvPr id="6" name="TextBox 5"/>
+          <p:cNvPr id="4" name="TextBox 3"/>
           <p:cNvSpPr txBox="1"/>
           <p:nvPr/>
         </p:nvSpPr>
         <p:spPr>
           <a:xfrm>
-            <a:off x="594360" y="201168"/>
-            <a:ext cx="11247120" cy="621792"/>
+            <a:off x="685800" y="228600"/>
+            <a:ext cx="10927080" cy="502920"/>
           </a:xfrm>
           <a:prstGeom prst="rect">
             <a:avLst/>
@@ -8099,15 +7149,15 @@
           <a:noFill/>
         </p:spPr>
         <p:txBody>
-          <a:bodyPr wrap="square" lIns="127000" rIns="127000" tIns="76200" bIns="76200">
+          <a:bodyPr wrap="square" lIns="101600" rIns="101600" tIns="50800" bIns="50800">
             <a:spAutoFit/>
           </a:bodyPr>
           <a:lstStyle/>
           <a:p>
             <a:pPr>
-              <a:defRPr sz="2800" b="1">
+              <a:defRPr sz="2700" b="1">
                 <a:solidFill>
-                  <a:srgbClr val="1E40AF"/>
+                  <a:srgbClr val="0A4275"/>
                 </a:solidFill>
                 <a:latin typeface="Microsoft YaHei"/>
               </a:defRPr>
@@ -8120,59 +7170,16 @@
       </p:sp>
       <p:sp>
         <p:nvSpPr>
-          <p:cNvPr id="7" name="Rounded Rectangle 6"/>
+          <p:cNvPr id="5" name="Rectangle 4"/>
           <p:cNvSpPr/>
           <p:nvPr/>
         </p:nvSpPr>
         <p:spPr>
           <a:xfrm>
-            <a:off x="649224" y="1014984"/>
-            <a:ext cx="5532120" cy="2971800"/>
-          </a:xfrm>
-          <a:prstGeom prst="roundRect">
-            <a:avLst/>
-          </a:prstGeom>
-          <a:solidFill>
-            <a:srgbClr val="000000"/>
-          </a:solidFill>
-          <a:ln>
-            <a:noFill/>
-          </a:ln>
-        </p:spPr>
-        <p:style>
-          <a:lnRef idx="1">
-            <a:schemeClr val="accent1"/>
-          </a:lnRef>
-          <a:fillRef idx="3">
-            <a:schemeClr val="accent1"/>
-          </a:fillRef>
-          <a:effectRef idx="2">
-            <a:schemeClr val="accent1"/>
-          </a:effectRef>
-          <a:fontRef idx="minor">
-            <a:schemeClr val="lt1"/>
-          </a:fontRef>
-        </p:style>
-        <p:txBody>
-          <a:bodyPr rtlCol="0" anchor="ctr"/>
-          <a:lstStyle/>
-          <a:p>
-            <a:pPr algn="ctr"/>
-          </a:p>
-        </p:txBody>
-      </p:sp>
-      <p:sp>
-        <p:nvSpPr>
-          <p:cNvPr id="8" name="Rounded Rectangle 7"/>
-          <p:cNvSpPr/>
-          <p:nvPr/>
-        </p:nvSpPr>
-        <p:spPr>
-          <a:xfrm>
-            <a:off x="594360" y="960120"/>
-            <a:ext cx="5532120" cy="2971800"/>
-          </a:xfrm>
-          <a:prstGeom prst="roundRect">
+            <a:off x="548640" y="868680"/>
+            <a:ext cx="5349240" cy="2971800"/>
+          </a:xfrm>
+          <a:prstGeom prst="rect">
             <a:avLst/>
           </a:prstGeom>
           <a:solidFill>
@@ -8208,92 +7215,20 @@
       </p:sp>
       <p:sp>
         <p:nvSpPr>
-          <p:cNvPr id="9" name="TextBox 8"/>
-          <p:cNvSpPr txBox="1"/>
-          <p:nvPr/>
-        </p:nvSpPr>
-        <p:spPr>
-          <a:xfrm>
-            <a:off x="777240" y="1051560"/>
-            <a:ext cx="5166360" cy="365760"/>
-          </a:xfrm>
-          <a:prstGeom prst="rect">
-            <a:avLst/>
-          </a:prstGeom>
-          <a:noFill/>
-        </p:spPr>
-        <p:txBody>
-          <a:bodyPr wrap="square" lIns="127000" rIns="127000" tIns="76200" bIns="76200">
-            <a:spAutoFit/>
-          </a:bodyPr>
-          <a:lstStyle/>
-          <a:p>
-            <a:pPr>
-              <a:defRPr sz="1400" b="1">
-                <a:solidFill>
-                  <a:srgbClr val="1E40AF"/>
-                </a:solidFill>
-                <a:latin typeface="Microsoft YaHei"/>
-              </a:defRPr>
-            </a:pPr>
-            <a:r>
-              <a:t>{{P0_TITLE}}</a:t>
-            </a:r>
-          </a:p>
-        </p:txBody>
-      </p:sp>
-      <p:sp>
-        <p:nvSpPr>
-          <p:cNvPr id="10" name="TextBox 9"/>
-          <p:cNvSpPr txBox="1"/>
-          <p:nvPr/>
-        </p:nvSpPr>
-        <p:spPr>
-          <a:xfrm>
-            <a:off x="777240" y="1417320"/>
-            <a:ext cx="5166360" cy="2423160"/>
-          </a:xfrm>
-          <a:prstGeom prst="rect">
-            <a:avLst/>
-          </a:prstGeom>
-          <a:noFill/>
-        </p:spPr>
-        <p:txBody>
-          <a:bodyPr wrap="square" lIns="127000" rIns="127000" tIns="76200" bIns="76200">
-            <a:spAutoFit/>
-          </a:bodyPr>
-          <a:lstStyle/>
-          <a:p>
-            <a:pPr>
-              <a:defRPr sz="1100" b="0">
-                <a:solidFill>
-                  <a:srgbClr val="0F172A"/>
-                </a:solidFill>
-                <a:latin typeface="Microsoft YaHei"/>
-              </a:defRPr>
-            </a:pPr>
-            <a:r>
-              <a:t>{{P0_ACTIONS}}</a:t>
-            </a:r>
-          </a:p>
-        </p:txBody>
-      </p:sp>
-      <p:sp>
-        <p:nvSpPr>
-          <p:cNvPr id="11" name="Rounded Rectangle 10"/>
+          <p:cNvPr id="6" name="Rectangle 5"/>
           <p:cNvSpPr/>
           <p:nvPr/>
         </p:nvSpPr>
         <p:spPr>
           <a:xfrm>
-            <a:off x="6364224" y="1014984"/>
-            <a:ext cx="5532120" cy="2971800"/>
-          </a:xfrm>
-          <a:prstGeom prst="roundRect">
+            <a:off x="548640" y="868680"/>
+            <a:ext cx="45720" cy="2971800"/>
+          </a:xfrm>
+          <a:prstGeom prst="rect">
             <a:avLst/>
           </a:prstGeom>
           <a:solidFill>
-            <a:srgbClr val="000000"/>
+            <a:srgbClr val="DC3545"/>
           </a:solidFill>
           <a:ln>
             <a:noFill/>
@@ -8323,16 +7258,88 @@
       </p:sp>
       <p:sp>
         <p:nvSpPr>
-          <p:cNvPr id="12" name="Rounded Rectangle 11"/>
+          <p:cNvPr id="7" name="TextBox 6"/>
+          <p:cNvSpPr txBox="1"/>
+          <p:nvPr/>
+        </p:nvSpPr>
+        <p:spPr>
+          <a:xfrm>
+            <a:off x="731520" y="914400"/>
+            <a:ext cx="4983480" cy="365760"/>
+          </a:xfrm>
+          <a:prstGeom prst="rect">
+            <a:avLst/>
+          </a:prstGeom>
+          <a:noFill/>
+        </p:spPr>
+        <p:txBody>
+          <a:bodyPr wrap="square" lIns="101600" rIns="101600" tIns="50800" bIns="50800">
+            <a:spAutoFit/>
+          </a:bodyPr>
+          <a:lstStyle/>
+          <a:p>
+            <a:pPr>
+              <a:defRPr sz="1600" b="1">
+                <a:solidFill>
+                  <a:srgbClr val="DC3545"/>
+                </a:solidFill>
+                <a:latin typeface="Microsoft YaHei"/>
+              </a:defRPr>
+            </a:pPr>
+            <a:r>
+              <a:t>{{P0_TITLE}}</a:t>
+            </a:r>
+          </a:p>
+        </p:txBody>
+      </p:sp>
+      <p:sp>
+        <p:nvSpPr>
+          <p:cNvPr id="8" name="TextBox 7"/>
+          <p:cNvSpPr txBox="1"/>
+          <p:nvPr/>
+        </p:nvSpPr>
+        <p:spPr>
+          <a:xfrm>
+            <a:off x="731520" y="1325880"/>
+            <a:ext cx="4983480" cy="2423160"/>
+          </a:xfrm>
+          <a:prstGeom prst="rect">
+            <a:avLst/>
+          </a:prstGeom>
+          <a:noFill/>
+        </p:spPr>
+        <p:txBody>
+          <a:bodyPr wrap="square" lIns="101600" rIns="101600" tIns="50800" bIns="50800">
+            <a:spAutoFit/>
+          </a:bodyPr>
+          <a:lstStyle/>
+          <a:p>
+            <a:pPr>
+              <a:defRPr sz="1200" b="0">
+                <a:solidFill>
+                  <a:srgbClr val="333333"/>
+                </a:solidFill>
+                <a:latin typeface="Microsoft YaHei"/>
+              </a:defRPr>
+            </a:pPr>
+            <a:r>
+              <a:t>{{P0_ACTIONS}}</a:t>
+            </a:r>
+          </a:p>
+        </p:txBody>
+      </p:sp>
+      <p:sp>
+        <p:nvSpPr>
+          <p:cNvPr id="9" name="Rectangle 8"/>
           <p:cNvSpPr/>
           <p:nvPr/>
         </p:nvSpPr>
         <p:spPr>
           <a:xfrm>
-            <a:off x="6309360" y="960120"/>
+            <a:off x="6080760" y="868680"/>
             <a:ext cx="5532120" cy="2971800"/>
           </a:xfrm>
-          <a:prstGeom prst="roundRect">
+          <a:prstGeom prst="rect">
             <a:avLst/>
           </a:prstGeom>
           <a:solidFill>
@@ -8368,92 +7375,20 @@
       </p:sp>
       <p:sp>
         <p:nvSpPr>
-          <p:cNvPr id="13" name="TextBox 12"/>
-          <p:cNvSpPr txBox="1"/>
-          <p:nvPr/>
-        </p:nvSpPr>
-        <p:spPr>
-          <a:xfrm>
-            <a:off x="6492240" y="1051560"/>
-            <a:ext cx="5166360" cy="365760"/>
-          </a:xfrm>
-          <a:prstGeom prst="rect">
-            <a:avLst/>
-          </a:prstGeom>
-          <a:noFill/>
-        </p:spPr>
-        <p:txBody>
-          <a:bodyPr wrap="square" lIns="127000" rIns="127000" tIns="76200" bIns="76200">
-            <a:spAutoFit/>
-          </a:bodyPr>
-          <a:lstStyle/>
-          <a:p>
-            <a:pPr>
-              <a:defRPr sz="1400" b="1">
-                <a:solidFill>
-                  <a:srgbClr val="1E40AF"/>
-                </a:solidFill>
-                <a:latin typeface="Microsoft YaHei"/>
-              </a:defRPr>
-            </a:pPr>
-            <a:r>
-              <a:t>{{P1_TITLE}}</a:t>
-            </a:r>
-          </a:p>
-        </p:txBody>
-      </p:sp>
-      <p:sp>
-        <p:nvSpPr>
-          <p:cNvPr id="14" name="TextBox 13"/>
-          <p:cNvSpPr txBox="1"/>
-          <p:nvPr/>
-        </p:nvSpPr>
-        <p:spPr>
-          <a:xfrm>
-            <a:off x="6492240" y="1417320"/>
-            <a:ext cx="5166360" cy="2423160"/>
-          </a:xfrm>
-          <a:prstGeom prst="rect">
-            <a:avLst/>
-          </a:prstGeom>
-          <a:noFill/>
-        </p:spPr>
-        <p:txBody>
-          <a:bodyPr wrap="square" lIns="127000" rIns="127000" tIns="76200" bIns="76200">
-            <a:spAutoFit/>
-          </a:bodyPr>
-          <a:lstStyle/>
-          <a:p>
-            <a:pPr>
-              <a:defRPr sz="1100" b="0">
-                <a:solidFill>
-                  <a:srgbClr val="0F172A"/>
-                </a:solidFill>
-                <a:latin typeface="Microsoft YaHei"/>
-              </a:defRPr>
-            </a:pPr>
-            <a:r>
-              <a:t>{{P1_ACTIONS}}</a:t>
-            </a:r>
-          </a:p>
-        </p:txBody>
-      </p:sp>
-      <p:sp>
-        <p:nvSpPr>
-          <p:cNvPr id="15" name="Rounded Rectangle 14"/>
+          <p:cNvPr id="10" name="Rectangle 9"/>
           <p:cNvSpPr/>
           <p:nvPr/>
         </p:nvSpPr>
         <p:spPr>
           <a:xfrm>
-            <a:off x="649224" y="4123944"/>
-            <a:ext cx="11247120" cy="2560320"/>
-          </a:xfrm>
-          <a:prstGeom prst="roundRect">
+            <a:off x="6080760" y="868680"/>
+            <a:ext cx="45720" cy="2971800"/>
+          </a:xfrm>
+          <a:prstGeom prst="rect">
             <a:avLst/>
           </a:prstGeom>
           <a:solidFill>
-            <a:srgbClr val="000000"/>
+            <a:srgbClr val="EA580C"/>
           </a:solidFill>
           <a:ln>
             <a:noFill/>
@@ -8483,16 +7418,88 @@
       </p:sp>
       <p:sp>
         <p:nvSpPr>
-          <p:cNvPr id="16" name="Rounded Rectangle 15"/>
+          <p:cNvPr id="11" name="TextBox 10"/>
+          <p:cNvSpPr txBox="1"/>
+          <p:nvPr/>
+        </p:nvSpPr>
+        <p:spPr>
+          <a:xfrm>
+            <a:off x="6263640" y="914400"/>
+            <a:ext cx="5166360" cy="365760"/>
+          </a:xfrm>
+          <a:prstGeom prst="rect">
+            <a:avLst/>
+          </a:prstGeom>
+          <a:noFill/>
+        </p:spPr>
+        <p:txBody>
+          <a:bodyPr wrap="square" lIns="101600" rIns="101600" tIns="50800" bIns="50800">
+            <a:spAutoFit/>
+          </a:bodyPr>
+          <a:lstStyle/>
+          <a:p>
+            <a:pPr>
+              <a:defRPr sz="1600" b="1">
+                <a:solidFill>
+                  <a:srgbClr val="EA580C"/>
+                </a:solidFill>
+                <a:latin typeface="Microsoft YaHei"/>
+              </a:defRPr>
+            </a:pPr>
+            <a:r>
+              <a:t>{{P1_TITLE}}</a:t>
+            </a:r>
+          </a:p>
+        </p:txBody>
+      </p:sp>
+      <p:sp>
+        <p:nvSpPr>
+          <p:cNvPr id="12" name="TextBox 11"/>
+          <p:cNvSpPr txBox="1"/>
+          <p:nvPr/>
+        </p:nvSpPr>
+        <p:spPr>
+          <a:xfrm>
+            <a:off x="6263640" y="1325880"/>
+            <a:ext cx="5166360" cy="2423160"/>
+          </a:xfrm>
+          <a:prstGeom prst="rect">
+            <a:avLst/>
+          </a:prstGeom>
+          <a:noFill/>
+        </p:spPr>
+        <p:txBody>
+          <a:bodyPr wrap="square" lIns="101600" rIns="101600" tIns="50800" bIns="50800">
+            <a:spAutoFit/>
+          </a:bodyPr>
+          <a:lstStyle/>
+          <a:p>
+            <a:pPr>
+              <a:defRPr sz="1200" b="0">
+                <a:solidFill>
+                  <a:srgbClr val="333333"/>
+                </a:solidFill>
+                <a:latin typeface="Microsoft YaHei"/>
+              </a:defRPr>
+            </a:pPr>
+            <a:r>
+              <a:t>{{P1_ACTIONS}}</a:t>
+            </a:r>
+          </a:p>
+        </p:txBody>
+      </p:sp>
+      <p:sp>
+        <p:nvSpPr>
+          <p:cNvPr id="13" name="Rectangle 12"/>
           <p:cNvSpPr/>
           <p:nvPr/>
         </p:nvSpPr>
         <p:spPr>
           <a:xfrm>
-            <a:off x="594360" y="4069080"/>
-            <a:ext cx="11247120" cy="2560320"/>
-          </a:xfrm>
-          <a:prstGeom prst="roundRect">
+            <a:off x="548640" y="3977639"/>
+            <a:ext cx="11064240" cy="2651760"/>
+          </a:xfrm>
+          <a:prstGeom prst="rect">
             <a:avLst/>
           </a:prstGeom>
           <a:solidFill>
@@ -8528,14 +7535,57 @@
       </p:sp>
       <p:sp>
         <p:nvSpPr>
-          <p:cNvPr id="17" name="TextBox 16"/>
+          <p:cNvPr id="14" name="Rectangle 13"/>
+          <p:cNvSpPr/>
+          <p:nvPr/>
+        </p:nvSpPr>
+        <p:spPr>
+          <a:xfrm>
+            <a:off x="548640" y="3977639"/>
+            <a:ext cx="45720" cy="2651760"/>
+          </a:xfrm>
+          <a:prstGeom prst="rect">
+            <a:avLst/>
+          </a:prstGeom>
+          <a:solidFill>
+            <a:srgbClr val="0A4275"/>
+          </a:solidFill>
+          <a:ln>
+            <a:noFill/>
+          </a:ln>
+        </p:spPr>
+        <p:style>
+          <a:lnRef idx="1">
+            <a:schemeClr val="accent1"/>
+          </a:lnRef>
+          <a:fillRef idx="3">
+            <a:schemeClr val="accent1"/>
+          </a:fillRef>
+          <a:effectRef idx="2">
+            <a:schemeClr val="accent1"/>
+          </a:effectRef>
+          <a:fontRef idx="minor">
+            <a:schemeClr val="lt1"/>
+          </a:fontRef>
+        </p:style>
+        <p:txBody>
+          <a:bodyPr rtlCol="0" anchor="ctr"/>
+          <a:lstStyle/>
+          <a:p>
+            <a:pPr algn="ctr"/>
+          </a:p>
+        </p:txBody>
+      </p:sp>
+      <p:sp>
+        <p:nvSpPr>
+          <p:cNvPr id="15" name="TextBox 14"/>
           <p:cNvSpPr txBox="1"/>
           <p:nvPr/>
         </p:nvSpPr>
         <p:spPr>
           <a:xfrm>
-            <a:off x="777240" y="4160520"/>
-            <a:ext cx="10881360" cy="365760"/>
+            <a:off x="731520" y="4023360"/>
+            <a:ext cx="10698480" cy="365760"/>
           </a:xfrm>
           <a:prstGeom prst="rect">
             <a:avLst/>
@@ -8543,15 +7593,15 @@
           <a:noFill/>
         </p:spPr>
         <p:txBody>
-          <a:bodyPr wrap="square" lIns="127000" rIns="127000" tIns="76200" bIns="76200">
+          <a:bodyPr wrap="square" lIns="101600" rIns="101600" tIns="50800" bIns="50800">
             <a:spAutoFit/>
           </a:bodyPr>
           <a:lstStyle/>
           <a:p>
             <a:pPr>
-              <a:defRPr sz="1400" b="1">
+              <a:defRPr sz="1600" b="1">
                 <a:solidFill>
-                  <a:srgbClr val="1E40AF"/>
+                  <a:srgbClr val="0A4275"/>
                 </a:solidFill>
                 <a:latin typeface="Microsoft YaHei"/>
               </a:defRPr>
@@ -8564,14 +7614,14 @@
       </p:sp>
       <p:sp>
         <p:nvSpPr>
-          <p:cNvPr id="18" name="TextBox 17"/>
+          <p:cNvPr id="16" name="TextBox 15"/>
           <p:cNvSpPr txBox="1"/>
           <p:nvPr/>
         </p:nvSpPr>
         <p:spPr>
           <a:xfrm>
-            <a:off x="777240" y="4526280"/>
-            <a:ext cx="10881360" cy="2011680"/>
+            <a:off x="731520" y="4434840"/>
+            <a:ext cx="10698480" cy="2103120"/>
           </a:xfrm>
           <a:prstGeom prst="rect">
             <a:avLst/>
@@ -8579,15 +7629,15 @@
           <a:noFill/>
         </p:spPr>
         <p:txBody>
-          <a:bodyPr wrap="square" lIns="127000" rIns="127000" tIns="76200" bIns="76200">
+          <a:bodyPr wrap="square" lIns="101600" rIns="101600" tIns="50800" bIns="50800">
             <a:spAutoFit/>
           </a:bodyPr>
           <a:lstStyle/>
           <a:p>
             <a:pPr>
-              <a:defRPr sz="1100" b="0">
+              <a:defRPr sz="1300" b="0">
                 <a:solidFill>
-                  <a:srgbClr val="0F172A"/>
+                  <a:srgbClr val="333333"/>
                 </a:solidFill>
                 <a:latin typeface="Microsoft YaHei"/>
               </a:defRPr>
@@ -8612,7 +7662,7 @@
     <p:bg>
       <p:bgPr>
         <a:solidFill>
-          <a:srgbClr val="F8FAFC"/>
+          <a:srgbClr val="FFFFFF"/>
         </a:solidFill>
         <a:effectLst/>
       </p:bgPr>
@@ -8633,13 +7683,13 @@
         <p:spPr>
           <a:xfrm>
             <a:off x="0" y="0"/>
-            <a:ext cx="12191695" cy="960120"/>
+            <a:ext cx="12191695" cy="73152"/>
           </a:xfrm>
           <a:prstGeom prst="rect">
             <a:avLst/>
           </a:prstGeom>
           <a:solidFill>
-            <a:srgbClr val="EFF6FF"/>
+            <a:srgbClr val="0A4275"/>
           </a:solidFill>
           <a:ln>
             <a:noFill/>
@@ -8675,14 +7725,14 @@
         </p:nvSpPr>
         <p:spPr>
           <a:xfrm>
-            <a:off x="0" y="896112"/>
-            <a:ext cx="12191695" cy="54864"/>
+            <a:off x="548640" y="228600"/>
+            <a:ext cx="45720" cy="502920"/>
           </a:xfrm>
           <a:prstGeom prst="rect">
             <a:avLst/>
           </a:prstGeom>
           <a:solidFill>
-            <a:srgbClr val="3B82F6"/>
+            <a:srgbClr val="0A4275"/>
           </a:solidFill>
           <a:ln>
             <a:noFill/>
@@ -8712,100 +7762,14 @@
       </p:sp>
       <p:sp>
         <p:nvSpPr>
-          <p:cNvPr id="4" name="Oval 3"/>
-          <p:cNvSpPr/>
-          <p:nvPr/>
-        </p:nvSpPr>
-        <p:spPr>
-          <a:xfrm>
-            <a:off x="10424160" y="-822960"/>
-            <a:ext cx="2926080" cy="2926080"/>
-          </a:xfrm>
-          <a:prstGeom prst="ellipse">
-            <a:avLst/>
-          </a:prstGeom>
-          <a:solidFill>
-            <a:srgbClr val="3B82F6"/>
-          </a:solidFill>
-          <a:ln>
-            <a:noFill/>
-          </a:ln>
-        </p:spPr>
-        <p:style>
-          <a:lnRef idx="1">
-            <a:schemeClr val="accent1"/>
-          </a:lnRef>
-          <a:fillRef idx="3">
-            <a:schemeClr val="accent1"/>
-          </a:fillRef>
-          <a:effectRef idx="2">
-            <a:schemeClr val="accent1"/>
-          </a:effectRef>
-          <a:fontRef idx="minor">
-            <a:schemeClr val="lt1"/>
-          </a:fontRef>
-        </p:style>
-        <p:txBody>
-          <a:bodyPr rtlCol="0" anchor="ctr"/>
-          <a:lstStyle/>
-          <a:p>
-            <a:pPr algn="ctr"/>
-          </a:p>
-        </p:txBody>
-      </p:sp>
-      <p:sp>
-        <p:nvSpPr>
-          <p:cNvPr id="5" name="Oval 4"/>
-          <p:cNvSpPr/>
-          <p:nvPr/>
-        </p:nvSpPr>
-        <p:spPr>
-          <a:xfrm>
-            <a:off x="-1097280" y="5669280"/>
-            <a:ext cx="2377440" cy="2377440"/>
-          </a:xfrm>
-          <a:prstGeom prst="ellipse">
-            <a:avLst/>
-          </a:prstGeom>
-          <a:solidFill>
-            <a:srgbClr val="1E40AF"/>
-          </a:solidFill>
-          <a:ln>
-            <a:noFill/>
-          </a:ln>
-        </p:spPr>
-        <p:style>
-          <a:lnRef idx="1">
-            <a:schemeClr val="accent1"/>
-          </a:lnRef>
-          <a:fillRef idx="3">
-            <a:schemeClr val="accent1"/>
-          </a:fillRef>
-          <a:effectRef idx="2">
-            <a:schemeClr val="accent1"/>
-          </a:effectRef>
-          <a:fontRef idx="minor">
-            <a:schemeClr val="lt1"/>
-          </a:fontRef>
-        </p:style>
-        <p:txBody>
-          <a:bodyPr rtlCol="0" anchor="ctr"/>
-          <a:lstStyle/>
-          <a:p>
-            <a:pPr algn="ctr"/>
-          </a:p>
-        </p:txBody>
-      </p:sp>
-      <p:sp>
-        <p:nvSpPr>
-          <p:cNvPr id="6" name="TextBox 5"/>
+          <p:cNvPr id="4" name="TextBox 3"/>
           <p:cNvSpPr txBox="1"/>
           <p:nvPr/>
         </p:nvSpPr>
         <p:spPr>
           <a:xfrm>
-            <a:off x="594360" y="201168"/>
-            <a:ext cx="11247120" cy="621792"/>
+            <a:off x="685800" y="228600"/>
+            <a:ext cx="10927080" cy="502920"/>
           </a:xfrm>
           <a:prstGeom prst="rect">
             <a:avLst/>
@@ -8813,15 +7777,15 @@
           <a:noFill/>
         </p:spPr>
         <p:txBody>
-          <a:bodyPr wrap="square" lIns="127000" rIns="127000" tIns="76200" bIns="76200">
+          <a:bodyPr wrap="square" lIns="101600" rIns="101600" tIns="50800" bIns="50800">
             <a:spAutoFit/>
           </a:bodyPr>
           <a:lstStyle/>
           <a:p>
             <a:pPr>
-              <a:defRPr sz="2800" b="1">
+              <a:defRPr sz="2700" b="1">
                 <a:solidFill>
-                  <a:srgbClr val="1E40AF"/>
+                  <a:srgbClr val="0A4275"/>
                 </a:solidFill>
                 <a:latin typeface="Microsoft YaHei"/>
               </a:defRPr>
@@ -8834,59 +7798,16 @@
       </p:sp>
       <p:sp>
         <p:nvSpPr>
-          <p:cNvPr id="7" name="Rounded Rectangle 6"/>
+          <p:cNvPr id="5" name="Rectangle 4"/>
           <p:cNvSpPr/>
           <p:nvPr/>
         </p:nvSpPr>
         <p:spPr>
           <a:xfrm>
-            <a:off x="649224" y="1014984"/>
-            <a:ext cx="5532120" cy="1874519"/>
-          </a:xfrm>
-          <a:prstGeom prst="roundRect">
-            <a:avLst/>
-          </a:prstGeom>
-          <a:solidFill>
-            <a:srgbClr val="000000"/>
-          </a:solidFill>
-          <a:ln>
-            <a:noFill/>
-          </a:ln>
-        </p:spPr>
-        <p:style>
-          <a:lnRef idx="1">
-            <a:schemeClr val="accent1"/>
-          </a:lnRef>
-          <a:fillRef idx="3">
-            <a:schemeClr val="accent1"/>
-          </a:fillRef>
-          <a:effectRef idx="2">
-            <a:schemeClr val="accent1"/>
-          </a:effectRef>
-          <a:fontRef idx="minor">
-            <a:schemeClr val="lt1"/>
-          </a:fontRef>
-        </p:style>
-        <p:txBody>
-          <a:bodyPr rtlCol="0" anchor="ctr"/>
-          <a:lstStyle/>
-          <a:p>
-            <a:pPr algn="ctr"/>
-          </a:p>
-        </p:txBody>
-      </p:sp>
-      <p:sp>
-        <p:nvSpPr>
-          <p:cNvPr id="8" name="Rounded Rectangle 7"/>
-          <p:cNvSpPr/>
-          <p:nvPr/>
-        </p:nvSpPr>
-        <p:spPr>
-          <a:xfrm>
-            <a:off x="594360" y="960120"/>
-            <a:ext cx="5532120" cy="1874519"/>
-          </a:xfrm>
-          <a:prstGeom prst="roundRect">
+            <a:off x="548640" y="868680"/>
+            <a:ext cx="5349240" cy="1691640"/>
+          </a:xfrm>
+          <a:prstGeom prst="rect">
             <a:avLst/>
           </a:prstGeom>
           <a:solidFill>
@@ -8922,92 +7843,20 @@
       </p:sp>
       <p:sp>
         <p:nvSpPr>
-          <p:cNvPr id="9" name="TextBox 8"/>
-          <p:cNvSpPr txBox="1"/>
-          <p:nvPr/>
-        </p:nvSpPr>
-        <p:spPr>
-          <a:xfrm>
-            <a:off x="777240" y="1051560"/>
-            <a:ext cx="5166360" cy="365760"/>
-          </a:xfrm>
-          <a:prstGeom prst="rect">
-            <a:avLst/>
-          </a:prstGeom>
-          <a:noFill/>
-        </p:spPr>
-        <p:txBody>
-          <a:bodyPr wrap="square" lIns="127000" rIns="127000" tIns="76200" bIns="76200">
-            <a:spAutoFit/>
-          </a:bodyPr>
-          <a:lstStyle/>
-          <a:p>
-            <a:pPr>
-              <a:defRPr sz="1400" b="1">
-                <a:solidFill>
-                  <a:srgbClr val="1E40AF"/>
-                </a:solidFill>
-                <a:latin typeface="Microsoft YaHei"/>
-              </a:defRPr>
-            </a:pPr>
-            <a:r>
-              <a:t>{{DATA_SCOPE_TITLE}}</a:t>
-            </a:r>
-          </a:p>
-        </p:txBody>
-      </p:sp>
-      <p:sp>
-        <p:nvSpPr>
-          <p:cNvPr id="10" name="TextBox 9"/>
-          <p:cNvSpPr txBox="1"/>
-          <p:nvPr/>
-        </p:nvSpPr>
-        <p:spPr>
-          <a:xfrm>
-            <a:off x="777240" y="1417320"/>
-            <a:ext cx="5166360" cy="1325880"/>
-          </a:xfrm>
-          <a:prstGeom prst="rect">
-            <a:avLst/>
-          </a:prstGeom>
-          <a:noFill/>
-        </p:spPr>
-        <p:txBody>
-          <a:bodyPr wrap="square" lIns="127000" rIns="127000" tIns="76200" bIns="76200">
-            <a:spAutoFit/>
-          </a:bodyPr>
-          <a:lstStyle/>
-          <a:p>
-            <a:pPr>
-              <a:defRPr sz="1000" b="0">
-                <a:solidFill>
-                  <a:srgbClr val="0F172A"/>
-                </a:solidFill>
-                <a:latin typeface="Microsoft YaHei"/>
-              </a:defRPr>
-            </a:pPr>
-            <a:r>
-              <a:t>{{DATA_SCOPE}}</a:t>
-            </a:r>
-          </a:p>
-        </p:txBody>
-      </p:sp>
-      <p:sp>
-        <p:nvSpPr>
-          <p:cNvPr id="11" name="Rounded Rectangle 10"/>
+          <p:cNvPr id="6" name="Rectangle 5"/>
           <p:cNvSpPr/>
           <p:nvPr/>
         </p:nvSpPr>
         <p:spPr>
           <a:xfrm>
-            <a:off x="6364224" y="1014984"/>
-            <a:ext cx="5532120" cy="1874519"/>
-          </a:xfrm>
-          <a:prstGeom prst="roundRect">
+            <a:off x="548640" y="868680"/>
+            <a:ext cx="45720" cy="1691640"/>
+          </a:xfrm>
+          <a:prstGeom prst="rect">
             <a:avLst/>
           </a:prstGeom>
           <a:solidFill>
-            <a:srgbClr val="000000"/>
+            <a:srgbClr val="0A4275"/>
           </a:solidFill>
           <a:ln>
             <a:noFill/>
@@ -9037,16 +7886,88 @@
       </p:sp>
       <p:sp>
         <p:nvSpPr>
-          <p:cNvPr id="12" name="Rounded Rectangle 11"/>
+          <p:cNvPr id="7" name="TextBox 6"/>
+          <p:cNvSpPr txBox="1"/>
+          <p:nvPr/>
+        </p:nvSpPr>
+        <p:spPr>
+          <a:xfrm>
+            <a:off x="731520" y="914400"/>
+            <a:ext cx="4983480" cy="320040"/>
+          </a:xfrm>
+          <a:prstGeom prst="rect">
+            <a:avLst/>
+          </a:prstGeom>
+          <a:noFill/>
+        </p:spPr>
+        <p:txBody>
+          <a:bodyPr wrap="square" lIns="101600" rIns="101600" tIns="50800" bIns="50800">
+            <a:spAutoFit/>
+          </a:bodyPr>
+          <a:lstStyle/>
+          <a:p>
+            <a:pPr>
+              <a:defRPr sz="1400" b="1">
+                <a:solidFill>
+                  <a:srgbClr val="0A4275"/>
+                </a:solidFill>
+                <a:latin typeface="Microsoft YaHei"/>
+              </a:defRPr>
+            </a:pPr>
+            <a:r>
+              <a:t>{{DATA_SCOPE_TITLE}}</a:t>
+            </a:r>
+          </a:p>
+        </p:txBody>
+      </p:sp>
+      <p:sp>
+        <p:nvSpPr>
+          <p:cNvPr id="8" name="TextBox 7"/>
+          <p:cNvSpPr txBox="1"/>
+          <p:nvPr/>
+        </p:nvSpPr>
+        <p:spPr>
+          <a:xfrm>
+            <a:off x="731520" y="1280160"/>
+            <a:ext cx="4983480" cy="1188720"/>
+          </a:xfrm>
+          <a:prstGeom prst="rect">
+            <a:avLst/>
+          </a:prstGeom>
+          <a:noFill/>
+        </p:spPr>
+        <p:txBody>
+          <a:bodyPr wrap="square" lIns="101600" rIns="101600" tIns="50800" bIns="50800">
+            <a:spAutoFit/>
+          </a:bodyPr>
+          <a:lstStyle/>
+          <a:p>
+            <a:pPr>
+              <a:defRPr sz="1100" b="0">
+                <a:solidFill>
+                  <a:srgbClr val="333333"/>
+                </a:solidFill>
+                <a:latin typeface="Microsoft YaHei"/>
+              </a:defRPr>
+            </a:pPr>
+            <a:r>
+              <a:t>{{DATA_SCOPE}}</a:t>
+            </a:r>
+          </a:p>
+        </p:txBody>
+      </p:sp>
+      <p:sp>
+        <p:nvSpPr>
+          <p:cNvPr id="9" name="Rectangle 8"/>
           <p:cNvSpPr/>
           <p:nvPr/>
         </p:nvSpPr>
         <p:spPr>
           <a:xfrm>
-            <a:off x="6309360" y="960120"/>
-            <a:ext cx="5532120" cy="1874519"/>
-          </a:xfrm>
-          <a:prstGeom prst="roundRect">
+            <a:off x="6080760" y="868680"/>
+            <a:ext cx="5532120" cy="1691640"/>
+          </a:xfrm>
+          <a:prstGeom prst="rect">
             <a:avLst/>
           </a:prstGeom>
           <a:solidFill>
@@ -9082,92 +8003,20 @@
       </p:sp>
       <p:sp>
         <p:nvSpPr>
-          <p:cNvPr id="13" name="TextBox 12"/>
-          <p:cNvSpPr txBox="1"/>
-          <p:nvPr/>
-        </p:nvSpPr>
-        <p:spPr>
-          <a:xfrm>
-            <a:off x="6492240" y="1051560"/>
-            <a:ext cx="5166360" cy="365760"/>
-          </a:xfrm>
-          <a:prstGeom prst="rect">
-            <a:avLst/>
-          </a:prstGeom>
-          <a:noFill/>
-        </p:spPr>
-        <p:txBody>
-          <a:bodyPr wrap="square" lIns="127000" rIns="127000" tIns="76200" bIns="76200">
-            <a:spAutoFit/>
-          </a:bodyPr>
-          <a:lstStyle/>
-          <a:p>
-            <a:pPr>
-              <a:defRPr sz="1400" b="1">
-                <a:solidFill>
-                  <a:srgbClr val="1E40AF"/>
-                </a:solidFill>
-                <a:latin typeface="Microsoft YaHei"/>
-              </a:defRPr>
-            </a:pPr>
-            <a:r>
-              <a:t>{{ASSET_COVERAGE_TITLE}}</a:t>
-            </a:r>
-          </a:p>
-        </p:txBody>
-      </p:sp>
-      <p:sp>
-        <p:nvSpPr>
-          <p:cNvPr id="14" name="TextBox 13"/>
-          <p:cNvSpPr txBox="1"/>
-          <p:nvPr/>
-        </p:nvSpPr>
-        <p:spPr>
-          <a:xfrm>
-            <a:off x="6492240" y="1417320"/>
-            <a:ext cx="5166360" cy="1325880"/>
-          </a:xfrm>
-          <a:prstGeom prst="rect">
-            <a:avLst/>
-          </a:prstGeom>
-          <a:noFill/>
-        </p:spPr>
-        <p:txBody>
-          <a:bodyPr wrap="square" lIns="127000" rIns="127000" tIns="76200" bIns="76200">
-            <a:spAutoFit/>
-          </a:bodyPr>
-          <a:lstStyle/>
-          <a:p>
-            <a:pPr>
-              <a:defRPr sz="1000" b="0">
-                <a:solidFill>
-                  <a:srgbClr val="0F172A"/>
-                </a:solidFill>
-                <a:latin typeface="Microsoft YaHei"/>
-              </a:defRPr>
-            </a:pPr>
-            <a:r>
-              <a:t>{{ASSET_COVERAGE}}</a:t>
-            </a:r>
-          </a:p>
-        </p:txBody>
-      </p:sp>
-      <p:sp>
-        <p:nvSpPr>
-          <p:cNvPr id="15" name="Rounded Rectangle 14"/>
+          <p:cNvPr id="10" name="Rectangle 9"/>
           <p:cNvSpPr/>
           <p:nvPr/>
         </p:nvSpPr>
         <p:spPr>
           <a:xfrm>
-            <a:off x="649224" y="3026664"/>
-            <a:ext cx="11247120" cy="868680"/>
-          </a:xfrm>
-          <a:prstGeom prst="roundRect">
+            <a:off x="6080760" y="868680"/>
+            <a:ext cx="45720" cy="1691640"/>
+          </a:xfrm>
+          <a:prstGeom prst="rect">
             <a:avLst/>
           </a:prstGeom>
           <a:solidFill>
-            <a:srgbClr val="000000"/>
+            <a:srgbClr val="0A4275"/>
           </a:solidFill>
           <a:ln>
             <a:noFill/>
@@ -9197,16 +8046,88 @@
       </p:sp>
       <p:sp>
         <p:nvSpPr>
-          <p:cNvPr id="16" name="Rounded Rectangle 15"/>
+          <p:cNvPr id="11" name="TextBox 10"/>
+          <p:cNvSpPr txBox="1"/>
+          <p:nvPr/>
+        </p:nvSpPr>
+        <p:spPr>
+          <a:xfrm>
+            <a:off x="6263640" y="914400"/>
+            <a:ext cx="5166360" cy="320040"/>
+          </a:xfrm>
+          <a:prstGeom prst="rect">
+            <a:avLst/>
+          </a:prstGeom>
+          <a:noFill/>
+        </p:spPr>
+        <p:txBody>
+          <a:bodyPr wrap="square" lIns="101600" rIns="101600" tIns="50800" bIns="50800">
+            <a:spAutoFit/>
+          </a:bodyPr>
+          <a:lstStyle/>
+          <a:p>
+            <a:pPr>
+              <a:defRPr sz="1400" b="1">
+                <a:solidFill>
+                  <a:srgbClr val="0A4275"/>
+                </a:solidFill>
+                <a:latin typeface="Microsoft YaHei"/>
+              </a:defRPr>
+            </a:pPr>
+            <a:r>
+              <a:t>{{ASSET_COVERAGE_TITLE}}</a:t>
+            </a:r>
+          </a:p>
+        </p:txBody>
+      </p:sp>
+      <p:sp>
+        <p:nvSpPr>
+          <p:cNvPr id="12" name="TextBox 11"/>
+          <p:cNvSpPr txBox="1"/>
+          <p:nvPr/>
+        </p:nvSpPr>
+        <p:spPr>
+          <a:xfrm>
+            <a:off x="6263640" y="1280160"/>
+            <a:ext cx="5166360" cy="1188720"/>
+          </a:xfrm>
+          <a:prstGeom prst="rect">
+            <a:avLst/>
+          </a:prstGeom>
+          <a:noFill/>
+        </p:spPr>
+        <p:txBody>
+          <a:bodyPr wrap="square" lIns="101600" rIns="101600" tIns="50800" bIns="50800">
+            <a:spAutoFit/>
+          </a:bodyPr>
+          <a:lstStyle/>
+          <a:p>
+            <a:pPr>
+              <a:defRPr sz="1100" b="0">
+                <a:solidFill>
+                  <a:srgbClr val="333333"/>
+                </a:solidFill>
+                <a:latin typeface="Microsoft YaHei"/>
+              </a:defRPr>
+            </a:pPr>
+            <a:r>
+              <a:t>{{ASSET_COVERAGE}}</a:t>
+            </a:r>
+          </a:p>
+        </p:txBody>
+      </p:sp>
+      <p:sp>
+        <p:nvSpPr>
+          <p:cNvPr id="13" name="Rectangle 12"/>
           <p:cNvSpPr/>
           <p:nvPr/>
         </p:nvSpPr>
         <p:spPr>
           <a:xfrm>
-            <a:off x="594360" y="2971800"/>
-            <a:ext cx="11247120" cy="868680"/>
-          </a:xfrm>
-          <a:prstGeom prst="roundRect">
+            <a:off x="548640" y="2697480"/>
+            <a:ext cx="11064240" cy="822960"/>
+          </a:xfrm>
+          <a:prstGeom prst="rect">
             <a:avLst/>
           </a:prstGeom>
           <a:solidFill>
@@ -9242,92 +8163,20 @@
       </p:sp>
       <p:sp>
         <p:nvSpPr>
-          <p:cNvPr id="17" name="TextBox 16"/>
-          <p:cNvSpPr txBox="1"/>
-          <p:nvPr/>
-        </p:nvSpPr>
-        <p:spPr>
-          <a:xfrm>
-            <a:off x="777240" y="3063240"/>
-            <a:ext cx="2743200" cy="320040"/>
-          </a:xfrm>
-          <a:prstGeom prst="rect">
-            <a:avLst/>
-          </a:prstGeom>
-          <a:noFill/>
-        </p:spPr>
-        <p:txBody>
-          <a:bodyPr wrap="square" lIns="127000" rIns="127000" tIns="76200" bIns="76200">
-            <a:spAutoFit/>
-          </a:bodyPr>
-          <a:lstStyle/>
-          <a:p>
-            <a:pPr>
-              <a:defRPr sz="1400" b="1">
-                <a:solidFill>
-                  <a:srgbClr val="1E40AF"/>
-                </a:solidFill>
-                <a:latin typeface="Microsoft YaHei"/>
-              </a:defRPr>
-            </a:pPr>
-            <a:r>
-              <a:t>{{SLA_TITLE}}</a:t>
-            </a:r>
-          </a:p>
-        </p:txBody>
-      </p:sp>
-      <p:sp>
-        <p:nvSpPr>
-          <p:cNvPr id="18" name="TextBox 17"/>
-          <p:cNvSpPr txBox="1"/>
-          <p:nvPr/>
-        </p:nvSpPr>
-        <p:spPr>
-          <a:xfrm>
-            <a:off x="3520440" y="3063240"/>
-            <a:ext cx="8229600" cy="502920"/>
-          </a:xfrm>
-          <a:prstGeom prst="rect">
-            <a:avLst/>
-          </a:prstGeom>
-          <a:noFill/>
-        </p:spPr>
-        <p:txBody>
-          <a:bodyPr wrap="square" lIns="127000" rIns="127000" tIns="76200" bIns="76200">
-            <a:spAutoFit/>
-          </a:bodyPr>
-          <a:lstStyle/>
-          <a:p>
-            <a:pPr>
-              <a:defRPr sz="1000" b="0">
-                <a:solidFill>
-                  <a:srgbClr val="0F172A"/>
-                </a:solidFill>
-                <a:latin typeface="Microsoft YaHei"/>
-              </a:defRPr>
-            </a:pPr>
-            <a:r>
-              <a:t>{{SLA_NOTES}}</a:t>
-            </a:r>
-          </a:p>
-        </p:txBody>
-      </p:sp>
-      <p:sp>
-        <p:nvSpPr>
-          <p:cNvPr id="19" name="Rounded Rectangle 18"/>
+          <p:cNvPr id="14" name="Rectangle 13"/>
           <p:cNvSpPr/>
           <p:nvPr/>
         </p:nvSpPr>
         <p:spPr>
           <a:xfrm>
-            <a:off x="649224" y="4032503"/>
-            <a:ext cx="11247120" cy="2331720"/>
-          </a:xfrm>
-          <a:prstGeom prst="roundRect">
+            <a:off x="548640" y="2697480"/>
+            <a:ext cx="45720" cy="822960"/>
+          </a:xfrm>
+          <a:prstGeom prst="rect">
             <a:avLst/>
           </a:prstGeom>
           <a:solidFill>
-            <a:srgbClr val="000000"/>
+            <a:srgbClr val="0A4275"/>
           </a:solidFill>
           <a:ln>
             <a:noFill/>
@@ -9357,16 +8206,88 @@
       </p:sp>
       <p:sp>
         <p:nvSpPr>
-          <p:cNvPr id="20" name="Rounded Rectangle 19"/>
+          <p:cNvPr id="15" name="TextBox 14"/>
+          <p:cNvSpPr txBox="1"/>
+          <p:nvPr/>
+        </p:nvSpPr>
+        <p:spPr>
+          <a:xfrm>
+            <a:off x="731520" y="2743200"/>
+            <a:ext cx="2286000" cy="320040"/>
+          </a:xfrm>
+          <a:prstGeom prst="rect">
+            <a:avLst/>
+          </a:prstGeom>
+          <a:noFill/>
+        </p:spPr>
+        <p:txBody>
+          <a:bodyPr wrap="square" lIns="101600" rIns="101600" tIns="50800" bIns="50800">
+            <a:spAutoFit/>
+          </a:bodyPr>
+          <a:lstStyle/>
+          <a:p>
+            <a:pPr>
+              <a:defRPr sz="1400" b="1">
+                <a:solidFill>
+                  <a:srgbClr val="0A4275"/>
+                </a:solidFill>
+                <a:latin typeface="Microsoft YaHei"/>
+              </a:defRPr>
+            </a:pPr>
+            <a:r>
+              <a:t>{{SLA_TITLE}}</a:t>
+            </a:r>
+          </a:p>
+        </p:txBody>
+      </p:sp>
+      <p:sp>
+        <p:nvSpPr>
+          <p:cNvPr id="16" name="TextBox 15"/>
+          <p:cNvSpPr txBox="1"/>
+          <p:nvPr/>
+        </p:nvSpPr>
+        <p:spPr>
+          <a:xfrm>
+            <a:off x="3108960" y="2743200"/>
+            <a:ext cx="8321040" cy="685800"/>
+          </a:xfrm>
+          <a:prstGeom prst="rect">
+            <a:avLst/>
+          </a:prstGeom>
+          <a:noFill/>
+        </p:spPr>
+        <p:txBody>
+          <a:bodyPr wrap="square" lIns="101600" rIns="101600" tIns="50800" bIns="50800">
+            <a:spAutoFit/>
+          </a:bodyPr>
+          <a:lstStyle/>
+          <a:p>
+            <a:pPr>
+              <a:defRPr sz="1100" b="0">
+                <a:solidFill>
+                  <a:srgbClr val="333333"/>
+                </a:solidFill>
+                <a:latin typeface="Microsoft YaHei"/>
+              </a:defRPr>
+            </a:pPr>
+            <a:r>
+              <a:t>{{SLA_NOTES}}</a:t>
+            </a:r>
+          </a:p>
+        </p:txBody>
+      </p:sp>
+      <p:sp>
+        <p:nvSpPr>
+          <p:cNvPr id="17" name="Rectangle 16"/>
           <p:cNvSpPr/>
           <p:nvPr/>
         </p:nvSpPr>
         <p:spPr>
           <a:xfrm>
-            <a:off x="594360" y="3977639"/>
-            <a:ext cx="11247120" cy="2331720"/>
-          </a:xfrm>
-          <a:prstGeom prst="roundRect">
+            <a:off x="548640" y="3657600"/>
+            <a:ext cx="11064240" cy="2423160"/>
+          </a:xfrm>
+          <a:prstGeom prst="rect">
             <a:avLst/>
           </a:prstGeom>
           <a:solidFill>
@@ -9402,14 +8323,57 @@
       </p:sp>
       <p:sp>
         <p:nvSpPr>
-          <p:cNvPr id="21" name="TextBox 20"/>
+          <p:cNvPr id="18" name="Rectangle 17"/>
+          <p:cNvSpPr/>
+          <p:nvPr/>
+        </p:nvSpPr>
+        <p:spPr>
+          <a:xfrm>
+            <a:off x="548640" y="3657600"/>
+            <a:ext cx="45720" cy="2423160"/>
+          </a:xfrm>
+          <a:prstGeom prst="rect">
+            <a:avLst/>
+          </a:prstGeom>
+          <a:solidFill>
+            <a:srgbClr val="0A4275"/>
+          </a:solidFill>
+          <a:ln>
+            <a:noFill/>
+          </a:ln>
+        </p:spPr>
+        <p:style>
+          <a:lnRef idx="1">
+            <a:schemeClr val="accent1"/>
+          </a:lnRef>
+          <a:fillRef idx="3">
+            <a:schemeClr val="accent1"/>
+          </a:fillRef>
+          <a:effectRef idx="2">
+            <a:schemeClr val="accent1"/>
+          </a:effectRef>
+          <a:fontRef idx="minor">
+            <a:schemeClr val="lt1"/>
+          </a:fontRef>
+        </p:style>
+        <p:txBody>
+          <a:bodyPr rtlCol="0" anchor="ctr"/>
+          <a:lstStyle/>
+          <a:p>
+            <a:pPr algn="ctr"/>
+          </a:p>
+        </p:txBody>
+      </p:sp>
+      <p:sp>
+        <p:nvSpPr>
+          <p:cNvPr id="19" name="TextBox 18"/>
           <p:cNvSpPr txBox="1"/>
           <p:nvPr/>
         </p:nvSpPr>
         <p:spPr>
           <a:xfrm>
-            <a:off x="777240" y="4069080"/>
-            <a:ext cx="10881360" cy="365760"/>
+            <a:off x="731520" y="3703320"/>
+            <a:ext cx="10698480" cy="320040"/>
           </a:xfrm>
           <a:prstGeom prst="rect">
             <a:avLst/>
@@ -9417,7 +8381,7 @@
           <a:noFill/>
         </p:spPr>
         <p:txBody>
-          <a:bodyPr wrap="square" lIns="127000" rIns="127000" tIns="76200" bIns="76200">
+          <a:bodyPr wrap="square" lIns="101600" rIns="101600" tIns="50800" bIns="50800">
             <a:spAutoFit/>
           </a:bodyPr>
           <a:lstStyle/>
@@ -9425,7 +8389,7 @@
             <a:pPr>
               <a:defRPr sz="1400" b="1">
                 <a:solidFill>
-                  <a:srgbClr val="1E40AF"/>
+                  <a:srgbClr val="0A4275"/>
                 </a:solidFill>
                 <a:latin typeface="Microsoft YaHei"/>
               </a:defRPr>
@@ -9438,14 +8402,14 @@
       </p:sp>
       <p:sp>
         <p:nvSpPr>
-          <p:cNvPr id="22" name="TextBox 21"/>
+          <p:cNvPr id="20" name="TextBox 19"/>
           <p:cNvSpPr txBox="1"/>
           <p:nvPr/>
         </p:nvSpPr>
         <p:spPr>
           <a:xfrm>
-            <a:off x="777240" y="4434840"/>
-            <a:ext cx="10881360" cy="1783080"/>
+            <a:off x="731520" y="4069080"/>
+            <a:ext cx="10698480" cy="1920240"/>
           </a:xfrm>
           <a:prstGeom prst="rect">
             <a:avLst/>
@@ -9453,15 +8417,15 @@
           <a:noFill/>
         </p:spPr>
         <p:txBody>
-          <a:bodyPr wrap="square" lIns="127000" rIns="127000" tIns="76200" bIns="76200">
+          <a:bodyPr wrap="square" lIns="101600" rIns="101600" tIns="50800" bIns="50800">
             <a:spAutoFit/>
           </a:bodyPr>
           <a:lstStyle/>
           <a:p>
             <a:pPr>
-              <a:defRPr sz="1000" b="0">
+              <a:defRPr sz="1100" b="0">
                 <a:solidFill>
-                  <a:srgbClr val="0F172A"/>
+                  <a:srgbClr val="333333"/>
                 </a:solidFill>
                 <a:latin typeface="Microsoft YaHei"/>
               </a:defRPr>
@@ -9474,14 +8438,14 @@
       </p:sp>
       <p:sp>
         <p:nvSpPr>
-          <p:cNvPr id="23" name="TextBox 22"/>
+          <p:cNvPr id="21" name="TextBox 20"/>
           <p:cNvSpPr txBox="1"/>
           <p:nvPr/>
         </p:nvSpPr>
         <p:spPr>
           <a:xfrm>
-            <a:off x="594360" y="6355080"/>
-            <a:ext cx="11247120" cy="411480"/>
+            <a:off x="548640" y="6217920"/>
+            <a:ext cx="11064240" cy="365760"/>
           </a:xfrm>
           <a:prstGeom prst="rect">
             <a:avLst/>
@@ -9489,15 +8453,15 @@
           <a:noFill/>
         </p:spPr>
         <p:txBody>
-          <a:bodyPr wrap="square" lIns="127000" rIns="127000" tIns="76200" bIns="76200">
+          <a:bodyPr wrap="square" lIns="101600" rIns="101600" tIns="50800" bIns="50800">
             <a:spAutoFit/>
           </a:bodyPr>
           <a:lstStyle/>
           <a:p>
-            <a:pPr>
-              <a:defRPr sz="1000" b="0">
+            <a:pPr algn="ctr">
+              <a:defRPr sz="1100" b="0">
                 <a:solidFill>
-                  <a:srgbClr val="64748B"/>
+                  <a:srgbClr val="666666"/>
                 </a:solidFill>
                 <a:latin typeface="Microsoft YaHei"/>
               </a:defRPr>
